--- a/World Happiness Report .pptx
+++ b/World Happiness Report .pptx
@@ -5,13 +5,17 @@
     <p:sldMasterId id="2147483824" r:id="rId4"/>
   </p:sldMasterIdLst>
   <p:notesMasterIdLst>
-    <p:notesMasterId r:id="rId9"/>
+    <p:notesMasterId r:id="rId13"/>
   </p:notesMasterIdLst>
   <p:sldIdLst>
     <p:sldId id="256" r:id="rId5"/>
     <p:sldId id="258" r:id="rId6"/>
     <p:sldId id="260" r:id="rId7"/>
     <p:sldId id="261" r:id="rId8"/>
+    <p:sldId id="262" r:id="rId9"/>
+    <p:sldId id="264" r:id="rId10"/>
+    <p:sldId id="263" r:id="rId11"/>
+    <p:sldId id="265" r:id="rId12"/>
   </p:sldIdLst>
   <p:sldSz cx="12192000" cy="6858000"/>
   <p:notesSz cx="6858000" cy="9144000"/>
@@ -128,14 +132,6 @@
     </p:extLst>
   </p:cmAuthor>
 </p:cmAuthorLst>
-</file>
-
-<file path=ppt/revisionInfo.xml><?xml version="1.0" encoding="utf-8"?>
-<p1510:revInfo xmlns:a="http://schemas.openxmlformats.org/drawingml/2006/main" xmlns:r="http://schemas.openxmlformats.org/officeDocument/2006/relationships" xmlns:p1510="http://schemas.microsoft.com/office/powerpoint/2015/10/main">
-  <p1510:revLst>
-    <p1510:client id="{8D7B186A-7087-46A9-A466-4877AAB8FBC1}" v="106" dt="2020-01-09T21:08:45.827"/>
-  </p1510:revLst>
-</p1510:revInfo>
 </file>
 
 <file path=ppt/notesMasters/notesMaster1.xml><?xml version="1.0" encoding="utf-8"?>
@@ -5361,6 +5357,19 @@
             </a:r>
           </a:p>
           <a:p>
+            <a:pPr marL="285750" indent="-228600">
+              <a:lnSpc>
+                <a:spcPct val="90000"/>
+              </a:lnSpc>
+              <a:spcAft>
+                <a:spcPts val="600"/>
+              </a:spcAft>
+              <a:buFont typeface="Arial" panose="020B0604020202020204" pitchFamily="34" charset="0"/>
+              <a:buChar char="•"/>
+            </a:pPr>
+            <a:endParaRPr lang="en-US" sz="1400" dirty="0"/>
+          </a:p>
+          <a:p>
             <a:pPr>
               <a:lnSpc>
                 <a:spcPct val="90000"/>
@@ -5369,20 +5378,9 @@
                 <a:spcPts val="600"/>
               </a:spcAft>
             </a:pPr>
-            <a:endParaRPr lang="en-US" sz="1400" dirty="0"/>
-          </a:p>
-          <a:p>
-            <a:pPr>
-              <a:lnSpc>
-                <a:spcPct val="90000"/>
-              </a:lnSpc>
-              <a:spcAft>
-                <a:spcPts val="600"/>
-              </a:spcAft>
-            </a:pPr>
             <a:r>
               <a:rPr lang="en-US" sz="1600" b="1" dirty="0"/>
-              <a:t>The happiness score consist of six factors that contribute to making life evaluation higher :</a:t>
+              <a:t>six factors were looked at to contribute to making life evaluation higher :</a:t>
             </a:r>
           </a:p>
           <a:p>
@@ -5651,82 +5649,428 @@
           </a:p>
         </p:txBody>
       </p:sp>
-      <p:sp>
-        <p:nvSpPr>
-          <p:cNvPr id="3" name="TextBox 2">
-            <a:extLst>
-              <a:ext uri="{FF2B5EF4-FFF2-40B4-BE49-F238E27FC236}">
-                <a16:creationId xmlns:a16="http://schemas.microsoft.com/office/drawing/2014/main" id="{93C28B76-38AF-1C40-9AD4-46C004F7C242}"/>
-              </a:ext>
-            </a:extLst>
-          </p:cNvPr>
-          <p:cNvSpPr txBox="1"/>
+      <p:pic>
+        <p:nvPicPr>
+          <p:cNvPr id="6" name="Picture 5">
+            <a:extLst>
+              <a:ext uri="{FF2B5EF4-FFF2-40B4-BE49-F238E27FC236}">
+                <a16:creationId xmlns:a16="http://schemas.microsoft.com/office/drawing/2014/main" id="{60902883-0EBE-C446-A2F8-FCB68127D770}"/>
+              </a:ext>
+            </a:extLst>
+          </p:cNvPr>
+          <p:cNvPicPr>
+            <a:picLocks noChangeAspect="1"/>
+          </p:cNvPicPr>
           <p:nvPr/>
-        </p:nvSpPr>
+        </p:nvPicPr>
+        <p:blipFill>
+          <a:blip r:embed="rId2">
+            <a:clrChange>
+              <a:clrFrom>
+                <a:srgbClr val="FFFFFF"/>
+              </a:clrFrom>
+              <a:clrTo>
+                <a:srgbClr val="FFFFFF">
+                  <a:alpha val="0"/>
+                </a:srgbClr>
+              </a:clrTo>
+            </a:clrChange>
+            <a:extLst>
+              <a:ext uri="{28A0092B-C50C-407E-A947-70E740481C1C}">
+                <a14:useLocalDpi xmlns:a14="http://schemas.microsoft.com/office/drawing/2010/main" val="0"/>
+              </a:ext>
+            </a:extLst>
+          </a:blip>
+          <a:stretch>
+            <a:fillRect/>
+          </a:stretch>
+        </p:blipFill>
         <p:spPr>
           <a:xfrm>
-            <a:off x="307730" y="4387362"/>
-            <a:ext cx="4985239" cy="2308324"/>
-          </a:xfrm>
-          <a:prstGeom prst="rect">
-            <a:avLst/>
-          </a:prstGeom>
-          <a:noFill/>
-        </p:spPr>
-        <p:txBody>
-          <a:bodyPr wrap="square" rtlCol="0">
-            <a:spAutoFit/>
-          </a:bodyPr>
-          <a:lstStyle/>
-          <a:p>
-            <a:r>
-              <a:rPr lang="en-US" dirty="0"/>
-              <a:t>We have obtained the heatmap of correlation among the variables. The color palette in the side represents the amount of correlation among the variables. The lighter shade represents high correlation. We can see that happiness score is highly correlated with GDP per capita, family and life expectancy. It is least correlated with generosity.</a:t>
-            </a:r>
-          </a:p>
-        </p:txBody>
-      </p:sp>
-      <p:sp>
-        <p:nvSpPr>
-          <p:cNvPr id="4" name="Rectangle 3">
-            <a:extLst>
-              <a:ext uri="{FF2B5EF4-FFF2-40B4-BE49-F238E27FC236}">
-                <a16:creationId xmlns:a16="http://schemas.microsoft.com/office/drawing/2014/main" id="{ACE9D2BE-1AEC-6C49-AD15-AD06ADFE02D0}"/>
-              </a:ext>
-            </a:extLst>
-          </p:cNvPr>
-          <p:cNvSpPr/>
-          <p:nvPr/>
-        </p:nvSpPr>
-        <p:spPr>
-          <a:xfrm>
-            <a:off x="5424941" y="5934780"/>
-            <a:ext cx="4911794" cy="369332"/>
+            <a:off x="861834" y="756705"/>
+            <a:ext cx="10823944" cy="6207618"/>
           </a:xfrm>
           <a:prstGeom prst="rect">
             <a:avLst/>
           </a:prstGeom>
         </p:spPr>
-        <p:txBody>
-          <a:bodyPr wrap="none">
-            <a:spAutoFit/>
-          </a:bodyPr>
-          <a:lstStyle/>
-          <a:p>
-            <a:r>
-              <a:rPr lang="en-US" dirty="0">
-                <a:hlinkClick r:id="rId2"/>
-              </a:rPr>
-              <a:t>file:///Users/tura-agu/project-one/temp-plot.html</a:t>
-            </a:r>
-            <a:endParaRPr lang="en-US" dirty="0"/>
-          </a:p>
-        </p:txBody>
-      </p:sp>
+      </p:pic>
     </p:spTree>
     <p:extLst>
       <p:ext uri="{BB962C8B-B14F-4D97-AF65-F5344CB8AC3E}">
         <p14:creationId xmlns:p14="http://schemas.microsoft.com/office/powerpoint/2010/main" val="4186983860"/>
+      </p:ext>
+    </p:extLst>
+  </p:cSld>
+  <p:clrMapOvr>
+    <a:masterClrMapping/>
+  </p:clrMapOvr>
+</p:sld>
+</file>
+
+<file path=ppt/slides/slide5.xml><?xml version="1.0" encoding="utf-8"?>
+<p:sld xmlns:a="http://schemas.openxmlformats.org/drawingml/2006/main" xmlns:r="http://schemas.openxmlformats.org/officeDocument/2006/relationships" xmlns:p="http://schemas.openxmlformats.org/presentationml/2006/main">
+  <p:cSld>
+    <p:spTree>
+      <p:nvGrpSpPr>
+        <p:cNvPr id="1" name=""/>
+        <p:cNvGrpSpPr/>
+        <p:nvPr/>
+      </p:nvGrpSpPr>
+      <p:grpSpPr>
+        <a:xfrm>
+          <a:off x="0" y="0"/>
+          <a:ext cx="0" cy="0"/>
+          <a:chOff x="0" y="0"/>
+          <a:chExt cx="0" cy="0"/>
+        </a:xfrm>
+      </p:grpSpPr>
+      <p:pic>
+        <p:nvPicPr>
+          <p:cNvPr id="5" name="Picture 4">
+            <a:extLst>
+              <a:ext uri="{FF2B5EF4-FFF2-40B4-BE49-F238E27FC236}">
+                <a16:creationId xmlns:a16="http://schemas.microsoft.com/office/drawing/2014/main" id="{7E6DDA8B-6DE7-BC4D-8C56-D99CD1C88366}"/>
+              </a:ext>
+            </a:extLst>
+          </p:cNvPr>
+          <p:cNvPicPr>
+            <a:picLocks noChangeAspect="1"/>
+          </p:cNvPicPr>
+          <p:nvPr/>
+        </p:nvPicPr>
+        <p:blipFill>
+          <a:blip r:embed="rId2">
+            <a:extLst>
+              <a:ext uri="{28A0092B-C50C-407E-A947-70E740481C1C}">
+                <a14:useLocalDpi xmlns:a14="http://schemas.microsoft.com/office/drawing/2010/main" val="0"/>
+              </a:ext>
+            </a:extLst>
+          </a:blip>
+          <a:stretch>
+            <a:fillRect/>
+          </a:stretch>
+        </p:blipFill>
+        <p:spPr>
+          <a:xfrm>
+            <a:off x="123290" y="1532545"/>
+            <a:ext cx="11410188" cy="4498386"/>
+          </a:xfrm>
+          <a:prstGeom prst="rect">
+            <a:avLst/>
+          </a:prstGeom>
+        </p:spPr>
+      </p:pic>
+    </p:spTree>
+    <p:extLst>
+      <p:ext uri="{BB962C8B-B14F-4D97-AF65-F5344CB8AC3E}">
+        <p14:creationId xmlns:p14="http://schemas.microsoft.com/office/powerpoint/2010/main" val="3235954156"/>
+      </p:ext>
+    </p:extLst>
+  </p:cSld>
+  <p:clrMapOvr>
+    <a:masterClrMapping/>
+  </p:clrMapOvr>
+</p:sld>
+</file>
+
+<file path=ppt/slides/slide6.xml><?xml version="1.0" encoding="utf-8"?>
+<p:sld xmlns:a="http://schemas.openxmlformats.org/drawingml/2006/main" xmlns:r="http://schemas.openxmlformats.org/officeDocument/2006/relationships" xmlns:p="http://schemas.openxmlformats.org/presentationml/2006/main">
+  <p:cSld>
+    <p:spTree>
+      <p:nvGrpSpPr>
+        <p:cNvPr id="1" name=""/>
+        <p:cNvGrpSpPr/>
+        <p:nvPr/>
+      </p:nvGrpSpPr>
+      <p:grpSpPr>
+        <a:xfrm>
+          <a:off x="0" y="0"/>
+          <a:ext cx="0" cy="0"/>
+          <a:chOff x="0" y="0"/>
+          <a:chExt cx="0" cy="0"/>
+        </a:xfrm>
+      </p:grpSpPr>
+      <p:pic>
+        <p:nvPicPr>
+          <p:cNvPr id="2" name="Picture 1">
+            <a:extLst>
+              <a:ext uri="{FF2B5EF4-FFF2-40B4-BE49-F238E27FC236}">
+                <a16:creationId xmlns:a16="http://schemas.microsoft.com/office/drawing/2014/main" id="{E2A28A09-C732-8342-8DDC-54B6686AF8F9}"/>
+              </a:ext>
+            </a:extLst>
+          </p:cNvPr>
+          <p:cNvPicPr>
+            <a:picLocks noChangeAspect="1"/>
+          </p:cNvPicPr>
+          <p:nvPr/>
+        </p:nvPicPr>
+        <p:blipFill>
+          <a:blip r:embed="rId2">
+            <a:extLst>
+              <a:ext uri="{28A0092B-C50C-407E-A947-70E740481C1C}">
+                <a14:useLocalDpi xmlns:a14="http://schemas.microsoft.com/office/drawing/2010/main" val="0"/>
+              </a:ext>
+            </a:extLst>
+          </a:blip>
+          <a:stretch>
+            <a:fillRect/>
+          </a:stretch>
+        </p:blipFill>
+        <p:spPr>
+          <a:xfrm>
+            <a:off x="758575" y="336479"/>
+            <a:ext cx="10674849" cy="3208106"/>
+          </a:xfrm>
+          <a:prstGeom prst="rect">
+            <a:avLst/>
+          </a:prstGeom>
+        </p:spPr>
+      </p:pic>
+      <p:pic>
+        <p:nvPicPr>
+          <p:cNvPr id="4" name="Picture 3">
+            <a:extLst>
+              <a:ext uri="{FF2B5EF4-FFF2-40B4-BE49-F238E27FC236}">
+                <a16:creationId xmlns:a16="http://schemas.microsoft.com/office/drawing/2014/main" id="{E4D038A7-B10F-5E47-8B95-066BE2D7CC6E}"/>
+              </a:ext>
+            </a:extLst>
+          </p:cNvPr>
+          <p:cNvPicPr>
+            <a:picLocks noChangeAspect="1"/>
+          </p:cNvPicPr>
+          <p:nvPr/>
+        </p:nvPicPr>
+        <p:blipFill>
+          <a:blip r:embed="rId3">
+            <a:extLst>
+              <a:ext uri="{28A0092B-C50C-407E-A947-70E740481C1C}">
+                <a14:useLocalDpi xmlns:a14="http://schemas.microsoft.com/office/drawing/2010/main" val="0"/>
+              </a:ext>
+            </a:extLst>
+          </a:blip>
+          <a:stretch>
+            <a:fillRect/>
+          </a:stretch>
+        </p:blipFill>
+        <p:spPr>
+          <a:xfrm>
+            <a:off x="758575" y="3429000"/>
+            <a:ext cx="10674849" cy="3313415"/>
+          </a:xfrm>
+          <a:prstGeom prst="rect">
+            <a:avLst/>
+          </a:prstGeom>
+        </p:spPr>
+      </p:pic>
+    </p:spTree>
+    <p:extLst>
+      <p:ext uri="{BB962C8B-B14F-4D97-AF65-F5344CB8AC3E}">
+        <p14:creationId xmlns:p14="http://schemas.microsoft.com/office/powerpoint/2010/main" val="1595920510"/>
+      </p:ext>
+    </p:extLst>
+  </p:cSld>
+  <p:clrMapOvr>
+    <a:masterClrMapping/>
+  </p:clrMapOvr>
+</p:sld>
+</file>
+
+<file path=ppt/slides/slide7.xml><?xml version="1.0" encoding="utf-8"?>
+<p:sld xmlns:a="http://schemas.openxmlformats.org/drawingml/2006/main" xmlns:r="http://schemas.openxmlformats.org/officeDocument/2006/relationships" xmlns:p="http://schemas.openxmlformats.org/presentationml/2006/main">
+  <p:cSld>
+    <p:spTree>
+      <p:nvGrpSpPr>
+        <p:cNvPr id="1" name=""/>
+        <p:cNvGrpSpPr/>
+        <p:nvPr/>
+      </p:nvGrpSpPr>
+      <p:grpSpPr>
+        <a:xfrm>
+          <a:off x="0" y="0"/>
+          <a:ext cx="0" cy="0"/>
+          <a:chOff x="0" y="0"/>
+          <a:chExt cx="0" cy="0"/>
+        </a:xfrm>
+      </p:grpSpPr>
+      <p:pic>
+        <p:nvPicPr>
+          <p:cNvPr id="3" name="Picture 2">
+            <a:extLst>
+              <a:ext uri="{FF2B5EF4-FFF2-40B4-BE49-F238E27FC236}">
+                <a16:creationId xmlns:a16="http://schemas.microsoft.com/office/drawing/2014/main" id="{809D0EED-F4B4-4645-B6CE-A99B4E88D06B}"/>
+              </a:ext>
+            </a:extLst>
+          </p:cNvPr>
+          <p:cNvPicPr>
+            <a:picLocks noChangeAspect="1"/>
+          </p:cNvPicPr>
+          <p:nvPr/>
+        </p:nvPicPr>
+        <p:blipFill>
+          <a:blip r:embed="rId2">
+            <a:extLst>
+              <a:ext uri="{28A0092B-C50C-407E-A947-70E740481C1C}">
+                <a14:useLocalDpi xmlns:a14="http://schemas.microsoft.com/office/drawing/2010/main" val="0"/>
+              </a:ext>
+            </a:extLst>
+          </a:blip>
+          <a:stretch>
+            <a:fillRect/>
+          </a:stretch>
+        </p:blipFill>
+        <p:spPr>
+          <a:xfrm>
+            <a:off x="988032" y="98118"/>
+            <a:ext cx="10705673" cy="3318553"/>
+          </a:xfrm>
+          <a:prstGeom prst="rect">
+            <a:avLst/>
+          </a:prstGeom>
+        </p:spPr>
+      </p:pic>
+      <p:pic>
+        <p:nvPicPr>
+          <p:cNvPr id="24" name="Picture 23">
+            <a:extLst>
+              <a:ext uri="{FF2B5EF4-FFF2-40B4-BE49-F238E27FC236}">
+                <a16:creationId xmlns:a16="http://schemas.microsoft.com/office/drawing/2014/main" id="{0D442FAE-EB81-E64B-B056-341130EF3687}"/>
+              </a:ext>
+            </a:extLst>
+          </p:cNvPr>
+          <p:cNvPicPr>
+            <a:picLocks noChangeAspect="1"/>
+          </p:cNvPicPr>
+          <p:nvPr/>
+        </p:nvPicPr>
+        <p:blipFill>
+          <a:blip r:embed="rId3">
+            <a:extLst>
+              <a:ext uri="{28A0092B-C50C-407E-A947-70E740481C1C}">
+                <a14:useLocalDpi xmlns:a14="http://schemas.microsoft.com/office/drawing/2010/main" val="0"/>
+              </a:ext>
+            </a:extLst>
+          </a:blip>
+          <a:stretch>
+            <a:fillRect/>
+          </a:stretch>
+        </p:blipFill>
+        <p:spPr>
+          <a:xfrm>
+            <a:off x="988032" y="3318553"/>
+            <a:ext cx="10705672" cy="3441329"/>
+          </a:xfrm>
+          <a:prstGeom prst="rect">
+            <a:avLst/>
+          </a:prstGeom>
+        </p:spPr>
+      </p:pic>
+    </p:spTree>
+    <p:extLst>
+      <p:ext uri="{BB962C8B-B14F-4D97-AF65-F5344CB8AC3E}">
+        <p14:creationId xmlns:p14="http://schemas.microsoft.com/office/powerpoint/2010/main" val="735382775"/>
+      </p:ext>
+    </p:extLst>
+  </p:cSld>
+  <p:clrMapOvr>
+    <a:masterClrMapping/>
+  </p:clrMapOvr>
+</p:sld>
+</file>
+
+<file path=ppt/slides/slide8.xml><?xml version="1.0" encoding="utf-8"?>
+<p:sld xmlns:a="http://schemas.openxmlformats.org/drawingml/2006/main" xmlns:r="http://schemas.openxmlformats.org/officeDocument/2006/relationships" xmlns:p="http://schemas.openxmlformats.org/presentationml/2006/main">
+  <p:cSld>
+    <p:spTree>
+      <p:nvGrpSpPr>
+        <p:cNvPr id="1" name=""/>
+        <p:cNvGrpSpPr/>
+        <p:nvPr/>
+      </p:nvGrpSpPr>
+      <p:grpSpPr>
+        <a:xfrm>
+          <a:off x="0" y="0"/>
+          <a:ext cx="0" cy="0"/>
+          <a:chOff x="0" y="0"/>
+          <a:chExt cx="0" cy="0"/>
+        </a:xfrm>
+      </p:grpSpPr>
+      <p:pic>
+        <p:nvPicPr>
+          <p:cNvPr id="4" name="Picture 3">
+            <a:extLst>
+              <a:ext uri="{FF2B5EF4-FFF2-40B4-BE49-F238E27FC236}">
+                <a16:creationId xmlns:a16="http://schemas.microsoft.com/office/drawing/2014/main" id="{91890948-AA8B-7E40-8564-7987F1695D98}"/>
+              </a:ext>
+            </a:extLst>
+          </p:cNvPr>
+          <p:cNvPicPr>
+            <a:picLocks noChangeAspect="1"/>
+          </p:cNvPicPr>
+          <p:nvPr/>
+        </p:nvPicPr>
+        <p:blipFill>
+          <a:blip r:embed="rId2">
+            <a:extLst>
+              <a:ext uri="{28A0092B-C50C-407E-A947-70E740481C1C}">
+                <a14:useLocalDpi xmlns:a14="http://schemas.microsoft.com/office/drawing/2010/main" val="0"/>
+              </a:ext>
+            </a:extLst>
+          </a:blip>
+          <a:stretch>
+            <a:fillRect/>
+          </a:stretch>
+        </p:blipFill>
+        <p:spPr>
+          <a:xfrm>
+            <a:off x="1171254" y="0"/>
+            <a:ext cx="10181691" cy="3325403"/>
+          </a:xfrm>
+          <a:prstGeom prst="rect">
+            <a:avLst/>
+          </a:prstGeom>
+        </p:spPr>
+      </p:pic>
+      <p:pic>
+        <p:nvPicPr>
+          <p:cNvPr id="6" name="Picture 5">
+            <a:extLst>
+              <a:ext uri="{FF2B5EF4-FFF2-40B4-BE49-F238E27FC236}">
+                <a16:creationId xmlns:a16="http://schemas.microsoft.com/office/drawing/2014/main" id="{4CA4880C-A8D4-C94B-B9BA-2887F8DFC648}"/>
+              </a:ext>
+            </a:extLst>
+          </p:cNvPr>
+          <p:cNvPicPr>
+            <a:picLocks noChangeAspect="1"/>
+          </p:cNvPicPr>
+          <p:nvPr/>
+        </p:nvPicPr>
+        <p:blipFill>
+          <a:blip r:embed="rId3">
+            <a:extLst>
+              <a:ext uri="{28A0092B-C50C-407E-A947-70E740481C1C}">
+                <a14:useLocalDpi xmlns:a14="http://schemas.microsoft.com/office/drawing/2010/main" val="0"/>
+              </a:ext>
+            </a:extLst>
+          </a:blip>
+          <a:stretch>
+            <a:fillRect/>
+          </a:stretch>
+        </p:blipFill>
+        <p:spPr>
+          <a:xfrm>
+            <a:off x="1171254" y="3429000"/>
+            <a:ext cx="10181691" cy="3325402"/>
+          </a:xfrm>
+          <a:prstGeom prst="rect">
+            <a:avLst/>
+          </a:prstGeom>
+        </p:spPr>
+      </p:pic>
+    </p:spTree>
+    <p:extLst>
+      <p:ext uri="{BB962C8B-B14F-4D97-AF65-F5344CB8AC3E}">
+        <p14:creationId xmlns:p14="http://schemas.microsoft.com/office/powerpoint/2010/main" val="2569872014"/>
       </p:ext>
     </p:extLst>
   </p:cSld>

--- a/World Happiness Report .pptx
+++ b/World Happiness Report .pptx
@@ -5,17 +5,13 @@
     <p:sldMasterId id="2147483824" r:id="rId4"/>
   </p:sldMasterIdLst>
   <p:notesMasterIdLst>
-    <p:notesMasterId r:id="rId13"/>
+    <p:notesMasterId r:id="rId9"/>
   </p:notesMasterIdLst>
   <p:sldIdLst>
     <p:sldId id="256" r:id="rId5"/>
     <p:sldId id="258" r:id="rId6"/>
     <p:sldId id="260" r:id="rId7"/>
     <p:sldId id="261" r:id="rId8"/>
-    <p:sldId id="262" r:id="rId9"/>
-    <p:sldId id="264" r:id="rId10"/>
-    <p:sldId id="263" r:id="rId11"/>
-    <p:sldId id="265" r:id="rId12"/>
   </p:sldIdLst>
   <p:sldSz cx="12192000" cy="6858000"/>
   <p:notesSz cx="6858000" cy="9144000"/>
@@ -132,6 +128,14 @@
     </p:extLst>
   </p:cmAuthor>
 </p:cmAuthorLst>
+</file>
+
+<file path=ppt/revisionInfo.xml><?xml version="1.0" encoding="utf-8"?>
+<p1510:revInfo xmlns:a="http://schemas.openxmlformats.org/drawingml/2006/main" xmlns:r="http://schemas.openxmlformats.org/officeDocument/2006/relationships" xmlns:p1510="http://schemas.microsoft.com/office/powerpoint/2015/10/main">
+  <p1510:revLst>
+    <p1510:client id="{8D7B186A-7087-46A9-A466-4877AAB8FBC1}" v="106" dt="2020-01-09T21:08:45.827"/>
+  </p1510:revLst>
+</p1510:revInfo>
 </file>
 
 <file path=ppt/notesMasters/notesMaster1.xml><?xml version="1.0" encoding="utf-8"?>
@@ -5357,19 +5361,6 @@
             </a:r>
           </a:p>
           <a:p>
-            <a:pPr marL="285750" indent="-228600">
-              <a:lnSpc>
-                <a:spcPct val="90000"/>
-              </a:lnSpc>
-              <a:spcAft>
-                <a:spcPts val="600"/>
-              </a:spcAft>
-              <a:buFont typeface="Arial" panose="020B0604020202020204" pitchFamily="34" charset="0"/>
-              <a:buChar char="•"/>
-            </a:pPr>
-            <a:endParaRPr lang="en-US" sz="1400" dirty="0"/>
-          </a:p>
-          <a:p>
             <a:pPr>
               <a:lnSpc>
                 <a:spcPct val="90000"/>
@@ -5378,9 +5369,20 @@
                 <a:spcPts val="600"/>
               </a:spcAft>
             </a:pPr>
+            <a:endParaRPr lang="en-US" sz="1400" dirty="0"/>
+          </a:p>
+          <a:p>
+            <a:pPr>
+              <a:lnSpc>
+                <a:spcPct val="90000"/>
+              </a:lnSpc>
+              <a:spcAft>
+                <a:spcPts val="600"/>
+              </a:spcAft>
+            </a:pPr>
             <a:r>
               <a:rPr lang="en-US" sz="1600" b="1" dirty="0"/>
-              <a:t>six factors were looked at to contribute to making life evaluation higher :</a:t>
+              <a:t>The happiness score consist of six factors that contribute to making life evaluation higher :</a:t>
             </a:r>
           </a:p>
           <a:p>
@@ -5649,428 +5651,82 @@
           </a:p>
         </p:txBody>
       </p:sp>
-      <p:pic>
-        <p:nvPicPr>
-          <p:cNvPr id="6" name="Picture 5">
-            <a:extLst>
-              <a:ext uri="{FF2B5EF4-FFF2-40B4-BE49-F238E27FC236}">
-                <a16:creationId xmlns:a16="http://schemas.microsoft.com/office/drawing/2014/main" id="{60902883-0EBE-C446-A2F8-FCB68127D770}"/>
-              </a:ext>
-            </a:extLst>
-          </p:cNvPr>
-          <p:cNvPicPr>
-            <a:picLocks noChangeAspect="1"/>
-          </p:cNvPicPr>
+      <p:sp>
+        <p:nvSpPr>
+          <p:cNvPr id="3" name="TextBox 2">
+            <a:extLst>
+              <a:ext uri="{FF2B5EF4-FFF2-40B4-BE49-F238E27FC236}">
+                <a16:creationId xmlns:a16="http://schemas.microsoft.com/office/drawing/2014/main" id="{93C28B76-38AF-1C40-9AD4-46C004F7C242}"/>
+              </a:ext>
+            </a:extLst>
+          </p:cNvPr>
+          <p:cNvSpPr txBox="1"/>
           <p:nvPr/>
-        </p:nvPicPr>
-        <p:blipFill>
-          <a:blip r:embed="rId2">
-            <a:clrChange>
-              <a:clrFrom>
-                <a:srgbClr val="FFFFFF"/>
-              </a:clrFrom>
-              <a:clrTo>
-                <a:srgbClr val="FFFFFF">
-                  <a:alpha val="0"/>
-                </a:srgbClr>
-              </a:clrTo>
-            </a:clrChange>
-            <a:extLst>
-              <a:ext uri="{28A0092B-C50C-407E-A947-70E740481C1C}">
-                <a14:useLocalDpi xmlns:a14="http://schemas.microsoft.com/office/drawing/2010/main" val="0"/>
-              </a:ext>
-            </a:extLst>
-          </a:blip>
-          <a:stretch>
-            <a:fillRect/>
-          </a:stretch>
-        </p:blipFill>
+        </p:nvSpPr>
         <p:spPr>
           <a:xfrm>
-            <a:off x="861834" y="756705"/>
-            <a:ext cx="10823944" cy="6207618"/>
+            <a:off x="307730" y="4387362"/>
+            <a:ext cx="4985239" cy="2308324"/>
+          </a:xfrm>
+          <a:prstGeom prst="rect">
+            <a:avLst/>
+          </a:prstGeom>
+          <a:noFill/>
+        </p:spPr>
+        <p:txBody>
+          <a:bodyPr wrap="square" rtlCol="0">
+            <a:spAutoFit/>
+          </a:bodyPr>
+          <a:lstStyle/>
+          <a:p>
+            <a:r>
+              <a:rPr lang="en-US" dirty="0"/>
+              <a:t>We have obtained the heatmap of correlation among the variables. The color palette in the side represents the amount of correlation among the variables. The lighter shade represents high correlation. We can see that happiness score is highly correlated with GDP per capita, family and life expectancy. It is least correlated with generosity.</a:t>
+            </a:r>
+          </a:p>
+        </p:txBody>
+      </p:sp>
+      <p:sp>
+        <p:nvSpPr>
+          <p:cNvPr id="4" name="Rectangle 3">
+            <a:extLst>
+              <a:ext uri="{FF2B5EF4-FFF2-40B4-BE49-F238E27FC236}">
+                <a16:creationId xmlns:a16="http://schemas.microsoft.com/office/drawing/2014/main" id="{ACE9D2BE-1AEC-6C49-AD15-AD06ADFE02D0}"/>
+              </a:ext>
+            </a:extLst>
+          </p:cNvPr>
+          <p:cNvSpPr/>
+          <p:nvPr/>
+        </p:nvSpPr>
+        <p:spPr>
+          <a:xfrm>
+            <a:off x="5424941" y="5934780"/>
+            <a:ext cx="4911794" cy="369332"/>
           </a:xfrm>
           <a:prstGeom prst="rect">
             <a:avLst/>
           </a:prstGeom>
         </p:spPr>
-      </p:pic>
+        <p:txBody>
+          <a:bodyPr wrap="none">
+            <a:spAutoFit/>
+          </a:bodyPr>
+          <a:lstStyle/>
+          <a:p>
+            <a:r>
+              <a:rPr lang="en-US" dirty="0">
+                <a:hlinkClick r:id="rId2"/>
+              </a:rPr>
+              <a:t>file:///Users/tura-agu/project-one/temp-plot.html</a:t>
+            </a:r>
+            <a:endParaRPr lang="en-US" dirty="0"/>
+          </a:p>
+        </p:txBody>
+      </p:sp>
     </p:spTree>
     <p:extLst>
       <p:ext uri="{BB962C8B-B14F-4D97-AF65-F5344CB8AC3E}">
         <p14:creationId xmlns:p14="http://schemas.microsoft.com/office/powerpoint/2010/main" val="4186983860"/>
-      </p:ext>
-    </p:extLst>
-  </p:cSld>
-  <p:clrMapOvr>
-    <a:masterClrMapping/>
-  </p:clrMapOvr>
-</p:sld>
-</file>
-
-<file path=ppt/slides/slide5.xml><?xml version="1.0" encoding="utf-8"?>
-<p:sld xmlns:a="http://schemas.openxmlformats.org/drawingml/2006/main" xmlns:r="http://schemas.openxmlformats.org/officeDocument/2006/relationships" xmlns:p="http://schemas.openxmlformats.org/presentationml/2006/main">
-  <p:cSld>
-    <p:spTree>
-      <p:nvGrpSpPr>
-        <p:cNvPr id="1" name=""/>
-        <p:cNvGrpSpPr/>
-        <p:nvPr/>
-      </p:nvGrpSpPr>
-      <p:grpSpPr>
-        <a:xfrm>
-          <a:off x="0" y="0"/>
-          <a:ext cx="0" cy="0"/>
-          <a:chOff x="0" y="0"/>
-          <a:chExt cx="0" cy="0"/>
-        </a:xfrm>
-      </p:grpSpPr>
-      <p:pic>
-        <p:nvPicPr>
-          <p:cNvPr id="5" name="Picture 4">
-            <a:extLst>
-              <a:ext uri="{FF2B5EF4-FFF2-40B4-BE49-F238E27FC236}">
-                <a16:creationId xmlns:a16="http://schemas.microsoft.com/office/drawing/2014/main" id="{7E6DDA8B-6DE7-BC4D-8C56-D99CD1C88366}"/>
-              </a:ext>
-            </a:extLst>
-          </p:cNvPr>
-          <p:cNvPicPr>
-            <a:picLocks noChangeAspect="1"/>
-          </p:cNvPicPr>
-          <p:nvPr/>
-        </p:nvPicPr>
-        <p:blipFill>
-          <a:blip r:embed="rId2">
-            <a:extLst>
-              <a:ext uri="{28A0092B-C50C-407E-A947-70E740481C1C}">
-                <a14:useLocalDpi xmlns:a14="http://schemas.microsoft.com/office/drawing/2010/main" val="0"/>
-              </a:ext>
-            </a:extLst>
-          </a:blip>
-          <a:stretch>
-            <a:fillRect/>
-          </a:stretch>
-        </p:blipFill>
-        <p:spPr>
-          <a:xfrm>
-            <a:off x="123290" y="1532545"/>
-            <a:ext cx="11410188" cy="4498386"/>
-          </a:xfrm>
-          <a:prstGeom prst="rect">
-            <a:avLst/>
-          </a:prstGeom>
-        </p:spPr>
-      </p:pic>
-    </p:spTree>
-    <p:extLst>
-      <p:ext uri="{BB962C8B-B14F-4D97-AF65-F5344CB8AC3E}">
-        <p14:creationId xmlns:p14="http://schemas.microsoft.com/office/powerpoint/2010/main" val="3235954156"/>
-      </p:ext>
-    </p:extLst>
-  </p:cSld>
-  <p:clrMapOvr>
-    <a:masterClrMapping/>
-  </p:clrMapOvr>
-</p:sld>
-</file>
-
-<file path=ppt/slides/slide6.xml><?xml version="1.0" encoding="utf-8"?>
-<p:sld xmlns:a="http://schemas.openxmlformats.org/drawingml/2006/main" xmlns:r="http://schemas.openxmlformats.org/officeDocument/2006/relationships" xmlns:p="http://schemas.openxmlformats.org/presentationml/2006/main">
-  <p:cSld>
-    <p:spTree>
-      <p:nvGrpSpPr>
-        <p:cNvPr id="1" name=""/>
-        <p:cNvGrpSpPr/>
-        <p:nvPr/>
-      </p:nvGrpSpPr>
-      <p:grpSpPr>
-        <a:xfrm>
-          <a:off x="0" y="0"/>
-          <a:ext cx="0" cy="0"/>
-          <a:chOff x="0" y="0"/>
-          <a:chExt cx="0" cy="0"/>
-        </a:xfrm>
-      </p:grpSpPr>
-      <p:pic>
-        <p:nvPicPr>
-          <p:cNvPr id="2" name="Picture 1">
-            <a:extLst>
-              <a:ext uri="{FF2B5EF4-FFF2-40B4-BE49-F238E27FC236}">
-                <a16:creationId xmlns:a16="http://schemas.microsoft.com/office/drawing/2014/main" id="{E2A28A09-C732-8342-8DDC-54B6686AF8F9}"/>
-              </a:ext>
-            </a:extLst>
-          </p:cNvPr>
-          <p:cNvPicPr>
-            <a:picLocks noChangeAspect="1"/>
-          </p:cNvPicPr>
-          <p:nvPr/>
-        </p:nvPicPr>
-        <p:blipFill>
-          <a:blip r:embed="rId2">
-            <a:extLst>
-              <a:ext uri="{28A0092B-C50C-407E-A947-70E740481C1C}">
-                <a14:useLocalDpi xmlns:a14="http://schemas.microsoft.com/office/drawing/2010/main" val="0"/>
-              </a:ext>
-            </a:extLst>
-          </a:blip>
-          <a:stretch>
-            <a:fillRect/>
-          </a:stretch>
-        </p:blipFill>
-        <p:spPr>
-          <a:xfrm>
-            <a:off x="758575" y="336479"/>
-            <a:ext cx="10674849" cy="3208106"/>
-          </a:xfrm>
-          <a:prstGeom prst="rect">
-            <a:avLst/>
-          </a:prstGeom>
-        </p:spPr>
-      </p:pic>
-      <p:pic>
-        <p:nvPicPr>
-          <p:cNvPr id="4" name="Picture 3">
-            <a:extLst>
-              <a:ext uri="{FF2B5EF4-FFF2-40B4-BE49-F238E27FC236}">
-                <a16:creationId xmlns:a16="http://schemas.microsoft.com/office/drawing/2014/main" id="{E4D038A7-B10F-5E47-8B95-066BE2D7CC6E}"/>
-              </a:ext>
-            </a:extLst>
-          </p:cNvPr>
-          <p:cNvPicPr>
-            <a:picLocks noChangeAspect="1"/>
-          </p:cNvPicPr>
-          <p:nvPr/>
-        </p:nvPicPr>
-        <p:blipFill>
-          <a:blip r:embed="rId3">
-            <a:extLst>
-              <a:ext uri="{28A0092B-C50C-407E-A947-70E740481C1C}">
-                <a14:useLocalDpi xmlns:a14="http://schemas.microsoft.com/office/drawing/2010/main" val="0"/>
-              </a:ext>
-            </a:extLst>
-          </a:blip>
-          <a:stretch>
-            <a:fillRect/>
-          </a:stretch>
-        </p:blipFill>
-        <p:spPr>
-          <a:xfrm>
-            <a:off x="758575" y="3429000"/>
-            <a:ext cx="10674849" cy="3313415"/>
-          </a:xfrm>
-          <a:prstGeom prst="rect">
-            <a:avLst/>
-          </a:prstGeom>
-        </p:spPr>
-      </p:pic>
-    </p:spTree>
-    <p:extLst>
-      <p:ext uri="{BB962C8B-B14F-4D97-AF65-F5344CB8AC3E}">
-        <p14:creationId xmlns:p14="http://schemas.microsoft.com/office/powerpoint/2010/main" val="1595920510"/>
-      </p:ext>
-    </p:extLst>
-  </p:cSld>
-  <p:clrMapOvr>
-    <a:masterClrMapping/>
-  </p:clrMapOvr>
-</p:sld>
-</file>
-
-<file path=ppt/slides/slide7.xml><?xml version="1.0" encoding="utf-8"?>
-<p:sld xmlns:a="http://schemas.openxmlformats.org/drawingml/2006/main" xmlns:r="http://schemas.openxmlformats.org/officeDocument/2006/relationships" xmlns:p="http://schemas.openxmlformats.org/presentationml/2006/main">
-  <p:cSld>
-    <p:spTree>
-      <p:nvGrpSpPr>
-        <p:cNvPr id="1" name=""/>
-        <p:cNvGrpSpPr/>
-        <p:nvPr/>
-      </p:nvGrpSpPr>
-      <p:grpSpPr>
-        <a:xfrm>
-          <a:off x="0" y="0"/>
-          <a:ext cx="0" cy="0"/>
-          <a:chOff x="0" y="0"/>
-          <a:chExt cx="0" cy="0"/>
-        </a:xfrm>
-      </p:grpSpPr>
-      <p:pic>
-        <p:nvPicPr>
-          <p:cNvPr id="3" name="Picture 2">
-            <a:extLst>
-              <a:ext uri="{FF2B5EF4-FFF2-40B4-BE49-F238E27FC236}">
-                <a16:creationId xmlns:a16="http://schemas.microsoft.com/office/drawing/2014/main" id="{809D0EED-F4B4-4645-B6CE-A99B4E88D06B}"/>
-              </a:ext>
-            </a:extLst>
-          </p:cNvPr>
-          <p:cNvPicPr>
-            <a:picLocks noChangeAspect="1"/>
-          </p:cNvPicPr>
-          <p:nvPr/>
-        </p:nvPicPr>
-        <p:blipFill>
-          <a:blip r:embed="rId2">
-            <a:extLst>
-              <a:ext uri="{28A0092B-C50C-407E-A947-70E740481C1C}">
-                <a14:useLocalDpi xmlns:a14="http://schemas.microsoft.com/office/drawing/2010/main" val="0"/>
-              </a:ext>
-            </a:extLst>
-          </a:blip>
-          <a:stretch>
-            <a:fillRect/>
-          </a:stretch>
-        </p:blipFill>
-        <p:spPr>
-          <a:xfrm>
-            <a:off x="988032" y="98118"/>
-            <a:ext cx="10705673" cy="3318553"/>
-          </a:xfrm>
-          <a:prstGeom prst="rect">
-            <a:avLst/>
-          </a:prstGeom>
-        </p:spPr>
-      </p:pic>
-      <p:pic>
-        <p:nvPicPr>
-          <p:cNvPr id="24" name="Picture 23">
-            <a:extLst>
-              <a:ext uri="{FF2B5EF4-FFF2-40B4-BE49-F238E27FC236}">
-                <a16:creationId xmlns:a16="http://schemas.microsoft.com/office/drawing/2014/main" id="{0D442FAE-EB81-E64B-B056-341130EF3687}"/>
-              </a:ext>
-            </a:extLst>
-          </p:cNvPr>
-          <p:cNvPicPr>
-            <a:picLocks noChangeAspect="1"/>
-          </p:cNvPicPr>
-          <p:nvPr/>
-        </p:nvPicPr>
-        <p:blipFill>
-          <a:blip r:embed="rId3">
-            <a:extLst>
-              <a:ext uri="{28A0092B-C50C-407E-A947-70E740481C1C}">
-                <a14:useLocalDpi xmlns:a14="http://schemas.microsoft.com/office/drawing/2010/main" val="0"/>
-              </a:ext>
-            </a:extLst>
-          </a:blip>
-          <a:stretch>
-            <a:fillRect/>
-          </a:stretch>
-        </p:blipFill>
-        <p:spPr>
-          <a:xfrm>
-            <a:off x="988032" y="3318553"/>
-            <a:ext cx="10705672" cy="3441329"/>
-          </a:xfrm>
-          <a:prstGeom prst="rect">
-            <a:avLst/>
-          </a:prstGeom>
-        </p:spPr>
-      </p:pic>
-    </p:spTree>
-    <p:extLst>
-      <p:ext uri="{BB962C8B-B14F-4D97-AF65-F5344CB8AC3E}">
-        <p14:creationId xmlns:p14="http://schemas.microsoft.com/office/powerpoint/2010/main" val="735382775"/>
-      </p:ext>
-    </p:extLst>
-  </p:cSld>
-  <p:clrMapOvr>
-    <a:masterClrMapping/>
-  </p:clrMapOvr>
-</p:sld>
-</file>
-
-<file path=ppt/slides/slide8.xml><?xml version="1.0" encoding="utf-8"?>
-<p:sld xmlns:a="http://schemas.openxmlformats.org/drawingml/2006/main" xmlns:r="http://schemas.openxmlformats.org/officeDocument/2006/relationships" xmlns:p="http://schemas.openxmlformats.org/presentationml/2006/main">
-  <p:cSld>
-    <p:spTree>
-      <p:nvGrpSpPr>
-        <p:cNvPr id="1" name=""/>
-        <p:cNvGrpSpPr/>
-        <p:nvPr/>
-      </p:nvGrpSpPr>
-      <p:grpSpPr>
-        <a:xfrm>
-          <a:off x="0" y="0"/>
-          <a:ext cx="0" cy="0"/>
-          <a:chOff x="0" y="0"/>
-          <a:chExt cx="0" cy="0"/>
-        </a:xfrm>
-      </p:grpSpPr>
-      <p:pic>
-        <p:nvPicPr>
-          <p:cNvPr id="4" name="Picture 3">
-            <a:extLst>
-              <a:ext uri="{FF2B5EF4-FFF2-40B4-BE49-F238E27FC236}">
-                <a16:creationId xmlns:a16="http://schemas.microsoft.com/office/drawing/2014/main" id="{91890948-AA8B-7E40-8564-7987F1695D98}"/>
-              </a:ext>
-            </a:extLst>
-          </p:cNvPr>
-          <p:cNvPicPr>
-            <a:picLocks noChangeAspect="1"/>
-          </p:cNvPicPr>
-          <p:nvPr/>
-        </p:nvPicPr>
-        <p:blipFill>
-          <a:blip r:embed="rId2">
-            <a:extLst>
-              <a:ext uri="{28A0092B-C50C-407E-A947-70E740481C1C}">
-                <a14:useLocalDpi xmlns:a14="http://schemas.microsoft.com/office/drawing/2010/main" val="0"/>
-              </a:ext>
-            </a:extLst>
-          </a:blip>
-          <a:stretch>
-            <a:fillRect/>
-          </a:stretch>
-        </p:blipFill>
-        <p:spPr>
-          <a:xfrm>
-            <a:off x="1171254" y="0"/>
-            <a:ext cx="10181691" cy="3325403"/>
-          </a:xfrm>
-          <a:prstGeom prst="rect">
-            <a:avLst/>
-          </a:prstGeom>
-        </p:spPr>
-      </p:pic>
-      <p:pic>
-        <p:nvPicPr>
-          <p:cNvPr id="6" name="Picture 5">
-            <a:extLst>
-              <a:ext uri="{FF2B5EF4-FFF2-40B4-BE49-F238E27FC236}">
-                <a16:creationId xmlns:a16="http://schemas.microsoft.com/office/drawing/2014/main" id="{4CA4880C-A8D4-C94B-B9BA-2887F8DFC648}"/>
-              </a:ext>
-            </a:extLst>
-          </p:cNvPr>
-          <p:cNvPicPr>
-            <a:picLocks noChangeAspect="1"/>
-          </p:cNvPicPr>
-          <p:nvPr/>
-        </p:nvPicPr>
-        <p:blipFill>
-          <a:blip r:embed="rId3">
-            <a:extLst>
-              <a:ext uri="{28A0092B-C50C-407E-A947-70E740481C1C}">
-                <a14:useLocalDpi xmlns:a14="http://schemas.microsoft.com/office/drawing/2010/main" val="0"/>
-              </a:ext>
-            </a:extLst>
-          </a:blip>
-          <a:stretch>
-            <a:fillRect/>
-          </a:stretch>
-        </p:blipFill>
-        <p:spPr>
-          <a:xfrm>
-            <a:off x="1171254" y="3429000"/>
-            <a:ext cx="10181691" cy="3325402"/>
-          </a:xfrm>
-          <a:prstGeom prst="rect">
-            <a:avLst/>
-          </a:prstGeom>
-        </p:spPr>
-      </p:pic>
-    </p:spTree>
-    <p:extLst>
-      <p:ext uri="{BB962C8B-B14F-4D97-AF65-F5344CB8AC3E}">
-        <p14:creationId xmlns:p14="http://schemas.microsoft.com/office/powerpoint/2010/main" val="2569872014"/>
       </p:ext>
     </p:extLst>
   </p:cSld>

--- a/World Happiness Report .pptx
+++ b/World Happiness Report .pptx
@@ -5,17 +5,18 @@
     <p:sldMasterId id="2147483824" r:id="rId4"/>
   </p:sldMasterIdLst>
   <p:notesMasterIdLst>
-    <p:notesMasterId r:id="rId13"/>
+    <p:notesMasterId r:id="rId14"/>
   </p:notesMasterIdLst>
   <p:sldIdLst>
     <p:sldId id="256" r:id="rId5"/>
     <p:sldId id="258" r:id="rId6"/>
     <p:sldId id="260" r:id="rId7"/>
-    <p:sldId id="261" r:id="rId8"/>
-    <p:sldId id="262" r:id="rId9"/>
-    <p:sldId id="264" r:id="rId10"/>
-    <p:sldId id="263" r:id="rId11"/>
-    <p:sldId id="265" r:id="rId12"/>
+    <p:sldId id="266" r:id="rId8"/>
+    <p:sldId id="261" r:id="rId9"/>
+    <p:sldId id="262" r:id="rId10"/>
+    <p:sldId id="264" r:id="rId11"/>
+    <p:sldId id="263" r:id="rId12"/>
+    <p:sldId id="265" r:id="rId13"/>
   </p:sldIdLst>
   <p:sldSz cx="12192000" cy="6858000"/>
   <p:notesSz cx="6858000" cy="9144000"/>
@@ -216,7 +217,7 @@
           <a:p>
             <a:fld id="{D7E49FBC-DCCF-4CD9-802B-7096A89A89FD}" type="datetimeFigureOut">
               <a:rPr lang="en-US" smtClean="0"/>
-              <a:t>1/9/20</a:t>
+              <a:t>1/10/20</a:t>
             </a:fld>
             <a:endParaRPr lang="en-US"/>
           </a:p>
@@ -630,7 +631,7 @@
           <a:p>
             <a:fld id="{CD11FCB0-407C-4655-9D9B-8F371EF9A97A}" type="datetimeFigureOut">
               <a:rPr lang="en-US" smtClean="0"/>
-              <a:t>1/9/20</a:t>
+              <a:t>1/10/20</a:t>
             </a:fld>
             <a:endParaRPr lang="en-US"/>
           </a:p>
@@ -828,7 +829,7 @@
           <a:p>
             <a:fld id="{CD11FCB0-407C-4655-9D9B-8F371EF9A97A}" type="datetimeFigureOut">
               <a:rPr lang="en-US" smtClean="0"/>
-              <a:t>1/9/20</a:t>
+              <a:t>1/10/20</a:t>
             </a:fld>
             <a:endParaRPr lang="en-US"/>
           </a:p>
@@ -1036,7 +1037,7 @@
           <a:p>
             <a:fld id="{CD11FCB0-407C-4655-9D9B-8F371EF9A97A}" type="datetimeFigureOut">
               <a:rPr lang="en-US" smtClean="0"/>
-              <a:t>1/9/20</a:t>
+              <a:t>1/10/20</a:t>
             </a:fld>
             <a:endParaRPr lang="en-US"/>
           </a:p>
@@ -1234,7 +1235,7 @@
           <a:p>
             <a:fld id="{CD11FCB0-407C-4655-9D9B-8F371EF9A97A}" type="datetimeFigureOut">
               <a:rPr lang="en-US" smtClean="0"/>
-              <a:t>1/9/20</a:t>
+              <a:t>1/10/20</a:t>
             </a:fld>
             <a:endParaRPr lang="en-US"/>
           </a:p>
@@ -1509,7 +1510,7 @@
           <a:p>
             <a:fld id="{CD11FCB0-407C-4655-9D9B-8F371EF9A97A}" type="datetimeFigureOut">
               <a:rPr lang="en-US" smtClean="0"/>
-              <a:t>1/9/20</a:t>
+              <a:t>1/10/20</a:t>
             </a:fld>
             <a:endParaRPr lang="en-US"/>
           </a:p>
@@ -1774,7 +1775,7 @@
           <a:p>
             <a:fld id="{CD11FCB0-407C-4655-9D9B-8F371EF9A97A}" type="datetimeFigureOut">
               <a:rPr lang="en-US" smtClean="0"/>
-              <a:t>1/9/20</a:t>
+              <a:t>1/10/20</a:t>
             </a:fld>
             <a:endParaRPr lang="en-US"/>
           </a:p>
@@ -2191,7 +2192,7 @@
           <a:p>
             <a:fld id="{CD11FCB0-407C-4655-9D9B-8F371EF9A97A}" type="datetimeFigureOut">
               <a:rPr lang="en-US" smtClean="0"/>
-              <a:t>1/9/20</a:t>
+              <a:t>1/10/20</a:t>
             </a:fld>
             <a:endParaRPr lang="en-US"/>
           </a:p>
@@ -2337,7 +2338,7 @@
           <a:p>
             <a:fld id="{CD11FCB0-407C-4655-9D9B-8F371EF9A97A}" type="datetimeFigureOut">
               <a:rPr lang="en-US" smtClean="0"/>
-              <a:t>1/9/20</a:t>
+              <a:t>1/10/20</a:t>
             </a:fld>
             <a:endParaRPr lang="en-US"/>
           </a:p>
@@ -2450,7 +2451,7 @@
           <a:p>
             <a:fld id="{CD11FCB0-407C-4655-9D9B-8F371EF9A97A}" type="datetimeFigureOut">
               <a:rPr lang="en-US" smtClean="0"/>
-              <a:t>1/9/20</a:t>
+              <a:t>1/10/20</a:t>
             </a:fld>
             <a:endParaRPr lang="en-US"/>
           </a:p>
@@ -2761,7 +2762,7 @@
           <a:p>
             <a:fld id="{CD11FCB0-407C-4655-9D9B-8F371EF9A97A}" type="datetimeFigureOut">
               <a:rPr lang="en-US" smtClean="0"/>
-              <a:t>1/9/20</a:t>
+              <a:t>1/10/20</a:t>
             </a:fld>
             <a:endParaRPr lang="en-US"/>
           </a:p>
@@ -3054,7 +3055,7 @@
           <a:p>
             <a:fld id="{CD11FCB0-407C-4655-9D9B-8F371EF9A97A}" type="datetimeFigureOut">
               <a:rPr lang="en-US" smtClean="0"/>
-              <a:t>1/9/20</a:t>
+              <a:t>1/10/20</a:t>
             </a:fld>
             <a:endParaRPr lang="en-US"/>
           </a:p>
@@ -3295,7 +3296,7 @@
           <a:p>
             <a:fld id="{CD11FCB0-407C-4655-9D9B-8F371EF9A97A}" type="datetimeFigureOut">
               <a:rPr lang="en-US" smtClean="0"/>
-              <a:t>1/9/20</a:t>
+              <a:t>1/10/20</a:t>
             </a:fld>
             <a:endParaRPr lang="en-US"/>
           </a:p>
@@ -5380,7 +5381,7 @@
             </a:pPr>
             <a:r>
               <a:rPr lang="en-US" sz="1600" b="1" dirty="0"/>
-              <a:t>six factors were looked at to contribute to making life evaluation higher :</a:t>
+              <a:t>Six factors were looked at to contribute to making life evaluation higher :</a:t>
             </a:r>
           </a:p>
           <a:p>
@@ -5619,6 +5620,2324 @@
       </p:grpSpPr>
       <p:sp>
         <p:nvSpPr>
+          <p:cNvPr id="2" name="Rectangle 1">
+            <a:extLst>
+              <a:ext uri="{FF2B5EF4-FFF2-40B4-BE49-F238E27FC236}">
+                <a16:creationId xmlns:a16="http://schemas.microsoft.com/office/drawing/2014/main" id="{F69E5826-18DB-4C45-9786-73027C724A4E}"/>
+              </a:ext>
+            </a:extLst>
+          </p:cNvPr>
+          <p:cNvSpPr/>
+          <p:nvPr/>
+        </p:nvSpPr>
+        <p:spPr>
+          <a:xfrm>
+            <a:off x="2598311" y="254958"/>
+            <a:ext cx="6995378" cy="923330"/>
+          </a:xfrm>
+          <a:prstGeom prst="rect">
+            <a:avLst/>
+          </a:prstGeom>
+          <a:noFill/>
+        </p:spPr>
+        <p:txBody>
+          <a:bodyPr wrap="none" lIns="91440" tIns="45720" rIns="91440" bIns="45720">
+            <a:spAutoFit/>
+          </a:bodyPr>
+          <a:lstStyle/>
+          <a:p>
+            <a:pPr algn="ctr"/>
+            <a:r>
+              <a:rPr lang="en-US" sz="5400" b="0" cap="none" spc="0" dirty="0">
+                <a:ln w="0"/>
+                <a:solidFill>
+                  <a:schemeClr val="accent1"/>
+                </a:solidFill>
+                <a:effectLst>
+                  <a:outerShdw blurRad="38100" dist="25400" dir="5400000" algn="ctr" rotWithShape="0">
+                    <a:srgbClr val="6E747A">
+                      <a:alpha val="43000"/>
+                    </a:srgbClr>
+                  </a:outerShdw>
+                </a:effectLst>
+              </a:rPr>
+              <a:t>Data Cleanup &amp; Analysis</a:t>
+            </a:r>
+          </a:p>
+        </p:txBody>
+      </p:sp>
+      <p:sp>
+        <p:nvSpPr>
+          <p:cNvPr id="3" name="TextBox 2">
+            <a:extLst>
+              <a:ext uri="{FF2B5EF4-FFF2-40B4-BE49-F238E27FC236}">
+                <a16:creationId xmlns:a16="http://schemas.microsoft.com/office/drawing/2014/main" id="{E0B96BC8-F6E7-5249-B83F-B78A330B52E9}"/>
+              </a:ext>
+            </a:extLst>
+          </p:cNvPr>
+          <p:cNvSpPr txBox="1"/>
+          <p:nvPr/>
+        </p:nvSpPr>
+        <p:spPr>
+          <a:xfrm>
+            <a:off x="708508" y="1582340"/>
+            <a:ext cx="7477620" cy="3693319"/>
+          </a:xfrm>
+          <a:prstGeom prst="rect">
+            <a:avLst/>
+          </a:prstGeom>
+          <a:noFill/>
+        </p:spPr>
+        <p:txBody>
+          <a:bodyPr wrap="square" rtlCol="0">
+            <a:spAutoFit/>
+          </a:bodyPr>
+          <a:lstStyle/>
+          <a:p>
+            <a:pPr marL="285750" indent="-285750">
+              <a:buFont typeface="Arial" panose="020B0604020202020204" pitchFamily="34" charset="0"/>
+              <a:buChar char="•"/>
+            </a:pPr>
+            <a:r>
+              <a:rPr lang="en-US" dirty="0"/>
+              <a:t>We had to merge 5 World Happiness csv files</a:t>
+            </a:r>
+          </a:p>
+          <a:p>
+            <a:pPr marL="285750" indent="-285750">
+              <a:buFont typeface="Arial" panose="020B0604020202020204" pitchFamily="34" charset="0"/>
+              <a:buChar char="•"/>
+            </a:pPr>
+            <a:r>
+              <a:rPr lang="en-US" dirty="0"/>
+              <a:t>We realized not every year had the same amount of countries,  columns, and country names</a:t>
+            </a:r>
+          </a:p>
+          <a:p>
+            <a:pPr marL="285750" indent="-285750">
+              <a:buFont typeface="Arial" panose="020B0604020202020204" pitchFamily="34" charset="0"/>
+              <a:buChar char="•"/>
+            </a:pPr>
+            <a:r>
+              <a:rPr lang="en-US" dirty="0"/>
+              <a:t>5  countries did not have the same spelling through the files, so we renamed them to match.</a:t>
+            </a:r>
+          </a:p>
+          <a:p>
+            <a:pPr marL="285750" indent="-285750">
+              <a:buFont typeface="Arial" panose="020B0604020202020204" pitchFamily="34" charset="0"/>
+              <a:buChar char="•"/>
+            </a:pPr>
+            <a:r>
+              <a:rPr lang="en-US" dirty="0"/>
+              <a:t>20 countries were not in every year </a:t>
+            </a:r>
+          </a:p>
+          <a:p>
+            <a:pPr marL="285750" indent="-285750">
+              <a:buFont typeface="Arial" panose="020B0604020202020204" pitchFamily="34" charset="0"/>
+              <a:buChar char="•"/>
+            </a:pPr>
+            <a:r>
+              <a:rPr lang="en-US" dirty="0"/>
+              <a:t>Removed all the the </a:t>
+            </a:r>
+            <a:r>
+              <a:rPr lang="en-US" dirty="0" err="1"/>
+              <a:t>NaNs</a:t>
+            </a:r>
+            <a:endParaRPr lang="en-US" dirty="0"/>
+          </a:p>
+          <a:p>
+            <a:pPr marL="285750" indent="-285750">
+              <a:buFont typeface="Arial" panose="020B0604020202020204" pitchFamily="34" charset="0"/>
+              <a:buChar char="•"/>
+            </a:pPr>
+            <a:r>
+              <a:rPr lang="en-US" dirty="0"/>
+              <a:t>Removed columns that were not in every file</a:t>
+            </a:r>
+          </a:p>
+          <a:p>
+            <a:pPr marL="285750" indent="-285750">
+              <a:buFont typeface="Arial" panose="020B0604020202020204" pitchFamily="34" charset="0"/>
+              <a:buChar char="•"/>
+            </a:pPr>
+            <a:r>
+              <a:rPr lang="en-US" dirty="0"/>
+              <a:t>Renamed columns names to match all the files</a:t>
+            </a:r>
+          </a:p>
+          <a:p>
+            <a:endParaRPr lang="en-US" dirty="0"/>
+          </a:p>
+          <a:p>
+            <a:pPr marL="1200150" lvl="2" indent="-285750">
+              <a:buFont typeface="Arial" panose="020B0604020202020204" pitchFamily="34" charset="0"/>
+              <a:buChar char="•"/>
+            </a:pPr>
+            <a:endParaRPr lang="en-US" dirty="0"/>
+          </a:p>
+          <a:p>
+            <a:pPr marL="1200150" lvl="2" indent="-285750">
+              <a:buFont typeface="Arial" panose="020B0604020202020204" pitchFamily="34" charset="0"/>
+              <a:buChar char="•"/>
+            </a:pPr>
+            <a:endParaRPr lang="en-US" dirty="0"/>
+          </a:p>
+          <a:p>
+            <a:pPr lvl="1"/>
+            <a:endParaRPr lang="en-US" dirty="0"/>
+          </a:p>
+        </p:txBody>
+      </p:sp>
+      <p:graphicFrame>
+        <p:nvGraphicFramePr>
+          <p:cNvPr id="4" name="Table 3">
+            <a:extLst>
+              <a:ext uri="{FF2B5EF4-FFF2-40B4-BE49-F238E27FC236}">
+                <a16:creationId xmlns:a16="http://schemas.microsoft.com/office/drawing/2014/main" id="{BDF3E625-9A2F-6240-B47B-83E9092B7744}"/>
+              </a:ext>
+            </a:extLst>
+          </p:cNvPr>
+          <p:cNvGraphicFramePr>
+            <a:graphicFrameLocks noGrp="1"/>
+          </p:cNvGraphicFramePr>
+          <p:nvPr>
+            <p:extLst>
+              <p:ext uri="{D42A27DB-BD31-4B8C-83A1-F6EECF244321}">
+                <p14:modId xmlns:p14="http://schemas.microsoft.com/office/powerpoint/2010/main" val="1344402316"/>
+              </p:ext>
+            </p:extLst>
+          </p:nvPr>
+        </p:nvGraphicFramePr>
+        <p:xfrm>
+          <a:off x="296595" y="4787757"/>
+          <a:ext cx="5580223" cy="1891665"/>
+        </p:xfrm>
+        <a:graphic>
+          <a:graphicData uri="http://schemas.openxmlformats.org/drawingml/2006/table">
+            <a:tbl>
+              <a:tblPr/>
+              <a:tblGrid>
+                <a:gridCol w="3237381">
+                  <a:extLst>
+                    <a:ext uri="{9D8B030D-6E8A-4147-A177-3AD203B41FA5}">
+                      <a16:colId xmlns:a16="http://schemas.microsoft.com/office/drawing/2014/main" val="3947372917"/>
+                    </a:ext>
+                  </a:extLst>
+                </a:gridCol>
+                <a:gridCol w="2342842">
+                  <a:extLst>
+                    <a:ext uri="{9D8B030D-6E8A-4147-A177-3AD203B41FA5}">
+                      <a16:colId xmlns:a16="http://schemas.microsoft.com/office/drawing/2014/main" val="844463240"/>
+                    </a:ext>
+                  </a:extLst>
+                </a:gridCol>
+              </a:tblGrid>
+              <a:tr h="305413">
+                <a:tc>
+                  <a:txBody>
+                    <a:bodyPr/>
+                    <a:lstStyle/>
+                    <a:p>
+                      <a:pPr algn="ctr" fontAlgn="ctr"/>
+                      <a:r>
+                        <a:rPr lang="en-US" sz="1800" b="1" i="0" u="none" strike="noStrike">
+                          <a:solidFill>
+                            <a:srgbClr val="000000"/>
+                          </a:solidFill>
+                          <a:effectLst/>
+                          <a:latin typeface="Calibri" panose="020F0502020204030204" pitchFamily="34" charset="0"/>
+                        </a:rPr>
+                        <a:t>Name</a:t>
+                      </a:r>
+                    </a:p>
+                  </a:txBody>
+                  <a:tcPr marL="9525" marR="9525" marT="9525" marB="0" anchor="ctr">
+                    <a:lnL w="12700" cap="flat" cmpd="sng" algn="ctr">
+                      <a:solidFill>
+                        <a:srgbClr val="000000"/>
+                      </a:solidFill>
+                      <a:prstDash val="solid"/>
+                      <a:round/>
+                      <a:headEnd type="none" w="med" len="med"/>
+                      <a:tailEnd type="none" w="med" len="med"/>
+                    </a:lnL>
+                    <a:lnR w="6350" cap="flat" cmpd="sng" algn="ctr">
+                      <a:solidFill>
+                        <a:srgbClr val="000000"/>
+                      </a:solidFill>
+                      <a:prstDash val="solid"/>
+                      <a:round/>
+                      <a:headEnd type="none" w="med" len="med"/>
+                      <a:tailEnd type="none" w="med" len="med"/>
+                    </a:lnR>
+                    <a:lnT w="12700" cap="flat" cmpd="sng" algn="ctr">
+                      <a:solidFill>
+                        <a:srgbClr val="000000"/>
+                      </a:solidFill>
+                      <a:prstDash val="solid"/>
+                      <a:round/>
+                      <a:headEnd type="none" w="med" len="med"/>
+                      <a:tailEnd type="none" w="med" len="med"/>
+                    </a:lnT>
+                    <a:lnB w="12700" cap="flat" cmpd="sng" algn="ctr">
+                      <a:solidFill>
+                        <a:srgbClr val="000000"/>
+                      </a:solidFill>
+                      <a:prstDash val="solid"/>
+                      <a:round/>
+                      <a:headEnd type="none" w="med" len="med"/>
+                      <a:tailEnd type="none" w="med" len="med"/>
+                    </a:lnB>
+                    <a:solidFill>
+                      <a:srgbClr val="B4C6E7"/>
+                    </a:solidFill>
+                  </a:tcPr>
+                </a:tc>
+                <a:tc>
+                  <a:txBody>
+                    <a:bodyPr/>
+                    <a:lstStyle/>
+                    <a:p>
+                      <a:pPr algn="ctr" fontAlgn="b"/>
+                      <a:r>
+                        <a:rPr lang="en-US" sz="1800" b="1" i="0" u="none" strike="noStrike">
+                          <a:solidFill>
+                            <a:srgbClr val="000000"/>
+                          </a:solidFill>
+                          <a:effectLst/>
+                          <a:latin typeface="Calibri" panose="020F0502020204030204" pitchFamily="34" charset="0"/>
+                        </a:rPr>
+                        <a:t>Rename to match other files</a:t>
+                      </a:r>
+                    </a:p>
+                  </a:txBody>
+                  <a:tcPr marL="9525" marR="9525" marT="9525" marB="0" anchor="b">
+                    <a:lnL w="6350" cap="flat" cmpd="sng" algn="ctr">
+                      <a:solidFill>
+                        <a:srgbClr val="000000"/>
+                      </a:solidFill>
+                      <a:prstDash val="solid"/>
+                      <a:round/>
+                      <a:headEnd type="none" w="med" len="med"/>
+                      <a:tailEnd type="none" w="med" len="med"/>
+                    </a:lnL>
+                    <a:lnR w="12700" cap="flat" cmpd="sng" algn="ctr">
+                      <a:solidFill>
+                        <a:srgbClr val="000000"/>
+                      </a:solidFill>
+                      <a:prstDash val="solid"/>
+                      <a:round/>
+                      <a:headEnd type="none" w="med" len="med"/>
+                      <a:tailEnd type="none" w="med" len="med"/>
+                    </a:lnR>
+                    <a:lnT w="12700" cap="flat" cmpd="sng" algn="ctr">
+                      <a:solidFill>
+                        <a:srgbClr val="000000"/>
+                      </a:solidFill>
+                      <a:prstDash val="solid"/>
+                      <a:round/>
+                      <a:headEnd type="none" w="med" len="med"/>
+                      <a:tailEnd type="none" w="med" len="med"/>
+                    </a:lnT>
+                    <a:lnB w="12700" cap="flat" cmpd="sng" algn="ctr">
+                      <a:solidFill>
+                        <a:srgbClr val="000000"/>
+                      </a:solidFill>
+                      <a:prstDash val="solid"/>
+                      <a:round/>
+                      <a:headEnd type="none" w="med" len="med"/>
+                      <a:tailEnd type="none" w="med" len="med"/>
+                    </a:lnB>
+                    <a:solidFill>
+                      <a:srgbClr val="B4C6E7"/>
+                    </a:solidFill>
+                  </a:tcPr>
+                </a:tc>
+                <a:extLst>
+                  <a:ext uri="{0D108BD9-81ED-4DB2-BD59-A6C34878D82A}">
+                    <a16:rowId xmlns:a16="http://schemas.microsoft.com/office/drawing/2014/main" val="3149796454"/>
+                  </a:ext>
+                </a:extLst>
+              </a:tr>
+              <a:tr h="266700">
+                <a:tc>
+                  <a:txBody>
+                    <a:bodyPr/>
+                    <a:lstStyle/>
+                    <a:p>
+                      <a:pPr algn="ctr" fontAlgn="b"/>
+                      <a:r>
+                        <a:rPr lang="en-US" sz="1600" b="0" i="0" u="none" strike="noStrike">
+                          <a:solidFill>
+                            <a:srgbClr val="000000"/>
+                          </a:solidFill>
+                          <a:effectLst/>
+                          <a:latin typeface="Calibri" panose="020F0502020204030204" pitchFamily="34" charset="0"/>
+                        </a:rPr>
+                        <a:t>Hong Kong S.A.R., China</a:t>
+                      </a:r>
+                    </a:p>
+                  </a:txBody>
+                  <a:tcPr marL="9525" marR="9525" marT="9525" marB="0" anchor="b">
+                    <a:lnL w="6350" cap="flat" cmpd="sng" algn="ctr">
+                      <a:solidFill>
+                        <a:srgbClr val="000000"/>
+                      </a:solidFill>
+                      <a:prstDash val="solid"/>
+                      <a:round/>
+                      <a:headEnd type="none" w="med" len="med"/>
+                      <a:tailEnd type="none" w="med" len="med"/>
+                    </a:lnL>
+                    <a:lnR w="6350" cap="flat" cmpd="sng" algn="ctr">
+                      <a:solidFill>
+                        <a:srgbClr val="000000"/>
+                      </a:solidFill>
+                      <a:prstDash val="solid"/>
+                      <a:round/>
+                      <a:headEnd type="none" w="med" len="med"/>
+                      <a:tailEnd type="none" w="med" len="med"/>
+                    </a:lnR>
+                    <a:lnT w="12700" cap="flat" cmpd="sng" algn="ctr">
+                      <a:solidFill>
+                        <a:srgbClr val="000000"/>
+                      </a:solidFill>
+                      <a:prstDash val="solid"/>
+                      <a:round/>
+                      <a:headEnd type="none" w="med" len="med"/>
+                      <a:tailEnd type="none" w="med" len="med"/>
+                    </a:lnT>
+                    <a:lnB w="6350" cap="flat" cmpd="sng" algn="ctr">
+                      <a:solidFill>
+                        <a:srgbClr val="000000"/>
+                      </a:solidFill>
+                      <a:prstDash val="solid"/>
+                      <a:round/>
+                      <a:headEnd type="none" w="med" len="med"/>
+                      <a:tailEnd type="none" w="med" len="med"/>
+                    </a:lnB>
+                  </a:tcPr>
+                </a:tc>
+                <a:tc>
+                  <a:txBody>
+                    <a:bodyPr/>
+                    <a:lstStyle/>
+                    <a:p>
+                      <a:pPr algn="ctr" fontAlgn="b"/>
+                      <a:r>
+                        <a:rPr lang="en-US" sz="1600" b="0" i="0" u="none" strike="noStrike" dirty="0">
+                          <a:solidFill>
+                            <a:srgbClr val="000000"/>
+                          </a:solidFill>
+                          <a:effectLst/>
+                          <a:latin typeface="Calibri" panose="020F0502020204030204" pitchFamily="34" charset="0"/>
+                        </a:rPr>
+                        <a:t>Hong Kong</a:t>
+                      </a:r>
+                    </a:p>
+                  </a:txBody>
+                  <a:tcPr marL="9525" marR="9525" marT="9525" marB="0" anchor="b">
+                    <a:lnL w="6350" cap="flat" cmpd="sng" algn="ctr">
+                      <a:solidFill>
+                        <a:srgbClr val="000000"/>
+                      </a:solidFill>
+                      <a:prstDash val="solid"/>
+                      <a:round/>
+                      <a:headEnd type="none" w="med" len="med"/>
+                      <a:tailEnd type="none" w="med" len="med"/>
+                    </a:lnL>
+                    <a:lnR w="6350" cap="flat" cmpd="sng" algn="ctr">
+                      <a:solidFill>
+                        <a:srgbClr val="000000"/>
+                      </a:solidFill>
+                      <a:prstDash val="solid"/>
+                      <a:round/>
+                      <a:headEnd type="none" w="med" len="med"/>
+                      <a:tailEnd type="none" w="med" len="med"/>
+                    </a:lnR>
+                    <a:lnT w="12700" cap="flat" cmpd="sng" algn="ctr">
+                      <a:solidFill>
+                        <a:srgbClr val="000000"/>
+                      </a:solidFill>
+                      <a:prstDash val="solid"/>
+                      <a:round/>
+                      <a:headEnd type="none" w="med" len="med"/>
+                      <a:tailEnd type="none" w="med" len="med"/>
+                    </a:lnT>
+                    <a:lnB w="6350" cap="flat" cmpd="sng" algn="ctr">
+                      <a:solidFill>
+                        <a:srgbClr val="000000"/>
+                      </a:solidFill>
+                      <a:prstDash val="solid"/>
+                      <a:round/>
+                      <a:headEnd type="none" w="med" len="med"/>
+                      <a:tailEnd type="none" w="med" len="med"/>
+                    </a:lnB>
+                  </a:tcPr>
+                </a:tc>
+                <a:extLst>
+                  <a:ext uri="{0D108BD9-81ED-4DB2-BD59-A6C34878D82A}">
+                    <a16:rowId xmlns:a16="http://schemas.microsoft.com/office/drawing/2014/main" val="1498611303"/>
+                  </a:ext>
+                </a:extLst>
+              </a:tr>
+              <a:tr h="266700">
+                <a:tc>
+                  <a:txBody>
+                    <a:bodyPr/>
+                    <a:lstStyle/>
+                    <a:p>
+                      <a:pPr algn="ctr" fontAlgn="b"/>
+                      <a:r>
+                        <a:rPr lang="en-US" sz="1600" b="0" i="0" u="none" strike="noStrike">
+                          <a:solidFill>
+                            <a:srgbClr val="000000"/>
+                          </a:solidFill>
+                          <a:effectLst/>
+                          <a:latin typeface="Calibri" panose="020F0502020204030204" pitchFamily="34" charset="0"/>
+                        </a:rPr>
+                        <a:t>Taiwan Province of China</a:t>
+                      </a:r>
+                    </a:p>
+                  </a:txBody>
+                  <a:tcPr marL="9525" marR="9525" marT="9525" marB="0" anchor="b">
+                    <a:lnL w="6350" cap="flat" cmpd="sng" algn="ctr">
+                      <a:solidFill>
+                        <a:srgbClr val="000000"/>
+                      </a:solidFill>
+                      <a:prstDash val="solid"/>
+                      <a:round/>
+                      <a:headEnd type="none" w="med" len="med"/>
+                      <a:tailEnd type="none" w="med" len="med"/>
+                    </a:lnL>
+                    <a:lnR w="6350" cap="flat" cmpd="sng" algn="ctr">
+                      <a:solidFill>
+                        <a:srgbClr val="000000"/>
+                      </a:solidFill>
+                      <a:prstDash val="solid"/>
+                      <a:round/>
+                      <a:headEnd type="none" w="med" len="med"/>
+                      <a:tailEnd type="none" w="med" len="med"/>
+                    </a:lnR>
+                    <a:lnT w="6350" cap="flat" cmpd="sng" algn="ctr">
+                      <a:solidFill>
+                        <a:srgbClr val="000000"/>
+                      </a:solidFill>
+                      <a:prstDash val="solid"/>
+                      <a:round/>
+                      <a:headEnd type="none" w="med" len="med"/>
+                      <a:tailEnd type="none" w="med" len="med"/>
+                    </a:lnT>
+                    <a:lnB w="6350" cap="flat" cmpd="sng" algn="ctr">
+                      <a:solidFill>
+                        <a:srgbClr val="000000"/>
+                      </a:solidFill>
+                      <a:prstDash val="solid"/>
+                      <a:round/>
+                      <a:headEnd type="none" w="med" len="med"/>
+                      <a:tailEnd type="none" w="med" len="med"/>
+                    </a:lnB>
+                  </a:tcPr>
+                </a:tc>
+                <a:tc>
+                  <a:txBody>
+                    <a:bodyPr/>
+                    <a:lstStyle/>
+                    <a:p>
+                      <a:pPr algn="ctr" fontAlgn="b"/>
+                      <a:r>
+                        <a:rPr lang="en-US" sz="1600" b="0" i="0" u="none" strike="noStrike" dirty="0">
+                          <a:solidFill>
+                            <a:srgbClr val="000000"/>
+                          </a:solidFill>
+                          <a:effectLst/>
+                          <a:latin typeface="Calibri" panose="020F0502020204030204" pitchFamily="34" charset="0"/>
+                        </a:rPr>
+                        <a:t>Taiwan</a:t>
+                      </a:r>
+                    </a:p>
+                  </a:txBody>
+                  <a:tcPr marL="9525" marR="9525" marT="9525" marB="0" anchor="b">
+                    <a:lnL w="6350" cap="flat" cmpd="sng" algn="ctr">
+                      <a:solidFill>
+                        <a:srgbClr val="000000"/>
+                      </a:solidFill>
+                      <a:prstDash val="solid"/>
+                      <a:round/>
+                      <a:headEnd type="none" w="med" len="med"/>
+                      <a:tailEnd type="none" w="med" len="med"/>
+                    </a:lnL>
+                    <a:lnR w="6350" cap="flat" cmpd="sng" algn="ctr">
+                      <a:solidFill>
+                        <a:srgbClr val="000000"/>
+                      </a:solidFill>
+                      <a:prstDash val="solid"/>
+                      <a:round/>
+                      <a:headEnd type="none" w="med" len="med"/>
+                      <a:tailEnd type="none" w="med" len="med"/>
+                    </a:lnR>
+                    <a:lnT w="6350" cap="flat" cmpd="sng" algn="ctr">
+                      <a:solidFill>
+                        <a:srgbClr val="000000"/>
+                      </a:solidFill>
+                      <a:prstDash val="solid"/>
+                      <a:round/>
+                      <a:headEnd type="none" w="med" len="med"/>
+                      <a:tailEnd type="none" w="med" len="med"/>
+                    </a:lnT>
+                    <a:lnB w="6350" cap="flat" cmpd="sng" algn="ctr">
+                      <a:solidFill>
+                        <a:srgbClr val="000000"/>
+                      </a:solidFill>
+                      <a:prstDash val="solid"/>
+                      <a:round/>
+                      <a:headEnd type="none" w="med" len="med"/>
+                      <a:tailEnd type="none" w="med" len="med"/>
+                    </a:lnB>
+                  </a:tcPr>
+                </a:tc>
+                <a:extLst>
+                  <a:ext uri="{0D108BD9-81ED-4DB2-BD59-A6C34878D82A}">
+                    <a16:rowId xmlns:a16="http://schemas.microsoft.com/office/drawing/2014/main" val="419402255"/>
+                  </a:ext>
+                </a:extLst>
+              </a:tr>
+              <a:tr h="266700">
+                <a:tc>
+                  <a:txBody>
+                    <a:bodyPr/>
+                    <a:lstStyle/>
+                    <a:p>
+                      <a:pPr algn="ctr" fontAlgn="b"/>
+                      <a:r>
+                        <a:rPr lang="en-US" sz="1600" b="0" i="0" u="none" strike="noStrike">
+                          <a:solidFill>
+                            <a:srgbClr val="000000"/>
+                          </a:solidFill>
+                          <a:effectLst/>
+                          <a:latin typeface="Calibri" panose="020F0502020204030204" pitchFamily="34" charset="0"/>
+                        </a:rPr>
+                        <a:t>Trinidad and Tobago</a:t>
+                      </a:r>
+                    </a:p>
+                  </a:txBody>
+                  <a:tcPr marL="9525" marR="9525" marT="9525" marB="0" anchor="b">
+                    <a:lnL w="6350" cap="flat" cmpd="sng" algn="ctr">
+                      <a:solidFill>
+                        <a:srgbClr val="000000"/>
+                      </a:solidFill>
+                      <a:prstDash val="solid"/>
+                      <a:round/>
+                      <a:headEnd type="none" w="med" len="med"/>
+                      <a:tailEnd type="none" w="med" len="med"/>
+                    </a:lnL>
+                    <a:lnR w="6350" cap="flat" cmpd="sng" algn="ctr">
+                      <a:solidFill>
+                        <a:srgbClr val="000000"/>
+                      </a:solidFill>
+                      <a:prstDash val="solid"/>
+                      <a:round/>
+                      <a:headEnd type="none" w="med" len="med"/>
+                      <a:tailEnd type="none" w="med" len="med"/>
+                    </a:lnR>
+                    <a:lnT w="6350" cap="flat" cmpd="sng" algn="ctr">
+                      <a:solidFill>
+                        <a:srgbClr val="000000"/>
+                      </a:solidFill>
+                      <a:prstDash val="solid"/>
+                      <a:round/>
+                      <a:headEnd type="none" w="med" len="med"/>
+                      <a:tailEnd type="none" w="med" len="med"/>
+                    </a:lnT>
+                    <a:lnB w="6350" cap="flat" cmpd="sng" algn="ctr">
+                      <a:solidFill>
+                        <a:srgbClr val="000000"/>
+                      </a:solidFill>
+                      <a:prstDash val="solid"/>
+                      <a:round/>
+                      <a:headEnd type="none" w="med" len="med"/>
+                      <a:tailEnd type="none" w="med" len="med"/>
+                    </a:lnB>
+                  </a:tcPr>
+                </a:tc>
+                <a:tc>
+                  <a:txBody>
+                    <a:bodyPr/>
+                    <a:lstStyle/>
+                    <a:p>
+                      <a:pPr algn="ctr" fontAlgn="b"/>
+                      <a:r>
+                        <a:rPr lang="en-US" sz="1600" b="0" i="0" u="none" strike="noStrike">
+                          <a:solidFill>
+                            <a:srgbClr val="000000"/>
+                          </a:solidFill>
+                          <a:effectLst/>
+                          <a:latin typeface="Calibri" panose="020F0502020204030204" pitchFamily="34" charset="0"/>
+                        </a:rPr>
+                        <a:t>Trinidad &amp; Tobago</a:t>
+                      </a:r>
+                    </a:p>
+                  </a:txBody>
+                  <a:tcPr marL="9525" marR="9525" marT="9525" marB="0" anchor="b">
+                    <a:lnL w="6350" cap="flat" cmpd="sng" algn="ctr">
+                      <a:solidFill>
+                        <a:srgbClr val="000000"/>
+                      </a:solidFill>
+                      <a:prstDash val="solid"/>
+                      <a:round/>
+                      <a:headEnd type="none" w="med" len="med"/>
+                      <a:tailEnd type="none" w="med" len="med"/>
+                    </a:lnL>
+                    <a:lnR w="6350" cap="flat" cmpd="sng" algn="ctr">
+                      <a:solidFill>
+                        <a:srgbClr val="000000"/>
+                      </a:solidFill>
+                      <a:prstDash val="solid"/>
+                      <a:round/>
+                      <a:headEnd type="none" w="med" len="med"/>
+                      <a:tailEnd type="none" w="med" len="med"/>
+                    </a:lnR>
+                    <a:lnT w="6350" cap="flat" cmpd="sng" algn="ctr">
+                      <a:solidFill>
+                        <a:srgbClr val="000000"/>
+                      </a:solidFill>
+                      <a:prstDash val="solid"/>
+                      <a:round/>
+                      <a:headEnd type="none" w="med" len="med"/>
+                      <a:tailEnd type="none" w="med" len="med"/>
+                    </a:lnT>
+                    <a:lnB w="6350" cap="flat" cmpd="sng" algn="ctr">
+                      <a:solidFill>
+                        <a:srgbClr val="000000"/>
+                      </a:solidFill>
+                      <a:prstDash val="solid"/>
+                      <a:round/>
+                      <a:headEnd type="none" w="med" len="med"/>
+                      <a:tailEnd type="none" w="med" len="med"/>
+                    </a:lnB>
+                  </a:tcPr>
+                </a:tc>
+                <a:extLst>
+                  <a:ext uri="{0D108BD9-81ED-4DB2-BD59-A6C34878D82A}">
+                    <a16:rowId xmlns:a16="http://schemas.microsoft.com/office/drawing/2014/main" val="316708964"/>
+                  </a:ext>
+                </a:extLst>
+              </a:tr>
+              <a:tr h="266700">
+                <a:tc>
+                  <a:txBody>
+                    <a:bodyPr/>
+                    <a:lstStyle/>
+                    <a:p>
+                      <a:pPr algn="ctr" fontAlgn="b"/>
+                      <a:r>
+                        <a:rPr lang="en-US" sz="1600" b="0" i="0" u="none" strike="noStrike">
+                          <a:solidFill>
+                            <a:srgbClr val="000000"/>
+                          </a:solidFill>
+                          <a:effectLst/>
+                          <a:latin typeface="Calibri" panose="020F0502020204030204" pitchFamily="34" charset="0"/>
+                        </a:rPr>
+                        <a:t>North Cyprus</a:t>
+                      </a:r>
+                    </a:p>
+                  </a:txBody>
+                  <a:tcPr marL="9525" marR="9525" marT="9525" marB="0" anchor="b">
+                    <a:lnL w="6350" cap="flat" cmpd="sng" algn="ctr">
+                      <a:solidFill>
+                        <a:srgbClr val="000000"/>
+                      </a:solidFill>
+                      <a:prstDash val="solid"/>
+                      <a:round/>
+                      <a:headEnd type="none" w="med" len="med"/>
+                      <a:tailEnd type="none" w="med" len="med"/>
+                    </a:lnL>
+                    <a:lnR w="6350" cap="flat" cmpd="sng" algn="ctr">
+                      <a:solidFill>
+                        <a:srgbClr val="000000"/>
+                      </a:solidFill>
+                      <a:prstDash val="solid"/>
+                      <a:round/>
+                      <a:headEnd type="none" w="med" len="med"/>
+                      <a:tailEnd type="none" w="med" len="med"/>
+                    </a:lnR>
+                    <a:lnT w="6350" cap="flat" cmpd="sng" algn="ctr">
+                      <a:solidFill>
+                        <a:srgbClr val="000000"/>
+                      </a:solidFill>
+                      <a:prstDash val="solid"/>
+                      <a:round/>
+                      <a:headEnd type="none" w="med" len="med"/>
+                      <a:tailEnd type="none" w="med" len="med"/>
+                    </a:lnT>
+                    <a:lnB w="6350" cap="flat" cmpd="sng" algn="ctr">
+                      <a:solidFill>
+                        <a:srgbClr val="000000"/>
+                      </a:solidFill>
+                      <a:prstDash val="solid"/>
+                      <a:round/>
+                      <a:headEnd type="none" w="med" len="med"/>
+                      <a:tailEnd type="none" w="med" len="med"/>
+                    </a:lnB>
+                  </a:tcPr>
+                </a:tc>
+                <a:tc>
+                  <a:txBody>
+                    <a:bodyPr/>
+                    <a:lstStyle/>
+                    <a:p>
+                      <a:pPr algn="ctr" fontAlgn="b"/>
+                      <a:r>
+                        <a:rPr lang="en-US" sz="1600" b="0" i="0" u="none" strike="noStrike">
+                          <a:solidFill>
+                            <a:srgbClr val="000000"/>
+                          </a:solidFill>
+                          <a:effectLst/>
+                          <a:latin typeface="Calibri" panose="020F0502020204030204" pitchFamily="34" charset="0"/>
+                        </a:rPr>
+                        <a:t>Northern Cyprus</a:t>
+                      </a:r>
+                    </a:p>
+                  </a:txBody>
+                  <a:tcPr marL="9525" marR="9525" marT="9525" marB="0" anchor="b">
+                    <a:lnL w="6350" cap="flat" cmpd="sng" algn="ctr">
+                      <a:solidFill>
+                        <a:srgbClr val="000000"/>
+                      </a:solidFill>
+                      <a:prstDash val="solid"/>
+                      <a:round/>
+                      <a:headEnd type="none" w="med" len="med"/>
+                      <a:tailEnd type="none" w="med" len="med"/>
+                    </a:lnL>
+                    <a:lnR w="6350" cap="flat" cmpd="sng" algn="ctr">
+                      <a:solidFill>
+                        <a:srgbClr val="000000"/>
+                      </a:solidFill>
+                      <a:prstDash val="solid"/>
+                      <a:round/>
+                      <a:headEnd type="none" w="med" len="med"/>
+                      <a:tailEnd type="none" w="med" len="med"/>
+                    </a:lnR>
+                    <a:lnT w="6350" cap="flat" cmpd="sng" algn="ctr">
+                      <a:solidFill>
+                        <a:srgbClr val="000000"/>
+                      </a:solidFill>
+                      <a:prstDash val="solid"/>
+                      <a:round/>
+                      <a:headEnd type="none" w="med" len="med"/>
+                      <a:tailEnd type="none" w="med" len="med"/>
+                    </a:lnT>
+                    <a:lnB w="6350" cap="flat" cmpd="sng" algn="ctr">
+                      <a:solidFill>
+                        <a:srgbClr val="000000"/>
+                      </a:solidFill>
+                      <a:prstDash val="solid"/>
+                      <a:round/>
+                      <a:headEnd type="none" w="med" len="med"/>
+                      <a:tailEnd type="none" w="med" len="med"/>
+                    </a:lnB>
+                  </a:tcPr>
+                </a:tc>
+                <a:extLst>
+                  <a:ext uri="{0D108BD9-81ED-4DB2-BD59-A6C34878D82A}">
+                    <a16:rowId xmlns:a16="http://schemas.microsoft.com/office/drawing/2014/main" val="956473306"/>
+                  </a:ext>
+                </a:extLst>
+              </a:tr>
+              <a:tr h="266700">
+                <a:tc>
+                  <a:txBody>
+                    <a:bodyPr/>
+                    <a:lstStyle/>
+                    <a:p>
+                      <a:pPr algn="ctr" fontAlgn="b"/>
+                      <a:r>
+                        <a:rPr lang="en-US" sz="1600" b="0" i="0" u="none" strike="noStrike">
+                          <a:solidFill>
+                            <a:srgbClr val="000000"/>
+                          </a:solidFill>
+                          <a:effectLst/>
+                          <a:latin typeface="Calibri" panose="020F0502020204030204" pitchFamily="34" charset="0"/>
+                        </a:rPr>
+                        <a:t>Somaliland region</a:t>
+                      </a:r>
+                    </a:p>
+                  </a:txBody>
+                  <a:tcPr marL="9525" marR="9525" marT="9525" marB="0" anchor="b">
+                    <a:lnL w="6350" cap="flat" cmpd="sng" algn="ctr">
+                      <a:solidFill>
+                        <a:srgbClr val="000000"/>
+                      </a:solidFill>
+                      <a:prstDash val="solid"/>
+                      <a:round/>
+                      <a:headEnd type="none" w="med" len="med"/>
+                      <a:tailEnd type="none" w="med" len="med"/>
+                    </a:lnL>
+                    <a:lnR w="6350" cap="flat" cmpd="sng" algn="ctr">
+                      <a:solidFill>
+                        <a:srgbClr val="000000"/>
+                      </a:solidFill>
+                      <a:prstDash val="solid"/>
+                      <a:round/>
+                      <a:headEnd type="none" w="med" len="med"/>
+                      <a:tailEnd type="none" w="med" len="med"/>
+                    </a:lnR>
+                    <a:lnT w="6350" cap="flat" cmpd="sng" algn="ctr">
+                      <a:solidFill>
+                        <a:srgbClr val="000000"/>
+                      </a:solidFill>
+                      <a:prstDash val="solid"/>
+                      <a:round/>
+                      <a:headEnd type="none" w="med" len="med"/>
+                      <a:tailEnd type="none" w="med" len="med"/>
+                    </a:lnT>
+                    <a:lnB w="6350" cap="flat" cmpd="sng" algn="ctr">
+                      <a:solidFill>
+                        <a:srgbClr val="000000"/>
+                      </a:solidFill>
+                      <a:prstDash val="solid"/>
+                      <a:round/>
+                      <a:headEnd type="none" w="med" len="med"/>
+                      <a:tailEnd type="none" w="med" len="med"/>
+                    </a:lnB>
+                  </a:tcPr>
+                </a:tc>
+                <a:tc>
+                  <a:txBody>
+                    <a:bodyPr/>
+                    <a:lstStyle/>
+                    <a:p>
+                      <a:pPr algn="ctr" fontAlgn="b"/>
+                      <a:r>
+                        <a:rPr lang="en-US" sz="1600" b="0" i="0" u="none" strike="noStrike" dirty="0">
+                          <a:solidFill>
+                            <a:srgbClr val="000000"/>
+                          </a:solidFill>
+                          <a:effectLst/>
+                          <a:latin typeface="Calibri" panose="020F0502020204030204" pitchFamily="34" charset="0"/>
+                        </a:rPr>
+                        <a:t>Somaliland Region</a:t>
+                      </a:r>
+                    </a:p>
+                  </a:txBody>
+                  <a:tcPr marL="9525" marR="9525" marT="9525" marB="0" anchor="b">
+                    <a:lnL w="6350" cap="flat" cmpd="sng" algn="ctr">
+                      <a:solidFill>
+                        <a:srgbClr val="000000"/>
+                      </a:solidFill>
+                      <a:prstDash val="solid"/>
+                      <a:round/>
+                      <a:headEnd type="none" w="med" len="med"/>
+                      <a:tailEnd type="none" w="med" len="med"/>
+                    </a:lnL>
+                    <a:lnR w="6350" cap="flat" cmpd="sng" algn="ctr">
+                      <a:solidFill>
+                        <a:srgbClr val="000000"/>
+                      </a:solidFill>
+                      <a:prstDash val="solid"/>
+                      <a:round/>
+                      <a:headEnd type="none" w="med" len="med"/>
+                      <a:tailEnd type="none" w="med" len="med"/>
+                    </a:lnR>
+                    <a:lnT w="6350" cap="flat" cmpd="sng" algn="ctr">
+                      <a:solidFill>
+                        <a:srgbClr val="000000"/>
+                      </a:solidFill>
+                      <a:prstDash val="solid"/>
+                      <a:round/>
+                      <a:headEnd type="none" w="med" len="med"/>
+                      <a:tailEnd type="none" w="med" len="med"/>
+                    </a:lnT>
+                    <a:lnB w="6350" cap="flat" cmpd="sng" algn="ctr">
+                      <a:solidFill>
+                        <a:srgbClr val="000000"/>
+                      </a:solidFill>
+                      <a:prstDash val="solid"/>
+                      <a:round/>
+                      <a:headEnd type="none" w="med" len="med"/>
+                      <a:tailEnd type="none" w="med" len="med"/>
+                    </a:lnB>
+                  </a:tcPr>
+                </a:tc>
+                <a:extLst>
+                  <a:ext uri="{0D108BD9-81ED-4DB2-BD59-A6C34878D82A}">
+                    <a16:rowId xmlns:a16="http://schemas.microsoft.com/office/drawing/2014/main" val="2963910154"/>
+                  </a:ext>
+                </a:extLst>
+              </a:tr>
+            </a:tbl>
+          </a:graphicData>
+        </a:graphic>
+      </p:graphicFrame>
+      <p:graphicFrame>
+        <p:nvGraphicFramePr>
+          <p:cNvPr id="5" name="Table 4">
+            <a:extLst>
+              <a:ext uri="{FF2B5EF4-FFF2-40B4-BE49-F238E27FC236}">
+                <a16:creationId xmlns:a16="http://schemas.microsoft.com/office/drawing/2014/main" id="{F5D0F670-786D-BB40-8C61-9CD81588B444}"/>
+              </a:ext>
+            </a:extLst>
+          </p:cNvPr>
+          <p:cNvGraphicFramePr>
+            <a:graphicFrameLocks noGrp="1"/>
+          </p:cNvGraphicFramePr>
+          <p:nvPr>
+            <p:extLst>
+              <p:ext uri="{D42A27DB-BD31-4B8C-83A1-F6EECF244321}">
+                <p14:modId xmlns:p14="http://schemas.microsoft.com/office/powerpoint/2010/main" val="3097456268"/>
+              </p:ext>
+            </p:extLst>
+          </p:nvPr>
+        </p:nvGraphicFramePr>
+        <p:xfrm>
+          <a:off x="8186128" y="2038077"/>
+          <a:ext cx="3498708" cy="3237585"/>
+        </p:xfrm>
+        <a:graphic>
+          <a:graphicData uri="http://schemas.openxmlformats.org/drawingml/2006/table">
+            <a:tbl>
+              <a:tblPr/>
+              <a:tblGrid>
+                <a:gridCol w="2003879">
+                  <a:extLst>
+                    <a:ext uri="{9D8B030D-6E8A-4147-A177-3AD203B41FA5}">
+                      <a16:colId xmlns:a16="http://schemas.microsoft.com/office/drawing/2014/main" val="543203185"/>
+                    </a:ext>
+                  </a:extLst>
+                </a:gridCol>
+                <a:gridCol w="1494829">
+                  <a:extLst>
+                    <a:ext uri="{9D8B030D-6E8A-4147-A177-3AD203B41FA5}">
+                      <a16:colId xmlns:a16="http://schemas.microsoft.com/office/drawing/2014/main" val="2742953119"/>
+                    </a:ext>
+                  </a:extLst>
+                </a:gridCol>
+              </a:tblGrid>
+              <a:tr h="300187">
+                <a:tc gridSpan="2">
+                  <a:txBody>
+                    <a:bodyPr/>
+                    <a:lstStyle/>
+                    <a:p>
+                      <a:pPr algn="ctr" fontAlgn="ctr"/>
+                      <a:r>
+                        <a:rPr lang="en-US" sz="1800" b="1" i="0" u="none" strike="noStrike" dirty="0">
+                          <a:solidFill>
+                            <a:srgbClr val="000000"/>
+                          </a:solidFill>
+                          <a:effectLst/>
+                          <a:latin typeface="Calibri" panose="020F0502020204030204" pitchFamily="34" charset="0"/>
+                        </a:rPr>
+                        <a:t>Countries Not in Every Year</a:t>
+                      </a:r>
+                    </a:p>
+                  </a:txBody>
+                  <a:tcPr marL="9525" marR="9525" marT="9525" marB="0" anchor="ctr">
+                    <a:lnL w="12700" cap="flat" cmpd="sng" algn="ctr">
+                      <a:solidFill>
+                        <a:srgbClr val="000000"/>
+                      </a:solidFill>
+                      <a:prstDash val="solid"/>
+                      <a:round/>
+                      <a:headEnd type="none" w="med" len="med"/>
+                      <a:tailEnd type="none" w="med" len="med"/>
+                    </a:lnL>
+                    <a:lnR w="12700" cap="flat" cmpd="sng" algn="ctr">
+                      <a:solidFill>
+                        <a:srgbClr val="000000"/>
+                      </a:solidFill>
+                      <a:prstDash val="solid"/>
+                      <a:round/>
+                      <a:headEnd type="none" w="med" len="med"/>
+                      <a:tailEnd type="none" w="med" len="med"/>
+                    </a:lnR>
+                    <a:lnT w="12700" cap="flat" cmpd="sng" algn="ctr">
+                      <a:solidFill>
+                        <a:srgbClr val="000000"/>
+                      </a:solidFill>
+                      <a:prstDash val="solid"/>
+                      <a:round/>
+                      <a:headEnd type="none" w="med" len="med"/>
+                      <a:tailEnd type="none" w="med" len="med"/>
+                    </a:lnT>
+                    <a:lnB w="6350" cap="flat" cmpd="sng" algn="ctr">
+                      <a:solidFill>
+                        <a:srgbClr val="000000"/>
+                      </a:solidFill>
+                      <a:prstDash val="solid"/>
+                      <a:round/>
+                      <a:headEnd type="none" w="med" len="med"/>
+                      <a:tailEnd type="none" w="med" len="med"/>
+                    </a:lnB>
+                    <a:solidFill>
+                      <a:srgbClr val="B4C6E7"/>
+                    </a:solidFill>
+                  </a:tcPr>
+                </a:tc>
+                <a:tc hMerge="1">
+                  <a:txBody>
+                    <a:bodyPr/>
+                    <a:lstStyle/>
+                    <a:p>
+                      <a:endParaRPr lang="en-US"/>
+                    </a:p>
+                  </a:txBody>
+                  <a:tcPr/>
+                </a:tc>
+                <a:extLst>
+                  <a:ext uri="{0D108BD9-81ED-4DB2-BD59-A6C34878D82A}">
+                    <a16:rowId xmlns:a16="http://schemas.microsoft.com/office/drawing/2014/main" val="4052005810"/>
+                  </a:ext>
+                </a:extLst>
+              </a:tr>
+              <a:tr h="267952">
+                <a:tc>
+                  <a:txBody>
+                    <a:bodyPr/>
+                    <a:lstStyle/>
+                    <a:p>
+                      <a:pPr algn="ctr" fontAlgn="b"/>
+                      <a:r>
+                        <a:rPr lang="en-US" sz="1600" b="0" i="0" u="none" strike="noStrike">
+                          <a:solidFill>
+                            <a:srgbClr val="000000"/>
+                          </a:solidFill>
+                          <a:effectLst/>
+                          <a:latin typeface="Calibri" panose="020F0502020204030204" pitchFamily="34" charset="0"/>
+                        </a:rPr>
+                        <a:t>Angola</a:t>
+                      </a:r>
+                    </a:p>
+                  </a:txBody>
+                  <a:tcPr marL="9525" marR="9525" marT="9525" marB="0" anchor="b">
+                    <a:lnL w="6350" cap="flat" cmpd="sng" algn="ctr">
+                      <a:solidFill>
+                        <a:srgbClr val="000000"/>
+                      </a:solidFill>
+                      <a:prstDash val="solid"/>
+                      <a:round/>
+                      <a:headEnd type="none" w="med" len="med"/>
+                      <a:tailEnd type="none" w="med" len="med"/>
+                    </a:lnL>
+                    <a:lnR w="6350" cap="flat" cmpd="sng" algn="ctr">
+                      <a:solidFill>
+                        <a:srgbClr val="000000"/>
+                      </a:solidFill>
+                      <a:prstDash val="solid"/>
+                      <a:round/>
+                      <a:headEnd type="none" w="med" len="med"/>
+                      <a:tailEnd type="none" w="med" len="med"/>
+                    </a:lnR>
+                    <a:lnT w="6350" cap="flat" cmpd="sng" algn="ctr">
+                      <a:solidFill>
+                        <a:srgbClr val="000000"/>
+                      </a:solidFill>
+                      <a:prstDash val="solid"/>
+                      <a:round/>
+                      <a:headEnd type="none" w="med" len="med"/>
+                      <a:tailEnd type="none" w="med" len="med"/>
+                    </a:lnT>
+                    <a:lnB w="6350" cap="flat" cmpd="sng" algn="ctr">
+                      <a:solidFill>
+                        <a:srgbClr val="000000"/>
+                      </a:solidFill>
+                      <a:prstDash val="solid"/>
+                      <a:round/>
+                      <a:headEnd type="none" w="med" len="med"/>
+                      <a:tailEnd type="none" w="med" len="med"/>
+                    </a:lnB>
+                  </a:tcPr>
+                </a:tc>
+                <a:tc>
+                  <a:txBody>
+                    <a:bodyPr/>
+                    <a:lstStyle/>
+                    <a:p>
+                      <a:pPr algn="ctr" fontAlgn="b"/>
+                      <a:r>
+                        <a:rPr lang="en-US" sz="1600" b="0" i="0" u="none" strike="noStrike">
+                          <a:solidFill>
+                            <a:srgbClr val="000000"/>
+                          </a:solidFill>
+                          <a:effectLst/>
+                          <a:latin typeface="Calibri" panose="020F0502020204030204" pitchFamily="34" charset="0"/>
+                        </a:rPr>
+                        <a:t>Namibia</a:t>
+                      </a:r>
+                    </a:p>
+                  </a:txBody>
+                  <a:tcPr marL="9525" marR="9525" marT="9525" marB="0" anchor="b">
+                    <a:lnL w="6350" cap="flat" cmpd="sng" algn="ctr">
+                      <a:solidFill>
+                        <a:srgbClr val="000000"/>
+                      </a:solidFill>
+                      <a:prstDash val="solid"/>
+                      <a:round/>
+                      <a:headEnd type="none" w="med" len="med"/>
+                      <a:tailEnd type="none" w="med" len="med"/>
+                    </a:lnL>
+                    <a:lnR w="6350" cap="flat" cmpd="sng" algn="ctr">
+                      <a:solidFill>
+                        <a:srgbClr val="000000"/>
+                      </a:solidFill>
+                      <a:prstDash val="solid"/>
+                      <a:round/>
+                      <a:headEnd type="none" w="med" len="med"/>
+                      <a:tailEnd type="none" w="med" len="med"/>
+                    </a:lnR>
+                    <a:lnT w="6350" cap="flat" cmpd="sng" algn="ctr">
+                      <a:solidFill>
+                        <a:srgbClr val="000000"/>
+                      </a:solidFill>
+                      <a:prstDash val="solid"/>
+                      <a:round/>
+                      <a:headEnd type="none" w="med" len="med"/>
+                      <a:tailEnd type="none" w="med" len="med"/>
+                    </a:lnT>
+                    <a:lnB w="6350" cap="flat" cmpd="sng" algn="ctr">
+                      <a:solidFill>
+                        <a:srgbClr val="000000"/>
+                      </a:solidFill>
+                      <a:prstDash val="solid"/>
+                      <a:round/>
+                      <a:headEnd type="none" w="med" len="med"/>
+                      <a:tailEnd type="none" w="med" len="med"/>
+                    </a:lnB>
+                  </a:tcPr>
+                </a:tc>
+                <a:extLst>
+                  <a:ext uri="{0D108BD9-81ED-4DB2-BD59-A6C34878D82A}">
+                    <a16:rowId xmlns:a16="http://schemas.microsoft.com/office/drawing/2014/main" val="705107396"/>
+                  </a:ext>
+                </a:extLst>
+              </a:tr>
+              <a:tr h="267952">
+                <a:tc>
+                  <a:txBody>
+                    <a:bodyPr/>
+                    <a:lstStyle/>
+                    <a:p>
+                      <a:pPr algn="ctr" fontAlgn="b"/>
+                      <a:r>
+                        <a:rPr lang="en-US" sz="1600" b="0" i="0" u="none" strike="noStrike">
+                          <a:solidFill>
+                            <a:srgbClr val="000000"/>
+                          </a:solidFill>
+                          <a:effectLst/>
+                          <a:latin typeface="Calibri" panose="020F0502020204030204" pitchFamily="34" charset="0"/>
+                        </a:rPr>
+                        <a:t>Belize</a:t>
+                      </a:r>
+                    </a:p>
+                  </a:txBody>
+                  <a:tcPr marL="9525" marR="9525" marT="9525" marB="0" anchor="b">
+                    <a:lnL w="6350" cap="flat" cmpd="sng" algn="ctr">
+                      <a:solidFill>
+                        <a:srgbClr val="000000"/>
+                      </a:solidFill>
+                      <a:prstDash val="solid"/>
+                      <a:round/>
+                      <a:headEnd type="none" w="med" len="med"/>
+                      <a:tailEnd type="none" w="med" len="med"/>
+                    </a:lnL>
+                    <a:lnR w="6350" cap="flat" cmpd="sng" algn="ctr">
+                      <a:solidFill>
+                        <a:srgbClr val="000000"/>
+                      </a:solidFill>
+                      <a:prstDash val="solid"/>
+                      <a:round/>
+                      <a:headEnd type="none" w="med" len="med"/>
+                      <a:tailEnd type="none" w="med" len="med"/>
+                    </a:lnR>
+                    <a:lnT w="6350" cap="flat" cmpd="sng" algn="ctr">
+                      <a:solidFill>
+                        <a:srgbClr val="000000"/>
+                      </a:solidFill>
+                      <a:prstDash val="solid"/>
+                      <a:round/>
+                      <a:headEnd type="none" w="med" len="med"/>
+                      <a:tailEnd type="none" w="med" len="med"/>
+                    </a:lnT>
+                    <a:lnB w="6350" cap="flat" cmpd="sng" algn="ctr">
+                      <a:solidFill>
+                        <a:srgbClr val="000000"/>
+                      </a:solidFill>
+                      <a:prstDash val="solid"/>
+                      <a:round/>
+                      <a:headEnd type="none" w="med" len="med"/>
+                      <a:tailEnd type="none" w="med" len="med"/>
+                    </a:lnB>
+                  </a:tcPr>
+                </a:tc>
+                <a:tc>
+                  <a:txBody>
+                    <a:bodyPr/>
+                    <a:lstStyle/>
+                    <a:p>
+                      <a:pPr algn="ctr" fontAlgn="b"/>
+                      <a:r>
+                        <a:rPr lang="en-US" sz="1600" b="0" i="0" u="none" strike="noStrike">
+                          <a:solidFill>
+                            <a:srgbClr val="000000"/>
+                          </a:solidFill>
+                          <a:effectLst/>
+                          <a:latin typeface="Calibri" panose="020F0502020204030204" pitchFamily="34" charset="0"/>
+                        </a:rPr>
+                        <a:t>North Macedonia</a:t>
+                      </a:r>
+                    </a:p>
+                  </a:txBody>
+                  <a:tcPr marL="9525" marR="9525" marT="9525" marB="0" anchor="b">
+                    <a:lnL w="6350" cap="flat" cmpd="sng" algn="ctr">
+                      <a:solidFill>
+                        <a:srgbClr val="000000"/>
+                      </a:solidFill>
+                      <a:prstDash val="solid"/>
+                      <a:round/>
+                      <a:headEnd type="none" w="med" len="med"/>
+                      <a:tailEnd type="none" w="med" len="med"/>
+                    </a:lnL>
+                    <a:lnR w="6350" cap="flat" cmpd="sng" algn="ctr">
+                      <a:solidFill>
+                        <a:srgbClr val="000000"/>
+                      </a:solidFill>
+                      <a:prstDash val="solid"/>
+                      <a:round/>
+                      <a:headEnd type="none" w="med" len="med"/>
+                      <a:tailEnd type="none" w="med" len="med"/>
+                    </a:lnR>
+                    <a:lnT w="6350" cap="flat" cmpd="sng" algn="ctr">
+                      <a:solidFill>
+                        <a:srgbClr val="000000"/>
+                      </a:solidFill>
+                      <a:prstDash val="solid"/>
+                      <a:round/>
+                      <a:headEnd type="none" w="med" len="med"/>
+                      <a:tailEnd type="none" w="med" len="med"/>
+                    </a:lnT>
+                    <a:lnB w="6350" cap="flat" cmpd="sng" algn="ctr">
+                      <a:solidFill>
+                        <a:srgbClr val="000000"/>
+                      </a:solidFill>
+                      <a:prstDash val="solid"/>
+                      <a:round/>
+                      <a:headEnd type="none" w="med" len="med"/>
+                      <a:tailEnd type="none" w="med" len="med"/>
+                    </a:lnB>
+                  </a:tcPr>
+                </a:tc>
+                <a:extLst>
+                  <a:ext uri="{0D108BD9-81ED-4DB2-BD59-A6C34878D82A}">
+                    <a16:rowId xmlns:a16="http://schemas.microsoft.com/office/drawing/2014/main" val="2958143680"/>
+                  </a:ext>
+                </a:extLst>
+              </a:tr>
+              <a:tr h="267952">
+                <a:tc>
+                  <a:txBody>
+                    <a:bodyPr/>
+                    <a:lstStyle/>
+                    <a:p>
+                      <a:pPr algn="ctr" fontAlgn="b"/>
+                      <a:r>
+                        <a:rPr lang="en-US" sz="1600" b="0" i="0" u="none" strike="noStrike" dirty="0">
+                          <a:solidFill>
+                            <a:srgbClr val="000000"/>
+                          </a:solidFill>
+                          <a:effectLst/>
+                          <a:latin typeface="Calibri" panose="020F0502020204030204" pitchFamily="34" charset="0"/>
+                        </a:rPr>
+                        <a:t>Central African Republic</a:t>
+                      </a:r>
+                    </a:p>
+                  </a:txBody>
+                  <a:tcPr marL="9525" marR="9525" marT="9525" marB="0" anchor="b">
+                    <a:lnL w="6350" cap="flat" cmpd="sng" algn="ctr">
+                      <a:solidFill>
+                        <a:srgbClr val="000000"/>
+                      </a:solidFill>
+                      <a:prstDash val="solid"/>
+                      <a:round/>
+                      <a:headEnd type="none" w="med" len="med"/>
+                      <a:tailEnd type="none" w="med" len="med"/>
+                    </a:lnL>
+                    <a:lnR w="6350" cap="flat" cmpd="sng" algn="ctr">
+                      <a:solidFill>
+                        <a:srgbClr val="000000"/>
+                      </a:solidFill>
+                      <a:prstDash val="solid"/>
+                      <a:round/>
+                      <a:headEnd type="none" w="med" len="med"/>
+                      <a:tailEnd type="none" w="med" len="med"/>
+                    </a:lnR>
+                    <a:lnT w="6350" cap="flat" cmpd="sng" algn="ctr">
+                      <a:solidFill>
+                        <a:srgbClr val="000000"/>
+                      </a:solidFill>
+                      <a:prstDash val="solid"/>
+                      <a:round/>
+                      <a:headEnd type="none" w="med" len="med"/>
+                      <a:tailEnd type="none" w="med" len="med"/>
+                    </a:lnT>
+                    <a:lnB w="6350" cap="flat" cmpd="sng" algn="ctr">
+                      <a:solidFill>
+                        <a:srgbClr val="000000"/>
+                      </a:solidFill>
+                      <a:prstDash val="solid"/>
+                      <a:round/>
+                      <a:headEnd type="none" w="med" len="med"/>
+                      <a:tailEnd type="none" w="med" len="med"/>
+                    </a:lnB>
+                  </a:tcPr>
+                </a:tc>
+                <a:tc>
+                  <a:txBody>
+                    <a:bodyPr/>
+                    <a:lstStyle/>
+                    <a:p>
+                      <a:pPr algn="ctr" fontAlgn="b"/>
+                      <a:r>
+                        <a:rPr lang="en-US" sz="1600" b="0" i="0" u="none" strike="noStrike">
+                          <a:solidFill>
+                            <a:srgbClr val="000000"/>
+                          </a:solidFill>
+                          <a:effectLst/>
+                          <a:latin typeface="Calibri" panose="020F0502020204030204" pitchFamily="34" charset="0"/>
+                        </a:rPr>
+                        <a:t>Oman</a:t>
+                      </a:r>
+                    </a:p>
+                  </a:txBody>
+                  <a:tcPr marL="9525" marR="9525" marT="9525" marB="0" anchor="b">
+                    <a:lnL w="6350" cap="flat" cmpd="sng" algn="ctr">
+                      <a:solidFill>
+                        <a:srgbClr val="000000"/>
+                      </a:solidFill>
+                      <a:prstDash val="solid"/>
+                      <a:round/>
+                      <a:headEnd type="none" w="med" len="med"/>
+                      <a:tailEnd type="none" w="med" len="med"/>
+                    </a:lnL>
+                    <a:lnR w="6350" cap="flat" cmpd="sng" algn="ctr">
+                      <a:solidFill>
+                        <a:srgbClr val="000000"/>
+                      </a:solidFill>
+                      <a:prstDash val="solid"/>
+                      <a:round/>
+                      <a:headEnd type="none" w="med" len="med"/>
+                      <a:tailEnd type="none" w="med" len="med"/>
+                    </a:lnR>
+                    <a:lnT w="6350" cap="flat" cmpd="sng" algn="ctr">
+                      <a:solidFill>
+                        <a:srgbClr val="000000"/>
+                      </a:solidFill>
+                      <a:prstDash val="solid"/>
+                      <a:round/>
+                      <a:headEnd type="none" w="med" len="med"/>
+                      <a:tailEnd type="none" w="med" len="med"/>
+                    </a:lnT>
+                    <a:lnB w="6350" cap="flat" cmpd="sng" algn="ctr">
+                      <a:solidFill>
+                        <a:srgbClr val="000000"/>
+                      </a:solidFill>
+                      <a:prstDash val="solid"/>
+                      <a:round/>
+                      <a:headEnd type="none" w="med" len="med"/>
+                      <a:tailEnd type="none" w="med" len="med"/>
+                    </a:lnB>
+                  </a:tcPr>
+                </a:tc>
+                <a:extLst>
+                  <a:ext uri="{0D108BD9-81ED-4DB2-BD59-A6C34878D82A}">
+                    <a16:rowId xmlns:a16="http://schemas.microsoft.com/office/drawing/2014/main" val="2797122815"/>
+                  </a:ext>
+                </a:extLst>
+              </a:tr>
+              <a:tr h="267952">
+                <a:tc>
+                  <a:txBody>
+                    <a:bodyPr/>
+                    <a:lstStyle/>
+                    <a:p>
+                      <a:pPr algn="ctr" fontAlgn="b"/>
+                      <a:r>
+                        <a:rPr lang="en-US" sz="1600" b="0" i="0" u="none" strike="noStrike">
+                          <a:solidFill>
+                            <a:srgbClr val="000000"/>
+                          </a:solidFill>
+                          <a:effectLst/>
+                          <a:latin typeface="Calibri" panose="020F0502020204030204" pitchFamily="34" charset="0"/>
+                        </a:rPr>
+                        <a:t>Comoros</a:t>
+                      </a:r>
+                    </a:p>
+                  </a:txBody>
+                  <a:tcPr marL="9525" marR="9525" marT="9525" marB="0" anchor="b">
+                    <a:lnL w="6350" cap="flat" cmpd="sng" algn="ctr">
+                      <a:solidFill>
+                        <a:srgbClr val="000000"/>
+                      </a:solidFill>
+                      <a:prstDash val="solid"/>
+                      <a:round/>
+                      <a:headEnd type="none" w="med" len="med"/>
+                      <a:tailEnd type="none" w="med" len="med"/>
+                    </a:lnL>
+                    <a:lnR w="6350" cap="flat" cmpd="sng" algn="ctr">
+                      <a:solidFill>
+                        <a:srgbClr val="000000"/>
+                      </a:solidFill>
+                      <a:prstDash val="solid"/>
+                      <a:round/>
+                      <a:headEnd type="none" w="med" len="med"/>
+                      <a:tailEnd type="none" w="med" len="med"/>
+                    </a:lnR>
+                    <a:lnT w="6350" cap="flat" cmpd="sng" algn="ctr">
+                      <a:solidFill>
+                        <a:srgbClr val="000000"/>
+                      </a:solidFill>
+                      <a:prstDash val="solid"/>
+                      <a:round/>
+                      <a:headEnd type="none" w="med" len="med"/>
+                      <a:tailEnd type="none" w="med" len="med"/>
+                    </a:lnT>
+                    <a:lnB w="6350" cap="flat" cmpd="sng" algn="ctr">
+                      <a:solidFill>
+                        <a:srgbClr val="000000"/>
+                      </a:solidFill>
+                      <a:prstDash val="solid"/>
+                      <a:round/>
+                      <a:headEnd type="none" w="med" len="med"/>
+                      <a:tailEnd type="none" w="med" len="med"/>
+                    </a:lnB>
+                  </a:tcPr>
+                </a:tc>
+                <a:tc>
+                  <a:txBody>
+                    <a:bodyPr/>
+                    <a:lstStyle/>
+                    <a:p>
+                      <a:pPr algn="ctr" fontAlgn="b"/>
+                      <a:r>
+                        <a:rPr lang="en-US" sz="1600" b="0" i="0" u="none" strike="noStrike">
+                          <a:solidFill>
+                            <a:srgbClr val="000000"/>
+                          </a:solidFill>
+                          <a:effectLst/>
+                          <a:latin typeface="Calibri" panose="020F0502020204030204" pitchFamily="34" charset="0"/>
+                        </a:rPr>
+                        <a:t>Puerto Rico</a:t>
+                      </a:r>
+                    </a:p>
+                  </a:txBody>
+                  <a:tcPr marL="9525" marR="9525" marT="9525" marB="0" anchor="b">
+                    <a:lnL w="6350" cap="flat" cmpd="sng" algn="ctr">
+                      <a:solidFill>
+                        <a:srgbClr val="000000"/>
+                      </a:solidFill>
+                      <a:prstDash val="solid"/>
+                      <a:round/>
+                      <a:headEnd type="none" w="med" len="med"/>
+                      <a:tailEnd type="none" w="med" len="med"/>
+                    </a:lnL>
+                    <a:lnR w="6350" cap="flat" cmpd="sng" algn="ctr">
+                      <a:solidFill>
+                        <a:srgbClr val="000000"/>
+                      </a:solidFill>
+                      <a:prstDash val="solid"/>
+                      <a:round/>
+                      <a:headEnd type="none" w="med" len="med"/>
+                      <a:tailEnd type="none" w="med" len="med"/>
+                    </a:lnR>
+                    <a:lnT w="6350" cap="flat" cmpd="sng" algn="ctr">
+                      <a:solidFill>
+                        <a:srgbClr val="000000"/>
+                      </a:solidFill>
+                      <a:prstDash val="solid"/>
+                      <a:round/>
+                      <a:headEnd type="none" w="med" len="med"/>
+                      <a:tailEnd type="none" w="med" len="med"/>
+                    </a:lnT>
+                    <a:lnB w="6350" cap="flat" cmpd="sng" algn="ctr">
+                      <a:solidFill>
+                        <a:srgbClr val="000000"/>
+                      </a:solidFill>
+                      <a:prstDash val="solid"/>
+                      <a:round/>
+                      <a:headEnd type="none" w="med" len="med"/>
+                      <a:tailEnd type="none" w="med" len="med"/>
+                    </a:lnB>
+                  </a:tcPr>
+                </a:tc>
+                <a:extLst>
+                  <a:ext uri="{0D108BD9-81ED-4DB2-BD59-A6C34878D82A}">
+                    <a16:rowId xmlns:a16="http://schemas.microsoft.com/office/drawing/2014/main" val="3966826540"/>
+                  </a:ext>
+                </a:extLst>
+              </a:tr>
+              <a:tr h="267952">
+                <a:tc>
+                  <a:txBody>
+                    <a:bodyPr/>
+                    <a:lstStyle/>
+                    <a:p>
+                      <a:pPr algn="ctr" fontAlgn="b"/>
+                      <a:r>
+                        <a:rPr lang="en-US" sz="1600" b="0" i="0" u="none" strike="noStrike">
+                          <a:solidFill>
+                            <a:srgbClr val="000000"/>
+                          </a:solidFill>
+                          <a:effectLst/>
+                          <a:latin typeface="Calibri" panose="020F0502020204030204" pitchFamily="34" charset="0"/>
+                        </a:rPr>
+                        <a:t>Djibouti</a:t>
+                      </a:r>
+                    </a:p>
+                  </a:txBody>
+                  <a:tcPr marL="9525" marR="9525" marT="9525" marB="0" anchor="b">
+                    <a:lnL w="6350" cap="flat" cmpd="sng" algn="ctr">
+                      <a:solidFill>
+                        <a:srgbClr val="000000"/>
+                      </a:solidFill>
+                      <a:prstDash val="solid"/>
+                      <a:round/>
+                      <a:headEnd type="none" w="med" len="med"/>
+                      <a:tailEnd type="none" w="med" len="med"/>
+                    </a:lnL>
+                    <a:lnR w="6350" cap="flat" cmpd="sng" algn="ctr">
+                      <a:solidFill>
+                        <a:srgbClr val="000000"/>
+                      </a:solidFill>
+                      <a:prstDash val="solid"/>
+                      <a:round/>
+                      <a:headEnd type="none" w="med" len="med"/>
+                      <a:tailEnd type="none" w="med" len="med"/>
+                    </a:lnR>
+                    <a:lnT w="6350" cap="flat" cmpd="sng" algn="ctr">
+                      <a:solidFill>
+                        <a:srgbClr val="000000"/>
+                      </a:solidFill>
+                      <a:prstDash val="solid"/>
+                      <a:round/>
+                      <a:headEnd type="none" w="med" len="med"/>
+                      <a:tailEnd type="none" w="med" len="med"/>
+                    </a:lnT>
+                    <a:lnB w="6350" cap="flat" cmpd="sng" algn="ctr">
+                      <a:solidFill>
+                        <a:srgbClr val="000000"/>
+                      </a:solidFill>
+                      <a:prstDash val="solid"/>
+                      <a:round/>
+                      <a:headEnd type="none" w="med" len="med"/>
+                      <a:tailEnd type="none" w="med" len="med"/>
+                    </a:lnB>
+                  </a:tcPr>
+                </a:tc>
+                <a:tc>
+                  <a:txBody>
+                    <a:bodyPr/>
+                    <a:lstStyle/>
+                    <a:p>
+                      <a:pPr algn="ctr" fontAlgn="b"/>
+                      <a:r>
+                        <a:rPr lang="en-US" sz="1600" b="0" i="0" u="none" strike="noStrike">
+                          <a:solidFill>
+                            <a:srgbClr val="000000"/>
+                          </a:solidFill>
+                          <a:effectLst/>
+                          <a:latin typeface="Calibri" panose="020F0502020204030204" pitchFamily="34" charset="0"/>
+                        </a:rPr>
+                        <a:t>Somalia</a:t>
+                      </a:r>
+                    </a:p>
+                  </a:txBody>
+                  <a:tcPr marL="9525" marR="9525" marT="9525" marB="0" anchor="b">
+                    <a:lnL w="6350" cap="flat" cmpd="sng" algn="ctr">
+                      <a:solidFill>
+                        <a:srgbClr val="000000"/>
+                      </a:solidFill>
+                      <a:prstDash val="solid"/>
+                      <a:round/>
+                      <a:headEnd type="none" w="med" len="med"/>
+                      <a:tailEnd type="none" w="med" len="med"/>
+                    </a:lnL>
+                    <a:lnR w="6350" cap="flat" cmpd="sng" algn="ctr">
+                      <a:solidFill>
+                        <a:srgbClr val="000000"/>
+                      </a:solidFill>
+                      <a:prstDash val="solid"/>
+                      <a:round/>
+                      <a:headEnd type="none" w="med" len="med"/>
+                      <a:tailEnd type="none" w="med" len="med"/>
+                    </a:lnR>
+                    <a:lnT w="6350" cap="flat" cmpd="sng" algn="ctr">
+                      <a:solidFill>
+                        <a:srgbClr val="000000"/>
+                      </a:solidFill>
+                      <a:prstDash val="solid"/>
+                      <a:round/>
+                      <a:headEnd type="none" w="med" len="med"/>
+                      <a:tailEnd type="none" w="med" len="med"/>
+                    </a:lnT>
+                    <a:lnB w="6350" cap="flat" cmpd="sng" algn="ctr">
+                      <a:solidFill>
+                        <a:srgbClr val="000000"/>
+                      </a:solidFill>
+                      <a:prstDash val="solid"/>
+                      <a:round/>
+                      <a:headEnd type="none" w="med" len="med"/>
+                      <a:tailEnd type="none" w="med" len="med"/>
+                    </a:lnB>
+                  </a:tcPr>
+                </a:tc>
+                <a:extLst>
+                  <a:ext uri="{0D108BD9-81ED-4DB2-BD59-A6C34878D82A}">
+                    <a16:rowId xmlns:a16="http://schemas.microsoft.com/office/drawing/2014/main" val="990947090"/>
+                  </a:ext>
+                </a:extLst>
+              </a:tr>
+              <a:tr h="525830">
+                <a:tc>
+                  <a:txBody>
+                    <a:bodyPr/>
+                    <a:lstStyle/>
+                    <a:p>
+                      <a:pPr algn="ctr" fontAlgn="b"/>
+                      <a:r>
+                        <a:rPr lang="en-US" sz="1600" b="0" i="0" u="none" strike="noStrike">
+                          <a:solidFill>
+                            <a:srgbClr val="000000"/>
+                          </a:solidFill>
+                          <a:effectLst/>
+                          <a:latin typeface="Calibri" panose="020F0502020204030204" pitchFamily="34" charset="0"/>
+                        </a:rPr>
+                        <a:t>Gambia</a:t>
+                      </a:r>
+                    </a:p>
+                  </a:txBody>
+                  <a:tcPr marL="9525" marR="9525" marT="9525" marB="0" anchor="b">
+                    <a:lnL w="6350" cap="flat" cmpd="sng" algn="ctr">
+                      <a:solidFill>
+                        <a:srgbClr val="000000"/>
+                      </a:solidFill>
+                      <a:prstDash val="solid"/>
+                      <a:round/>
+                      <a:headEnd type="none" w="med" len="med"/>
+                      <a:tailEnd type="none" w="med" len="med"/>
+                    </a:lnL>
+                    <a:lnR w="6350" cap="flat" cmpd="sng" algn="ctr">
+                      <a:solidFill>
+                        <a:srgbClr val="000000"/>
+                      </a:solidFill>
+                      <a:prstDash val="solid"/>
+                      <a:round/>
+                      <a:headEnd type="none" w="med" len="med"/>
+                      <a:tailEnd type="none" w="med" len="med"/>
+                    </a:lnR>
+                    <a:lnT w="6350" cap="flat" cmpd="sng" algn="ctr">
+                      <a:solidFill>
+                        <a:srgbClr val="000000"/>
+                      </a:solidFill>
+                      <a:prstDash val="solid"/>
+                      <a:round/>
+                      <a:headEnd type="none" w="med" len="med"/>
+                      <a:tailEnd type="none" w="med" len="med"/>
+                    </a:lnT>
+                    <a:lnB w="6350" cap="flat" cmpd="sng" algn="ctr">
+                      <a:solidFill>
+                        <a:srgbClr val="000000"/>
+                      </a:solidFill>
+                      <a:prstDash val="solid"/>
+                      <a:round/>
+                      <a:headEnd type="none" w="med" len="med"/>
+                      <a:tailEnd type="none" w="med" len="med"/>
+                    </a:lnB>
+                  </a:tcPr>
+                </a:tc>
+                <a:tc>
+                  <a:txBody>
+                    <a:bodyPr/>
+                    <a:lstStyle/>
+                    <a:p>
+                      <a:pPr algn="ctr" fontAlgn="b"/>
+                      <a:r>
+                        <a:rPr lang="en-US" sz="1600" b="0" i="0" u="none" strike="noStrike">
+                          <a:solidFill>
+                            <a:srgbClr val="000000"/>
+                          </a:solidFill>
+                          <a:effectLst/>
+                          <a:latin typeface="Calibri" panose="020F0502020204030204" pitchFamily="34" charset="0"/>
+                        </a:rPr>
+                        <a:t>Somaliland region</a:t>
+                      </a:r>
+                    </a:p>
+                  </a:txBody>
+                  <a:tcPr marL="9525" marR="9525" marT="9525" marB="0" anchor="b">
+                    <a:lnL w="6350" cap="flat" cmpd="sng" algn="ctr">
+                      <a:solidFill>
+                        <a:srgbClr val="000000"/>
+                      </a:solidFill>
+                      <a:prstDash val="solid"/>
+                      <a:round/>
+                      <a:headEnd type="none" w="med" len="med"/>
+                      <a:tailEnd type="none" w="med" len="med"/>
+                    </a:lnL>
+                    <a:lnR w="6350" cap="flat" cmpd="sng" algn="ctr">
+                      <a:solidFill>
+                        <a:srgbClr val="000000"/>
+                      </a:solidFill>
+                      <a:prstDash val="solid"/>
+                      <a:round/>
+                      <a:headEnd type="none" w="med" len="med"/>
+                      <a:tailEnd type="none" w="med" len="med"/>
+                    </a:lnR>
+                    <a:lnT w="6350" cap="flat" cmpd="sng" algn="ctr">
+                      <a:solidFill>
+                        <a:srgbClr val="000000"/>
+                      </a:solidFill>
+                      <a:prstDash val="solid"/>
+                      <a:round/>
+                      <a:headEnd type="none" w="med" len="med"/>
+                      <a:tailEnd type="none" w="med" len="med"/>
+                    </a:lnT>
+                    <a:lnB w="6350" cap="flat" cmpd="sng" algn="ctr">
+                      <a:solidFill>
+                        <a:srgbClr val="000000"/>
+                      </a:solidFill>
+                      <a:prstDash val="solid"/>
+                      <a:round/>
+                      <a:headEnd type="none" w="med" len="med"/>
+                      <a:tailEnd type="none" w="med" len="med"/>
+                    </a:lnB>
+                  </a:tcPr>
+                </a:tc>
+                <a:extLst>
+                  <a:ext uri="{0D108BD9-81ED-4DB2-BD59-A6C34878D82A}">
+                    <a16:rowId xmlns:a16="http://schemas.microsoft.com/office/drawing/2014/main" val="397642291"/>
+                  </a:ext>
+                </a:extLst>
+              </a:tr>
+              <a:tr h="267952">
+                <a:tc>
+                  <a:txBody>
+                    <a:bodyPr/>
+                    <a:lstStyle/>
+                    <a:p>
+                      <a:pPr algn="ctr" fontAlgn="b"/>
+                      <a:r>
+                        <a:rPr lang="en-US" sz="1600" b="0" i="0" u="none" strike="noStrike">
+                          <a:solidFill>
+                            <a:srgbClr val="000000"/>
+                          </a:solidFill>
+                          <a:effectLst/>
+                          <a:latin typeface="Calibri" panose="020F0502020204030204" pitchFamily="34" charset="0"/>
+                        </a:rPr>
+                        <a:t>Laos</a:t>
+                      </a:r>
+                    </a:p>
+                  </a:txBody>
+                  <a:tcPr marL="9525" marR="9525" marT="9525" marB="0" anchor="b">
+                    <a:lnL w="6350" cap="flat" cmpd="sng" algn="ctr">
+                      <a:solidFill>
+                        <a:srgbClr val="000000"/>
+                      </a:solidFill>
+                      <a:prstDash val="solid"/>
+                      <a:round/>
+                      <a:headEnd type="none" w="med" len="med"/>
+                      <a:tailEnd type="none" w="med" len="med"/>
+                    </a:lnL>
+                    <a:lnR w="6350" cap="flat" cmpd="sng" algn="ctr">
+                      <a:solidFill>
+                        <a:srgbClr val="000000"/>
+                      </a:solidFill>
+                      <a:prstDash val="solid"/>
+                      <a:round/>
+                      <a:headEnd type="none" w="med" len="med"/>
+                      <a:tailEnd type="none" w="med" len="med"/>
+                    </a:lnR>
+                    <a:lnT w="6350" cap="flat" cmpd="sng" algn="ctr">
+                      <a:solidFill>
+                        <a:srgbClr val="000000"/>
+                      </a:solidFill>
+                      <a:prstDash val="solid"/>
+                      <a:round/>
+                      <a:headEnd type="none" w="med" len="med"/>
+                      <a:tailEnd type="none" w="med" len="med"/>
+                    </a:lnT>
+                    <a:lnB w="6350" cap="flat" cmpd="sng" algn="ctr">
+                      <a:solidFill>
+                        <a:srgbClr val="000000"/>
+                      </a:solidFill>
+                      <a:prstDash val="solid"/>
+                      <a:round/>
+                      <a:headEnd type="none" w="med" len="med"/>
+                      <a:tailEnd type="none" w="med" len="med"/>
+                    </a:lnB>
+                  </a:tcPr>
+                </a:tc>
+                <a:tc>
+                  <a:txBody>
+                    <a:bodyPr/>
+                    <a:lstStyle/>
+                    <a:p>
+                      <a:pPr algn="ctr" fontAlgn="b"/>
+                      <a:r>
+                        <a:rPr lang="en-US" sz="1600" b="0" i="0" u="none" strike="noStrike">
+                          <a:solidFill>
+                            <a:srgbClr val="000000"/>
+                          </a:solidFill>
+                          <a:effectLst/>
+                          <a:latin typeface="Calibri" panose="020F0502020204030204" pitchFamily="34" charset="0"/>
+                        </a:rPr>
+                        <a:t>South Sudan</a:t>
+                      </a:r>
+                    </a:p>
+                  </a:txBody>
+                  <a:tcPr marL="9525" marR="9525" marT="9525" marB="0" anchor="b">
+                    <a:lnL w="6350" cap="flat" cmpd="sng" algn="ctr">
+                      <a:solidFill>
+                        <a:srgbClr val="000000"/>
+                      </a:solidFill>
+                      <a:prstDash val="solid"/>
+                      <a:round/>
+                      <a:headEnd type="none" w="med" len="med"/>
+                      <a:tailEnd type="none" w="med" len="med"/>
+                    </a:lnL>
+                    <a:lnR w="6350" cap="flat" cmpd="sng" algn="ctr">
+                      <a:solidFill>
+                        <a:srgbClr val="000000"/>
+                      </a:solidFill>
+                      <a:prstDash val="solid"/>
+                      <a:round/>
+                      <a:headEnd type="none" w="med" len="med"/>
+                      <a:tailEnd type="none" w="med" len="med"/>
+                    </a:lnR>
+                    <a:lnT w="6350" cap="flat" cmpd="sng" algn="ctr">
+                      <a:solidFill>
+                        <a:srgbClr val="000000"/>
+                      </a:solidFill>
+                      <a:prstDash val="solid"/>
+                      <a:round/>
+                      <a:headEnd type="none" w="med" len="med"/>
+                      <a:tailEnd type="none" w="med" len="med"/>
+                    </a:lnT>
+                    <a:lnB w="6350" cap="flat" cmpd="sng" algn="ctr">
+                      <a:solidFill>
+                        <a:srgbClr val="000000"/>
+                      </a:solidFill>
+                      <a:prstDash val="solid"/>
+                      <a:round/>
+                      <a:headEnd type="none" w="med" len="med"/>
+                      <a:tailEnd type="none" w="med" len="med"/>
+                    </a:lnB>
+                  </a:tcPr>
+                </a:tc>
+                <a:extLst>
+                  <a:ext uri="{0D108BD9-81ED-4DB2-BD59-A6C34878D82A}">
+                    <a16:rowId xmlns:a16="http://schemas.microsoft.com/office/drawing/2014/main" val="758083509"/>
+                  </a:ext>
+                </a:extLst>
+              </a:tr>
+              <a:tr h="267952">
+                <a:tc>
+                  <a:txBody>
+                    <a:bodyPr/>
+                    <a:lstStyle/>
+                    <a:p>
+                      <a:pPr algn="ctr" fontAlgn="b"/>
+                      <a:r>
+                        <a:rPr lang="en-US" sz="1600" b="0" i="0" u="none" strike="noStrike">
+                          <a:solidFill>
+                            <a:srgbClr val="000000"/>
+                          </a:solidFill>
+                          <a:effectLst/>
+                          <a:latin typeface="Calibri" panose="020F0502020204030204" pitchFamily="34" charset="0"/>
+                        </a:rPr>
+                        <a:t>Lesotho</a:t>
+                      </a:r>
+                    </a:p>
+                  </a:txBody>
+                  <a:tcPr marL="9525" marR="9525" marT="9525" marB="0" anchor="b">
+                    <a:lnL w="6350" cap="flat" cmpd="sng" algn="ctr">
+                      <a:solidFill>
+                        <a:srgbClr val="000000"/>
+                      </a:solidFill>
+                      <a:prstDash val="solid"/>
+                      <a:round/>
+                      <a:headEnd type="none" w="med" len="med"/>
+                      <a:tailEnd type="none" w="med" len="med"/>
+                    </a:lnL>
+                    <a:lnR w="6350" cap="flat" cmpd="sng" algn="ctr">
+                      <a:solidFill>
+                        <a:srgbClr val="000000"/>
+                      </a:solidFill>
+                      <a:prstDash val="solid"/>
+                      <a:round/>
+                      <a:headEnd type="none" w="med" len="med"/>
+                      <a:tailEnd type="none" w="med" len="med"/>
+                    </a:lnR>
+                    <a:lnT w="6350" cap="flat" cmpd="sng" algn="ctr">
+                      <a:solidFill>
+                        <a:srgbClr val="000000"/>
+                      </a:solidFill>
+                      <a:prstDash val="solid"/>
+                      <a:round/>
+                      <a:headEnd type="none" w="med" len="med"/>
+                      <a:tailEnd type="none" w="med" len="med"/>
+                    </a:lnT>
+                    <a:lnB w="6350" cap="flat" cmpd="sng" algn="ctr">
+                      <a:solidFill>
+                        <a:srgbClr val="000000"/>
+                      </a:solidFill>
+                      <a:prstDash val="solid"/>
+                      <a:round/>
+                      <a:headEnd type="none" w="med" len="med"/>
+                      <a:tailEnd type="none" w="med" len="med"/>
+                    </a:lnB>
+                  </a:tcPr>
+                </a:tc>
+                <a:tc>
+                  <a:txBody>
+                    <a:bodyPr/>
+                    <a:lstStyle/>
+                    <a:p>
+                      <a:pPr algn="ctr" fontAlgn="b"/>
+                      <a:r>
+                        <a:rPr lang="en-US" sz="1600" b="0" i="0" u="none" strike="noStrike" dirty="0">
+                          <a:solidFill>
+                            <a:srgbClr val="000000"/>
+                          </a:solidFill>
+                          <a:effectLst/>
+                          <a:latin typeface="Calibri" panose="020F0502020204030204" pitchFamily="34" charset="0"/>
+                        </a:rPr>
+                        <a:t>Sudan</a:t>
+                      </a:r>
+                    </a:p>
+                  </a:txBody>
+                  <a:tcPr marL="9525" marR="9525" marT="9525" marB="0" anchor="b">
+                    <a:lnL w="6350" cap="flat" cmpd="sng" algn="ctr">
+                      <a:solidFill>
+                        <a:srgbClr val="000000"/>
+                      </a:solidFill>
+                      <a:prstDash val="solid"/>
+                      <a:round/>
+                      <a:headEnd type="none" w="med" len="med"/>
+                      <a:tailEnd type="none" w="med" len="med"/>
+                    </a:lnL>
+                    <a:lnR w="6350" cap="flat" cmpd="sng" algn="ctr">
+                      <a:solidFill>
+                        <a:srgbClr val="000000"/>
+                      </a:solidFill>
+                      <a:prstDash val="solid"/>
+                      <a:round/>
+                      <a:headEnd type="none" w="med" len="med"/>
+                      <a:tailEnd type="none" w="med" len="med"/>
+                    </a:lnR>
+                    <a:lnT w="6350" cap="flat" cmpd="sng" algn="ctr">
+                      <a:solidFill>
+                        <a:srgbClr val="000000"/>
+                      </a:solidFill>
+                      <a:prstDash val="solid"/>
+                      <a:round/>
+                      <a:headEnd type="none" w="med" len="med"/>
+                      <a:tailEnd type="none" w="med" len="med"/>
+                    </a:lnT>
+                    <a:lnB w="6350" cap="flat" cmpd="sng" algn="ctr">
+                      <a:solidFill>
+                        <a:srgbClr val="000000"/>
+                      </a:solidFill>
+                      <a:prstDash val="solid"/>
+                      <a:round/>
+                      <a:headEnd type="none" w="med" len="med"/>
+                      <a:tailEnd type="none" w="med" len="med"/>
+                    </a:lnB>
+                  </a:tcPr>
+                </a:tc>
+                <a:extLst>
+                  <a:ext uri="{0D108BD9-81ED-4DB2-BD59-A6C34878D82A}">
+                    <a16:rowId xmlns:a16="http://schemas.microsoft.com/office/drawing/2014/main" val="304055324"/>
+                  </a:ext>
+                </a:extLst>
+              </a:tr>
+              <a:tr h="267952">
+                <a:tc>
+                  <a:txBody>
+                    <a:bodyPr/>
+                    <a:lstStyle/>
+                    <a:p>
+                      <a:pPr algn="ctr" fontAlgn="b"/>
+                      <a:r>
+                        <a:rPr lang="en-US" sz="1600" b="0" i="0" u="none" strike="noStrike">
+                          <a:solidFill>
+                            <a:srgbClr val="000000"/>
+                          </a:solidFill>
+                          <a:effectLst/>
+                          <a:latin typeface="Calibri" panose="020F0502020204030204" pitchFamily="34" charset="0"/>
+                        </a:rPr>
+                        <a:t>Macedonia</a:t>
+                      </a:r>
+                    </a:p>
+                  </a:txBody>
+                  <a:tcPr marL="9525" marR="9525" marT="9525" marB="0" anchor="b">
+                    <a:lnL w="6350" cap="flat" cmpd="sng" algn="ctr">
+                      <a:solidFill>
+                        <a:srgbClr val="000000"/>
+                      </a:solidFill>
+                      <a:prstDash val="solid"/>
+                      <a:round/>
+                      <a:headEnd type="none" w="med" len="med"/>
+                      <a:tailEnd type="none" w="med" len="med"/>
+                    </a:lnL>
+                    <a:lnR w="6350" cap="flat" cmpd="sng" algn="ctr">
+                      <a:solidFill>
+                        <a:srgbClr val="000000"/>
+                      </a:solidFill>
+                      <a:prstDash val="solid"/>
+                      <a:round/>
+                      <a:headEnd type="none" w="med" len="med"/>
+                      <a:tailEnd type="none" w="med" len="med"/>
+                    </a:lnR>
+                    <a:lnT w="6350" cap="flat" cmpd="sng" algn="ctr">
+                      <a:solidFill>
+                        <a:srgbClr val="000000"/>
+                      </a:solidFill>
+                      <a:prstDash val="solid"/>
+                      <a:round/>
+                      <a:headEnd type="none" w="med" len="med"/>
+                      <a:tailEnd type="none" w="med" len="med"/>
+                    </a:lnT>
+                    <a:lnB w="6350" cap="flat" cmpd="sng" algn="ctr">
+                      <a:solidFill>
+                        <a:srgbClr val="000000"/>
+                      </a:solidFill>
+                      <a:prstDash val="solid"/>
+                      <a:round/>
+                      <a:headEnd type="none" w="med" len="med"/>
+                      <a:tailEnd type="none" w="med" len="med"/>
+                    </a:lnB>
+                  </a:tcPr>
+                </a:tc>
+                <a:tc>
+                  <a:txBody>
+                    <a:bodyPr/>
+                    <a:lstStyle/>
+                    <a:p>
+                      <a:pPr algn="ctr" fontAlgn="b"/>
+                      <a:r>
+                        <a:rPr lang="en-US" sz="1600" b="0" i="0" u="none" strike="noStrike" dirty="0">
+                          <a:solidFill>
+                            <a:srgbClr val="000000"/>
+                          </a:solidFill>
+                          <a:effectLst/>
+                          <a:latin typeface="Calibri" panose="020F0502020204030204" pitchFamily="34" charset="0"/>
+                        </a:rPr>
+                        <a:t>Suriname</a:t>
+                      </a:r>
+                    </a:p>
+                  </a:txBody>
+                  <a:tcPr marL="9525" marR="9525" marT="9525" marB="0" anchor="b">
+                    <a:lnL w="6350" cap="flat" cmpd="sng" algn="ctr">
+                      <a:solidFill>
+                        <a:srgbClr val="000000"/>
+                      </a:solidFill>
+                      <a:prstDash val="solid"/>
+                      <a:round/>
+                      <a:headEnd type="none" w="med" len="med"/>
+                      <a:tailEnd type="none" w="med" len="med"/>
+                    </a:lnL>
+                    <a:lnR w="6350" cap="flat" cmpd="sng" algn="ctr">
+                      <a:solidFill>
+                        <a:srgbClr val="000000"/>
+                      </a:solidFill>
+                      <a:prstDash val="solid"/>
+                      <a:round/>
+                      <a:headEnd type="none" w="med" len="med"/>
+                      <a:tailEnd type="none" w="med" len="med"/>
+                    </a:lnR>
+                    <a:lnT w="6350" cap="flat" cmpd="sng" algn="ctr">
+                      <a:solidFill>
+                        <a:srgbClr val="000000"/>
+                      </a:solidFill>
+                      <a:prstDash val="solid"/>
+                      <a:round/>
+                      <a:headEnd type="none" w="med" len="med"/>
+                      <a:tailEnd type="none" w="med" len="med"/>
+                    </a:lnT>
+                    <a:lnB w="6350" cap="flat" cmpd="sng" algn="ctr">
+                      <a:solidFill>
+                        <a:srgbClr val="000000"/>
+                      </a:solidFill>
+                      <a:prstDash val="solid"/>
+                      <a:round/>
+                      <a:headEnd type="none" w="med" len="med"/>
+                      <a:tailEnd type="none" w="med" len="med"/>
+                    </a:lnB>
+                  </a:tcPr>
+                </a:tc>
+                <a:extLst>
+                  <a:ext uri="{0D108BD9-81ED-4DB2-BD59-A6C34878D82A}">
+                    <a16:rowId xmlns:a16="http://schemas.microsoft.com/office/drawing/2014/main" val="4070179172"/>
+                  </a:ext>
+                </a:extLst>
+              </a:tr>
+              <a:tr h="267952">
+                <a:tc>
+                  <a:txBody>
+                    <a:bodyPr/>
+                    <a:lstStyle/>
+                    <a:p>
+                      <a:pPr algn="ctr" fontAlgn="b"/>
+                      <a:r>
+                        <a:rPr lang="en-US" sz="1600" b="0" i="0" u="none" strike="noStrike" dirty="0">
+                          <a:solidFill>
+                            <a:srgbClr val="000000"/>
+                          </a:solidFill>
+                          <a:effectLst/>
+                          <a:latin typeface="Calibri" panose="020F0502020204030204" pitchFamily="34" charset="0"/>
+                        </a:rPr>
+                        <a:t>Mozambique</a:t>
+                      </a:r>
+                    </a:p>
+                  </a:txBody>
+                  <a:tcPr marL="9525" marR="9525" marT="9525" marB="0" anchor="b">
+                    <a:lnL w="6350" cap="flat" cmpd="sng" algn="ctr">
+                      <a:solidFill>
+                        <a:srgbClr val="000000"/>
+                      </a:solidFill>
+                      <a:prstDash val="solid"/>
+                      <a:round/>
+                      <a:headEnd type="none" w="med" len="med"/>
+                      <a:tailEnd type="none" w="med" len="med"/>
+                    </a:lnL>
+                    <a:lnR w="6350" cap="flat" cmpd="sng" algn="ctr">
+                      <a:solidFill>
+                        <a:srgbClr val="000000"/>
+                      </a:solidFill>
+                      <a:prstDash val="solid"/>
+                      <a:round/>
+                      <a:headEnd type="none" w="med" len="med"/>
+                      <a:tailEnd type="none" w="med" len="med"/>
+                    </a:lnR>
+                    <a:lnT w="6350" cap="flat" cmpd="sng" algn="ctr">
+                      <a:solidFill>
+                        <a:srgbClr val="000000"/>
+                      </a:solidFill>
+                      <a:prstDash val="solid"/>
+                      <a:round/>
+                      <a:headEnd type="none" w="med" len="med"/>
+                      <a:tailEnd type="none" w="med" len="med"/>
+                    </a:lnT>
+                    <a:lnB w="6350" cap="flat" cmpd="sng" algn="ctr">
+                      <a:solidFill>
+                        <a:srgbClr val="000000"/>
+                      </a:solidFill>
+                      <a:prstDash val="solid"/>
+                      <a:round/>
+                      <a:headEnd type="none" w="med" len="med"/>
+                      <a:tailEnd type="none" w="med" len="med"/>
+                    </a:lnB>
+                  </a:tcPr>
+                </a:tc>
+                <a:tc>
+                  <a:txBody>
+                    <a:bodyPr/>
+                    <a:lstStyle/>
+                    <a:p>
+                      <a:pPr algn="ctr" fontAlgn="b"/>
+                      <a:r>
+                        <a:rPr lang="en-US" sz="1600" b="0" i="0" u="none" strike="noStrike" dirty="0">
+                          <a:solidFill>
+                            <a:srgbClr val="000000"/>
+                          </a:solidFill>
+                          <a:effectLst/>
+                          <a:latin typeface="Calibri" panose="020F0502020204030204" pitchFamily="34" charset="0"/>
+                        </a:rPr>
+                        <a:t>Swaziland</a:t>
+                      </a:r>
+                    </a:p>
+                  </a:txBody>
+                  <a:tcPr marL="9525" marR="9525" marT="9525" marB="0" anchor="b">
+                    <a:lnL w="6350" cap="flat" cmpd="sng" algn="ctr">
+                      <a:solidFill>
+                        <a:srgbClr val="000000"/>
+                      </a:solidFill>
+                      <a:prstDash val="solid"/>
+                      <a:round/>
+                      <a:headEnd type="none" w="med" len="med"/>
+                      <a:tailEnd type="none" w="med" len="med"/>
+                    </a:lnL>
+                    <a:lnR w="6350" cap="flat" cmpd="sng" algn="ctr">
+                      <a:solidFill>
+                        <a:srgbClr val="000000"/>
+                      </a:solidFill>
+                      <a:prstDash val="solid"/>
+                      <a:round/>
+                      <a:headEnd type="none" w="med" len="med"/>
+                      <a:tailEnd type="none" w="med" len="med"/>
+                    </a:lnR>
+                    <a:lnT w="6350" cap="flat" cmpd="sng" algn="ctr">
+                      <a:solidFill>
+                        <a:srgbClr val="000000"/>
+                      </a:solidFill>
+                      <a:prstDash val="solid"/>
+                      <a:round/>
+                      <a:headEnd type="none" w="med" len="med"/>
+                      <a:tailEnd type="none" w="med" len="med"/>
+                    </a:lnT>
+                    <a:lnB w="6350" cap="flat" cmpd="sng" algn="ctr">
+                      <a:solidFill>
+                        <a:srgbClr val="000000"/>
+                      </a:solidFill>
+                      <a:prstDash val="solid"/>
+                      <a:round/>
+                      <a:headEnd type="none" w="med" len="med"/>
+                      <a:tailEnd type="none" w="med" len="med"/>
+                    </a:lnB>
+                  </a:tcPr>
+                </a:tc>
+                <a:extLst>
+                  <a:ext uri="{0D108BD9-81ED-4DB2-BD59-A6C34878D82A}">
+                    <a16:rowId xmlns:a16="http://schemas.microsoft.com/office/drawing/2014/main" val="4173087651"/>
+                  </a:ext>
+                </a:extLst>
+              </a:tr>
+            </a:tbl>
+          </a:graphicData>
+        </a:graphic>
+      </p:graphicFrame>
+    </p:spTree>
+    <p:extLst>
+      <p:ext uri="{BB962C8B-B14F-4D97-AF65-F5344CB8AC3E}">
+        <p14:creationId xmlns:p14="http://schemas.microsoft.com/office/powerpoint/2010/main" val="1612421754"/>
+      </p:ext>
+    </p:extLst>
+  </p:cSld>
+  <p:clrMapOvr>
+    <a:masterClrMapping/>
+  </p:clrMapOvr>
+</p:sld>
+</file>
+
+<file path=ppt/slides/slide5.xml><?xml version="1.0" encoding="utf-8"?>
+<p:sld xmlns:a="http://schemas.openxmlformats.org/drawingml/2006/main" xmlns:r="http://schemas.openxmlformats.org/officeDocument/2006/relationships" xmlns:p="http://schemas.openxmlformats.org/presentationml/2006/main">
+  <p:cSld>
+    <p:spTree>
+      <p:nvGrpSpPr>
+        <p:cNvPr id="1" name=""/>
+        <p:cNvGrpSpPr/>
+        <p:nvPr/>
+      </p:nvGrpSpPr>
+      <p:grpSpPr>
+        <a:xfrm>
+          <a:off x="0" y="0"/>
+          <a:ext cx="0" cy="0"/>
+          <a:chOff x="0" y="0"/>
+          <a:chExt cx="0" cy="0"/>
+        </a:xfrm>
+      </p:grpSpPr>
+      <p:sp>
+        <p:nvSpPr>
           <p:cNvPr id="2" name="TextBox 1">
             <a:extLst>
               <a:ext uri="{FF2B5EF4-FFF2-40B4-BE49-F238E27FC236}">
@@ -5708,7 +8027,7 @@
 </p:sld>
 </file>
 
-<file path=ppt/slides/slide5.xml><?xml version="1.0" encoding="utf-8"?>
+<file path=ppt/slides/slide6.xml><?xml version="1.0" encoding="utf-8"?>
 <p:sld xmlns:a="http://schemas.openxmlformats.org/drawingml/2006/main" xmlns:r="http://schemas.openxmlformats.org/officeDocument/2006/relationships" xmlns:p="http://schemas.openxmlformats.org/presentationml/2006/main">
   <p:cSld>
     <p:spTree>
@@ -5774,7 +8093,7 @@
 </p:sld>
 </file>
 
-<file path=ppt/slides/slide6.xml><?xml version="1.0" encoding="utf-8"?>
+<file path=ppt/slides/slide7.xml><?xml version="1.0" encoding="utf-8"?>
 <p:sld xmlns:a="http://schemas.openxmlformats.org/drawingml/2006/main" xmlns:r="http://schemas.openxmlformats.org/officeDocument/2006/relationships" xmlns:p="http://schemas.openxmlformats.org/presentationml/2006/main">
   <p:cSld>
     <p:spTree>
@@ -5876,7 +8195,7 @@
 </p:sld>
 </file>
 
-<file path=ppt/slides/slide7.xml><?xml version="1.0" encoding="utf-8"?>
+<file path=ppt/slides/slide8.xml><?xml version="1.0" encoding="utf-8"?>
 <p:sld xmlns:a="http://schemas.openxmlformats.org/drawingml/2006/main" xmlns:r="http://schemas.openxmlformats.org/officeDocument/2006/relationships" xmlns:p="http://schemas.openxmlformats.org/presentationml/2006/main">
   <p:cSld>
     <p:spTree>
@@ -5978,7 +8297,7 @@
 </p:sld>
 </file>
 
-<file path=ppt/slides/slide8.xml><?xml version="1.0" encoding="utf-8"?>
+<file path=ppt/slides/slide9.xml><?xml version="1.0" encoding="utf-8"?>
 <p:sld xmlns:a="http://schemas.openxmlformats.org/drawingml/2006/main" xmlns:r="http://schemas.openxmlformats.org/officeDocument/2006/relationships" xmlns:p="http://schemas.openxmlformats.org/presentationml/2006/main">
   <p:cSld>
     <p:spTree>
@@ -6671,12 +8990,6 @@
 </file>
 
 <file path=customXml/item1.xml><?xml version="1.0" encoding="utf-8"?>
-<p:properties xmlns:p="http://schemas.microsoft.com/office/2006/metadata/properties" xmlns:xsi="http://www.w3.org/2001/XMLSchema-instance" xmlns:pc="http://schemas.microsoft.com/office/infopath/2007/PartnerControls">
-  <documentManagement/>
-</p:properties>
-</file>
-
-<file path=customXml/item2.xml><?xml version="1.0" encoding="utf-8"?>
 <?mso-contentType ?>
 <FormTemplates xmlns="http://schemas.microsoft.com/sharepoint/v3/contenttype/forms">
   <Display>DocumentLibraryForm</Display>
@@ -6685,7 +8998,7 @@
 </FormTemplates>
 </file>
 
-<file path=customXml/item3.xml><?xml version="1.0" encoding="utf-8"?>
+<file path=customXml/item2.xml><?xml version="1.0" encoding="utf-8"?>
 <ct:contentTypeSchema xmlns:ct="http://schemas.microsoft.com/office/2006/metadata/contentType" xmlns:ma="http://schemas.microsoft.com/office/2006/metadata/properties/metaAttributes" ct:_="" ma:_="" ma:contentTypeName="Document" ma:contentTypeID="0x010100983CA93ED2DB2040AF5A2A0F83506B32" ma:contentTypeVersion="12" ma:contentTypeDescription="Create a new document." ma:contentTypeScope="" ma:versionID="be5f21d80922c8da74e689402e405dc1">
   <xsd:schema xmlns:xsd="http://www.w3.org/2001/XMLSchema" xmlns:xs="http://www.w3.org/2001/XMLSchema" xmlns:p="http://schemas.microsoft.com/office/2006/metadata/properties" xmlns:ns3="7d2d537f-5e9f-44ab-b00e-058bd7b53465" xmlns:ns4="d9272087-702b-4136-93eb-f3b40bcf76b0" targetNamespace="http://schemas.microsoft.com/office/2006/metadata/properties" ma:root="true" ma:fieldsID="632606914a44a18272f5af04fd3ad126" ns3:_="" ns4:_="">
     <xsd:import namespace="7d2d537f-5e9f-44ab-b00e-058bd7b53465"/>
@@ -6902,24 +9215,13 @@
 </ct:contentTypeSchema>
 </file>
 
-<file path=customXml/itemProps1.xml><?xml version="1.0" encoding="utf-8"?>
-<ds:datastoreItem xmlns:ds="http://schemas.openxmlformats.org/officeDocument/2006/customXml" ds:itemID="{53CE5FDF-8CDE-4B10-B85C-FC05BEEA5EB1}">
-  <ds:schemaRefs>
-    <ds:schemaRef ds:uri="7d2d537f-5e9f-44ab-b00e-058bd7b53465"/>
-    <ds:schemaRef ds:uri="http://purl.org/dc/terms/"/>
-    <ds:schemaRef ds:uri="d9272087-702b-4136-93eb-f3b40bcf76b0"/>
-    <ds:schemaRef ds:uri="http://schemas.microsoft.com/office/2006/documentManagement/types"/>
-    <ds:schemaRef ds:uri="http://schemas.microsoft.com/office/infopath/2007/PartnerControls"/>
-    <ds:schemaRef ds:uri="http://purl.org/dc/elements/1.1/"/>
-    <ds:schemaRef ds:uri="http://schemas.microsoft.com/office/2006/metadata/properties"/>
-    <ds:schemaRef ds:uri="http://schemas.openxmlformats.org/package/2006/metadata/core-properties"/>
-    <ds:schemaRef ds:uri="http://www.w3.org/XML/1998/namespace"/>
-    <ds:schemaRef ds:uri="http://purl.org/dc/dcmitype/"/>
-  </ds:schemaRefs>
-</ds:datastoreItem>
+<file path=customXml/item3.xml><?xml version="1.0" encoding="utf-8"?>
+<p:properties xmlns:p="http://schemas.microsoft.com/office/2006/metadata/properties" xmlns:xsi="http://www.w3.org/2001/XMLSchema-instance" xmlns:pc="http://schemas.microsoft.com/office/infopath/2007/PartnerControls">
+  <documentManagement/>
+</p:properties>
 </file>
 
-<file path=customXml/itemProps2.xml><?xml version="1.0" encoding="utf-8"?>
+<file path=customXml/itemProps1.xml><?xml version="1.0" encoding="utf-8"?>
 <ds:datastoreItem xmlns:ds="http://schemas.openxmlformats.org/officeDocument/2006/customXml" ds:itemID="{55A3EB87-F564-47E7-AFEA-A629475E6AB3}">
   <ds:schemaRefs>
     <ds:schemaRef ds:uri="http://schemas.microsoft.com/sharepoint/v3/contenttype/forms"/>
@@ -6927,7 +9229,7 @@
 </ds:datastoreItem>
 </file>
 
-<file path=customXml/itemProps3.xml><?xml version="1.0" encoding="utf-8"?>
+<file path=customXml/itemProps2.xml><?xml version="1.0" encoding="utf-8"?>
 <ds:datastoreItem xmlns:ds="http://schemas.openxmlformats.org/officeDocument/2006/customXml" ds:itemID="{E80734D4-360B-4946-8FC4-5CDA3C5686A8}">
   <ds:schemaRefs>
     <ds:schemaRef ds:uri="http://schemas.microsoft.com/office/2006/metadata/contentType"/>
@@ -6944,4 +9246,21 @@
     <ds:schemaRef ds:uri="http://schemas.microsoft.com/internal/obd"/>
   </ds:schemaRefs>
 </ds:datastoreItem>
+</file>
+
+<file path=customXml/itemProps3.xml><?xml version="1.0" encoding="utf-8"?>
+<ds:datastoreItem xmlns:ds="http://schemas.openxmlformats.org/officeDocument/2006/customXml" ds:itemID="{53CE5FDF-8CDE-4B10-B85C-FC05BEEA5EB1}">
+  <ds:schemaRefs>
+    <ds:schemaRef ds:uri="7d2d537f-5e9f-44ab-b00e-058bd7b53465"/>
+    <ds:schemaRef ds:uri="http://purl.org/dc/terms/"/>
+    <ds:schemaRef ds:uri="d9272087-702b-4136-93eb-f3b40bcf76b0"/>
+    <ds:schemaRef ds:uri="http://schemas.microsoft.com/office/2006/documentManagement/types"/>
+    <ds:schemaRef ds:uri="http://schemas.microsoft.com/office/infopath/2007/PartnerControls"/>
+    <ds:schemaRef ds:uri="http://purl.org/dc/elements/1.1/"/>
+    <ds:schemaRef ds:uri="http://schemas.microsoft.com/office/2006/metadata/properties"/>
+    <ds:schemaRef ds:uri="http://schemas.openxmlformats.org/package/2006/metadata/core-properties"/>
+    <ds:schemaRef ds:uri="http://www.w3.org/XML/1998/namespace"/>
+    <ds:schemaRef ds:uri="http://purl.org/dc/dcmitype/"/>
+  </ds:schemaRefs>
+</ds:datastoreItem>
 </file>
--- a/World Happiness Report .pptx
+++ b/World Happiness Report .pptx
@@ -217,7 +217,7 @@
           <a:p>
             <a:fld id="{D7E49FBC-DCCF-4CD9-802B-7096A89A89FD}" type="datetimeFigureOut">
               <a:rPr lang="en-US" smtClean="0"/>
-              <a:t>1/10/20</a:t>
+              <a:t>1/11/2020</a:t>
             </a:fld>
             <a:endParaRPr lang="en-US"/>
           </a:p>
@@ -631,7 +631,7 @@
           <a:p>
             <a:fld id="{CD11FCB0-407C-4655-9D9B-8F371EF9A97A}" type="datetimeFigureOut">
               <a:rPr lang="en-US" smtClean="0"/>
-              <a:t>1/10/20</a:t>
+              <a:t>1/11/2020</a:t>
             </a:fld>
             <a:endParaRPr lang="en-US"/>
           </a:p>
@@ -829,7 +829,7 @@
           <a:p>
             <a:fld id="{CD11FCB0-407C-4655-9D9B-8F371EF9A97A}" type="datetimeFigureOut">
               <a:rPr lang="en-US" smtClean="0"/>
-              <a:t>1/10/20</a:t>
+              <a:t>1/11/2020</a:t>
             </a:fld>
             <a:endParaRPr lang="en-US"/>
           </a:p>
@@ -1037,7 +1037,7 @@
           <a:p>
             <a:fld id="{CD11FCB0-407C-4655-9D9B-8F371EF9A97A}" type="datetimeFigureOut">
               <a:rPr lang="en-US" smtClean="0"/>
-              <a:t>1/10/20</a:t>
+              <a:t>1/11/2020</a:t>
             </a:fld>
             <a:endParaRPr lang="en-US"/>
           </a:p>
@@ -1235,7 +1235,7 @@
           <a:p>
             <a:fld id="{CD11FCB0-407C-4655-9D9B-8F371EF9A97A}" type="datetimeFigureOut">
               <a:rPr lang="en-US" smtClean="0"/>
-              <a:t>1/10/20</a:t>
+              <a:t>1/11/2020</a:t>
             </a:fld>
             <a:endParaRPr lang="en-US"/>
           </a:p>
@@ -1510,7 +1510,7 @@
           <a:p>
             <a:fld id="{CD11FCB0-407C-4655-9D9B-8F371EF9A97A}" type="datetimeFigureOut">
               <a:rPr lang="en-US" smtClean="0"/>
-              <a:t>1/10/20</a:t>
+              <a:t>1/11/2020</a:t>
             </a:fld>
             <a:endParaRPr lang="en-US"/>
           </a:p>
@@ -1775,7 +1775,7 @@
           <a:p>
             <a:fld id="{CD11FCB0-407C-4655-9D9B-8F371EF9A97A}" type="datetimeFigureOut">
               <a:rPr lang="en-US" smtClean="0"/>
-              <a:t>1/10/20</a:t>
+              <a:t>1/11/2020</a:t>
             </a:fld>
             <a:endParaRPr lang="en-US"/>
           </a:p>
@@ -2192,7 +2192,7 @@
           <a:p>
             <a:fld id="{CD11FCB0-407C-4655-9D9B-8F371EF9A97A}" type="datetimeFigureOut">
               <a:rPr lang="en-US" smtClean="0"/>
-              <a:t>1/10/20</a:t>
+              <a:t>1/11/2020</a:t>
             </a:fld>
             <a:endParaRPr lang="en-US"/>
           </a:p>
@@ -2338,7 +2338,7 @@
           <a:p>
             <a:fld id="{CD11FCB0-407C-4655-9D9B-8F371EF9A97A}" type="datetimeFigureOut">
               <a:rPr lang="en-US" smtClean="0"/>
-              <a:t>1/10/20</a:t>
+              <a:t>1/11/2020</a:t>
             </a:fld>
             <a:endParaRPr lang="en-US"/>
           </a:p>
@@ -2451,7 +2451,7 @@
           <a:p>
             <a:fld id="{CD11FCB0-407C-4655-9D9B-8F371EF9A97A}" type="datetimeFigureOut">
               <a:rPr lang="en-US" smtClean="0"/>
-              <a:t>1/10/20</a:t>
+              <a:t>1/11/2020</a:t>
             </a:fld>
             <a:endParaRPr lang="en-US"/>
           </a:p>
@@ -2762,7 +2762,7 @@
           <a:p>
             <a:fld id="{CD11FCB0-407C-4655-9D9B-8F371EF9A97A}" type="datetimeFigureOut">
               <a:rPr lang="en-US" smtClean="0"/>
-              <a:t>1/10/20</a:t>
+              <a:t>1/11/2020</a:t>
             </a:fld>
             <a:endParaRPr lang="en-US"/>
           </a:p>
@@ -3055,7 +3055,7 @@
           <a:p>
             <a:fld id="{CD11FCB0-407C-4655-9D9B-8F371EF9A97A}" type="datetimeFigureOut">
               <a:rPr lang="en-US" smtClean="0"/>
-              <a:t>1/10/20</a:t>
+              <a:t>1/11/2020</a:t>
             </a:fld>
             <a:endParaRPr lang="en-US"/>
           </a:p>
@@ -3296,7 +3296,7 @@
           <a:p>
             <a:fld id="{CD11FCB0-407C-4655-9D9B-8F371EF9A97A}" type="datetimeFigureOut">
               <a:rPr lang="en-US" smtClean="0"/>
-              <a:t>1/10/20</a:t>
+              <a:t>1/11/2020</a:t>
             </a:fld>
             <a:endParaRPr lang="en-US"/>
           </a:p>
@@ -8006,7 +8006,7 @@
         </p:blipFill>
         <p:spPr>
           <a:xfrm>
-            <a:off x="861834" y="756705"/>
+            <a:off x="611252" y="545690"/>
             <a:ext cx="10823944" cy="6207618"/>
           </a:xfrm>
           <a:prstGeom prst="rect">
@@ -8014,6 +8014,53 @@
           </a:prstGeom>
         </p:spPr>
       </p:pic>
+      <p:sp>
+        <p:nvSpPr>
+          <p:cNvPr id="3" name="Arrow: Right 2">
+            <a:hlinkClick r:id="rId3" action="ppaction://hlinkfile"/>
+            <a:extLst>
+              <a:ext uri="{FF2B5EF4-FFF2-40B4-BE49-F238E27FC236}">
+                <a16:creationId xmlns:a16="http://schemas.microsoft.com/office/drawing/2014/main" id="{26013135-6859-48E6-8DA3-C22C56DD63F4}"/>
+              </a:ext>
+            </a:extLst>
+          </p:cNvPr>
+          <p:cNvSpPr/>
+          <p:nvPr/>
+        </p:nvSpPr>
+        <p:spPr>
+          <a:xfrm>
+            <a:off x="11702562" y="6550269"/>
+            <a:ext cx="404446" cy="268982"/>
+          </a:xfrm>
+          <a:prstGeom prst="rightArrow">
+            <a:avLst/>
+          </a:prstGeom>
+        </p:spPr>
+        <p:style>
+          <a:lnRef idx="2">
+            <a:schemeClr val="accent1">
+              <a:shade val="50000"/>
+            </a:schemeClr>
+          </a:lnRef>
+          <a:fillRef idx="1">
+            <a:schemeClr val="accent1"/>
+          </a:fillRef>
+          <a:effectRef idx="0">
+            <a:schemeClr val="accent1"/>
+          </a:effectRef>
+          <a:fontRef idx="minor">
+            <a:schemeClr val="lt1"/>
+          </a:fontRef>
+        </p:style>
+        <p:txBody>
+          <a:bodyPr rtlCol="0" anchor="ctr"/>
+          <a:lstStyle/>
+          <a:p>
+            <a:pPr algn="ctr"/>
+            <a:endParaRPr lang="en-US"/>
+          </a:p>
+        </p:txBody>
+      </p:sp>
     </p:spTree>
     <p:extLst>
       <p:ext uri="{BB962C8B-B14F-4D97-AF65-F5344CB8AC3E}">
@@ -8990,12 +9037,9 @@
 </file>
 
 <file path=customXml/item1.xml><?xml version="1.0" encoding="utf-8"?>
-<?mso-contentType ?>
-<FormTemplates xmlns="http://schemas.microsoft.com/sharepoint/v3/contenttype/forms">
-  <Display>DocumentLibraryForm</Display>
-  <Edit>DocumentLibraryForm</Edit>
-  <New>DocumentLibraryForm</New>
-</FormTemplates>
+<p:properties xmlns:p="http://schemas.microsoft.com/office/2006/metadata/properties" xmlns:xsi="http://www.w3.org/2001/XMLSchema-instance" xmlns:pc="http://schemas.microsoft.com/office/infopath/2007/PartnerControls">
+  <documentManagement/>
+</p:properties>
 </file>
 
 <file path=customXml/item2.xml><?xml version="1.0" encoding="utf-8"?>
@@ -9216,15 +9260,27 @@
 </file>
 
 <file path=customXml/item3.xml><?xml version="1.0" encoding="utf-8"?>
-<p:properties xmlns:p="http://schemas.microsoft.com/office/2006/metadata/properties" xmlns:xsi="http://www.w3.org/2001/XMLSchema-instance" xmlns:pc="http://schemas.microsoft.com/office/infopath/2007/PartnerControls">
-  <documentManagement/>
-</p:properties>
+<?mso-contentType ?>
+<FormTemplates xmlns="http://schemas.microsoft.com/sharepoint/v3/contenttype/forms">
+  <Display>DocumentLibraryForm</Display>
+  <Edit>DocumentLibraryForm</Edit>
+  <New>DocumentLibraryForm</New>
+</FormTemplates>
 </file>
 
 <file path=customXml/itemProps1.xml><?xml version="1.0" encoding="utf-8"?>
-<ds:datastoreItem xmlns:ds="http://schemas.openxmlformats.org/officeDocument/2006/customXml" ds:itemID="{55A3EB87-F564-47E7-AFEA-A629475E6AB3}">
+<ds:datastoreItem xmlns:ds="http://schemas.openxmlformats.org/officeDocument/2006/customXml" ds:itemID="{53CE5FDF-8CDE-4B10-B85C-FC05BEEA5EB1}">
   <ds:schemaRefs>
-    <ds:schemaRef ds:uri="http://schemas.microsoft.com/sharepoint/v3/contenttype/forms"/>
+    <ds:schemaRef ds:uri="7d2d537f-5e9f-44ab-b00e-058bd7b53465"/>
+    <ds:schemaRef ds:uri="http://purl.org/dc/terms/"/>
+    <ds:schemaRef ds:uri="d9272087-702b-4136-93eb-f3b40bcf76b0"/>
+    <ds:schemaRef ds:uri="http://schemas.microsoft.com/office/2006/documentManagement/types"/>
+    <ds:schemaRef ds:uri="http://schemas.microsoft.com/office/infopath/2007/PartnerControls"/>
+    <ds:schemaRef ds:uri="http://purl.org/dc/elements/1.1/"/>
+    <ds:schemaRef ds:uri="http://schemas.microsoft.com/office/2006/metadata/properties"/>
+    <ds:schemaRef ds:uri="http://schemas.openxmlformats.org/package/2006/metadata/core-properties"/>
+    <ds:schemaRef ds:uri="http://www.w3.org/XML/1998/namespace"/>
+    <ds:schemaRef ds:uri="http://purl.org/dc/dcmitype/"/>
   </ds:schemaRefs>
 </ds:datastoreItem>
 </file>
@@ -9249,18 +9305,9 @@
 </file>
 
 <file path=customXml/itemProps3.xml><?xml version="1.0" encoding="utf-8"?>
-<ds:datastoreItem xmlns:ds="http://schemas.openxmlformats.org/officeDocument/2006/customXml" ds:itemID="{53CE5FDF-8CDE-4B10-B85C-FC05BEEA5EB1}">
+<ds:datastoreItem xmlns:ds="http://schemas.openxmlformats.org/officeDocument/2006/customXml" ds:itemID="{55A3EB87-F564-47E7-AFEA-A629475E6AB3}">
   <ds:schemaRefs>
-    <ds:schemaRef ds:uri="7d2d537f-5e9f-44ab-b00e-058bd7b53465"/>
-    <ds:schemaRef ds:uri="http://purl.org/dc/terms/"/>
-    <ds:schemaRef ds:uri="d9272087-702b-4136-93eb-f3b40bcf76b0"/>
-    <ds:schemaRef ds:uri="http://schemas.microsoft.com/office/2006/documentManagement/types"/>
-    <ds:schemaRef ds:uri="http://schemas.microsoft.com/office/infopath/2007/PartnerControls"/>
-    <ds:schemaRef ds:uri="http://purl.org/dc/elements/1.1/"/>
-    <ds:schemaRef ds:uri="http://schemas.microsoft.com/office/2006/metadata/properties"/>
-    <ds:schemaRef ds:uri="http://schemas.openxmlformats.org/package/2006/metadata/core-properties"/>
-    <ds:schemaRef ds:uri="http://www.w3.org/XML/1998/namespace"/>
-    <ds:schemaRef ds:uri="http://purl.org/dc/dcmitype/"/>
+    <ds:schemaRef ds:uri="http://schemas.microsoft.com/sharepoint/v3/contenttype/forms"/>
   </ds:schemaRefs>
 </ds:datastoreItem>
 </file>
--- a/World Happiness Report .pptx
+++ b/World Happiness Report .pptx
@@ -5,18 +5,23 @@
     <p:sldMasterId id="2147483824" r:id="rId4"/>
   </p:sldMasterIdLst>
   <p:notesMasterIdLst>
-    <p:notesMasterId r:id="rId14"/>
+    <p:notesMasterId r:id="rId19"/>
   </p:notesMasterIdLst>
   <p:sldIdLst>
     <p:sldId id="256" r:id="rId5"/>
     <p:sldId id="258" r:id="rId6"/>
     <p:sldId id="260" r:id="rId7"/>
-    <p:sldId id="266" r:id="rId8"/>
-    <p:sldId id="261" r:id="rId9"/>
-    <p:sldId id="262" r:id="rId10"/>
+    <p:sldId id="267" r:id="rId8"/>
+    <p:sldId id="266" r:id="rId9"/>
+    <p:sldId id="261" r:id="rId10"/>
     <p:sldId id="264" r:id="rId11"/>
-    <p:sldId id="263" r:id="rId12"/>
-    <p:sldId id="265" r:id="rId13"/>
+    <p:sldId id="268" r:id="rId12"/>
+    <p:sldId id="263" r:id="rId13"/>
+    <p:sldId id="270" r:id="rId14"/>
+    <p:sldId id="265" r:id="rId15"/>
+    <p:sldId id="271" r:id="rId16"/>
+    <p:sldId id="262" r:id="rId17"/>
+    <p:sldId id="269" r:id="rId18"/>
   </p:sldIdLst>
   <p:sldSz cx="12192000" cy="6858000"/>
   <p:notesSz cx="6858000" cy="9144000"/>
@@ -133,6 +138,1556 @@
     </p:extLst>
   </p:cmAuthor>
 </p:cmAuthorLst>
+</file>
+
+<file path=ppt/revisionInfo.xml><?xml version="1.0" encoding="utf-8"?>
+<p1510:revInfo xmlns:a="http://schemas.openxmlformats.org/drawingml/2006/main" xmlns:r="http://schemas.openxmlformats.org/officeDocument/2006/relationships" xmlns:p1510="http://schemas.microsoft.com/office/powerpoint/2015/10/main">
+  <p1510:revLst>
+    <p1510:client id="{875C5908-513E-4F62-ADB2-9476BD68B574}" v="63" dt="2020-01-11T13:53:36.422"/>
+  </p1510:revLst>
+</p1510:revInfo>
+</file>
+
+<file path=ppt/changesInfos/changesInfo1.xml><?xml version="1.0" encoding="utf-8"?>
+<pc:chgInfo xmlns:a="http://schemas.openxmlformats.org/drawingml/2006/main" xmlns:r="http://schemas.openxmlformats.org/officeDocument/2006/relationships" xmlns:ac="http://schemas.microsoft.com/office/drawing/2013/main/command" xmlns:pc="http://schemas.microsoft.com/office/powerpoint/2013/main/command">
+  <pc:docChgLst>
+    <pc:chgData name="Jace Cook" userId="ecca4f4259abffea" providerId="LiveId" clId="{875C5908-513E-4F62-ADB2-9476BD68B574}"/>
+    <pc:docChg chg="undo custSel mod addSld delSld modSld sldOrd modMainMaster">
+      <pc:chgData name="Jace Cook" userId="ecca4f4259abffea" providerId="LiveId" clId="{875C5908-513E-4F62-ADB2-9476BD68B574}" dt="2020-01-11T13:53:36.422" v="1847"/>
+      <pc:docMkLst>
+        <pc:docMk/>
+      </pc:docMkLst>
+      <pc:sldChg chg="modSp modTransition">
+        <pc:chgData name="Jace Cook" userId="ecca4f4259abffea" providerId="LiveId" clId="{875C5908-513E-4F62-ADB2-9476BD68B574}" dt="2020-01-11T13:50:02.638" v="1832"/>
+        <pc:sldMkLst>
+          <pc:docMk/>
+          <pc:sldMk cId="2079386059" sldId="256"/>
+        </pc:sldMkLst>
+        <pc:spChg chg="mod">
+          <ac:chgData name="Jace Cook" userId="ecca4f4259abffea" providerId="LiveId" clId="{875C5908-513E-4F62-ADB2-9476BD68B574}" dt="2020-01-11T12:51:43.366" v="3" actId="20577"/>
+          <ac:spMkLst>
+            <pc:docMk/>
+            <pc:sldMk cId="2079386059" sldId="256"/>
+            <ac:spMk id="3" creationId="{01B18358-7BA7-45C9-8111-F3F7C523BC75}"/>
+          </ac:spMkLst>
+        </pc:spChg>
+      </pc:sldChg>
+      <pc:sldChg chg="modSp modTransition">
+        <pc:chgData name="Jace Cook" userId="ecca4f4259abffea" providerId="LiveId" clId="{875C5908-513E-4F62-ADB2-9476BD68B574}" dt="2020-01-11T13:50:02.638" v="1832"/>
+        <pc:sldMkLst>
+          <pc:docMk/>
+          <pc:sldMk cId="572140802" sldId="258"/>
+        </pc:sldMkLst>
+        <pc:spChg chg="mod">
+          <ac:chgData name="Jace Cook" userId="ecca4f4259abffea" providerId="LiveId" clId="{875C5908-513E-4F62-ADB2-9476BD68B574}" dt="2020-01-11T13:48:01.181" v="1826" actId="123"/>
+          <ac:spMkLst>
+            <pc:docMk/>
+            <pc:sldMk cId="572140802" sldId="258"/>
+            <ac:spMk id="4" creationId="{1BCA9AB8-91E1-49ED-BAD8-448EF9DCE0DD}"/>
+          </ac:spMkLst>
+        </pc:spChg>
+        <pc:spChg chg="mod">
+          <ac:chgData name="Jace Cook" userId="ecca4f4259abffea" providerId="LiveId" clId="{875C5908-513E-4F62-ADB2-9476BD68B574}" dt="2020-01-11T13:32:09.332" v="1503" actId="20577"/>
+          <ac:spMkLst>
+            <pc:docMk/>
+            <pc:sldMk cId="572140802" sldId="258"/>
+            <ac:spMk id="7" creationId="{AD127D9E-6B6E-4B05-8961-AC06BC3EAFF8}"/>
+          </ac:spMkLst>
+        </pc:spChg>
+      </pc:sldChg>
+      <pc:sldChg chg="addSp delSp modSp ord modTransition">
+        <pc:chgData name="Jace Cook" userId="ecca4f4259abffea" providerId="LiveId" clId="{875C5908-513E-4F62-ADB2-9476BD68B574}" dt="2020-01-11T13:53:25.910" v="1846"/>
+        <pc:sldMkLst>
+          <pc:docMk/>
+          <pc:sldMk cId="3590543151" sldId="260"/>
+        </pc:sldMkLst>
+        <pc:spChg chg="mod">
+          <ac:chgData name="Jace Cook" userId="ecca4f4259abffea" providerId="LiveId" clId="{875C5908-513E-4F62-ADB2-9476BD68B574}" dt="2020-01-11T13:50:42.112" v="1833" actId="122"/>
+          <ac:spMkLst>
+            <pc:docMk/>
+            <pc:sldMk cId="3590543151" sldId="260"/>
+            <ac:spMk id="2" creationId="{F74092D5-DB90-4041-833D-630820B6B9BD}"/>
+          </ac:spMkLst>
+        </pc:spChg>
+        <pc:spChg chg="mod">
+          <ac:chgData name="Jace Cook" userId="ecca4f4259abffea" providerId="LiveId" clId="{875C5908-513E-4F62-ADB2-9476BD68B574}" dt="2020-01-11T13:34:43.339" v="1527" actId="2710"/>
+          <ac:spMkLst>
+            <pc:docMk/>
+            <pc:sldMk cId="3590543151" sldId="260"/>
+            <ac:spMk id="5" creationId="{F2C47BFF-BA8C-4E29-A78B-BF031ADDD8DB}"/>
+          </ac:spMkLst>
+        </pc:spChg>
+        <pc:spChg chg="add">
+          <ac:chgData name="Jace Cook" userId="ecca4f4259abffea" providerId="LiveId" clId="{875C5908-513E-4F62-ADB2-9476BD68B574}" dt="2020-01-11T13:32:39.266" v="1507"/>
+          <ac:spMkLst>
+            <pc:docMk/>
+            <pc:sldMk cId="3590543151" sldId="260"/>
+            <ac:spMk id="8" creationId="{ADEF9729-8018-497C-AF01-098777BDD85E}"/>
+          </ac:spMkLst>
+        </pc:spChg>
+        <pc:spChg chg="del mod">
+          <ac:chgData name="Jace Cook" userId="ecca4f4259abffea" providerId="LiveId" clId="{875C5908-513E-4F62-ADB2-9476BD68B574}" dt="2020-01-11T13:33:11.586" v="1513" actId="478"/>
+          <ac:spMkLst>
+            <pc:docMk/>
+            <pc:sldMk cId="3590543151" sldId="260"/>
+            <ac:spMk id="20" creationId="{9935FB34-3717-4EC3-A99E-AE651098833F}"/>
+          </ac:spMkLst>
+        </pc:spChg>
+      </pc:sldChg>
+      <pc:sldChg chg="addSp delSp modSp mod ord modTransition setBg">
+        <pc:chgData name="Jace Cook" userId="ecca4f4259abffea" providerId="LiveId" clId="{875C5908-513E-4F62-ADB2-9476BD68B574}" dt="2020-01-11T13:50:02.638" v="1832"/>
+        <pc:sldMkLst>
+          <pc:docMk/>
+          <pc:sldMk cId="4186983860" sldId="261"/>
+        </pc:sldMkLst>
+        <pc:spChg chg="ord">
+          <ac:chgData name="Jace Cook" userId="ecca4f4259abffea" providerId="LiveId" clId="{875C5908-513E-4F62-ADB2-9476BD68B574}" dt="2020-01-11T13:35:02.182" v="1529" actId="26606"/>
+          <ac:spMkLst>
+            <pc:docMk/>
+            <pc:sldMk cId="4186983860" sldId="261"/>
+            <ac:spMk id="2" creationId="{3946EEAD-75AB-AF47-88AF-148DF7C8CC2F}"/>
+          </ac:spMkLst>
+        </pc:spChg>
+        <pc:spChg chg="add del">
+          <ac:chgData name="Jace Cook" userId="ecca4f4259abffea" providerId="LiveId" clId="{875C5908-513E-4F62-ADB2-9476BD68B574}" dt="2020-01-11T13:33:20.963" v="1515" actId="478"/>
+          <ac:spMkLst>
+            <pc:docMk/>
+            <pc:sldMk cId="4186983860" sldId="261"/>
+            <ac:spMk id="3" creationId="{26013135-6859-48E6-8DA3-C22C56DD63F4}"/>
+          </ac:spMkLst>
+        </pc:spChg>
+        <pc:spChg chg="add mod ord">
+          <ac:chgData name="Jace Cook" userId="ecca4f4259abffea" providerId="LiveId" clId="{875C5908-513E-4F62-ADB2-9476BD68B574}" dt="2020-01-11T13:35:26.797" v="1557" actId="26606"/>
+          <ac:spMkLst>
+            <pc:docMk/>
+            <pc:sldMk cId="4186983860" sldId="261"/>
+            <ac:spMk id="4" creationId="{2B29FE76-FA31-4A15-BCC7-19EE3BDA92B3}"/>
+          </ac:spMkLst>
+        </pc:spChg>
+        <pc:spChg chg="add">
+          <ac:chgData name="Jace Cook" userId="ecca4f4259abffea" providerId="LiveId" clId="{875C5908-513E-4F62-ADB2-9476BD68B574}" dt="2020-01-11T13:33:22.058" v="1516"/>
+          <ac:spMkLst>
+            <pc:docMk/>
+            <pc:sldMk cId="4186983860" sldId="261"/>
+            <ac:spMk id="5" creationId="{87E23BDD-DA38-4A45-BB95-4F26139CD48C}"/>
+          </ac:spMkLst>
+        </pc:spChg>
+        <pc:spChg chg="add del">
+          <ac:chgData name="Jace Cook" userId="ecca4f4259abffea" providerId="LiveId" clId="{875C5908-513E-4F62-ADB2-9476BD68B574}" dt="2020-01-11T13:35:26.807" v="1558" actId="26606"/>
+          <ac:spMkLst>
+            <pc:docMk/>
+            <pc:sldMk cId="4186983860" sldId="261"/>
+            <ac:spMk id="11" creationId="{6753252F-4873-4F63-801D-CC719279A7D5}"/>
+          </ac:spMkLst>
+        </pc:spChg>
+        <pc:spChg chg="add del">
+          <ac:chgData name="Jace Cook" userId="ecca4f4259abffea" providerId="LiveId" clId="{875C5908-513E-4F62-ADB2-9476BD68B574}" dt="2020-01-11T13:35:26.807" v="1558" actId="26606"/>
+          <ac:spMkLst>
+            <pc:docMk/>
+            <pc:sldMk cId="4186983860" sldId="261"/>
+            <ac:spMk id="13" creationId="{047C8CCB-F95D-4249-92DD-651249D3535A}"/>
+          </ac:spMkLst>
+        </pc:spChg>
+        <pc:spChg chg="add del">
+          <ac:chgData name="Jace Cook" userId="ecca4f4259abffea" providerId="LiveId" clId="{875C5908-513E-4F62-ADB2-9476BD68B574}" dt="2020-01-11T13:35:26.797" v="1557" actId="26606"/>
+          <ac:spMkLst>
+            <pc:docMk/>
+            <pc:sldMk cId="4186983860" sldId="261"/>
+            <ac:spMk id="18" creationId="{D12DDE76-C203-4047-9998-63900085B5E8}"/>
+          </ac:spMkLst>
+        </pc:spChg>
+        <pc:spChg chg="add">
+          <ac:chgData name="Jace Cook" userId="ecca4f4259abffea" providerId="LiveId" clId="{875C5908-513E-4F62-ADB2-9476BD68B574}" dt="2020-01-11T13:35:26.807" v="1558" actId="26606"/>
+          <ac:spMkLst>
+            <pc:docMk/>
+            <pc:sldMk cId="4186983860" sldId="261"/>
+            <ac:spMk id="20" creationId="{047C8CCB-F95D-4249-92DD-651249D3535A}"/>
+          </ac:spMkLst>
+        </pc:spChg>
+        <pc:spChg chg="add">
+          <ac:chgData name="Jace Cook" userId="ecca4f4259abffea" providerId="LiveId" clId="{875C5908-513E-4F62-ADB2-9476BD68B574}" dt="2020-01-11T13:35:26.807" v="1558" actId="26606"/>
+          <ac:spMkLst>
+            <pc:docMk/>
+            <pc:sldMk cId="4186983860" sldId="261"/>
+            <ac:spMk id="21" creationId="{6753252F-4873-4F63-801D-CC719279A7D5}"/>
+          </ac:spMkLst>
+        </pc:spChg>
+        <pc:picChg chg="mod modCrop">
+          <ac:chgData name="Jace Cook" userId="ecca4f4259abffea" providerId="LiveId" clId="{875C5908-513E-4F62-ADB2-9476BD68B574}" dt="2020-01-11T13:42:09.181" v="1594" actId="14100"/>
+          <ac:picMkLst>
+            <pc:docMk/>
+            <pc:sldMk cId="4186983860" sldId="261"/>
+            <ac:picMk id="6" creationId="{60902883-0EBE-C446-A2F8-FCB68127D770}"/>
+          </ac:picMkLst>
+        </pc:picChg>
+      </pc:sldChg>
+      <pc:sldChg chg="addSp delSp modSp mod ord modTransition setBg delDesignElem">
+        <pc:chgData name="Jace Cook" userId="ecca4f4259abffea" providerId="LiveId" clId="{875C5908-513E-4F62-ADB2-9476BD68B574}" dt="2020-01-11T13:50:02.638" v="1832"/>
+        <pc:sldMkLst>
+          <pc:docMk/>
+          <pc:sldMk cId="3235954156" sldId="262"/>
+        </pc:sldMkLst>
+        <pc:spChg chg="add mod">
+          <ac:chgData name="Jace Cook" userId="ecca4f4259abffea" providerId="LiveId" clId="{875C5908-513E-4F62-ADB2-9476BD68B574}" dt="2020-01-11T13:46:10.862" v="1810" actId="26606"/>
+          <ac:spMkLst>
+            <pc:docMk/>
+            <pc:sldMk cId="3235954156" sldId="262"/>
+            <ac:spMk id="4" creationId="{B43B5DAC-85E1-435E-9B91-060B3AB2B93F}"/>
+          </ac:spMkLst>
+        </pc:spChg>
+        <pc:spChg chg="add del mod">
+          <ac:chgData name="Jace Cook" userId="ecca4f4259abffea" providerId="LiveId" clId="{875C5908-513E-4F62-ADB2-9476BD68B574}" dt="2020-01-11T13:15:11.132" v="698"/>
+          <ac:spMkLst>
+            <pc:docMk/>
+            <pc:sldMk cId="3235954156" sldId="262"/>
+            <ac:spMk id="6" creationId="{8E18FDE3-ADF0-4E25-A340-C40246E086E8}"/>
+          </ac:spMkLst>
+        </pc:spChg>
+        <pc:spChg chg="add del">
+          <ac:chgData name="Jace Cook" userId="ecca4f4259abffea" providerId="LiveId" clId="{875C5908-513E-4F62-ADB2-9476BD68B574}" dt="2020-01-11T13:14:46.766" v="662"/>
+          <ac:spMkLst>
+            <pc:docMk/>
+            <pc:sldMk cId="3235954156" sldId="262"/>
+            <ac:spMk id="8" creationId="{01D0AF59-99C3-4251-AB9A-C966C6AD4400}"/>
+          </ac:spMkLst>
+        </pc:spChg>
+        <pc:spChg chg="add del">
+          <ac:chgData name="Jace Cook" userId="ecca4f4259abffea" providerId="LiveId" clId="{875C5908-513E-4F62-ADB2-9476BD68B574}" dt="2020-01-11T13:14:46.766" v="662"/>
+          <ac:spMkLst>
+            <pc:docMk/>
+            <pc:sldMk cId="3235954156" sldId="262"/>
+            <ac:spMk id="10" creationId="{1855405F-37A2-4869-9154-F8BE3BECE6C3}"/>
+          </ac:spMkLst>
+        </pc:spChg>
+        <pc:spChg chg="add">
+          <ac:chgData name="Jace Cook" userId="ecca4f4259abffea" providerId="LiveId" clId="{875C5908-513E-4F62-ADB2-9476BD68B574}" dt="2020-01-11T13:33:57.809" v="1524"/>
+          <ac:spMkLst>
+            <pc:docMk/>
+            <pc:sldMk cId="3235954156" sldId="262"/>
+            <ac:spMk id="11" creationId="{D08048BF-20C8-46CC-9E00-89C086BDAEDA}"/>
+          </ac:spMkLst>
+        </pc:spChg>
+        <pc:spChg chg="add del">
+          <ac:chgData name="Jace Cook" userId="ecca4f4259abffea" providerId="LiveId" clId="{875C5908-513E-4F62-ADB2-9476BD68B574}" dt="2020-01-11T13:46:10.862" v="1810" actId="26606"/>
+          <ac:spMkLst>
+            <pc:docMk/>
+            <pc:sldMk cId="3235954156" sldId="262"/>
+            <ac:spMk id="13" creationId="{F2516C81-2BAE-45E4-A5E5-577E1A5670A6}"/>
+          </ac:spMkLst>
+        </pc:spChg>
+        <pc:spChg chg="add del">
+          <ac:chgData name="Jace Cook" userId="ecca4f4259abffea" providerId="LiveId" clId="{875C5908-513E-4F62-ADB2-9476BD68B574}" dt="2020-01-11T13:46:10.862" v="1810" actId="26606"/>
+          <ac:spMkLst>
+            <pc:docMk/>
+            <pc:sldMk cId="3235954156" sldId="262"/>
+            <ac:spMk id="14" creationId="{CDA1A2E9-63FE-408D-A803-8E306ECAB4B3}"/>
+          </ac:spMkLst>
+        </pc:spChg>
+        <pc:spChg chg="add del">
+          <ac:chgData name="Jace Cook" userId="ecca4f4259abffea" providerId="LiveId" clId="{875C5908-513E-4F62-ADB2-9476BD68B574}" dt="2020-01-11T13:46:10.862" v="1810" actId="26606"/>
+          <ac:spMkLst>
+            <pc:docMk/>
+            <pc:sldMk cId="3235954156" sldId="262"/>
+            <ac:spMk id="15" creationId="{B8C3E6E0-D647-43C3-A2E5-301D47AA6C5F}"/>
+          </ac:spMkLst>
+        </pc:spChg>
+        <pc:spChg chg="add del">
+          <ac:chgData name="Jace Cook" userId="ecca4f4259abffea" providerId="LiveId" clId="{875C5908-513E-4F62-ADB2-9476BD68B574}" dt="2020-01-11T13:45:31.674" v="1806" actId="26606"/>
+          <ac:spMkLst>
+            <pc:docMk/>
+            <pc:sldMk cId="3235954156" sldId="262"/>
+            <ac:spMk id="16" creationId="{823AC064-BC96-4F32-8AE1-B2FD38754823}"/>
+          </ac:spMkLst>
+        </pc:spChg>
+        <pc:spChg chg="add del">
+          <ac:chgData name="Jace Cook" userId="ecca4f4259abffea" providerId="LiveId" clId="{875C5908-513E-4F62-ADB2-9476BD68B574}" dt="2020-01-11T13:46:10.862" v="1810" actId="26606"/>
+          <ac:spMkLst>
+            <pc:docMk/>
+            <pc:sldMk cId="3235954156" sldId="262"/>
+            <ac:spMk id="22" creationId="{FBE9F90C-C163-435B-9A68-D15C92D1CF2B}"/>
+          </ac:spMkLst>
+        </pc:spChg>
+        <pc:spChg chg="add del">
+          <ac:chgData name="Jace Cook" userId="ecca4f4259abffea" providerId="LiveId" clId="{875C5908-513E-4F62-ADB2-9476BD68B574}" dt="2020-01-11T13:46:10.862" v="1810" actId="26606"/>
+          <ac:spMkLst>
+            <pc:docMk/>
+            <pc:sldMk cId="3235954156" sldId="262"/>
+            <ac:spMk id="24" creationId="{1A882A9F-F4E9-4E23-8F0B-20B5DF42EAA9}"/>
+          </ac:spMkLst>
+        </pc:spChg>
+        <pc:picChg chg="add mod ord modCrop">
+          <ac:chgData name="Jace Cook" userId="ecca4f4259abffea" providerId="LiveId" clId="{875C5908-513E-4F62-ADB2-9476BD68B574}" dt="2020-01-11T13:46:10.862" v="1810" actId="26606"/>
+          <ac:picMkLst>
+            <pc:docMk/>
+            <pc:sldMk cId="3235954156" sldId="262"/>
+            <ac:picMk id="3" creationId="{873F9716-08C6-4190-BA85-1778D303FBB7}"/>
+          </ac:picMkLst>
+        </pc:picChg>
+        <pc:picChg chg="del mod">
+          <ac:chgData name="Jace Cook" userId="ecca4f4259abffea" providerId="LiveId" clId="{875C5908-513E-4F62-ADB2-9476BD68B574}" dt="2020-01-11T13:14:13.112" v="656" actId="478"/>
+          <ac:picMkLst>
+            <pc:docMk/>
+            <pc:sldMk cId="3235954156" sldId="262"/>
+            <ac:picMk id="5" creationId="{7E6DDA8B-6DE7-BC4D-8C56-D99CD1C88366}"/>
+          </ac:picMkLst>
+        </pc:picChg>
+        <pc:picChg chg="add mod">
+          <ac:chgData name="Jace Cook" userId="ecca4f4259abffea" providerId="LiveId" clId="{875C5908-513E-4F62-ADB2-9476BD68B574}" dt="2020-01-11T13:46:10.862" v="1810" actId="26606"/>
+          <ac:picMkLst>
+            <pc:docMk/>
+            <pc:sldMk cId="3235954156" sldId="262"/>
+            <ac:picMk id="9" creationId="{98A7B74C-FFF2-4B4F-A7F3-019700139FA0}"/>
+          </ac:picMkLst>
+        </pc:picChg>
+        <pc:cxnChg chg="add del">
+          <ac:chgData name="Jace Cook" userId="ecca4f4259abffea" providerId="LiveId" clId="{875C5908-513E-4F62-ADB2-9476BD68B574}" dt="2020-01-11T13:45:31.674" v="1806" actId="26606"/>
+          <ac:cxnSpMkLst>
+            <pc:docMk/>
+            <pc:sldMk cId="3235954156" sldId="262"/>
+            <ac:cxnSpMk id="18" creationId="{7E7C77BC-7138-40B1-A15B-20F57A494629}"/>
+          </ac:cxnSpMkLst>
+        </pc:cxnChg>
+        <pc:cxnChg chg="add del">
+          <ac:chgData name="Jace Cook" userId="ecca4f4259abffea" providerId="LiveId" clId="{875C5908-513E-4F62-ADB2-9476BD68B574}" dt="2020-01-11T13:45:31.674" v="1806" actId="26606"/>
+          <ac:cxnSpMkLst>
+            <pc:docMk/>
+            <pc:sldMk cId="3235954156" sldId="262"/>
+            <ac:cxnSpMk id="20" creationId="{DB146403-F3D6-484B-B2ED-97F9565D0370}"/>
+          </ac:cxnSpMkLst>
+        </pc:cxnChg>
+      </pc:sldChg>
+      <pc:sldChg chg="addSp delSp modSp mod modTransition setBg">
+        <pc:chgData name="Jace Cook" userId="ecca4f4259abffea" providerId="LiveId" clId="{875C5908-513E-4F62-ADB2-9476BD68B574}" dt="2020-01-11T13:50:02.638" v="1832"/>
+        <pc:sldMkLst>
+          <pc:docMk/>
+          <pc:sldMk cId="735382775" sldId="263"/>
+        </pc:sldMkLst>
+        <pc:spChg chg="add mod">
+          <ac:chgData name="Jace Cook" userId="ecca4f4259abffea" providerId="LiveId" clId="{875C5908-513E-4F62-ADB2-9476BD68B574}" dt="2020-01-11T13:45:00.799" v="1800" actId="26606"/>
+          <ac:spMkLst>
+            <pc:docMk/>
+            <pc:sldMk cId="735382775" sldId="263"/>
+            <ac:spMk id="2" creationId="{A6F1EF52-EEFB-4835-A6E7-3CD1E71720BB}"/>
+          </ac:spMkLst>
+        </pc:spChg>
+        <pc:spChg chg="add">
+          <ac:chgData name="Jace Cook" userId="ecca4f4259abffea" providerId="LiveId" clId="{875C5908-513E-4F62-ADB2-9476BD68B574}" dt="2020-01-11T13:33:45.044" v="1520"/>
+          <ac:spMkLst>
+            <pc:docMk/>
+            <pc:sldMk cId="735382775" sldId="263"/>
+            <ac:spMk id="5" creationId="{356A3947-8D2D-49D3-986F-EB7B336E6258}"/>
+          </ac:spMkLst>
+        </pc:spChg>
+        <pc:spChg chg="add del">
+          <ac:chgData name="Jace Cook" userId="ecca4f4259abffea" providerId="LiveId" clId="{875C5908-513E-4F62-ADB2-9476BD68B574}" dt="2020-01-11T13:36:39.096" v="1567" actId="26606"/>
+          <ac:spMkLst>
+            <pc:docMk/>
+            <pc:sldMk cId="735382775" sldId="263"/>
+            <ac:spMk id="10" creationId="{C1A1C5D3-C053-4EE9-BE1A-419B6E27CCAE}"/>
+          </ac:spMkLst>
+        </pc:spChg>
+        <pc:spChg chg="add del">
+          <ac:chgData name="Jace Cook" userId="ecca4f4259abffea" providerId="LiveId" clId="{875C5908-513E-4F62-ADB2-9476BD68B574}" dt="2020-01-11T13:36:39.096" v="1567" actId="26606"/>
+          <ac:spMkLst>
+            <pc:docMk/>
+            <pc:sldMk cId="735382775" sldId="263"/>
+            <ac:spMk id="12" creationId="{A3473CF9-37EB-43E7-89EF-D2D1C53D1DAC}"/>
+          </ac:spMkLst>
+        </pc:spChg>
+        <pc:spChg chg="add del">
+          <ac:chgData name="Jace Cook" userId="ecca4f4259abffea" providerId="LiveId" clId="{875C5908-513E-4F62-ADB2-9476BD68B574}" dt="2020-01-11T13:36:39.096" v="1567" actId="26606"/>
+          <ac:spMkLst>
+            <pc:docMk/>
+            <pc:sldMk cId="735382775" sldId="263"/>
+            <ac:spMk id="14" creationId="{586B4EF9-43BA-4655-A6FF-1D8E21574C95}"/>
+          </ac:spMkLst>
+        </pc:spChg>
+        <pc:spChg chg="add del">
+          <ac:chgData name="Jace Cook" userId="ecca4f4259abffea" providerId="LiveId" clId="{875C5908-513E-4F62-ADB2-9476BD68B574}" dt="2020-01-11T13:36:53.833" v="1569" actId="26606"/>
+          <ac:spMkLst>
+            <pc:docMk/>
+            <pc:sldMk cId="735382775" sldId="263"/>
+            <ac:spMk id="16" creationId="{504B4E86-D05E-4842-8242-C0222A120BC7}"/>
+          </ac:spMkLst>
+        </pc:spChg>
+        <pc:spChg chg="add del">
+          <ac:chgData name="Jace Cook" userId="ecca4f4259abffea" providerId="LiveId" clId="{875C5908-513E-4F62-ADB2-9476BD68B574}" dt="2020-01-11T13:36:53.833" v="1569" actId="26606"/>
+          <ac:spMkLst>
+            <pc:docMk/>
+            <pc:sldMk cId="735382775" sldId="263"/>
+            <ac:spMk id="17" creationId="{73C994B4-9721-4148-9EEC-6793CECDE8DD}"/>
+          </ac:spMkLst>
+        </pc:spChg>
+        <pc:spChg chg="add del">
+          <ac:chgData name="Jace Cook" userId="ecca4f4259abffea" providerId="LiveId" clId="{875C5908-513E-4F62-ADB2-9476BD68B574}" dt="2020-01-11T13:36:53.833" v="1569" actId="26606"/>
+          <ac:spMkLst>
+            <pc:docMk/>
+            <pc:sldMk cId="735382775" sldId="263"/>
+            <ac:spMk id="19" creationId="{F9D95E49-763A-4886-B038-82F734740554}"/>
+          </ac:spMkLst>
+        </pc:spChg>
+        <pc:spChg chg="add del">
+          <ac:chgData name="Jace Cook" userId="ecca4f4259abffea" providerId="LiveId" clId="{875C5908-513E-4F62-ADB2-9476BD68B574}" dt="2020-01-11T13:36:53.833" v="1569" actId="26606"/>
+          <ac:spMkLst>
+            <pc:docMk/>
+            <pc:sldMk cId="735382775" sldId="263"/>
+            <ac:spMk id="21" creationId="{1426356D-10CD-483F-9267-2ABFF6185FE2}"/>
+          </ac:spMkLst>
+        </pc:spChg>
+        <pc:spChg chg="add del">
+          <ac:chgData name="Jace Cook" userId="ecca4f4259abffea" providerId="LiveId" clId="{875C5908-513E-4F62-ADB2-9476BD68B574}" dt="2020-01-11T13:37:41.630" v="1582" actId="26606"/>
+          <ac:spMkLst>
+            <pc:docMk/>
+            <pc:sldMk cId="735382775" sldId="263"/>
+            <ac:spMk id="23" creationId="{017517EF-BD4D-4055-BDB4-A322C53568AD}"/>
+          </ac:spMkLst>
+        </pc:spChg>
+        <pc:spChg chg="add del">
+          <ac:chgData name="Jace Cook" userId="ecca4f4259abffea" providerId="LiveId" clId="{875C5908-513E-4F62-ADB2-9476BD68B574}" dt="2020-01-11T13:37:41.630" v="1582" actId="26606"/>
+          <ac:spMkLst>
+            <pc:docMk/>
+            <pc:sldMk cId="735382775" sldId="263"/>
+            <ac:spMk id="25" creationId="{0ADDB668-2CA4-4D2B-9C34-3487CA330BA8}"/>
+          </ac:spMkLst>
+        </pc:spChg>
+        <pc:spChg chg="add del">
+          <ac:chgData name="Jace Cook" userId="ecca4f4259abffea" providerId="LiveId" clId="{875C5908-513E-4F62-ADB2-9476BD68B574}" dt="2020-01-11T13:37:41.630" v="1582" actId="26606"/>
+          <ac:spMkLst>
+            <pc:docMk/>
+            <pc:sldMk cId="735382775" sldId="263"/>
+            <ac:spMk id="26" creationId="{2568BC19-F052-4108-93E1-6A3D1DEC072F}"/>
+          </ac:spMkLst>
+        </pc:spChg>
+        <pc:spChg chg="add del">
+          <ac:chgData name="Jace Cook" userId="ecca4f4259abffea" providerId="LiveId" clId="{875C5908-513E-4F62-ADB2-9476BD68B574}" dt="2020-01-11T13:37:41.630" v="1582" actId="26606"/>
+          <ac:spMkLst>
+            <pc:docMk/>
+            <pc:sldMk cId="735382775" sldId="263"/>
+            <ac:spMk id="27" creationId="{D5FD337D-4D6B-4C8B-B6F5-121097E09881}"/>
+          </ac:spMkLst>
+        </pc:spChg>
+        <pc:spChg chg="add del">
+          <ac:chgData name="Jace Cook" userId="ecca4f4259abffea" providerId="LiveId" clId="{875C5908-513E-4F62-ADB2-9476BD68B574}" dt="2020-01-11T13:37:41.608" v="1581" actId="26606"/>
+          <ac:spMkLst>
+            <pc:docMk/>
+            <pc:sldMk cId="735382775" sldId="263"/>
+            <ac:spMk id="34" creationId="{7F57BEA8-497D-4AA8-8A18-BDCD696B25FE}"/>
+          </ac:spMkLst>
+        </pc:spChg>
+        <pc:spChg chg="add del">
+          <ac:chgData name="Jace Cook" userId="ecca4f4259abffea" providerId="LiveId" clId="{875C5908-513E-4F62-ADB2-9476BD68B574}" dt="2020-01-11T13:45:00.799" v="1800" actId="26606"/>
+          <ac:spMkLst>
+            <pc:docMk/>
+            <pc:sldMk cId="735382775" sldId="263"/>
+            <ac:spMk id="40" creationId="{017517EF-BD4D-4055-BDB4-A322C53568AD}"/>
+          </ac:spMkLst>
+        </pc:spChg>
+        <pc:spChg chg="add del">
+          <ac:chgData name="Jace Cook" userId="ecca4f4259abffea" providerId="LiveId" clId="{875C5908-513E-4F62-ADB2-9476BD68B574}" dt="2020-01-11T13:45:00.799" v="1800" actId="26606"/>
+          <ac:spMkLst>
+            <pc:docMk/>
+            <pc:sldMk cId="735382775" sldId="263"/>
+            <ac:spMk id="41" creationId="{0ADDB668-2CA4-4D2B-9C34-3487CA330BA8}"/>
+          </ac:spMkLst>
+        </pc:spChg>
+        <pc:spChg chg="add del">
+          <ac:chgData name="Jace Cook" userId="ecca4f4259abffea" providerId="LiveId" clId="{875C5908-513E-4F62-ADB2-9476BD68B574}" dt="2020-01-11T13:45:00.799" v="1800" actId="26606"/>
+          <ac:spMkLst>
+            <pc:docMk/>
+            <pc:sldMk cId="735382775" sldId="263"/>
+            <ac:spMk id="42" creationId="{2568BC19-F052-4108-93E1-6A3D1DEC072F}"/>
+          </ac:spMkLst>
+        </pc:spChg>
+        <pc:spChg chg="add del">
+          <ac:chgData name="Jace Cook" userId="ecca4f4259abffea" providerId="LiveId" clId="{875C5908-513E-4F62-ADB2-9476BD68B574}" dt="2020-01-11T13:45:00.799" v="1800" actId="26606"/>
+          <ac:spMkLst>
+            <pc:docMk/>
+            <pc:sldMk cId="735382775" sldId="263"/>
+            <ac:spMk id="43" creationId="{D5FD337D-4D6B-4C8B-B6F5-121097E09881}"/>
+          </ac:spMkLst>
+        </pc:spChg>
+        <pc:spChg chg="add">
+          <ac:chgData name="Jace Cook" userId="ecca4f4259abffea" providerId="LiveId" clId="{875C5908-513E-4F62-ADB2-9476BD68B574}" dt="2020-01-11T13:45:00.799" v="1800" actId="26606"/>
+          <ac:spMkLst>
+            <pc:docMk/>
+            <pc:sldMk cId="735382775" sldId="263"/>
+            <ac:spMk id="48" creationId="{71CFE9EA-50D8-4028-BE42-DC2D813BEA66}"/>
+          </ac:spMkLst>
+        </pc:spChg>
+        <pc:picChg chg="mod ord modCrop">
+          <ac:chgData name="Jace Cook" userId="ecca4f4259abffea" providerId="LiveId" clId="{875C5908-513E-4F62-ADB2-9476BD68B574}" dt="2020-01-11T13:45:00.799" v="1800" actId="26606"/>
+          <ac:picMkLst>
+            <pc:docMk/>
+            <pc:sldMk cId="735382775" sldId="263"/>
+            <ac:picMk id="3" creationId="{809D0EED-F4B4-4645-B6CE-A99B4E88D06B}"/>
+          </ac:picMkLst>
+        </pc:picChg>
+        <pc:picChg chg="del">
+          <ac:chgData name="Jace Cook" userId="ecca4f4259abffea" providerId="LiveId" clId="{875C5908-513E-4F62-ADB2-9476BD68B574}" dt="2020-01-11T13:27:10.665" v="1255" actId="478"/>
+          <ac:picMkLst>
+            <pc:docMk/>
+            <pc:sldMk cId="735382775" sldId="263"/>
+            <ac:picMk id="24" creationId="{0D442FAE-EB81-E64B-B056-341130EF3687}"/>
+          </ac:picMkLst>
+        </pc:picChg>
+        <pc:picChg chg="add">
+          <ac:chgData name="Jace Cook" userId="ecca4f4259abffea" providerId="LiveId" clId="{875C5908-513E-4F62-ADB2-9476BD68B574}" dt="2020-01-11T13:46:33.986" v="1814"/>
+          <ac:picMkLst>
+            <pc:docMk/>
+            <pc:sldMk cId="735382775" sldId="263"/>
+            <ac:picMk id="29" creationId="{9E463175-C4E8-470E-863D-B3400DD6D72F}"/>
+          </ac:picMkLst>
+        </pc:picChg>
+        <pc:cxnChg chg="add del">
+          <ac:chgData name="Jace Cook" userId="ecca4f4259abffea" providerId="LiveId" clId="{875C5908-513E-4F62-ADB2-9476BD68B574}" dt="2020-01-11T13:36:53.833" v="1569" actId="26606"/>
+          <ac:cxnSpMkLst>
+            <pc:docMk/>
+            <pc:sldMk cId="735382775" sldId="263"/>
+            <ac:cxnSpMk id="18" creationId="{EE9C6408-AA0E-411D-A5D2-E5F13306F898}"/>
+          </ac:cxnSpMkLst>
+        </pc:cxnChg>
+        <pc:cxnChg chg="add del">
+          <ac:chgData name="Jace Cook" userId="ecca4f4259abffea" providerId="LiveId" clId="{875C5908-513E-4F62-ADB2-9476BD68B574}" dt="2020-01-11T13:36:53.833" v="1569" actId="26606"/>
+          <ac:cxnSpMkLst>
+            <pc:docMk/>
+            <pc:sldMk cId="735382775" sldId="263"/>
+            <ac:cxnSpMk id="20" creationId="{ED9C04A9-04B4-4ED7-94E7-B13134C8D0D0}"/>
+          </ac:cxnSpMkLst>
+        </pc:cxnChg>
+        <pc:cxnChg chg="add del">
+          <ac:chgData name="Jace Cook" userId="ecca4f4259abffea" providerId="LiveId" clId="{875C5908-513E-4F62-ADB2-9476BD68B574}" dt="2020-01-11T13:37:41.608" v="1581" actId="26606"/>
+          <ac:cxnSpMkLst>
+            <pc:docMk/>
+            <pc:sldMk cId="735382775" sldId="263"/>
+            <ac:cxnSpMk id="32" creationId="{D2E961F1-4A28-4A5F-BBD4-6E400E5E6C75}"/>
+          </ac:cxnSpMkLst>
+        </pc:cxnChg>
+        <pc:cxnChg chg="add del">
+          <ac:chgData name="Jace Cook" userId="ecca4f4259abffea" providerId="LiveId" clId="{875C5908-513E-4F62-ADB2-9476BD68B574}" dt="2020-01-11T13:37:41.608" v="1581" actId="26606"/>
+          <ac:cxnSpMkLst>
+            <pc:docMk/>
+            <pc:sldMk cId="735382775" sldId="263"/>
+            <ac:cxnSpMk id="36" creationId="{A82415D3-DDE5-4D63-8CB3-23A5EC581B27}"/>
+          </ac:cxnSpMkLst>
+        </pc:cxnChg>
+        <pc:cxnChg chg="add del">
+          <ac:chgData name="Jace Cook" userId="ecca4f4259abffea" providerId="LiveId" clId="{875C5908-513E-4F62-ADB2-9476BD68B574}" dt="2020-01-11T13:37:41.608" v="1581" actId="26606"/>
+          <ac:cxnSpMkLst>
+            <pc:docMk/>
+            <pc:sldMk cId="735382775" sldId="263"/>
+            <ac:cxnSpMk id="38" creationId="{AD7193FB-6AE6-4B3B-8F89-56B55DD63B4D}"/>
+          </ac:cxnSpMkLst>
+        </pc:cxnChg>
+        <pc:cxnChg chg="add">
+          <ac:chgData name="Jace Cook" userId="ecca4f4259abffea" providerId="LiveId" clId="{875C5908-513E-4F62-ADB2-9476BD68B574}" dt="2020-01-11T13:45:00.799" v="1800" actId="26606"/>
+          <ac:cxnSpMkLst>
+            <pc:docMk/>
+            <pc:sldMk cId="735382775" sldId="263"/>
+            <ac:cxnSpMk id="50" creationId="{9A218DD6-0CC7-465B-B80F-747F97B4021F}"/>
+          </ac:cxnSpMkLst>
+        </pc:cxnChg>
+      </pc:sldChg>
+      <pc:sldChg chg="addSp delSp modSp mod modTransition setBg">
+        <pc:chgData name="Jace Cook" userId="ecca4f4259abffea" providerId="LiveId" clId="{875C5908-513E-4F62-ADB2-9476BD68B574}" dt="2020-01-11T13:50:02.638" v="1832"/>
+        <pc:sldMkLst>
+          <pc:docMk/>
+          <pc:sldMk cId="1595920510" sldId="264"/>
+        </pc:sldMkLst>
+        <pc:spChg chg="add mod">
+          <ac:chgData name="Jace Cook" userId="ecca4f4259abffea" providerId="LiveId" clId="{875C5908-513E-4F62-ADB2-9476BD68B574}" dt="2020-01-11T13:45:09.985" v="1802" actId="26606"/>
+          <ac:spMkLst>
+            <pc:docMk/>
+            <pc:sldMk cId="1595920510" sldId="264"/>
+            <ac:spMk id="3" creationId="{AC7368F0-6631-4782-B402-EB4955A6D5F3}"/>
+          </ac:spMkLst>
+        </pc:spChg>
+        <pc:spChg chg="add">
+          <ac:chgData name="Jace Cook" userId="ecca4f4259abffea" providerId="LiveId" clId="{875C5908-513E-4F62-ADB2-9476BD68B574}" dt="2020-01-11T13:33:38.213" v="1518"/>
+          <ac:spMkLst>
+            <pc:docMk/>
+            <pc:sldMk cId="1595920510" sldId="264"/>
+            <ac:spMk id="5" creationId="{A934AF11-28F5-4B7E-B81C-98BE1BA085F9}"/>
+          </ac:spMkLst>
+        </pc:spChg>
+        <pc:spChg chg="add del">
+          <ac:chgData name="Jace Cook" userId="ecca4f4259abffea" providerId="LiveId" clId="{875C5908-513E-4F62-ADB2-9476BD68B574}" dt="2020-01-11T13:45:09.985" v="1802" actId="26606"/>
+          <ac:spMkLst>
+            <pc:docMk/>
+            <pc:sldMk cId="1595920510" sldId="264"/>
+            <ac:spMk id="10" creationId="{017517EF-BD4D-4055-BDB4-A322C53568AD}"/>
+          </ac:spMkLst>
+        </pc:spChg>
+        <pc:spChg chg="add del">
+          <ac:chgData name="Jace Cook" userId="ecca4f4259abffea" providerId="LiveId" clId="{875C5908-513E-4F62-ADB2-9476BD68B574}" dt="2020-01-11T13:45:09.985" v="1802" actId="26606"/>
+          <ac:spMkLst>
+            <pc:docMk/>
+            <pc:sldMk cId="1595920510" sldId="264"/>
+            <ac:spMk id="12" creationId="{0ADDB668-2CA4-4D2B-9C34-3487CA330BA8}"/>
+          </ac:spMkLst>
+        </pc:spChg>
+        <pc:spChg chg="add del">
+          <ac:chgData name="Jace Cook" userId="ecca4f4259abffea" providerId="LiveId" clId="{875C5908-513E-4F62-ADB2-9476BD68B574}" dt="2020-01-11T13:45:09.985" v="1802" actId="26606"/>
+          <ac:spMkLst>
+            <pc:docMk/>
+            <pc:sldMk cId="1595920510" sldId="264"/>
+            <ac:spMk id="14" creationId="{2568BC19-F052-4108-93E1-6A3D1DEC072F}"/>
+          </ac:spMkLst>
+        </pc:spChg>
+        <pc:spChg chg="add del">
+          <ac:chgData name="Jace Cook" userId="ecca4f4259abffea" providerId="LiveId" clId="{875C5908-513E-4F62-ADB2-9476BD68B574}" dt="2020-01-11T13:45:09.985" v="1802" actId="26606"/>
+          <ac:spMkLst>
+            <pc:docMk/>
+            <pc:sldMk cId="1595920510" sldId="264"/>
+            <ac:spMk id="16" creationId="{D5FD337D-4D6B-4C8B-B6F5-121097E09881}"/>
+          </ac:spMkLst>
+        </pc:spChg>
+        <pc:spChg chg="add">
+          <ac:chgData name="Jace Cook" userId="ecca4f4259abffea" providerId="LiveId" clId="{875C5908-513E-4F62-ADB2-9476BD68B574}" dt="2020-01-11T13:45:09.985" v="1802" actId="26606"/>
+          <ac:spMkLst>
+            <pc:docMk/>
+            <pc:sldMk cId="1595920510" sldId="264"/>
+            <ac:spMk id="21" creationId="{71CFE9EA-50D8-4028-BE42-DC2D813BEA66}"/>
+          </ac:spMkLst>
+        </pc:spChg>
+        <pc:picChg chg="mod ord modCrop">
+          <ac:chgData name="Jace Cook" userId="ecca4f4259abffea" providerId="LiveId" clId="{875C5908-513E-4F62-ADB2-9476BD68B574}" dt="2020-01-11T13:45:09.985" v="1802" actId="26606"/>
+          <ac:picMkLst>
+            <pc:docMk/>
+            <pc:sldMk cId="1595920510" sldId="264"/>
+            <ac:picMk id="2" creationId="{E2A28A09-C732-8342-8DDC-54B6686AF8F9}"/>
+          </ac:picMkLst>
+        </pc:picChg>
+        <pc:picChg chg="del">
+          <ac:chgData name="Jace Cook" userId="ecca4f4259abffea" providerId="LiveId" clId="{875C5908-513E-4F62-ADB2-9476BD68B574}" dt="2020-01-11T13:16:31.005" v="707" actId="478"/>
+          <ac:picMkLst>
+            <pc:docMk/>
+            <pc:sldMk cId="1595920510" sldId="264"/>
+            <ac:picMk id="4" creationId="{E4D038A7-B10F-5E47-8B95-066BE2D7CC6E}"/>
+          </ac:picMkLst>
+        </pc:picChg>
+        <pc:picChg chg="add">
+          <ac:chgData name="Jace Cook" userId="ecca4f4259abffea" providerId="LiveId" clId="{875C5908-513E-4F62-ADB2-9476BD68B574}" dt="2020-01-11T13:46:43.307" v="1816"/>
+          <ac:picMkLst>
+            <pc:docMk/>
+            <pc:sldMk cId="1595920510" sldId="264"/>
+            <ac:picMk id="13" creationId="{7E4E256B-46CF-43D1-8706-2870F7E75275}"/>
+          </ac:picMkLst>
+        </pc:picChg>
+        <pc:cxnChg chg="add">
+          <ac:chgData name="Jace Cook" userId="ecca4f4259abffea" providerId="LiveId" clId="{875C5908-513E-4F62-ADB2-9476BD68B574}" dt="2020-01-11T13:45:09.985" v="1802" actId="26606"/>
+          <ac:cxnSpMkLst>
+            <pc:docMk/>
+            <pc:sldMk cId="1595920510" sldId="264"/>
+            <ac:cxnSpMk id="23" creationId="{9A218DD6-0CC7-465B-B80F-747F97B4021F}"/>
+          </ac:cxnSpMkLst>
+        </pc:cxnChg>
+      </pc:sldChg>
+      <pc:sldChg chg="addSp delSp modSp mod modTransition setBg">
+        <pc:chgData name="Jace Cook" userId="ecca4f4259abffea" providerId="LiveId" clId="{875C5908-513E-4F62-ADB2-9476BD68B574}" dt="2020-01-11T13:50:02.638" v="1832"/>
+        <pc:sldMkLst>
+          <pc:docMk/>
+          <pc:sldMk cId="2569872014" sldId="265"/>
+        </pc:sldMkLst>
+        <pc:spChg chg="add mod">
+          <ac:chgData name="Jace Cook" userId="ecca4f4259abffea" providerId="LiveId" clId="{875C5908-513E-4F62-ADB2-9476BD68B574}" dt="2020-01-11T13:45:14.348" v="1803" actId="26606"/>
+          <ac:spMkLst>
+            <pc:docMk/>
+            <pc:sldMk cId="2569872014" sldId="265"/>
+            <ac:spMk id="2" creationId="{F7FD7C14-6F3E-47DD-8579-CA01EBB32D7B}"/>
+          </ac:spMkLst>
+        </pc:spChg>
+        <pc:spChg chg="add">
+          <ac:chgData name="Jace Cook" userId="ecca4f4259abffea" providerId="LiveId" clId="{875C5908-513E-4F62-ADB2-9476BD68B574}" dt="2020-01-11T13:33:50.183" v="1522"/>
+          <ac:spMkLst>
+            <pc:docMk/>
+            <pc:sldMk cId="2569872014" sldId="265"/>
+            <ac:spMk id="5" creationId="{F0AFD18D-B70B-4F73-A20F-A64ED2AAF854}"/>
+          </ac:spMkLst>
+        </pc:spChg>
+        <pc:spChg chg="add del">
+          <ac:chgData name="Jace Cook" userId="ecca4f4259abffea" providerId="LiveId" clId="{875C5908-513E-4F62-ADB2-9476BD68B574}" dt="2020-01-11T13:45:14.348" v="1803" actId="26606"/>
+          <ac:spMkLst>
+            <pc:docMk/>
+            <pc:sldMk cId="2569872014" sldId="265"/>
+            <ac:spMk id="10" creationId="{017517EF-BD4D-4055-BDB4-A322C53568AD}"/>
+          </ac:spMkLst>
+        </pc:spChg>
+        <pc:spChg chg="add del">
+          <ac:chgData name="Jace Cook" userId="ecca4f4259abffea" providerId="LiveId" clId="{875C5908-513E-4F62-ADB2-9476BD68B574}" dt="2020-01-11T13:45:14.348" v="1803" actId="26606"/>
+          <ac:spMkLst>
+            <pc:docMk/>
+            <pc:sldMk cId="2569872014" sldId="265"/>
+            <ac:spMk id="12" creationId="{0ADDB668-2CA4-4D2B-9C34-3487CA330BA8}"/>
+          </ac:spMkLst>
+        </pc:spChg>
+        <pc:spChg chg="add del">
+          <ac:chgData name="Jace Cook" userId="ecca4f4259abffea" providerId="LiveId" clId="{875C5908-513E-4F62-ADB2-9476BD68B574}" dt="2020-01-11T13:45:14.348" v="1803" actId="26606"/>
+          <ac:spMkLst>
+            <pc:docMk/>
+            <pc:sldMk cId="2569872014" sldId="265"/>
+            <ac:spMk id="14" creationId="{2568BC19-F052-4108-93E1-6A3D1DEC072F}"/>
+          </ac:spMkLst>
+        </pc:spChg>
+        <pc:spChg chg="add del">
+          <ac:chgData name="Jace Cook" userId="ecca4f4259abffea" providerId="LiveId" clId="{875C5908-513E-4F62-ADB2-9476BD68B574}" dt="2020-01-11T13:45:14.348" v="1803" actId="26606"/>
+          <ac:spMkLst>
+            <pc:docMk/>
+            <pc:sldMk cId="2569872014" sldId="265"/>
+            <ac:spMk id="16" creationId="{D5FD337D-4D6B-4C8B-B6F5-121097E09881}"/>
+          </ac:spMkLst>
+        </pc:spChg>
+        <pc:spChg chg="add">
+          <ac:chgData name="Jace Cook" userId="ecca4f4259abffea" providerId="LiveId" clId="{875C5908-513E-4F62-ADB2-9476BD68B574}" dt="2020-01-11T13:45:14.348" v="1803" actId="26606"/>
+          <ac:spMkLst>
+            <pc:docMk/>
+            <pc:sldMk cId="2569872014" sldId="265"/>
+            <ac:spMk id="21" creationId="{71CFE9EA-50D8-4028-BE42-DC2D813BEA66}"/>
+          </ac:spMkLst>
+        </pc:spChg>
+        <pc:picChg chg="mod ord modCrop">
+          <ac:chgData name="Jace Cook" userId="ecca4f4259abffea" providerId="LiveId" clId="{875C5908-513E-4F62-ADB2-9476BD68B574}" dt="2020-01-11T13:45:14.348" v="1803" actId="26606"/>
+          <ac:picMkLst>
+            <pc:docMk/>
+            <pc:sldMk cId="2569872014" sldId="265"/>
+            <ac:picMk id="4" creationId="{91890948-AA8B-7E40-8564-7987F1695D98}"/>
+          </ac:picMkLst>
+        </pc:picChg>
+        <pc:picChg chg="del">
+          <ac:chgData name="Jace Cook" userId="ecca4f4259abffea" providerId="LiveId" clId="{875C5908-513E-4F62-ADB2-9476BD68B574}" dt="2020-01-11T13:29:35.373" v="1345" actId="478"/>
+          <ac:picMkLst>
+            <pc:docMk/>
+            <pc:sldMk cId="2569872014" sldId="265"/>
+            <ac:picMk id="6" creationId="{4CA4880C-A8D4-C94B-B9BA-2887F8DFC648}"/>
+          </ac:picMkLst>
+        </pc:picChg>
+        <pc:picChg chg="add">
+          <ac:chgData name="Jace Cook" userId="ecca4f4259abffea" providerId="LiveId" clId="{875C5908-513E-4F62-ADB2-9476BD68B574}" dt="2020-01-11T13:46:29.587" v="1812"/>
+          <ac:picMkLst>
+            <pc:docMk/>
+            <pc:sldMk cId="2569872014" sldId="265"/>
+            <ac:picMk id="13" creationId="{401E7B5B-5812-483F-8BE4-8D9BB87F6AA2}"/>
+          </ac:picMkLst>
+        </pc:picChg>
+        <pc:cxnChg chg="add">
+          <ac:chgData name="Jace Cook" userId="ecca4f4259abffea" providerId="LiveId" clId="{875C5908-513E-4F62-ADB2-9476BD68B574}" dt="2020-01-11T13:45:14.348" v="1803" actId="26606"/>
+          <ac:cxnSpMkLst>
+            <pc:docMk/>
+            <pc:sldMk cId="2569872014" sldId="265"/>
+            <ac:cxnSpMk id="23" creationId="{9A218DD6-0CC7-465B-B80F-747F97B4021F}"/>
+          </ac:cxnSpMkLst>
+        </pc:cxnChg>
+      </pc:sldChg>
+      <pc:sldChg chg="addSp delSp modSp modTransition">
+        <pc:chgData name="Jace Cook" userId="ecca4f4259abffea" providerId="LiveId" clId="{875C5908-513E-4F62-ADB2-9476BD68B574}" dt="2020-01-11T13:50:02.638" v="1832"/>
+        <pc:sldMkLst>
+          <pc:docMk/>
+          <pc:sldMk cId="1612421754" sldId="266"/>
+        </pc:sldMkLst>
+        <pc:spChg chg="mod">
+          <ac:chgData name="Jace Cook" userId="ecca4f4259abffea" providerId="LiveId" clId="{875C5908-513E-4F62-ADB2-9476BD68B574}" dt="2020-01-11T13:48:24.252" v="1827" actId="123"/>
+          <ac:spMkLst>
+            <pc:docMk/>
+            <pc:sldMk cId="1612421754" sldId="266"/>
+            <ac:spMk id="3" creationId="{E0B96BC8-F6E7-5249-B83F-B78A330B52E9}"/>
+          </ac:spMkLst>
+        </pc:spChg>
+        <pc:spChg chg="add">
+          <ac:chgData name="Jace Cook" userId="ecca4f4259abffea" providerId="LiveId" clId="{875C5908-513E-4F62-ADB2-9476BD68B574}" dt="2020-01-11T13:32:33.030" v="1506"/>
+          <ac:spMkLst>
+            <pc:docMk/>
+            <pc:sldMk cId="1612421754" sldId="266"/>
+            <ac:spMk id="7" creationId="{2F11889F-0857-4C1A-8A3C-4B6BE6744E22}"/>
+          </ac:spMkLst>
+        </pc:spChg>
+        <pc:graphicFrameChg chg="mod">
+          <ac:chgData name="Jace Cook" userId="ecca4f4259abffea" providerId="LiveId" clId="{875C5908-513E-4F62-ADB2-9476BD68B574}" dt="2020-01-11T12:54:27.202" v="6" actId="1076"/>
+          <ac:graphicFrameMkLst>
+            <pc:docMk/>
+            <pc:sldMk cId="1612421754" sldId="266"/>
+            <ac:graphicFrameMk id="4" creationId="{BDF3E625-9A2F-6240-B47B-83E9092B7744}"/>
+          </ac:graphicFrameMkLst>
+        </pc:graphicFrameChg>
+        <pc:graphicFrameChg chg="mod">
+          <ac:chgData name="Jace Cook" userId="ecca4f4259abffea" providerId="LiveId" clId="{875C5908-513E-4F62-ADB2-9476BD68B574}" dt="2020-01-11T13:41:41.746" v="1591" actId="1076"/>
+          <ac:graphicFrameMkLst>
+            <pc:docMk/>
+            <pc:sldMk cId="1612421754" sldId="266"/>
+            <ac:graphicFrameMk id="5" creationId="{F5D0F670-786D-BB40-8C61-9CD81588B444}"/>
+          </ac:graphicFrameMkLst>
+        </pc:graphicFrameChg>
+        <pc:picChg chg="add del">
+          <ac:chgData name="Jace Cook" userId="ecca4f4259abffea" providerId="LiveId" clId="{875C5908-513E-4F62-ADB2-9476BD68B574}" dt="2020-01-11T13:32:23.701" v="1505" actId="478"/>
+          <ac:picMkLst>
+            <pc:docMk/>
+            <pc:sldMk cId="1612421754" sldId="266"/>
+            <ac:picMk id="6" creationId="{A02BDDA7-EB73-42D4-B64D-E0EC37F5F55B}"/>
+          </ac:picMkLst>
+        </pc:picChg>
+      </pc:sldChg>
+      <pc:sldChg chg="addSp delSp modSp add ord modTransition">
+        <pc:chgData name="Jace Cook" userId="ecca4f4259abffea" providerId="LiveId" clId="{875C5908-513E-4F62-ADB2-9476BD68B574}" dt="2020-01-11T13:53:36.422" v="1847"/>
+        <pc:sldMkLst>
+          <pc:docMk/>
+          <pc:sldMk cId="616315648" sldId="267"/>
+        </pc:sldMkLst>
+        <pc:spChg chg="mod">
+          <ac:chgData name="Jace Cook" userId="ecca4f4259abffea" providerId="LiveId" clId="{875C5908-513E-4F62-ADB2-9476BD68B574}" dt="2020-01-11T13:52:09.847" v="1845" actId="20577"/>
+          <ac:spMkLst>
+            <pc:docMk/>
+            <pc:sldMk cId="616315648" sldId="267"/>
+            <ac:spMk id="2" creationId="{814A946F-7E25-4571-A53A-4E9B06D65541}"/>
+          </ac:spMkLst>
+        </pc:spChg>
+        <pc:spChg chg="mod">
+          <ac:chgData name="Jace Cook" userId="ecca4f4259abffea" providerId="LiveId" clId="{875C5908-513E-4F62-ADB2-9476BD68B574}" dt="2020-01-11T13:48:42.105" v="1830" actId="123"/>
+          <ac:spMkLst>
+            <pc:docMk/>
+            <pc:sldMk cId="616315648" sldId="267"/>
+            <ac:spMk id="3" creationId="{39D524F4-AD6C-40A9-8B5C-387AA27B0F56}"/>
+          </ac:spMkLst>
+        </pc:spChg>
+        <pc:spChg chg="add del">
+          <ac:chgData name="Jace Cook" userId="ecca4f4259abffea" providerId="LiveId" clId="{875C5908-513E-4F62-ADB2-9476BD68B574}" dt="2020-01-11T13:33:00.201" v="1511"/>
+          <ac:spMkLst>
+            <pc:docMk/>
+            <pc:sldMk cId="616315648" sldId="267"/>
+            <ac:spMk id="5" creationId="{BF27C443-8BD1-459A-A653-372EF0991ED4}"/>
+          </ac:spMkLst>
+        </pc:spChg>
+        <pc:spChg chg="add">
+          <ac:chgData name="Jace Cook" userId="ecca4f4259abffea" providerId="LiveId" clId="{875C5908-513E-4F62-ADB2-9476BD68B574}" dt="2020-01-11T13:33:15.770" v="1514"/>
+          <ac:spMkLst>
+            <pc:docMk/>
+            <pc:sldMk cId="616315648" sldId="267"/>
+            <ac:spMk id="6" creationId="{801FB4D7-6CBA-41B4-A3A9-00A2A2D28904}"/>
+          </ac:spMkLst>
+        </pc:spChg>
+        <pc:picChg chg="add">
+          <ac:chgData name="Jace Cook" userId="ecca4f4259abffea" providerId="LiveId" clId="{875C5908-513E-4F62-ADB2-9476BD68B574}" dt="2020-01-11T13:04:27.509" v="195"/>
+          <ac:picMkLst>
+            <pc:docMk/>
+            <pc:sldMk cId="616315648" sldId="267"/>
+            <ac:picMk id="4" creationId="{4458A241-39E1-4CCE-921E-FACD550B936F}"/>
+          </ac:picMkLst>
+        </pc:picChg>
+      </pc:sldChg>
+      <pc:sldChg chg="addSp delSp modSp add del">
+        <pc:chgData name="Jace Cook" userId="ecca4f4259abffea" providerId="LiveId" clId="{875C5908-513E-4F62-ADB2-9476BD68B574}" dt="2020-01-11T13:03:45.593" v="189"/>
+        <pc:sldMkLst>
+          <pc:docMk/>
+          <pc:sldMk cId="4116211862" sldId="267"/>
+        </pc:sldMkLst>
+        <pc:spChg chg="add del mod">
+          <ac:chgData name="Jace Cook" userId="ecca4f4259abffea" providerId="LiveId" clId="{875C5908-513E-4F62-ADB2-9476BD68B574}" dt="2020-01-11T13:03:44.804" v="188"/>
+          <ac:spMkLst>
+            <pc:docMk/>
+            <pc:sldMk cId="4116211862" sldId="267"/>
+            <ac:spMk id="2" creationId="{55F1E778-AB3E-44E6-BABB-B0DF09A38127}"/>
+          </ac:spMkLst>
+        </pc:spChg>
+        <pc:spChg chg="add del mod">
+          <ac:chgData name="Jace Cook" userId="ecca4f4259abffea" providerId="LiveId" clId="{875C5908-513E-4F62-ADB2-9476BD68B574}" dt="2020-01-11T13:03:44.804" v="188"/>
+          <ac:spMkLst>
+            <pc:docMk/>
+            <pc:sldMk cId="4116211862" sldId="267"/>
+            <ac:spMk id="3" creationId="{E264811F-6B03-4A10-9B86-7F599E5C1B69}"/>
+          </ac:spMkLst>
+        </pc:spChg>
+        <pc:picChg chg="add del">
+          <ac:chgData name="Jace Cook" userId="ecca4f4259abffea" providerId="LiveId" clId="{875C5908-513E-4F62-ADB2-9476BD68B574}" dt="2020-01-11T13:03:44.344" v="187"/>
+          <ac:picMkLst>
+            <pc:docMk/>
+            <pc:sldMk cId="4116211862" sldId="267"/>
+            <ac:picMk id="4" creationId="{63A25E16-A9C8-4C03-8333-51FA732BB949}"/>
+          </ac:picMkLst>
+        </pc:picChg>
+      </pc:sldChg>
+      <pc:sldChg chg="addSp delSp modSp add mod modTransition setBg">
+        <pc:chgData name="Jace Cook" userId="ecca4f4259abffea" providerId="LiveId" clId="{875C5908-513E-4F62-ADB2-9476BD68B574}" dt="2020-01-11T13:50:02.638" v="1832"/>
+        <pc:sldMkLst>
+          <pc:docMk/>
+          <pc:sldMk cId="2113530116" sldId="268"/>
+        </pc:sldMkLst>
+        <pc:spChg chg="mod">
+          <ac:chgData name="Jace Cook" userId="ecca4f4259abffea" providerId="LiveId" clId="{875C5908-513E-4F62-ADB2-9476BD68B574}" dt="2020-01-11T13:45:05.495" v="1801" actId="26606"/>
+          <ac:spMkLst>
+            <pc:docMk/>
+            <pc:sldMk cId="2113530116" sldId="268"/>
+            <ac:spMk id="2" creationId="{8EB3C80B-6938-4C75-ABAF-769CB541AB44}"/>
+          </ac:spMkLst>
+        </pc:spChg>
+        <pc:spChg chg="add">
+          <ac:chgData name="Jace Cook" userId="ecca4f4259abffea" providerId="LiveId" clId="{875C5908-513E-4F62-ADB2-9476BD68B574}" dt="2020-01-11T13:33:41.133" v="1519"/>
+          <ac:spMkLst>
+            <pc:docMk/>
+            <pc:sldMk cId="2113530116" sldId="268"/>
+            <ac:spMk id="4" creationId="{FD33D771-5EF7-4D58-B9B9-9BAFBA14391C}"/>
+          </ac:spMkLst>
+        </pc:spChg>
+        <pc:spChg chg="add del">
+          <ac:chgData name="Jace Cook" userId="ecca4f4259abffea" providerId="LiveId" clId="{875C5908-513E-4F62-ADB2-9476BD68B574}" dt="2020-01-11T13:36:29.861" v="1565" actId="26606"/>
+          <ac:spMkLst>
+            <pc:docMk/>
+            <pc:sldMk cId="2113530116" sldId="268"/>
+            <ac:spMk id="9" creationId="{A4AC5506-6312-4701-8D3C-40187889A947}"/>
+          </ac:spMkLst>
+        </pc:spChg>
+        <pc:spChg chg="add del">
+          <ac:chgData name="Jace Cook" userId="ecca4f4259abffea" providerId="LiveId" clId="{875C5908-513E-4F62-ADB2-9476BD68B574}" dt="2020-01-11T13:45:05.495" v="1801" actId="26606"/>
+          <ac:spMkLst>
+            <pc:docMk/>
+            <pc:sldMk cId="2113530116" sldId="268"/>
+            <ac:spMk id="14" creationId="{017517EF-BD4D-4055-BDB4-A322C53568AD}"/>
+          </ac:spMkLst>
+        </pc:spChg>
+        <pc:spChg chg="add del">
+          <ac:chgData name="Jace Cook" userId="ecca4f4259abffea" providerId="LiveId" clId="{875C5908-513E-4F62-ADB2-9476BD68B574}" dt="2020-01-11T13:45:05.495" v="1801" actId="26606"/>
+          <ac:spMkLst>
+            <pc:docMk/>
+            <pc:sldMk cId="2113530116" sldId="268"/>
+            <ac:spMk id="16" creationId="{0ADDB668-2CA4-4D2B-9C34-3487CA330BA8}"/>
+          </ac:spMkLst>
+        </pc:spChg>
+        <pc:spChg chg="add del">
+          <ac:chgData name="Jace Cook" userId="ecca4f4259abffea" providerId="LiveId" clId="{875C5908-513E-4F62-ADB2-9476BD68B574}" dt="2020-01-11T13:45:05.495" v="1801" actId="26606"/>
+          <ac:spMkLst>
+            <pc:docMk/>
+            <pc:sldMk cId="2113530116" sldId="268"/>
+            <ac:spMk id="18" creationId="{2568BC19-F052-4108-93E1-6A3D1DEC072F}"/>
+          </ac:spMkLst>
+        </pc:spChg>
+        <pc:spChg chg="add del">
+          <ac:chgData name="Jace Cook" userId="ecca4f4259abffea" providerId="LiveId" clId="{875C5908-513E-4F62-ADB2-9476BD68B574}" dt="2020-01-11T13:45:05.495" v="1801" actId="26606"/>
+          <ac:spMkLst>
+            <pc:docMk/>
+            <pc:sldMk cId="2113530116" sldId="268"/>
+            <ac:spMk id="20" creationId="{D5FD337D-4D6B-4C8B-B6F5-121097E09881}"/>
+          </ac:spMkLst>
+        </pc:spChg>
+        <pc:spChg chg="add">
+          <ac:chgData name="Jace Cook" userId="ecca4f4259abffea" providerId="LiveId" clId="{875C5908-513E-4F62-ADB2-9476BD68B574}" dt="2020-01-11T13:45:05.495" v="1801" actId="26606"/>
+          <ac:spMkLst>
+            <pc:docMk/>
+            <pc:sldMk cId="2113530116" sldId="268"/>
+            <ac:spMk id="25" creationId="{71CFE9EA-50D8-4028-BE42-DC2D813BEA66}"/>
+          </ac:spMkLst>
+        </pc:spChg>
+        <pc:picChg chg="add mod modCrop">
+          <ac:chgData name="Jace Cook" userId="ecca4f4259abffea" providerId="LiveId" clId="{875C5908-513E-4F62-ADB2-9476BD68B574}" dt="2020-01-11T13:45:05.495" v="1801" actId="26606"/>
+          <ac:picMkLst>
+            <pc:docMk/>
+            <pc:sldMk cId="2113530116" sldId="268"/>
+            <ac:picMk id="3" creationId="{742F68D5-9255-4B55-AB12-25FC1C074065}"/>
+          </ac:picMkLst>
+        </pc:picChg>
+        <pc:picChg chg="add">
+          <ac:chgData name="Jace Cook" userId="ecca4f4259abffea" providerId="LiveId" clId="{875C5908-513E-4F62-ADB2-9476BD68B574}" dt="2020-01-11T13:46:35.880" v="1815"/>
+          <ac:picMkLst>
+            <pc:docMk/>
+            <pc:sldMk cId="2113530116" sldId="268"/>
+            <ac:picMk id="12" creationId="{5AD460B3-0430-4590-9584-D8C89B5F22B7}"/>
+          </ac:picMkLst>
+        </pc:picChg>
+        <pc:cxnChg chg="add">
+          <ac:chgData name="Jace Cook" userId="ecca4f4259abffea" providerId="LiveId" clId="{875C5908-513E-4F62-ADB2-9476BD68B574}" dt="2020-01-11T13:45:05.495" v="1801" actId="26606"/>
+          <ac:cxnSpMkLst>
+            <pc:docMk/>
+            <pc:sldMk cId="2113530116" sldId="268"/>
+            <ac:cxnSpMk id="27" creationId="{9A218DD6-0CC7-465B-B80F-747F97B4021F}"/>
+          </ac:cxnSpMkLst>
+        </pc:cxnChg>
+      </pc:sldChg>
+      <pc:sldChg chg="addSp delSp modSp add mod modTransition setBg">
+        <pc:chgData name="Jace Cook" userId="ecca4f4259abffea" providerId="LiveId" clId="{875C5908-513E-4F62-ADB2-9476BD68B574}" dt="2020-01-11T13:50:02.638" v="1832"/>
+        <pc:sldMkLst>
+          <pc:docMk/>
+          <pc:sldMk cId="966336765" sldId="269"/>
+        </pc:sldMkLst>
+        <pc:spChg chg="add mod">
+          <ac:chgData name="Jace Cook" userId="ecca4f4259abffea" providerId="LiveId" clId="{875C5908-513E-4F62-ADB2-9476BD68B574}" dt="2020-01-11T13:45:48.321" v="1808" actId="26606"/>
+          <ac:spMkLst>
+            <pc:docMk/>
+            <pc:sldMk cId="966336765" sldId="269"/>
+            <ac:spMk id="2" creationId="{42812820-38D8-4147-BE8E-38DEF5D431C9}"/>
+          </ac:spMkLst>
+        </pc:spChg>
+        <pc:spChg chg="add mod">
+          <ac:chgData name="Jace Cook" userId="ecca4f4259abffea" providerId="LiveId" clId="{875C5908-513E-4F62-ADB2-9476BD68B574}" dt="2020-01-11T13:45:48.321" v="1808" actId="26606"/>
+          <ac:spMkLst>
+            <pc:docMk/>
+            <pc:sldMk cId="966336765" sldId="269"/>
+            <ac:spMk id="3" creationId="{BC572A7E-A42C-42C9-A8A6-32E5EB153DB4}"/>
+          </ac:spMkLst>
+        </pc:spChg>
+        <pc:spChg chg="add del">
+          <ac:chgData name="Jace Cook" userId="ecca4f4259abffea" providerId="LiveId" clId="{875C5908-513E-4F62-ADB2-9476BD68B574}" dt="2020-01-11T13:45:48.321" v="1808" actId="26606"/>
+          <ac:spMkLst>
+            <pc:docMk/>
+            <pc:sldMk cId="966336765" sldId="269"/>
+            <ac:spMk id="8" creationId="{23962611-DFD5-4092-AAFD-559E3DFCE2C9}"/>
+          </ac:spMkLst>
+        </pc:spChg>
+        <pc:spChg chg="add del">
+          <ac:chgData name="Jace Cook" userId="ecca4f4259abffea" providerId="LiveId" clId="{875C5908-513E-4F62-ADB2-9476BD68B574}" dt="2020-01-11T13:45:48.321" v="1808" actId="26606"/>
+          <ac:spMkLst>
+            <pc:docMk/>
+            <pc:sldMk cId="966336765" sldId="269"/>
+            <ac:spMk id="15" creationId="{EE39DFCF-9247-4DE5-BB93-074BFAF07A3F}"/>
+          </ac:spMkLst>
+        </pc:spChg>
+        <pc:spChg chg="add del">
+          <ac:chgData name="Jace Cook" userId="ecca4f4259abffea" providerId="LiveId" clId="{875C5908-513E-4F62-ADB2-9476BD68B574}" dt="2020-01-11T13:45:48.321" v="1808" actId="26606"/>
+          <ac:spMkLst>
+            <pc:docMk/>
+            <pc:sldMk cId="966336765" sldId="269"/>
+            <ac:spMk id="17" creationId="{442B652E-D499-4CDA-8F7A-60469EDBCBE3}"/>
+          </ac:spMkLst>
+        </pc:spChg>
+        <pc:spChg chg="add del">
+          <ac:chgData name="Jace Cook" userId="ecca4f4259abffea" providerId="LiveId" clId="{875C5908-513E-4F62-ADB2-9476BD68B574}" dt="2020-01-11T13:45:48.321" v="1808" actId="26606"/>
+          <ac:spMkLst>
+            <pc:docMk/>
+            <pc:sldMk cId="966336765" sldId="269"/>
+            <ac:spMk id="19" creationId="{484A22B8-F5B6-47C2-B88E-DADAF379130D}"/>
+          </ac:spMkLst>
+        </pc:spChg>
+        <pc:spChg chg="add del">
+          <ac:chgData name="Jace Cook" userId="ecca4f4259abffea" providerId="LiveId" clId="{875C5908-513E-4F62-ADB2-9476BD68B574}" dt="2020-01-11T13:45:48.321" v="1808" actId="26606"/>
+          <ac:spMkLst>
+            <pc:docMk/>
+            <pc:sldMk cId="966336765" sldId="269"/>
+            <ac:spMk id="21" creationId="{A987C18C-164D-4263-B486-4647A98E888E}"/>
+          </ac:spMkLst>
+        </pc:spChg>
+        <pc:spChg chg="add del">
+          <ac:chgData name="Jace Cook" userId="ecca4f4259abffea" providerId="LiveId" clId="{875C5908-513E-4F62-ADB2-9476BD68B574}" dt="2020-01-11T13:45:48.321" v="1808" actId="26606"/>
+          <ac:spMkLst>
+            <pc:docMk/>
+            <pc:sldMk cId="966336765" sldId="269"/>
+            <ac:spMk id="23" creationId="{E7E98B39-04C6-408B-92FD-76862874063D}"/>
+          </ac:spMkLst>
+        </pc:spChg>
+        <pc:spChg chg="add del">
+          <ac:chgData name="Jace Cook" userId="ecca4f4259abffea" providerId="LiveId" clId="{875C5908-513E-4F62-ADB2-9476BD68B574}" dt="2020-01-11T13:45:48.321" v="1808" actId="26606"/>
+          <ac:spMkLst>
+            <pc:docMk/>
+            <pc:sldMk cId="966336765" sldId="269"/>
+            <ac:spMk id="25" creationId="{981C8C27-2457-421F-BDC4-7B4EA3C78286}"/>
+          </ac:spMkLst>
+        </pc:spChg>
+        <pc:spChg chg="add del">
+          <ac:chgData name="Jace Cook" userId="ecca4f4259abffea" providerId="LiveId" clId="{875C5908-513E-4F62-ADB2-9476BD68B574}" dt="2020-01-11T13:45:48.321" v="1808" actId="26606"/>
+          <ac:spMkLst>
+            <pc:docMk/>
+            <pc:sldMk cId="966336765" sldId="269"/>
+            <ac:spMk id="27" creationId="{CEA13C66-82C1-44AF-972B-8F5CCA41B6D9}"/>
+          </ac:spMkLst>
+        </pc:spChg>
+        <pc:spChg chg="add del">
+          <ac:chgData name="Jace Cook" userId="ecca4f4259abffea" providerId="LiveId" clId="{875C5908-513E-4F62-ADB2-9476BD68B574}" dt="2020-01-11T13:45:48.321" v="1808" actId="26606"/>
+          <ac:spMkLst>
+            <pc:docMk/>
+            <pc:sldMk cId="966336765" sldId="269"/>
+            <ac:spMk id="29" creationId="{9DB36437-FE59-457E-91A7-396BBD3C9C6A}"/>
+          </ac:spMkLst>
+        </pc:spChg>
+        <pc:spChg chg="add del">
+          <ac:chgData name="Jace Cook" userId="ecca4f4259abffea" providerId="LiveId" clId="{875C5908-513E-4F62-ADB2-9476BD68B574}" dt="2020-01-11T13:45:48.321" v="1808" actId="26606"/>
+          <ac:spMkLst>
+            <pc:docMk/>
+            <pc:sldMk cId="966336765" sldId="269"/>
+            <ac:spMk id="31" creationId="{844D3693-2EFE-4667-89D5-47E2D5920912}"/>
+          </ac:spMkLst>
+        </pc:spChg>
+        <pc:spChg chg="add del">
+          <ac:chgData name="Jace Cook" userId="ecca4f4259abffea" providerId="LiveId" clId="{875C5908-513E-4F62-ADB2-9476BD68B574}" dt="2020-01-11T13:45:48.321" v="1808" actId="26606"/>
+          <ac:spMkLst>
+            <pc:docMk/>
+            <pc:sldMk cId="966336765" sldId="269"/>
+            <ac:spMk id="33" creationId="{C21FD796-9CD0-404D-8DF5-5274C0BCC754}"/>
+          </ac:spMkLst>
+        </pc:spChg>
+        <pc:picChg chg="add del">
+          <ac:chgData name="Jace Cook" userId="ecca4f4259abffea" providerId="LiveId" clId="{875C5908-513E-4F62-ADB2-9476BD68B574}" dt="2020-01-11T13:45:48.321" v="1808" actId="26606"/>
+          <ac:picMkLst>
+            <pc:docMk/>
+            <pc:sldMk cId="966336765" sldId="269"/>
+            <ac:picMk id="10" creationId="{2270F1FA-0425-408F-9861-80BF5AFB276D}"/>
+          </ac:picMkLst>
+        </pc:picChg>
+      </pc:sldChg>
+      <pc:sldChg chg="addSp delSp modSp add mod modTransition setBg setClrOvrMap">
+        <pc:chgData name="Jace Cook" userId="ecca4f4259abffea" providerId="LiveId" clId="{875C5908-513E-4F62-ADB2-9476BD68B574}" dt="2020-01-11T13:50:02.638" v="1832"/>
+        <pc:sldMkLst>
+          <pc:docMk/>
+          <pc:sldMk cId="3955729817" sldId="270"/>
+        </pc:sldMkLst>
+        <pc:spChg chg="add mod">
+          <ac:chgData name="Jace Cook" userId="ecca4f4259abffea" providerId="LiveId" clId="{875C5908-513E-4F62-ADB2-9476BD68B574}" dt="2020-01-11T13:44:53.601" v="1799" actId="26606"/>
+          <ac:spMkLst>
+            <pc:docMk/>
+            <pc:sldMk cId="3955729817" sldId="270"/>
+            <ac:spMk id="2" creationId="{7AFE1016-B3A1-4060-B191-E5347EABAFD4}"/>
+          </ac:spMkLst>
+        </pc:spChg>
+        <pc:spChg chg="add del mod">
+          <ac:chgData name="Jace Cook" userId="ecca4f4259abffea" providerId="LiveId" clId="{875C5908-513E-4F62-ADB2-9476BD68B574}" dt="2020-01-11T13:24:02.499" v="847"/>
+          <ac:spMkLst>
+            <pc:docMk/>
+            <pc:sldMk cId="3955729817" sldId="270"/>
+            <ac:spMk id="3" creationId="{6D36584A-C9CD-4E0D-9762-DE3BC7F14AC9}"/>
+          </ac:spMkLst>
+        </pc:spChg>
+        <pc:spChg chg="add">
+          <ac:chgData name="Jace Cook" userId="ecca4f4259abffea" providerId="LiveId" clId="{875C5908-513E-4F62-ADB2-9476BD68B574}" dt="2020-01-11T13:33:47.232" v="1521"/>
+          <ac:spMkLst>
+            <pc:docMk/>
+            <pc:sldMk cId="3955729817" sldId="270"/>
+            <ac:spMk id="5" creationId="{F22F9F15-4680-4E6F-A482-AF9AF374E366}"/>
+          </ac:spMkLst>
+        </pc:spChg>
+        <pc:spChg chg="add del">
+          <ac:chgData name="Jace Cook" userId="ecca4f4259abffea" providerId="LiveId" clId="{875C5908-513E-4F62-ADB2-9476BD68B574}" dt="2020-01-11T13:37:09.288" v="1572" actId="26606"/>
+          <ac:spMkLst>
+            <pc:docMk/>
+            <pc:sldMk cId="3955729817" sldId="270"/>
+            <ac:spMk id="9" creationId="{63343D44-43C9-4591-9104-E7CDC9E7E85B}"/>
+          </ac:spMkLst>
+        </pc:spChg>
+        <pc:spChg chg="add del">
+          <ac:chgData name="Jace Cook" userId="ecca4f4259abffea" providerId="LiveId" clId="{875C5908-513E-4F62-ADB2-9476BD68B574}" dt="2020-01-11T13:37:15.186" v="1574" actId="26606"/>
+          <ac:spMkLst>
+            <pc:docMk/>
+            <pc:sldMk cId="3955729817" sldId="270"/>
+            <ac:spMk id="10" creationId="{73C994B4-9721-4148-9EEC-6793CECDE8DD}"/>
+          </ac:spMkLst>
+        </pc:spChg>
+        <pc:spChg chg="add del">
+          <ac:chgData name="Jace Cook" userId="ecca4f4259abffea" providerId="LiveId" clId="{875C5908-513E-4F62-ADB2-9476BD68B574}" dt="2020-01-11T13:37:09.288" v="1572" actId="26606"/>
+          <ac:spMkLst>
+            <pc:docMk/>
+            <pc:sldMk cId="3955729817" sldId="270"/>
+            <ac:spMk id="12" creationId="{B082622D-AAF3-4897-8629-FC918530DD86}"/>
+          </ac:spMkLst>
+        </pc:spChg>
+        <pc:spChg chg="add del">
+          <ac:chgData name="Jace Cook" userId="ecca4f4259abffea" providerId="LiveId" clId="{875C5908-513E-4F62-ADB2-9476BD68B574}" dt="2020-01-11T13:37:09.288" v="1572" actId="26606"/>
+          <ac:spMkLst>
+            <pc:docMk/>
+            <pc:sldMk cId="3955729817" sldId="270"/>
+            <ac:spMk id="14" creationId="{A7457DD9-5A45-400A-AB4B-4B4EDECA25F1}"/>
+          </ac:spMkLst>
+        </pc:spChg>
+        <pc:spChg chg="add del">
+          <ac:chgData name="Jace Cook" userId="ecca4f4259abffea" providerId="LiveId" clId="{875C5908-513E-4F62-ADB2-9476BD68B574}" dt="2020-01-11T13:37:09.288" v="1572" actId="26606"/>
+          <ac:spMkLst>
+            <pc:docMk/>
+            <pc:sldMk cId="3955729817" sldId="270"/>
+            <ac:spMk id="16" creationId="{441CF7D6-A660-431A-B0BB-140A0D5556B6}"/>
+          </ac:spMkLst>
+        </pc:spChg>
+        <pc:spChg chg="add del">
+          <ac:chgData name="Jace Cook" userId="ecca4f4259abffea" providerId="LiveId" clId="{875C5908-513E-4F62-ADB2-9476BD68B574}" dt="2020-01-11T13:37:09.288" v="1572" actId="26606"/>
+          <ac:spMkLst>
+            <pc:docMk/>
+            <pc:sldMk cId="3955729817" sldId="270"/>
+            <ac:spMk id="18" creationId="{0570A85B-3810-4F95-97B0-CBF4CCDB381C}"/>
+          </ac:spMkLst>
+        </pc:spChg>
+        <pc:spChg chg="add del">
+          <ac:chgData name="Jace Cook" userId="ecca4f4259abffea" providerId="LiveId" clId="{875C5908-513E-4F62-ADB2-9476BD68B574}" dt="2020-01-11T13:37:15.186" v="1574" actId="26606"/>
+          <ac:spMkLst>
+            <pc:docMk/>
+            <pc:sldMk cId="3955729817" sldId="270"/>
+            <ac:spMk id="21" creationId="{F9D95E49-763A-4886-B038-82F734740554}"/>
+          </ac:spMkLst>
+        </pc:spChg>
+        <pc:spChg chg="add del">
+          <ac:chgData name="Jace Cook" userId="ecca4f4259abffea" providerId="LiveId" clId="{875C5908-513E-4F62-ADB2-9476BD68B574}" dt="2020-01-11T13:37:15.186" v="1574" actId="26606"/>
+          <ac:spMkLst>
+            <pc:docMk/>
+            <pc:sldMk cId="3955729817" sldId="270"/>
+            <ac:spMk id="22" creationId="{1426356D-10CD-483F-9267-2ABFF6185FE2}"/>
+          </ac:spMkLst>
+        </pc:spChg>
+        <pc:spChg chg="add del">
+          <ac:chgData name="Jace Cook" userId="ecca4f4259abffea" providerId="LiveId" clId="{875C5908-513E-4F62-ADB2-9476BD68B574}" dt="2020-01-11T13:37:15.186" v="1574" actId="26606"/>
+          <ac:spMkLst>
+            <pc:docMk/>
+            <pc:sldMk cId="3955729817" sldId="270"/>
+            <ac:spMk id="23" creationId="{504B4E86-D05E-4842-8242-C0222A120BC7}"/>
+          </ac:spMkLst>
+        </pc:spChg>
+        <pc:spChg chg="add del">
+          <ac:chgData name="Jace Cook" userId="ecca4f4259abffea" providerId="LiveId" clId="{875C5908-513E-4F62-ADB2-9476BD68B574}" dt="2020-01-11T13:37:16.749" v="1576" actId="26606"/>
+          <ac:spMkLst>
+            <pc:docMk/>
+            <pc:sldMk cId="3955729817" sldId="270"/>
+            <ac:spMk id="34" creationId="{A3BAF07C-C39E-42EB-BB22-8D46691D9735}"/>
+          </ac:spMkLst>
+        </pc:spChg>
+        <pc:spChg chg="add del">
+          <ac:chgData name="Jace Cook" userId="ecca4f4259abffea" providerId="LiveId" clId="{875C5908-513E-4F62-ADB2-9476BD68B574}" dt="2020-01-11T13:37:16.749" v="1576" actId="26606"/>
+          <ac:spMkLst>
+            <pc:docMk/>
+            <pc:sldMk cId="3955729817" sldId="270"/>
+            <ac:spMk id="43" creationId="{83284E64-26ED-4FF5-98CB-498858FC18DD}"/>
+          </ac:spMkLst>
+        </pc:spChg>
+        <pc:spChg chg="add del">
+          <ac:chgData name="Jace Cook" userId="ecca4f4259abffea" providerId="LiveId" clId="{875C5908-513E-4F62-ADB2-9476BD68B574}" dt="2020-01-11T13:37:18.876" v="1578" actId="26606"/>
+          <ac:spMkLst>
+            <pc:docMk/>
+            <pc:sldMk cId="3955729817" sldId="270"/>
+            <ac:spMk id="45" creationId="{4E2ED6F9-63C3-4A8D-9BB4-1EA62533B672}"/>
+          </ac:spMkLst>
+        </pc:spChg>
+        <pc:spChg chg="add del">
+          <ac:chgData name="Jace Cook" userId="ecca4f4259abffea" providerId="LiveId" clId="{875C5908-513E-4F62-ADB2-9476BD68B574}" dt="2020-01-11T13:37:18.876" v="1578" actId="26606"/>
+          <ac:spMkLst>
+            <pc:docMk/>
+            <pc:sldMk cId="3955729817" sldId="270"/>
+            <ac:spMk id="46" creationId="{6D72081E-AD41-4FBB-B02B-698A68DBCA5E}"/>
+          </ac:spMkLst>
+        </pc:spChg>
+        <pc:spChg chg="add del">
+          <ac:chgData name="Jace Cook" userId="ecca4f4259abffea" providerId="LiveId" clId="{875C5908-513E-4F62-ADB2-9476BD68B574}" dt="2020-01-11T13:37:18.876" v="1578" actId="26606"/>
+          <ac:spMkLst>
+            <pc:docMk/>
+            <pc:sldMk cId="3955729817" sldId="270"/>
+            <ac:spMk id="47" creationId="{716248AD-805F-41BF-9B57-FC53E5B32F98}"/>
+          </ac:spMkLst>
+        </pc:spChg>
+        <pc:spChg chg="add del">
+          <ac:chgData name="Jace Cook" userId="ecca4f4259abffea" providerId="LiveId" clId="{875C5908-513E-4F62-ADB2-9476BD68B574}" dt="2020-01-11T13:37:18.876" v="1578" actId="26606"/>
+          <ac:spMkLst>
+            <pc:docMk/>
+            <pc:sldMk cId="3955729817" sldId="270"/>
+            <ac:spMk id="48" creationId="{1F82758F-B2B3-4F0A-BB90-4BFFEDD166D6}"/>
+          </ac:spMkLst>
+        </pc:spChg>
+        <pc:spChg chg="add del">
+          <ac:chgData name="Jace Cook" userId="ecca4f4259abffea" providerId="LiveId" clId="{875C5908-513E-4F62-ADB2-9476BD68B574}" dt="2020-01-11T13:37:18.876" v="1578" actId="26606"/>
+          <ac:spMkLst>
+            <pc:docMk/>
+            <pc:sldMk cId="3955729817" sldId="270"/>
+            <ac:spMk id="49" creationId="{4049B502-1B5B-4C83-A780-DD76332967E1}"/>
+          </ac:spMkLst>
+        </pc:spChg>
+        <pc:spChg chg="add del">
+          <ac:chgData name="Jace Cook" userId="ecca4f4259abffea" providerId="LiveId" clId="{875C5908-513E-4F62-ADB2-9476BD68B574}" dt="2020-01-11T13:44:53.601" v="1799" actId="26606"/>
+          <ac:spMkLst>
+            <pc:docMk/>
+            <pc:sldMk cId="3955729817" sldId="270"/>
+            <ac:spMk id="51" creationId="{B082622D-AAF3-4897-8629-FC918530DD86}"/>
+          </ac:spMkLst>
+        </pc:spChg>
+        <pc:spChg chg="add del">
+          <ac:chgData name="Jace Cook" userId="ecca4f4259abffea" providerId="LiveId" clId="{875C5908-513E-4F62-ADB2-9476BD68B574}" dt="2020-01-11T13:44:53.601" v="1799" actId="26606"/>
+          <ac:spMkLst>
+            <pc:docMk/>
+            <pc:sldMk cId="3955729817" sldId="270"/>
+            <ac:spMk id="52" creationId="{A7457DD9-5A45-400A-AB4B-4B4EDECA25F1}"/>
+          </ac:spMkLst>
+        </pc:spChg>
+        <pc:spChg chg="add del">
+          <ac:chgData name="Jace Cook" userId="ecca4f4259abffea" providerId="LiveId" clId="{875C5908-513E-4F62-ADB2-9476BD68B574}" dt="2020-01-11T13:44:53.601" v="1799" actId="26606"/>
+          <ac:spMkLst>
+            <pc:docMk/>
+            <pc:sldMk cId="3955729817" sldId="270"/>
+            <ac:spMk id="53" creationId="{441CF7D6-A660-431A-B0BB-140A0D5556B6}"/>
+          </ac:spMkLst>
+        </pc:spChg>
+        <pc:spChg chg="add del">
+          <ac:chgData name="Jace Cook" userId="ecca4f4259abffea" providerId="LiveId" clId="{875C5908-513E-4F62-ADB2-9476BD68B574}" dt="2020-01-11T13:44:53.601" v="1799" actId="26606"/>
+          <ac:spMkLst>
+            <pc:docMk/>
+            <pc:sldMk cId="3955729817" sldId="270"/>
+            <ac:spMk id="54" creationId="{0570A85B-3810-4F95-97B0-CBF4CCDB381C}"/>
+          </ac:spMkLst>
+        </pc:spChg>
+        <pc:spChg chg="add del mod">
+          <ac:chgData name="Jace Cook" userId="ecca4f4259abffea" providerId="LiveId" clId="{875C5908-513E-4F62-ADB2-9476BD68B574}" dt="2020-01-11T13:44:26.895" v="1796" actId="478"/>
+          <ac:spMkLst>
+            <pc:docMk/>
+            <pc:sldMk cId="3955729817" sldId="270"/>
+            <ac:spMk id="55" creationId="{63343D44-43C9-4591-9104-E7CDC9E7E85B}"/>
+          </ac:spMkLst>
+        </pc:spChg>
+        <pc:spChg chg="add del">
+          <ac:chgData name="Jace Cook" userId="ecca4f4259abffea" providerId="LiveId" clId="{875C5908-513E-4F62-ADB2-9476BD68B574}" dt="2020-01-11T13:44:53.583" v="1798" actId="26606"/>
+          <ac:spMkLst>
+            <pc:docMk/>
+            <pc:sldMk cId="3955729817" sldId="270"/>
+            <ac:spMk id="59" creationId="{017517EF-BD4D-4055-BDB4-A322C53568AD}"/>
+          </ac:spMkLst>
+        </pc:spChg>
+        <pc:spChg chg="add del">
+          <ac:chgData name="Jace Cook" userId="ecca4f4259abffea" providerId="LiveId" clId="{875C5908-513E-4F62-ADB2-9476BD68B574}" dt="2020-01-11T13:44:53.583" v="1798" actId="26606"/>
+          <ac:spMkLst>
+            <pc:docMk/>
+            <pc:sldMk cId="3955729817" sldId="270"/>
+            <ac:spMk id="61" creationId="{0ADDB668-2CA4-4D2B-9C34-3487CA330BA8}"/>
+          </ac:spMkLst>
+        </pc:spChg>
+        <pc:spChg chg="add del">
+          <ac:chgData name="Jace Cook" userId="ecca4f4259abffea" providerId="LiveId" clId="{875C5908-513E-4F62-ADB2-9476BD68B574}" dt="2020-01-11T13:44:53.583" v="1798" actId="26606"/>
+          <ac:spMkLst>
+            <pc:docMk/>
+            <pc:sldMk cId="3955729817" sldId="270"/>
+            <ac:spMk id="63" creationId="{2568BC19-F052-4108-93E1-6A3D1DEC072F}"/>
+          </ac:spMkLst>
+        </pc:spChg>
+        <pc:spChg chg="add del">
+          <ac:chgData name="Jace Cook" userId="ecca4f4259abffea" providerId="LiveId" clId="{875C5908-513E-4F62-ADB2-9476BD68B574}" dt="2020-01-11T13:44:53.583" v="1798" actId="26606"/>
+          <ac:spMkLst>
+            <pc:docMk/>
+            <pc:sldMk cId="3955729817" sldId="270"/>
+            <ac:spMk id="65" creationId="{D5FD337D-4D6B-4C8B-B6F5-121097E09881}"/>
+          </ac:spMkLst>
+        </pc:spChg>
+        <pc:spChg chg="add">
+          <ac:chgData name="Jace Cook" userId="ecca4f4259abffea" providerId="LiveId" clId="{875C5908-513E-4F62-ADB2-9476BD68B574}" dt="2020-01-11T13:44:53.601" v="1799" actId="26606"/>
+          <ac:spMkLst>
+            <pc:docMk/>
+            <pc:sldMk cId="3955729817" sldId="270"/>
+            <ac:spMk id="67" creationId="{71CFE9EA-50D8-4028-BE42-DC2D813BEA66}"/>
+          </ac:spMkLst>
+        </pc:spChg>
+        <pc:grpChg chg="add del">
+          <ac:chgData name="Jace Cook" userId="ecca4f4259abffea" providerId="LiveId" clId="{875C5908-513E-4F62-ADB2-9476BD68B574}" dt="2020-01-11T13:37:16.749" v="1576" actId="26606"/>
+          <ac:grpSpMkLst>
+            <pc:docMk/>
+            <pc:sldMk cId="3955729817" sldId="270"/>
+            <ac:grpSpMk id="35" creationId="{D8E9CF54-0466-4261-9E62-0249E60E1886}"/>
+          </ac:grpSpMkLst>
+        </pc:grpChg>
+        <pc:picChg chg="add mod modCrop">
+          <ac:chgData name="Jace Cook" userId="ecca4f4259abffea" providerId="LiveId" clId="{875C5908-513E-4F62-ADB2-9476BD68B574}" dt="2020-01-11T13:44:53.601" v="1799" actId="26606"/>
+          <ac:picMkLst>
+            <pc:docMk/>
+            <pc:sldMk cId="3955729817" sldId="270"/>
+            <ac:picMk id="4" creationId="{5243E1CE-856B-4712-A1EF-A04C20F5DAB5}"/>
+          </ac:picMkLst>
+        </pc:picChg>
+        <pc:picChg chg="add">
+          <ac:chgData name="Jace Cook" userId="ecca4f4259abffea" providerId="LiveId" clId="{875C5908-513E-4F62-ADB2-9476BD68B574}" dt="2020-01-11T13:46:31.675" v="1813"/>
+          <ac:picMkLst>
+            <pc:docMk/>
+            <pc:sldMk cId="3955729817" sldId="270"/>
+            <ac:picMk id="56" creationId="{FCF3D585-2E77-4009-89D2-C217C5E947C5}"/>
+          </ac:picMkLst>
+        </pc:picChg>
+        <pc:cxnChg chg="add del">
+          <ac:chgData name="Jace Cook" userId="ecca4f4259abffea" providerId="LiveId" clId="{875C5908-513E-4F62-ADB2-9476BD68B574}" dt="2020-01-11T13:37:15.186" v="1574" actId="26606"/>
+          <ac:cxnSpMkLst>
+            <pc:docMk/>
+            <pc:sldMk cId="3955729817" sldId="270"/>
+            <ac:cxnSpMk id="20" creationId="{ED9C04A9-04B4-4ED7-94E7-B13134C8D0D0}"/>
+          </ac:cxnSpMkLst>
+        </pc:cxnChg>
+        <pc:cxnChg chg="add del">
+          <ac:chgData name="Jace Cook" userId="ecca4f4259abffea" providerId="LiveId" clId="{875C5908-513E-4F62-ADB2-9476BD68B574}" dt="2020-01-11T13:37:15.186" v="1574" actId="26606"/>
+          <ac:cxnSpMkLst>
+            <pc:docMk/>
+            <pc:sldMk cId="3955729817" sldId="270"/>
+            <ac:cxnSpMk id="24" creationId="{EE9C6408-AA0E-411D-A5D2-E5F13306F898}"/>
+          </ac:cxnSpMkLst>
+        </pc:cxnChg>
+        <pc:cxnChg chg="add">
+          <ac:chgData name="Jace Cook" userId="ecca4f4259abffea" providerId="LiveId" clId="{875C5908-513E-4F62-ADB2-9476BD68B574}" dt="2020-01-11T13:44:53.601" v="1799" actId="26606"/>
+          <ac:cxnSpMkLst>
+            <pc:docMk/>
+            <pc:sldMk cId="3955729817" sldId="270"/>
+            <ac:cxnSpMk id="68" creationId="{9A218DD6-0CC7-465B-B80F-747F97B4021F}"/>
+          </ac:cxnSpMkLst>
+        </pc:cxnChg>
+      </pc:sldChg>
+      <pc:sldChg chg="addSp delSp modSp add mod modTransition setBg">
+        <pc:chgData name="Jace Cook" userId="ecca4f4259abffea" providerId="LiveId" clId="{875C5908-513E-4F62-ADB2-9476BD68B574}" dt="2020-01-11T13:50:02.638" v="1832"/>
+        <pc:sldMkLst>
+          <pc:docMk/>
+          <pc:sldMk cId="2585639145" sldId="271"/>
+        </pc:sldMkLst>
+        <pc:spChg chg="mod">
+          <ac:chgData name="Jace Cook" userId="ecca4f4259abffea" providerId="LiveId" clId="{875C5908-513E-4F62-ADB2-9476BD68B574}" dt="2020-01-11T13:45:18.897" v="1804" actId="26606"/>
+          <ac:spMkLst>
+            <pc:docMk/>
+            <pc:sldMk cId="2585639145" sldId="271"/>
+            <ac:spMk id="2" creationId="{658234EF-6C2B-46F5-A990-EBF6A3B928A7}"/>
+          </ac:spMkLst>
+        </pc:spChg>
+        <pc:spChg chg="add">
+          <ac:chgData name="Jace Cook" userId="ecca4f4259abffea" providerId="LiveId" clId="{875C5908-513E-4F62-ADB2-9476BD68B574}" dt="2020-01-11T13:33:54.962" v="1523"/>
+          <ac:spMkLst>
+            <pc:docMk/>
+            <pc:sldMk cId="2585639145" sldId="271"/>
+            <ac:spMk id="4" creationId="{0DD4944E-1B81-464F-A4CC-C718004FCC5E}"/>
+          </ac:spMkLst>
+        </pc:spChg>
+        <pc:spChg chg="add del">
+          <ac:chgData name="Jace Cook" userId="ecca4f4259abffea" providerId="LiveId" clId="{875C5908-513E-4F62-ADB2-9476BD68B574}" dt="2020-01-11T13:45:18.897" v="1804" actId="26606"/>
+          <ac:spMkLst>
+            <pc:docMk/>
+            <pc:sldMk cId="2585639145" sldId="271"/>
+            <ac:spMk id="9" creationId="{017517EF-BD4D-4055-BDB4-A322C53568AD}"/>
+          </ac:spMkLst>
+        </pc:spChg>
+        <pc:spChg chg="add del">
+          <ac:chgData name="Jace Cook" userId="ecca4f4259abffea" providerId="LiveId" clId="{875C5908-513E-4F62-ADB2-9476BD68B574}" dt="2020-01-11T13:45:18.897" v="1804" actId="26606"/>
+          <ac:spMkLst>
+            <pc:docMk/>
+            <pc:sldMk cId="2585639145" sldId="271"/>
+            <ac:spMk id="11" creationId="{0ADDB668-2CA4-4D2B-9C34-3487CA330BA8}"/>
+          </ac:spMkLst>
+        </pc:spChg>
+        <pc:spChg chg="add del">
+          <ac:chgData name="Jace Cook" userId="ecca4f4259abffea" providerId="LiveId" clId="{875C5908-513E-4F62-ADB2-9476BD68B574}" dt="2020-01-11T13:45:18.897" v="1804" actId="26606"/>
+          <ac:spMkLst>
+            <pc:docMk/>
+            <pc:sldMk cId="2585639145" sldId="271"/>
+            <ac:spMk id="13" creationId="{2568BC19-F052-4108-93E1-6A3D1DEC072F}"/>
+          </ac:spMkLst>
+        </pc:spChg>
+        <pc:spChg chg="add del">
+          <ac:chgData name="Jace Cook" userId="ecca4f4259abffea" providerId="LiveId" clId="{875C5908-513E-4F62-ADB2-9476BD68B574}" dt="2020-01-11T13:45:18.897" v="1804" actId="26606"/>
+          <ac:spMkLst>
+            <pc:docMk/>
+            <pc:sldMk cId="2585639145" sldId="271"/>
+            <ac:spMk id="15" creationId="{D5FD337D-4D6B-4C8B-B6F5-121097E09881}"/>
+          </ac:spMkLst>
+        </pc:spChg>
+        <pc:spChg chg="add">
+          <ac:chgData name="Jace Cook" userId="ecca4f4259abffea" providerId="LiveId" clId="{875C5908-513E-4F62-ADB2-9476BD68B574}" dt="2020-01-11T13:45:18.897" v="1804" actId="26606"/>
+          <ac:spMkLst>
+            <pc:docMk/>
+            <pc:sldMk cId="2585639145" sldId="271"/>
+            <ac:spMk id="20" creationId="{71CFE9EA-50D8-4028-BE42-DC2D813BEA66}"/>
+          </ac:spMkLst>
+        </pc:spChg>
+        <pc:picChg chg="add mod modCrop">
+          <ac:chgData name="Jace Cook" userId="ecca4f4259abffea" providerId="LiveId" clId="{875C5908-513E-4F62-ADB2-9476BD68B574}" dt="2020-01-11T13:45:18.897" v="1804" actId="26606"/>
+          <ac:picMkLst>
+            <pc:docMk/>
+            <pc:sldMk cId="2585639145" sldId="271"/>
+            <ac:picMk id="3" creationId="{77F672AD-A944-4C3F-8A3C-AAB85E30AAF8}"/>
+          </ac:picMkLst>
+        </pc:picChg>
+        <pc:picChg chg="add">
+          <ac:chgData name="Jace Cook" userId="ecca4f4259abffea" providerId="LiveId" clId="{875C5908-513E-4F62-ADB2-9476BD68B574}" dt="2020-01-11T13:46:26.711" v="1811"/>
+          <ac:picMkLst>
+            <pc:docMk/>
+            <pc:sldMk cId="2585639145" sldId="271"/>
+            <ac:picMk id="12" creationId="{CA38F7E7-4B99-4B80-B803-31A8E8B29094}"/>
+          </ac:picMkLst>
+        </pc:picChg>
+        <pc:cxnChg chg="add">
+          <ac:chgData name="Jace Cook" userId="ecca4f4259abffea" providerId="LiveId" clId="{875C5908-513E-4F62-ADB2-9476BD68B574}" dt="2020-01-11T13:45:18.897" v="1804" actId="26606"/>
+          <ac:cxnSpMkLst>
+            <pc:docMk/>
+            <pc:sldMk cId="2585639145" sldId="271"/>
+            <ac:cxnSpMk id="22" creationId="{9A218DD6-0CC7-465B-B80F-747F97B4021F}"/>
+          </ac:cxnSpMkLst>
+        </pc:cxnChg>
+      </pc:sldChg>
+      <pc:sldMasterChg chg="modTransition modSldLayout">
+        <pc:chgData name="Jace Cook" userId="ecca4f4259abffea" providerId="LiveId" clId="{875C5908-513E-4F62-ADB2-9476BD68B574}" dt="2020-01-11T13:50:02.638" v="1832"/>
+        <pc:sldMasterMkLst>
+          <pc:docMk/>
+          <pc:sldMasterMk cId="2489363292" sldId="2147483824"/>
+        </pc:sldMasterMkLst>
+        <pc:sldLayoutChg chg="modTransition">
+          <pc:chgData name="Jace Cook" userId="ecca4f4259abffea" providerId="LiveId" clId="{875C5908-513E-4F62-ADB2-9476BD68B574}" dt="2020-01-11T13:50:02.638" v="1832"/>
+          <pc:sldLayoutMkLst>
+            <pc:docMk/>
+            <pc:sldMasterMk cId="2489363292" sldId="2147483824"/>
+            <pc:sldLayoutMk cId="1231694402" sldId="2147483825"/>
+          </pc:sldLayoutMkLst>
+        </pc:sldLayoutChg>
+        <pc:sldLayoutChg chg="modTransition">
+          <pc:chgData name="Jace Cook" userId="ecca4f4259abffea" providerId="LiveId" clId="{875C5908-513E-4F62-ADB2-9476BD68B574}" dt="2020-01-11T13:50:02.638" v="1832"/>
+          <pc:sldLayoutMkLst>
+            <pc:docMk/>
+            <pc:sldMasterMk cId="2489363292" sldId="2147483824"/>
+            <pc:sldLayoutMk cId="1467042931" sldId="2147483826"/>
+          </pc:sldLayoutMkLst>
+        </pc:sldLayoutChg>
+        <pc:sldLayoutChg chg="modTransition">
+          <pc:chgData name="Jace Cook" userId="ecca4f4259abffea" providerId="LiveId" clId="{875C5908-513E-4F62-ADB2-9476BD68B574}" dt="2020-01-11T13:50:02.638" v="1832"/>
+          <pc:sldLayoutMkLst>
+            <pc:docMk/>
+            <pc:sldMasterMk cId="2489363292" sldId="2147483824"/>
+            <pc:sldLayoutMk cId="4044063797" sldId="2147483827"/>
+          </pc:sldLayoutMkLst>
+        </pc:sldLayoutChg>
+        <pc:sldLayoutChg chg="modTransition">
+          <pc:chgData name="Jace Cook" userId="ecca4f4259abffea" providerId="LiveId" clId="{875C5908-513E-4F62-ADB2-9476BD68B574}" dt="2020-01-11T13:50:02.638" v="1832"/>
+          <pc:sldLayoutMkLst>
+            <pc:docMk/>
+            <pc:sldMasterMk cId="2489363292" sldId="2147483824"/>
+            <pc:sldLayoutMk cId="2881220523" sldId="2147483828"/>
+          </pc:sldLayoutMkLst>
+        </pc:sldLayoutChg>
+        <pc:sldLayoutChg chg="modTransition">
+          <pc:chgData name="Jace Cook" userId="ecca4f4259abffea" providerId="LiveId" clId="{875C5908-513E-4F62-ADB2-9476BD68B574}" dt="2020-01-11T13:50:02.638" v="1832"/>
+          <pc:sldLayoutMkLst>
+            <pc:docMk/>
+            <pc:sldMasterMk cId="2489363292" sldId="2147483824"/>
+            <pc:sldLayoutMk cId="828864191" sldId="2147483829"/>
+          </pc:sldLayoutMkLst>
+        </pc:sldLayoutChg>
+        <pc:sldLayoutChg chg="modTransition">
+          <pc:chgData name="Jace Cook" userId="ecca4f4259abffea" providerId="LiveId" clId="{875C5908-513E-4F62-ADB2-9476BD68B574}" dt="2020-01-11T13:50:02.638" v="1832"/>
+          <pc:sldLayoutMkLst>
+            <pc:docMk/>
+            <pc:sldMasterMk cId="2489363292" sldId="2147483824"/>
+            <pc:sldLayoutMk cId="171026300" sldId="2147483830"/>
+          </pc:sldLayoutMkLst>
+        </pc:sldLayoutChg>
+        <pc:sldLayoutChg chg="modTransition">
+          <pc:chgData name="Jace Cook" userId="ecca4f4259abffea" providerId="LiveId" clId="{875C5908-513E-4F62-ADB2-9476BD68B574}" dt="2020-01-11T13:50:02.638" v="1832"/>
+          <pc:sldLayoutMkLst>
+            <pc:docMk/>
+            <pc:sldMasterMk cId="2489363292" sldId="2147483824"/>
+            <pc:sldLayoutMk cId="163297421" sldId="2147483831"/>
+          </pc:sldLayoutMkLst>
+        </pc:sldLayoutChg>
+        <pc:sldLayoutChg chg="modTransition">
+          <pc:chgData name="Jace Cook" userId="ecca4f4259abffea" providerId="LiveId" clId="{875C5908-513E-4F62-ADB2-9476BD68B574}" dt="2020-01-11T13:50:02.638" v="1832"/>
+          <pc:sldLayoutMkLst>
+            <pc:docMk/>
+            <pc:sldMasterMk cId="2489363292" sldId="2147483824"/>
+            <pc:sldLayoutMk cId="2072311968" sldId="2147483832"/>
+          </pc:sldLayoutMkLst>
+        </pc:sldLayoutChg>
+        <pc:sldLayoutChg chg="modTransition">
+          <pc:chgData name="Jace Cook" userId="ecca4f4259abffea" providerId="LiveId" clId="{875C5908-513E-4F62-ADB2-9476BD68B574}" dt="2020-01-11T13:50:02.638" v="1832"/>
+          <pc:sldLayoutMkLst>
+            <pc:docMk/>
+            <pc:sldMasterMk cId="2489363292" sldId="2147483824"/>
+            <pc:sldLayoutMk cId="2482837440" sldId="2147483833"/>
+          </pc:sldLayoutMkLst>
+        </pc:sldLayoutChg>
+        <pc:sldLayoutChg chg="modTransition">
+          <pc:chgData name="Jace Cook" userId="ecca4f4259abffea" providerId="LiveId" clId="{875C5908-513E-4F62-ADB2-9476BD68B574}" dt="2020-01-11T13:50:02.638" v="1832"/>
+          <pc:sldLayoutMkLst>
+            <pc:docMk/>
+            <pc:sldMasterMk cId="2489363292" sldId="2147483824"/>
+            <pc:sldLayoutMk cId="833494729" sldId="2147483834"/>
+          </pc:sldLayoutMkLst>
+        </pc:sldLayoutChg>
+        <pc:sldLayoutChg chg="modTransition">
+          <pc:chgData name="Jace Cook" userId="ecca4f4259abffea" providerId="LiveId" clId="{875C5908-513E-4F62-ADB2-9476BD68B574}" dt="2020-01-11T13:50:02.638" v="1832"/>
+          <pc:sldLayoutMkLst>
+            <pc:docMk/>
+            <pc:sldMasterMk cId="2489363292" sldId="2147483824"/>
+            <pc:sldLayoutMk cId="2666915901" sldId="2147483835"/>
+          </pc:sldLayoutMkLst>
+        </pc:sldLayoutChg>
+      </pc:sldMasterChg>
+    </pc:docChg>
+  </pc:docChgLst>
+</pc:chgInfo>
 </file>
 
 <file path=ppt/notesMasters/notesMaster1.xml><?xml version="1.0" encoding="utf-8"?>
@@ -701,6 +2256,18 @@
   <p:clrMapOvr>
     <a:masterClrMapping/>
   </p:clrMapOvr>
+  <mc:AlternateContent xmlns:mc="http://schemas.openxmlformats.org/markup-compatibility/2006" xmlns:p14="http://schemas.microsoft.com/office/powerpoint/2010/main">
+    <mc:Choice Requires="p14">
+      <p:transition spd="slow" p14:dur="1200">
+        <p14:prism/>
+      </p:transition>
+    </mc:Choice>
+    <mc:Fallback xmlns="">
+      <p:transition spd="slow">
+        <p:fade/>
+      </p:transition>
+    </mc:Fallback>
+  </mc:AlternateContent>
 </p:sldLayout>
 </file>
 
@@ -899,6 +2466,18 @@
   <p:clrMapOvr>
     <a:masterClrMapping/>
   </p:clrMapOvr>
+  <mc:AlternateContent xmlns:mc="http://schemas.openxmlformats.org/markup-compatibility/2006" xmlns:p14="http://schemas.microsoft.com/office/powerpoint/2010/main">
+    <mc:Choice Requires="p14">
+      <p:transition spd="slow" p14:dur="1200">
+        <p14:prism/>
+      </p:transition>
+    </mc:Choice>
+    <mc:Fallback xmlns="">
+      <p:transition spd="slow">
+        <p:fade/>
+      </p:transition>
+    </mc:Fallback>
+  </mc:AlternateContent>
 </p:sldLayout>
 </file>
 
@@ -1107,6 +2686,18 @@
   <p:clrMapOvr>
     <a:masterClrMapping/>
   </p:clrMapOvr>
+  <mc:AlternateContent xmlns:mc="http://schemas.openxmlformats.org/markup-compatibility/2006" xmlns:p14="http://schemas.microsoft.com/office/powerpoint/2010/main">
+    <mc:Choice Requires="p14">
+      <p:transition spd="slow" p14:dur="1200">
+        <p14:prism/>
+      </p:transition>
+    </mc:Choice>
+    <mc:Fallback xmlns="">
+      <p:transition spd="slow">
+        <p:fade/>
+      </p:transition>
+    </mc:Fallback>
+  </mc:AlternateContent>
 </p:sldLayout>
 </file>
 
@@ -1305,6 +2896,18 @@
   <p:clrMapOvr>
     <a:masterClrMapping/>
   </p:clrMapOvr>
+  <mc:AlternateContent xmlns:mc="http://schemas.openxmlformats.org/markup-compatibility/2006" xmlns:p14="http://schemas.microsoft.com/office/powerpoint/2010/main">
+    <mc:Choice Requires="p14">
+      <p:transition spd="slow" p14:dur="1200">
+        <p14:prism/>
+      </p:transition>
+    </mc:Choice>
+    <mc:Fallback xmlns="">
+      <p:transition spd="slow">
+        <p:fade/>
+      </p:transition>
+    </mc:Fallback>
+  </mc:AlternateContent>
 </p:sldLayout>
 </file>
 
@@ -1580,6 +3183,18 @@
   <p:clrMapOvr>
     <a:masterClrMapping/>
   </p:clrMapOvr>
+  <mc:AlternateContent xmlns:mc="http://schemas.openxmlformats.org/markup-compatibility/2006" xmlns:p14="http://schemas.microsoft.com/office/powerpoint/2010/main">
+    <mc:Choice Requires="p14">
+      <p:transition spd="slow" p14:dur="1200">
+        <p14:prism/>
+      </p:transition>
+    </mc:Choice>
+    <mc:Fallback xmlns="">
+      <p:transition spd="slow">
+        <p:fade/>
+      </p:transition>
+    </mc:Fallback>
+  </mc:AlternateContent>
 </p:sldLayout>
 </file>
 
@@ -1845,6 +3460,18 @@
   <p:clrMapOvr>
     <a:masterClrMapping/>
   </p:clrMapOvr>
+  <mc:AlternateContent xmlns:mc="http://schemas.openxmlformats.org/markup-compatibility/2006" xmlns:p14="http://schemas.microsoft.com/office/powerpoint/2010/main">
+    <mc:Choice Requires="p14">
+      <p:transition spd="slow" p14:dur="1200">
+        <p14:prism/>
+      </p:transition>
+    </mc:Choice>
+    <mc:Fallback xmlns="">
+      <p:transition spd="slow">
+        <p:fade/>
+      </p:transition>
+    </mc:Fallback>
+  </mc:AlternateContent>
   <p:extLst>
     <p:ext uri="{DCECCB84-F9BA-43D5-87BE-67443E8EF086}">
       <p15:sldGuideLst xmlns:p15="http://schemas.microsoft.com/office/powerpoint/2012/main"/>
@@ -2262,6 +3889,18 @@
   <p:clrMapOvr>
     <a:masterClrMapping/>
   </p:clrMapOvr>
+  <mc:AlternateContent xmlns:mc="http://schemas.openxmlformats.org/markup-compatibility/2006" xmlns:p14="http://schemas.microsoft.com/office/powerpoint/2010/main">
+    <mc:Choice Requires="p14">
+      <p:transition spd="slow" p14:dur="1200">
+        <p14:prism/>
+      </p:transition>
+    </mc:Choice>
+    <mc:Fallback xmlns="">
+      <p:transition spd="slow">
+        <p:fade/>
+      </p:transition>
+    </mc:Fallback>
+  </mc:AlternateContent>
   <p:extLst>
     <p:ext uri="{DCECCB84-F9BA-43D5-87BE-67443E8EF086}">
       <p15:sldGuideLst xmlns:p15="http://schemas.microsoft.com/office/powerpoint/2012/main"/>
@@ -2408,6 +4047,18 @@
   <p:clrMapOvr>
     <a:masterClrMapping/>
   </p:clrMapOvr>
+  <mc:AlternateContent xmlns:mc="http://schemas.openxmlformats.org/markup-compatibility/2006" xmlns:p14="http://schemas.microsoft.com/office/powerpoint/2010/main">
+    <mc:Choice Requires="p14">
+      <p:transition spd="slow" p14:dur="1200">
+        <p14:prism/>
+      </p:transition>
+    </mc:Choice>
+    <mc:Fallback xmlns="">
+      <p:transition spd="slow">
+        <p:fade/>
+      </p:transition>
+    </mc:Fallback>
+  </mc:AlternateContent>
 </p:sldLayout>
 </file>
 
@@ -2521,6 +4172,18 @@
   <p:clrMapOvr>
     <a:masterClrMapping/>
   </p:clrMapOvr>
+  <mc:AlternateContent xmlns:mc="http://schemas.openxmlformats.org/markup-compatibility/2006" xmlns:p14="http://schemas.microsoft.com/office/powerpoint/2010/main">
+    <mc:Choice Requires="p14">
+      <p:transition spd="slow" p14:dur="1200">
+        <p14:prism/>
+      </p:transition>
+    </mc:Choice>
+    <mc:Fallback xmlns="">
+      <p:transition spd="slow">
+        <p:fade/>
+      </p:transition>
+    </mc:Fallback>
+  </mc:AlternateContent>
 </p:sldLayout>
 </file>
 
@@ -2832,6 +4495,18 @@
   <p:clrMapOvr>
     <a:masterClrMapping/>
   </p:clrMapOvr>
+  <mc:AlternateContent xmlns:mc="http://schemas.openxmlformats.org/markup-compatibility/2006" xmlns:p14="http://schemas.microsoft.com/office/powerpoint/2010/main">
+    <mc:Choice Requires="p14">
+      <p:transition spd="slow" p14:dur="1200">
+        <p14:prism/>
+      </p:transition>
+    </mc:Choice>
+    <mc:Fallback xmlns="">
+      <p:transition spd="slow">
+        <p:fade/>
+      </p:transition>
+    </mc:Fallback>
+  </mc:AlternateContent>
   <p:extLst>
     <p:ext uri="{DCECCB84-F9BA-43D5-87BE-67443E8EF086}">
       <p15:sldGuideLst xmlns:p15="http://schemas.microsoft.com/office/powerpoint/2012/main"/>
@@ -3125,6 +4800,18 @@
   <p:clrMapOvr>
     <a:masterClrMapping/>
   </p:clrMapOvr>
+  <mc:AlternateContent xmlns:mc="http://schemas.openxmlformats.org/markup-compatibility/2006" xmlns:p14="http://schemas.microsoft.com/office/powerpoint/2010/main">
+    <mc:Choice Requires="p14">
+      <p:transition spd="slow" p14:dur="1200">
+        <p14:prism/>
+      </p:transition>
+    </mc:Choice>
+    <mc:Fallback xmlns="">
+      <p:transition spd="slow">
+        <p:fade/>
+      </p:transition>
+    </mc:Fallback>
+  </mc:AlternateContent>
 </p:sldLayout>
 </file>
 
@@ -3413,6 +5100,18 @@
     <p:sldLayoutId id="2147483834" r:id="rId10"/>
     <p:sldLayoutId id="2147483835" r:id="rId11"/>
   </p:sldLayoutIdLst>
+  <mc:AlternateContent xmlns:mc="http://schemas.openxmlformats.org/markup-compatibility/2006" xmlns:p14="http://schemas.microsoft.com/office/powerpoint/2010/main">
+    <mc:Choice Requires="p14">
+      <p:transition spd="slow" p14:dur="1200">
+        <p14:prism/>
+      </p:transition>
+    </mc:Choice>
+    <mc:Fallback xmlns="">
+      <p:transition spd="slow">
+        <p:fade/>
+      </p:transition>
+    </mc:Fallback>
+  </mc:AlternateContent>
   <p:txStyles>
     <p:titleStyle>
       <a:lvl1pPr algn="l" defTabSz="914400" rtl="0" eaLnBrk="1" latinLnBrk="0" hangingPunct="1">
@@ -3861,7 +5560,7 @@
           <a:p>
             <a:pPr algn="r"/>
             <a:r>
-              <a:rPr lang="en-US" sz="2800">
+              <a:rPr lang="en-US" sz="2800" dirty="0">
                 <a:solidFill>
                   <a:schemeClr val="accent1">
                     <a:lumMod val="20000"/>
@@ -3875,7 +5574,7 @@
           <a:p>
             <a:pPr algn="r"/>
             <a:r>
-              <a:rPr lang="en-US" sz="2800">
+              <a:rPr lang="en-US" sz="2800" dirty="0">
                 <a:solidFill>
                   <a:schemeClr val="accent1">
                     <a:lumMod val="20000"/>
@@ -3883,13 +5582,13 @@
                   </a:schemeClr>
                 </a:solidFill>
               </a:rPr>
-              <a:t>Michael park</a:t>
+              <a:t>Michael Park</a:t>
             </a:r>
           </a:p>
           <a:p>
             <a:pPr algn="r"/>
             <a:r>
-              <a:rPr lang="en-US" sz="2800">
+              <a:rPr lang="en-US" sz="2800" dirty="0">
                 <a:solidFill>
                   <a:schemeClr val="accent1">
                     <a:lumMod val="20000"/>
@@ -3897,7 +5596,29 @@
                   </a:schemeClr>
                 </a:solidFill>
               </a:rPr>
-              <a:t>Tammy Ura-Aguilar</a:t>
+              <a:t>Tammy </a:t>
+            </a:r>
+            <a:r>
+              <a:rPr lang="en-US" sz="2800" dirty="0" err="1">
+                <a:solidFill>
+                  <a:schemeClr val="accent1">
+                    <a:lumMod val="20000"/>
+                    <a:lumOff val="80000"/>
+                  </a:schemeClr>
+                </a:solidFill>
+              </a:rPr>
+              <a:t>Ura</a:t>
+            </a:r>
+            <a:r>
+              <a:rPr lang="en-US" sz="2800" dirty="0">
+                <a:solidFill>
+                  <a:schemeClr val="accent1">
+                    <a:lumMod val="20000"/>
+                    <a:lumOff val="80000"/>
+                  </a:schemeClr>
+                </a:solidFill>
+              </a:rPr>
+              <a:t>-Aguilar</a:t>
             </a:r>
           </a:p>
         </p:txBody>
@@ -3941,6 +5662,2090 @@
   <p:clrMapOvr>
     <a:masterClrMapping/>
   </p:clrMapOvr>
+  <mc:AlternateContent xmlns:mc="http://schemas.openxmlformats.org/markup-compatibility/2006" xmlns:p14="http://schemas.microsoft.com/office/powerpoint/2010/main">
+    <mc:Choice Requires="p14">
+      <p:transition spd="slow" p14:dur="1200">
+        <p14:prism/>
+      </p:transition>
+    </mc:Choice>
+    <mc:Fallback xmlns="">
+      <p:transition spd="slow">
+        <p:fade/>
+      </p:transition>
+    </mc:Fallback>
+  </mc:AlternateContent>
+</p:sld>
+</file>
+
+<file path=ppt/slides/slide10.xml><?xml version="1.0" encoding="utf-8"?>
+<p:sld xmlns:a="http://schemas.openxmlformats.org/drawingml/2006/main" xmlns:r="http://schemas.openxmlformats.org/officeDocument/2006/relationships" xmlns:p="http://schemas.openxmlformats.org/presentationml/2006/main">
+  <p:cSld>
+    <p:bg>
+      <p:bgPr>
+        <a:solidFill>
+          <a:schemeClr val="bg1"/>
+        </a:solidFill>
+        <a:effectLst/>
+      </p:bgPr>
+    </p:bg>
+    <p:spTree>
+      <p:nvGrpSpPr>
+        <p:cNvPr id="1" name=""/>
+        <p:cNvGrpSpPr/>
+        <p:nvPr/>
+      </p:nvGrpSpPr>
+      <p:grpSpPr>
+        <a:xfrm>
+          <a:off x="0" y="0"/>
+          <a:ext cx="0" cy="0"/>
+          <a:chOff x="0" y="0"/>
+          <a:chExt cx="0" cy="0"/>
+        </a:xfrm>
+      </p:grpSpPr>
+      <p:sp>
+        <p:nvSpPr>
+          <p:cNvPr id="67" name="Rectangle 58">
+            <a:extLst>
+              <a:ext uri="{FF2B5EF4-FFF2-40B4-BE49-F238E27FC236}">
+                <a16:creationId xmlns:a16="http://schemas.microsoft.com/office/drawing/2014/main" id="{71CFE9EA-50D8-4028-BE42-DC2D813BEA66}"/>
+              </a:ext>
+              <a:ext uri="{C183D7F6-B498-43B3-948B-1728B52AA6E4}">
+                <adec:decorative xmlns:adec="http://schemas.microsoft.com/office/drawing/2017/decorative" val="1"/>
+              </a:ext>
+            </a:extLst>
+          </p:cNvPr>
+          <p:cNvSpPr>
+            <a:spLocks noGrp="1" noRot="1" noChangeAspect="1" noMove="1" noResize="1" noEditPoints="1" noAdjustHandles="1" noChangeArrowheads="1" noChangeShapeType="1" noTextEdit="1"/>
+          </p:cNvSpPr>
+          <p:nvPr>
+            <p:extLst>
+              <p:ext uri="{386F3935-93C4-4BCD-93E2-E3B085C9AB24}">
+                <p16:designElem xmlns:p16="http://schemas.microsoft.com/office/powerpoint/2015/main" val="1"/>
+              </p:ext>
+            </p:extLst>
+          </p:nvPr>
+        </p:nvSpPr>
+        <p:spPr bwMode="ltGray">
+          <a:xfrm>
+            <a:off x="321564" y="251674"/>
+            <a:ext cx="11548872" cy="1645920"/>
+          </a:xfrm>
+          <a:prstGeom prst="rect">
+            <a:avLst/>
+          </a:prstGeom>
+          <a:solidFill>
+            <a:schemeClr val="tx1">
+              <a:lumMod val="75000"/>
+              <a:lumOff val="25000"/>
+            </a:schemeClr>
+          </a:solidFill>
+          <a:ln w="127000" cap="sq" cmpd="thinThick">
+            <a:noFill/>
+          </a:ln>
+        </p:spPr>
+        <p:style>
+          <a:lnRef idx="2">
+            <a:schemeClr val="accent1">
+              <a:shade val="50000"/>
+            </a:schemeClr>
+          </a:lnRef>
+          <a:fillRef idx="1">
+            <a:schemeClr val="accent1"/>
+          </a:fillRef>
+          <a:effectRef idx="0">
+            <a:schemeClr val="accent1"/>
+          </a:effectRef>
+          <a:fontRef idx="minor">
+            <a:schemeClr val="lt1"/>
+          </a:fontRef>
+        </p:style>
+        <p:txBody>
+          <a:bodyPr rtlCol="0" anchor="ctr"/>
+          <a:lstStyle/>
+          <a:p>
+            <a:pPr marL="0" marR="0" lvl="0" indent="0" algn="ctr" defTabSz="914400" rtl="0" eaLnBrk="1" fontAlgn="auto" latinLnBrk="0" hangingPunct="1">
+              <a:lnSpc>
+                <a:spcPct val="100000"/>
+              </a:lnSpc>
+              <a:spcBef>
+                <a:spcPts val="0"/>
+              </a:spcBef>
+              <a:spcAft>
+                <a:spcPts val="0"/>
+              </a:spcAft>
+              <a:buClrTx/>
+              <a:buSzTx/>
+              <a:buFontTx/>
+              <a:buNone/>
+              <a:tabLst/>
+              <a:defRPr/>
+            </a:pPr>
+            <a:endParaRPr kumimoji="0" lang="en-US" sz="1800" b="0" i="0" u="none" strike="noStrike" kern="1200" cap="none" spc="0" normalizeH="0" baseline="0" noProof="0">
+              <a:ln>
+                <a:noFill/>
+              </a:ln>
+              <a:solidFill>
+                <a:prstClr val="white"/>
+              </a:solidFill>
+              <a:effectLst/>
+              <a:uLnTx/>
+              <a:uFillTx/>
+              <a:latin typeface="Calibri" panose="020F0502020204030204"/>
+              <a:ea typeface="+mn-ea"/>
+              <a:cs typeface="+mn-cs"/>
+            </a:endParaRPr>
+          </a:p>
+        </p:txBody>
+      </p:sp>
+      <p:sp>
+        <p:nvSpPr>
+          <p:cNvPr id="2" name="Title 1">
+            <a:extLst>
+              <a:ext uri="{FF2B5EF4-FFF2-40B4-BE49-F238E27FC236}">
+                <a16:creationId xmlns:a16="http://schemas.microsoft.com/office/drawing/2014/main" id="{7AFE1016-B3A1-4060-B191-E5347EABAFD4}"/>
+              </a:ext>
+            </a:extLst>
+          </p:cNvPr>
+          <p:cNvSpPr>
+            <a:spLocks noGrp="1"/>
+          </p:cNvSpPr>
+          <p:nvPr>
+            <p:ph type="title"/>
+          </p:nvPr>
+        </p:nvSpPr>
+        <p:spPr>
+          <a:xfrm>
+            <a:off x="4379976" y="452842"/>
+            <a:ext cx="6976872" cy="1261872"/>
+          </a:xfrm>
+        </p:spPr>
+        <p:txBody>
+          <a:bodyPr vert="horz" lIns="91440" tIns="45720" rIns="91440" bIns="45720" rtlCol="0" anchor="ctr">
+            <a:normAutofit/>
+          </a:bodyPr>
+          <a:lstStyle/>
+          <a:p>
+            <a:r>
+              <a:rPr lang="en-US" sz="3700" kern="1200">
+                <a:solidFill>
+                  <a:schemeClr val="bg1"/>
+                </a:solidFill>
+                <a:latin typeface="+mj-lt"/>
+                <a:ea typeface="+mj-ea"/>
+                <a:cs typeface="+mj-cs"/>
+              </a:rPr>
+              <a:t>Freedom to Happiness</a:t>
+            </a:r>
+            <a:br>
+              <a:rPr lang="en-US" sz="3700" kern="1200">
+                <a:solidFill>
+                  <a:schemeClr val="bg1"/>
+                </a:solidFill>
+                <a:latin typeface="+mj-lt"/>
+                <a:ea typeface="+mj-ea"/>
+                <a:cs typeface="+mj-cs"/>
+              </a:rPr>
+            </a:br>
+            <a:r>
+              <a:rPr lang="en-US" sz="3700" kern="1200">
+                <a:solidFill>
+                  <a:schemeClr val="bg1"/>
+                </a:solidFill>
+                <a:latin typeface="+mj-lt"/>
+                <a:ea typeface="+mj-ea"/>
+                <a:cs typeface="+mj-cs"/>
+              </a:rPr>
+              <a:t>Scatter Plot with regression line fit</a:t>
+            </a:r>
+          </a:p>
+        </p:txBody>
+      </p:sp>
+      <p:cxnSp>
+        <p:nvCxnSpPr>
+          <p:cNvPr id="68" name="Straight Connector 60">
+            <a:extLst>
+              <a:ext uri="{FF2B5EF4-FFF2-40B4-BE49-F238E27FC236}">
+                <a16:creationId xmlns:a16="http://schemas.microsoft.com/office/drawing/2014/main" id="{9A218DD6-0CC7-465B-B80F-747F97B4021F}"/>
+              </a:ext>
+              <a:ext uri="{C183D7F6-B498-43B3-948B-1728B52AA6E4}">
+                <adec:decorative xmlns:adec="http://schemas.microsoft.com/office/drawing/2017/decorative" val="1"/>
+              </a:ext>
+            </a:extLst>
+          </p:cNvPr>
+          <p:cNvCxnSpPr>
+            <a:cxnSpLocks noGrp="1" noRot="1" noChangeAspect="1" noMove="1" noResize="1" noEditPoints="1" noAdjustHandles="1" noChangeArrowheads="1" noChangeShapeType="1"/>
+          </p:cNvCxnSpPr>
+          <p:nvPr>
+            <p:extLst>
+              <p:ext uri="{386F3935-93C4-4BCD-93E2-E3B085C9AB24}">
+                <p16:designElem xmlns:p16="http://schemas.microsoft.com/office/powerpoint/2015/main" val="1"/>
+              </p:ext>
+            </p:extLst>
+          </p:nvPr>
+        </p:nvCxnSpPr>
+        <p:spPr>
+          <a:xfrm flipV="1">
+            <a:off x="4059936" y="623740"/>
+            <a:ext cx="0" cy="914400"/>
+          </a:xfrm>
+          <a:prstGeom prst="line">
+            <a:avLst/>
+          </a:prstGeom>
+          <a:ln w="19050">
+            <a:solidFill>
+              <a:schemeClr val="bg1">
+                <a:alpha val="80000"/>
+              </a:schemeClr>
+            </a:solidFill>
+          </a:ln>
+        </p:spPr>
+        <p:style>
+          <a:lnRef idx="1">
+            <a:schemeClr val="accent1"/>
+          </a:lnRef>
+          <a:fillRef idx="0">
+            <a:schemeClr val="accent1"/>
+          </a:fillRef>
+          <a:effectRef idx="0">
+            <a:schemeClr val="accent1"/>
+          </a:effectRef>
+          <a:fontRef idx="minor">
+            <a:schemeClr val="tx1"/>
+          </a:fontRef>
+        </p:style>
+      </p:cxnSp>
+      <p:pic>
+        <p:nvPicPr>
+          <p:cNvPr id="4" name="Content Placeholder 3">
+            <a:extLst>
+              <a:ext uri="{FF2B5EF4-FFF2-40B4-BE49-F238E27FC236}">
+                <a16:creationId xmlns:a16="http://schemas.microsoft.com/office/drawing/2014/main" id="{5243E1CE-856B-4712-A1EF-A04C20F5DAB5}"/>
+              </a:ext>
+            </a:extLst>
+          </p:cNvPr>
+          <p:cNvPicPr>
+            <a:picLocks noChangeAspect="1"/>
+          </p:cNvPicPr>
+          <p:nvPr/>
+        </p:nvPicPr>
+        <p:blipFill rotWithShape="1">
+          <a:blip r:embed="rId2">
+            <a:extLst>
+              <a:ext uri="{28A0092B-C50C-407E-A947-70E740481C1C}">
+                <a14:useLocalDpi xmlns:a14="http://schemas.microsoft.com/office/drawing/2010/main" val="0"/>
+              </a:ext>
+            </a:extLst>
+          </a:blip>
+          <a:srcRect t="10838" r="1" b="1"/>
+          <a:stretch/>
+        </p:blipFill>
+        <p:spPr>
+          <a:xfrm>
+            <a:off x="777240" y="2593348"/>
+            <a:ext cx="10637520" cy="3319615"/>
+          </a:xfrm>
+          <a:prstGeom prst="rect">
+            <a:avLst/>
+          </a:prstGeom>
+        </p:spPr>
+      </p:pic>
+      <p:sp>
+        <p:nvSpPr>
+          <p:cNvPr id="5" name="Slide Number Placeholder 6">
+            <a:extLst>
+              <a:ext uri="{FF2B5EF4-FFF2-40B4-BE49-F238E27FC236}">
+                <a16:creationId xmlns:a16="http://schemas.microsoft.com/office/drawing/2014/main" id="{F22F9F15-4680-4E6F-A482-AF9AF374E366}"/>
+              </a:ext>
+            </a:extLst>
+          </p:cNvPr>
+          <p:cNvSpPr txBox="1">
+            <a:spLocks/>
+          </p:cNvSpPr>
+          <p:nvPr/>
+        </p:nvSpPr>
+        <p:spPr>
+          <a:xfrm>
+            <a:off x="11146536" y="6035040"/>
+            <a:ext cx="548640" cy="548640"/>
+          </a:xfrm>
+          <a:prstGeom prst="ellipse">
+            <a:avLst/>
+          </a:prstGeom>
+          <a:solidFill>
+            <a:schemeClr val="tx1">
+              <a:alpha val="80000"/>
+            </a:schemeClr>
+          </a:solidFill>
+        </p:spPr>
+        <p:txBody>
+          <a:bodyPr vert="horz" lIns="91440" tIns="45720" rIns="91440" bIns="45720" rtlCol="0" anchor="ctr">
+            <a:normAutofit/>
+          </a:bodyPr>
+          <a:lstStyle>
+            <a:defPPr>
+              <a:defRPr lang="en-US"/>
+            </a:defPPr>
+            <a:lvl1pPr marL="0" algn="r" defTabSz="914400" rtl="0" eaLnBrk="1" latinLnBrk="0" hangingPunct="1">
+              <a:defRPr sz="1200" kern="1200">
+                <a:solidFill>
+                  <a:schemeClr val="tx1">
+                    <a:tint val="75000"/>
+                  </a:schemeClr>
+                </a:solidFill>
+                <a:latin typeface="+mn-lt"/>
+                <a:ea typeface="+mn-ea"/>
+                <a:cs typeface="+mn-cs"/>
+              </a:defRPr>
+            </a:lvl1pPr>
+            <a:lvl2pPr marL="457200" algn="l" defTabSz="914400" rtl="0" eaLnBrk="1" latinLnBrk="0" hangingPunct="1">
+              <a:defRPr sz="1800" kern="1200">
+                <a:solidFill>
+                  <a:schemeClr val="tx1"/>
+                </a:solidFill>
+                <a:latin typeface="+mn-lt"/>
+                <a:ea typeface="+mn-ea"/>
+                <a:cs typeface="+mn-cs"/>
+              </a:defRPr>
+            </a:lvl2pPr>
+            <a:lvl3pPr marL="914400" algn="l" defTabSz="914400" rtl="0" eaLnBrk="1" latinLnBrk="0" hangingPunct="1">
+              <a:defRPr sz="1800" kern="1200">
+                <a:solidFill>
+                  <a:schemeClr val="tx1"/>
+                </a:solidFill>
+                <a:latin typeface="+mn-lt"/>
+                <a:ea typeface="+mn-ea"/>
+                <a:cs typeface="+mn-cs"/>
+              </a:defRPr>
+            </a:lvl3pPr>
+            <a:lvl4pPr marL="1371600" algn="l" defTabSz="914400" rtl="0" eaLnBrk="1" latinLnBrk="0" hangingPunct="1">
+              <a:defRPr sz="1800" kern="1200">
+                <a:solidFill>
+                  <a:schemeClr val="tx1"/>
+                </a:solidFill>
+                <a:latin typeface="+mn-lt"/>
+                <a:ea typeface="+mn-ea"/>
+                <a:cs typeface="+mn-cs"/>
+              </a:defRPr>
+            </a:lvl4pPr>
+            <a:lvl5pPr marL="1828800" algn="l" defTabSz="914400" rtl="0" eaLnBrk="1" latinLnBrk="0" hangingPunct="1">
+              <a:defRPr sz="1800" kern="1200">
+                <a:solidFill>
+                  <a:schemeClr val="tx1"/>
+                </a:solidFill>
+                <a:latin typeface="+mn-lt"/>
+                <a:ea typeface="+mn-ea"/>
+                <a:cs typeface="+mn-cs"/>
+              </a:defRPr>
+            </a:lvl5pPr>
+            <a:lvl6pPr marL="2286000" algn="l" defTabSz="914400" rtl="0" eaLnBrk="1" latinLnBrk="0" hangingPunct="1">
+              <a:defRPr sz="1800" kern="1200">
+                <a:solidFill>
+                  <a:schemeClr val="tx1"/>
+                </a:solidFill>
+                <a:latin typeface="+mn-lt"/>
+                <a:ea typeface="+mn-ea"/>
+                <a:cs typeface="+mn-cs"/>
+              </a:defRPr>
+            </a:lvl6pPr>
+            <a:lvl7pPr marL="2743200" algn="l" defTabSz="914400" rtl="0" eaLnBrk="1" latinLnBrk="0" hangingPunct="1">
+              <a:defRPr sz="1800" kern="1200">
+                <a:solidFill>
+                  <a:schemeClr val="tx1"/>
+                </a:solidFill>
+                <a:latin typeface="+mn-lt"/>
+                <a:ea typeface="+mn-ea"/>
+                <a:cs typeface="+mn-cs"/>
+              </a:defRPr>
+            </a:lvl7pPr>
+            <a:lvl8pPr marL="3200400" algn="l" defTabSz="914400" rtl="0" eaLnBrk="1" latinLnBrk="0" hangingPunct="1">
+              <a:defRPr sz="1800" kern="1200">
+                <a:solidFill>
+                  <a:schemeClr val="tx1"/>
+                </a:solidFill>
+                <a:latin typeface="+mn-lt"/>
+                <a:ea typeface="+mn-ea"/>
+                <a:cs typeface="+mn-cs"/>
+              </a:defRPr>
+            </a:lvl8pPr>
+            <a:lvl9pPr marL="3657600" algn="l" defTabSz="914400" rtl="0" eaLnBrk="1" latinLnBrk="0" hangingPunct="1">
+              <a:defRPr sz="1800" kern="1200">
+                <a:solidFill>
+                  <a:schemeClr val="tx1"/>
+                </a:solidFill>
+                <a:latin typeface="+mn-lt"/>
+                <a:ea typeface="+mn-ea"/>
+                <a:cs typeface="+mn-cs"/>
+              </a:defRPr>
+            </a:lvl9pPr>
+          </a:lstStyle>
+          <a:p>
+            <a:pPr algn="ctr">
+              <a:spcAft>
+                <a:spcPts val="600"/>
+              </a:spcAft>
+            </a:pPr>
+            <a:fld id="{1BECCC40-D9B0-4504-ABD2-E9A3371E8387}" type="slidenum">
+              <a:rPr lang="en-US" smtClean="0">
+                <a:solidFill>
+                  <a:schemeClr val="bg1"/>
+                </a:solidFill>
+              </a:rPr>
+              <a:pPr algn="ctr">
+                <a:spcAft>
+                  <a:spcPts val="600"/>
+                </a:spcAft>
+              </a:pPr>
+              <a:t>10</a:t>
+            </a:fld>
+            <a:endParaRPr lang="en-US" dirty="0">
+              <a:solidFill>
+                <a:schemeClr val="bg1"/>
+              </a:solidFill>
+            </a:endParaRPr>
+          </a:p>
+        </p:txBody>
+      </p:sp>
+      <p:pic>
+        <p:nvPicPr>
+          <p:cNvPr id="56" name="Graphic 23" descr="Business Growth">
+            <a:extLst>
+              <a:ext uri="{FF2B5EF4-FFF2-40B4-BE49-F238E27FC236}">
+                <a16:creationId xmlns:a16="http://schemas.microsoft.com/office/drawing/2014/main" id="{FCF3D585-2E77-4009-89D2-C217C5E947C5}"/>
+              </a:ext>
+            </a:extLst>
+          </p:cNvPr>
+          <p:cNvPicPr>
+            <a:picLocks noChangeAspect="1"/>
+          </p:cNvPicPr>
+          <p:nvPr/>
+        </p:nvPicPr>
+        <p:blipFill>
+          <a:blip r:embed="rId3">
+            <a:extLst>
+              <a:ext uri="{28A0092B-C50C-407E-A947-70E740481C1C}">
+                <a14:useLocalDpi xmlns:a14="http://schemas.microsoft.com/office/drawing/2010/main" val="0"/>
+              </a:ext>
+              <a:ext uri="{96DAC541-7B7A-43D3-8B79-37D633B846F1}">
+                <asvg:svgBlip xmlns:asvg="http://schemas.microsoft.com/office/drawing/2016/SVG/main" r:embed="rId4"/>
+              </a:ext>
+            </a:extLst>
+          </a:blip>
+          <a:stretch>
+            <a:fillRect/>
+          </a:stretch>
+        </p:blipFill>
+        <p:spPr>
+          <a:xfrm>
+            <a:off x="838200" y="570706"/>
+            <a:ext cx="914400" cy="914400"/>
+          </a:xfrm>
+          <a:prstGeom prst="rect">
+            <a:avLst/>
+          </a:prstGeom>
+        </p:spPr>
+      </p:pic>
+    </p:spTree>
+    <p:extLst>
+      <p:ext uri="{BB962C8B-B14F-4D97-AF65-F5344CB8AC3E}">
+        <p14:creationId xmlns:p14="http://schemas.microsoft.com/office/powerpoint/2010/main" val="3955729817"/>
+      </p:ext>
+    </p:extLst>
+  </p:cSld>
+  <p:clrMapOvr>
+    <a:masterClrMapping/>
+  </p:clrMapOvr>
+  <mc:AlternateContent xmlns:mc="http://schemas.openxmlformats.org/markup-compatibility/2006" xmlns:p14="http://schemas.microsoft.com/office/powerpoint/2010/main">
+    <mc:Choice Requires="p14">
+      <p:transition spd="slow" p14:dur="1200">
+        <p14:prism/>
+      </p:transition>
+    </mc:Choice>
+    <mc:Fallback xmlns="">
+      <p:transition spd="slow">
+        <p:fade/>
+      </p:transition>
+    </mc:Fallback>
+  </mc:AlternateContent>
+</p:sld>
+</file>
+
+<file path=ppt/slides/slide11.xml><?xml version="1.0" encoding="utf-8"?>
+<p:sld xmlns:a="http://schemas.openxmlformats.org/drawingml/2006/main" xmlns:r="http://schemas.openxmlformats.org/officeDocument/2006/relationships" xmlns:p="http://schemas.openxmlformats.org/presentationml/2006/main">
+  <p:cSld>
+    <p:bg>
+      <p:bgPr>
+        <a:solidFill>
+          <a:schemeClr val="bg1"/>
+        </a:solidFill>
+        <a:effectLst/>
+      </p:bgPr>
+    </p:bg>
+    <p:spTree>
+      <p:nvGrpSpPr>
+        <p:cNvPr id="1" name=""/>
+        <p:cNvGrpSpPr/>
+        <p:nvPr/>
+      </p:nvGrpSpPr>
+      <p:grpSpPr>
+        <a:xfrm>
+          <a:off x="0" y="0"/>
+          <a:ext cx="0" cy="0"/>
+          <a:chOff x="0" y="0"/>
+          <a:chExt cx="0" cy="0"/>
+        </a:xfrm>
+      </p:grpSpPr>
+      <p:sp>
+        <p:nvSpPr>
+          <p:cNvPr id="21" name="Rectangle 20">
+            <a:extLst>
+              <a:ext uri="{FF2B5EF4-FFF2-40B4-BE49-F238E27FC236}">
+                <a16:creationId xmlns:a16="http://schemas.microsoft.com/office/drawing/2014/main" id="{71CFE9EA-50D8-4028-BE42-DC2D813BEA66}"/>
+              </a:ext>
+              <a:ext uri="{C183D7F6-B498-43B3-948B-1728B52AA6E4}">
+                <adec:decorative xmlns:adec="http://schemas.microsoft.com/office/drawing/2017/decorative" val="1"/>
+              </a:ext>
+            </a:extLst>
+          </p:cNvPr>
+          <p:cNvSpPr>
+            <a:spLocks noGrp="1" noRot="1" noChangeAspect="1" noMove="1" noResize="1" noEditPoints="1" noAdjustHandles="1" noChangeArrowheads="1" noChangeShapeType="1" noTextEdit="1"/>
+          </p:cNvSpPr>
+          <p:nvPr>
+            <p:extLst>
+              <p:ext uri="{386F3935-93C4-4BCD-93E2-E3B085C9AB24}">
+                <p16:designElem xmlns:p16="http://schemas.microsoft.com/office/powerpoint/2015/main" val="1"/>
+              </p:ext>
+            </p:extLst>
+          </p:nvPr>
+        </p:nvSpPr>
+        <p:spPr bwMode="ltGray">
+          <a:xfrm>
+            <a:off x="321564" y="251674"/>
+            <a:ext cx="11548872" cy="1645920"/>
+          </a:xfrm>
+          <a:prstGeom prst="rect">
+            <a:avLst/>
+          </a:prstGeom>
+          <a:solidFill>
+            <a:schemeClr val="tx1">
+              <a:lumMod val="75000"/>
+              <a:lumOff val="25000"/>
+            </a:schemeClr>
+          </a:solidFill>
+          <a:ln w="127000" cap="sq" cmpd="thinThick">
+            <a:noFill/>
+          </a:ln>
+        </p:spPr>
+        <p:style>
+          <a:lnRef idx="2">
+            <a:schemeClr val="accent1">
+              <a:shade val="50000"/>
+            </a:schemeClr>
+          </a:lnRef>
+          <a:fillRef idx="1">
+            <a:schemeClr val="accent1"/>
+          </a:fillRef>
+          <a:effectRef idx="0">
+            <a:schemeClr val="accent1"/>
+          </a:effectRef>
+          <a:fontRef idx="minor">
+            <a:schemeClr val="lt1"/>
+          </a:fontRef>
+        </p:style>
+        <p:txBody>
+          <a:bodyPr rtlCol="0" anchor="ctr"/>
+          <a:lstStyle/>
+          <a:p>
+            <a:pPr marL="0" marR="0" lvl="0" indent="0" algn="ctr" defTabSz="914400" rtl="0" eaLnBrk="1" fontAlgn="auto" latinLnBrk="0" hangingPunct="1">
+              <a:lnSpc>
+                <a:spcPct val="100000"/>
+              </a:lnSpc>
+              <a:spcBef>
+                <a:spcPts val="0"/>
+              </a:spcBef>
+              <a:spcAft>
+                <a:spcPts val="0"/>
+              </a:spcAft>
+              <a:buClrTx/>
+              <a:buSzTx/>
+              <a:buFontTx/>
+              <a:buNone/>
+              <a:tabLst/>
+              <a:defRPr/>
+            </a:pPr>
+            <a:endParaRPr kumimoji="0" lang="en-US" sz="1800" b="0" i="0" u="none" strike="noStrike" kern="1200" cap="none" spc="0" normalizeH="0" baseline="0" noProof="0">
+              <a:ln>
+                <a:noFill/>
+              </a:ln>
+              <a:solidFill>
+                <a:prstClr val="white"/>
+              </a:solidFill>
+              <a:effectLst/>
+              <a:uLnTx/>
+              <a:uFillTx/>
+              <a:latin typeface="Calibri" panose="020F0502020204030204"/>
+              <a:ea typeface="+mn-ea"/>
+              <a:cs typeface="+mn-cs"/>
+            </a:endParaRPr>
+          </a:p>
+        </p:txBody>
+      </p:sp>
+      <p:sp>
+        <p:nvSpPr>
+          <p:cNvPr id="2" name="Title 1">
+            <a:extLst>
+              <a:ext uri="{FF2B5EF4-FFF2-40B4-BE49-F238E27FC236}">
+                <a16:creationId xmlns:a16="http://schemas.microsoft.com/office/drawing/2014/main" id="{F7FD7C14-6F3E-47DD-8579-CA01EBB32D7B}"/>
+              </a:ext>
+            </a:extLst>
+          </p:cNvPr>
+          <p:cNvSpPr>
+            <a:spLocks noGrp="1"/>
+          </p:cNvSpPr>
+          <p:nvPr>
+            <p:ph type="title"/>
+          </p:nvPr>
+        </p:nvSpPr>
+        <p:spPr>
+          <a:xfrm>
+            <a:off x="4379976" y="452842"/>
+            <a:ext cx="6976872" cy="1261872"/>
+          </a:xfrm>
+        </p:spPr>
+        <p:txBody>
+          <a:bodyPr vert="horz" lIns="91440" tIns="45720" rIns="91440" bIns="45720" rtlCol="0" anchor="ctr">
+            <a:normAutofit/>
+          </a:bodyPr>
+          <a:lstStyle/>
+          <a:p>
+            <a:r>
+              <a:rPr lang="en-US" sz="3700" kern="1200">
+                <a:solidFill>
+                  <a:schemeClr val="bg1"/>
+                </a:solidFill>
+                <a:latin typeface="+mj-lt"/>
+                <a:ea typeface="+mj-ea"/>
+                <a:cs typeface="+mj-cs"/>
+              </a:rPr>
+              <a:t>Corruption to Happiness</a:t>
+            </a:r>
+            <a:br>
+              <a:rPr lang="en-US" sz="3700" kern="1200">
+                <a:solidFill>
+                  <a:schemeClr val="bg1"/>
+                </a:solidFill>
+                <a:latin typeface="+mj-lt"/>
+                <a:ea typeface="+mj-ea"/>
+                <a:cs typeface="+mj-cs"/>
+              </a:rPr>
+            </a:br>
+            <a:r>
+              <a:rPr lang="en-US" sz="3700" kern="1200">
+                <a:solidFill>
+                  <a:schemeClr val="bg1"/>
+                </a:solidFill>
+                <a:latin typeface="+mj-lt"/>
+                <a:ea typeface="+mj-ea"/>
+                <a:cs typeface="+mj-cs"/>
+              </a:rPr>
+              <a:t>Scatter plot with regression line fit</a:t>
+            </a:r>
+          </a:p>
+        </p:txBody>
+      </p:sp>
+      <p:cxnSp>
+        <p:nvCxnSpPr>
+          <p:cNvPr id="23" name="Straight Connector 22">
+            <a:extLst>
+              <a:ext uri="{FF2B5EF4-FFF2-40B4-BE49-F238E27FC236}">
+                <a16:creationId xmlns:a16="http://schemas.microsoft.com/office/drawing/2014/main" id="{9A218DD6-0CC7-465B-B80F-747F97B4021F}"/>
+              </a:ext>
+              <a:ext uri="{C183D7F6-B498-43B3-948B-1728B52AA6E4}">
+                <adec:decorative xmlns:adec="http://schemas.microsoft.com/office/drawing/2017/decorative" val="1"/>
+              </a:ext>
+            </a:extLst>
+          </p:cNvPr>
+          <p:cNvCxnSpPr>
+            <a:cxnSpLocks noGrp="1" noRot="1" noChangeAspect="1" noMove="1" noResize="1" noEditPoints="1" noAdjustHandles="1" noChangeArrowheads="1" noChangeShapeType="1"/>
+          </p:cNvCxnSpPr>
+          <p:nvPr>
+            <p:extLst>
+              <p:ext uri="{386F3935-93C4-4BCD-93E2-E3B085C9AB24}">
+                <p16:designElem xmlns:p16="http://schemas.microsoft.com/office/powerpoint/2015/main" val="1"/>
+              </p:ext>
+            </p:extLst>
+          </p:nvPr>
+        </p:nvCxnSpPr>
+        <p:spPr>
+          <a:xfrm flipV="1">
+            <a:off x="4059936" y="623740"/>
+            <a:ext cx="0" cy="914400"/>
+          </a:xfrm>
+          <a:prstGeom prst="line">
+            <a:avLst/>
+          </a:prstGeom>
+          <a:ln w="19050">
+            <a:solidFill>
+              <a:schemeClr val="bg1">
+                <a:alpha val="80000"/>
+              </a:schemeClr>
+            </a:solidFill>
+          </a:ln>
+        </p:spPr>
+        <p:style>
+          <a:lnRef idx="1">
+            <a:schemeClr val="accent1"/>
+          </a:lnRef>
+          <a:fillRef idx="0">
+            <a:schemeClr val="accent1"/>
+          </a:fillRef>
+          <a:effectRef idx="0">
+            <a:schemeClr val="accent1"/>
+          </a:effectRef>
+          <a:fontRef idx="minor">
+            <a:schemeClr val="tx1"/>
+          </a:fontRef>
+        </p:style>
+      </p:cxnSp>
+      <p:pic>
+        <p:nvPicPr>
+          <p:cNvPr id="4" name="Picture 3">
+            <a:extLst>
+              <a:ext uri="{FF2B5EF4-FFF2-40B4-BE49-F238E27FC236}">
+                <a16:creationId xmlns:a16="http://schemas.microsoft.com/office/drawing/2014/main" id="{91890948-AA8B-7E40-8564-7987F1695D98}"/>
+              </a:ext>
+            </a:extLst>
+          </p:cNvPr>
+          <p:cNvPicPr>
+            <a:picLocks noChangeAspect="1"/>
+          </p:cNvPicPr>
+          <p:nvPr/>
+        </p:nvPicPr>
+        <p:blipFill rotWithShape="1">
+          <a:blip r:embed="rId2">
+            <a:extLst>
+              <a:ext uri="{28A0092B-C50C-407E-A947-70E740481C1C}">
+                <a14:useLocalDpi xmlns:a14="http://schemas.microsoft.com/office/drawing/2010/main" val="0"/>
+              </a:ext>
+            </a:extLst>
+          </a:blip>
+          <a:srcRect l="8866" r="7544"/>
+          <a:stretch/>
+        </p:blipFill>
+        <p:spPr>
+          <a:xfrm>
+            <a:off x="1073148" y="2150036"/>
+            <a:ext cx="10045704" cy="4206240"/>
+          </a:xfrm>
+          <a:prstGeom prst="rect">
+            <a:avLst/>
+          </a:prstGeom>
+        </p:spPr>
+      </p:pic>
+      <p:sp>
+        <p:nvSpPr>
+          <p:cNvPr id="5" name="Slide Number Placeholder 6">
+            <a:extLst>
+              <a:ext uri="{FF2B5EF4-FFF2-40B4-BE49-F238E27FC236}">
+                <a16:creationId xmlns:a16="http://schemas.microsoft.com/office/drawing/2014/main" id="{F0AFD18D-B70B-4F73-A20F-A64ED2AAF854}"/>
+              </a:ext>
+            </a:extLst>
+          </p:cNvPr>
+          <p:cNvSpPr txBox="1">
+            <a:spLocks/>
+          </p:cNvSpPr>
+          <p:nvPr/>
+        </p:nvSpPr>
+        <p:spPr>
+          <a:xfrm>
+            <a:off x="11146536" y="6035040"/>
+            <a:ext cx="548640" cy="548640"/>
+          </a:xfrm>
+          <a:prstGeom prst="ellipse">
+            <a:avLst/>
+          </a:prstGeom>
+          <a:solidFill>
+            <a:schemeClr val="tx1">
+              <a:alpha val="80000"/>
+            </a:schemeClr>
+          </a:solidFill>
+        </p:spPr>
+        <p:txBody>
+          <a:bodyPr vert="horz" lIns="91440" tIns="45720" rIns="91440" bIns="45720" rtlCol="0" anchor="ctr">
+            <a:normAutofit/>
+          </a:bodyPr>
+          <a:lstStyle>
+            <a:defPPr>
+              <a:defRPr lang="en-US"/>
+            </a:defPPr>
+            <a:lvl1pPr marL="0" algn="r" defTabSz="914400" rtl="0" eaLnBrk="1" latinLnBrk="0" hangingPunct="1">
+              <a:defRPr sz="1200" kern="1200">
+                <a:solidFill>
+                  <a:schemeClr val="tx1">
+                    <a:tint val="75000"/>
+                  </a:schemeClr>
+                </a:solidFill>
+                <a:latin typeface="+mn-lt"/>
+                <a:ea typeface="+mn-ea"/>
+                <a:cs typeface="+mn-cs"/>
+              </a:defRPr>
+            </a:lvl1pPr>
+            <a:lvl2pPr marL="457200" algn="l" defTabSz="914400" rtl="0" eaLnBrk="1" latinLnBrk="0" hangingPunct="1">
+              <a:defRPr sz="1800" kern="1200">
+                <a:solidFill>
+                  <a:schemeClr val="tx1"/>
+                </a:solidFill>
+                <a:latin typeface="+mn-lt"/>
+                <a:ea typeface="+mn-ea"/>
+                <a:cs typeface="+mn-cs"/>
+              </a:defRPr>
+            </a:lvl2pPr>
+            <a:lvl3pPr marL="914400" algn="l" defTabSz="914400" rtl="0" eaLnBrk="1" latinLnBrk="0" hangingPunct="1">
+              <a:defRPr sz="1800" kern="1200">
+                <a:solidFill>
+                  <a:schemeClr val="tx1"/>
+                </a:solidFill>
+                <a:latin typeface="+mn-lt"/>
+                <a:ea typeface="+mn-ea"/>
+                <a:cs typeface="+mn-cs"/>
+              </a:defRPr>
+            </a:lvl3pPr>
+            <a:lvl4pPr marL="1371600" algn="l" defTabSz="914400" rtl="0" eaLnBrk="1" latinLnBrk="0" hangingPunct="1">
+              <a:defRPr sz="1800" kern="1200">
+                <a:solidFill>
+                  <a:schemeClr val="tx1"/>
+                </a:solidFill>
+                <a:latin typeface="+mn-lt"/>
+                <a:ea typeface="+mn-ea"/>
+                <a:cs typeface="+mn-cs"/>
+              </a:defRPr>
+            </a:lvl4pPr>
+            <a:lvl5pPr marL="1828800" algn="l" defTabSz="914400" rtl="0" eaLnBrk="1" latinLnBrk="0" hangingPunct="1">
+              <a:defRPr sz="1800" kern="1200">
+                <a:solidFill>
+                  <a:schemeClr val="tx1"/>
+                </a:solidFill>
+                <a:latin typeface="+mn-lt"/>
+                <a:ea typeface="+mn-ea"/>
+                <a:cs typeface="+mn-cs"/>
+              </a:defRPr>
+            </a:lvl5pPr>
+            <a:lvl6pPr marL="2286000" algn="l" defTabSz="914400" rtl="0" eaLnBrk="1" latinLnBrk="0" hangingPunct="1">
+              <a:defRPr sz="1800" kern="1200">
+                <a:solidFill>
+                  <a:schemeClr val="tx1"/>
+                </a:solidFill>
+                <a:latin typeface="+mn-lt"/>
+                <a:ea typeface="+mn-ea"/>
+                <a:cs typeface="+mn-cs"/>
+              </a:defRPr>
+            </a:lvl6pPr>
+            <a:lvl7pPr marL="2743200" algn="l" defTabSz="914400" rtl="0" eaLnBrk="1" latinLnBrk="0" hangingPunct="1">
+              <a:defRPr sz="1800" kern="1200">
+                <a:solidFill>
+                  <a:schemeClr val="tx1"/>
+                </a:solidFill>
+                <a:latin typeface="+mn-lt"/>
+                <a:ea typeface="+mn-ea"/>
+                <a:cs typeface="+mn-cs"/>
+              </a:defRPr>
+            </a:lvl7pPr>
+            <a:lvl8pPr marL="3200400" algn="l" defTabSz="914400" rtl="0" eaLnBrk="1" latinLnBrk="0" hangingPunct="1">
+              <a:defRPr sz="1800" kern="1200">
+                <a:solidFill>
+                  <a:schemeClr val="tx1"/>
+                </a:solidFill>
+                <a:latin typeface="+mn-lt"/>
+                <a:ea typeface="+mn-ea"/>
+                <a:cs typeface="+mn-cs"/>
+              </a:defRPr>
+            </a:lvl8pPr>
+            <a:lvl9pPr marL="3657600" algn="l" defTabSz="914400" rtl="0" eaLnBrk="1" latinLnBrk="0" hangingPunct="1">
+              <a:defRPr sz="1800" kern="1200">
+                <a:solidFill>
+                  <a:schemeClr val="tx1"/>
+                </a:solidFill>
+                <a:latin typeface="+mn-lt"/>
+                <a:ea typeface="+mn-ea"/>
+                <a:cs typeface="+mn-cs"/>
+              </a:defRPr>
+            </a:lvl9pPr>
+          </a:lstStyle>
+          <a:p>
+            <a:pPr algn="ctr">
+              <a:spcAft>
+                <a:spcPts val="600"/>
+              </a:spcAft>
+            </a:pPr>
+            <a:fld id="{1BECCC40-D9B0-4504-ABD2-E9A3371E8387}" type="slidenum">
+              <a:rPr lang="en-US" smtClean="0">
+                <a:solidFill>
+                  <a:schemeClr val="bg1"/>
+                </a:solidFill>
+              </a:rPr>
+              <a:pPr algn="ctr">
+                <a:spcAft>
+                  <a:spcPts val="600"/>
+                </a:spcAft>
+              </a:pPr>
+              <a:t>11</a:t>
+            </a:fld>
+            <a:endParaRPr lang="en-US" dirty="0">
+              <a:solidFill>
+                <a:schemeClr val="bg1"/>
+              </a:solidFill>
+            </a:endParaRPr>
+          </a:p>
+        </p:txBody>
+      </p:sp>
+      <p:pic>
+        <p:nvPicPr>
+          <p:cNvPr id="13" name="Graphic 23" descr="Business Growth">
+            <a:extLst>
+              <a:ext uri="{FF2B5EF4-FFF2-40B4-BE49-F238E27FC236}">
+                <a16:creationId xmlns:a16="http://schemas.microsoft.com/office/drawing/2014/main" id="{401E7B5B-5812-483F-8BE4-8D9BB87F6AA2}"/>
+              </a:ext>
+            </a:extLst>
+          </p:cNvPr>
+          <p:cNvPicPr>
+            <a:picLocks noChangeAspect="1"/>
+          </p:cNvPicPr>
+          <p:nvPr/>
+        </p:nvPicPr>
+        <p:blipFill>
+          <a:blip r:embed="rId3">
+            <a:extLst>
+              <a:ext uri="{28A0092B-C50C-407E-A947-70E740481C1C}">
+                <a14:useLocalDpi xmlns:a14="http://schemas.microsoft.com/office/drawing/2010/main" val="0"/>
+              </a:ext>
+              <a:ext uri="{96DAC541-7B7A-43D3-8B79-37D633B846F1}">
+                <asvg:svgBlip xmlns:asvg="http://schemas.microsoft.com/office/drawing/2016/SVG/main" r:embed="rId4"/>
+              </a:ext>
+            </a:extLst>
+          </a:blip>
+          <a:stretch>
+            <a:fillRect/>
+          </a:stretch>
+        </p:blipFill>
+        <p:spPr>
+          <a:xfrm>
+            <a:off x="838200" y="570706"/>
+            <a:ext cx="914400" cy="914400"/>
+          </a:xfrm>
+          <a:prstGeom prst="rect">
+            <a:avLst/>
+          </a:prstGeom>
+        </p:spPr>
+      </p:pic>
+    </p:spTree>
+    <p:extLst>
+      <p:ext uri="{BB962C8B-B14F-4D97-AF65-F5344CB8AC3E}">
+        <p14:creationId xmlns:p14="http://schemas.microsoft.com/office/powerpoint/2010/main" val="2569872014"/>
+      </p:ext>
+    </p:extLst>
+  </p:cSld>
+  <p:clrMapOvr>
+    <a:masterClrMapping/>
+  </p:clrMapOvr>
+  <mc:AlternateContent xmlns:mc="http://schemas.openxmlformats.org/markup-compatibility/2006" xmlns:p14="http://schemas.microsoft.com/office/powerpoint/2010/main">
+    <mc:Choice Requires="p14">
+      <p:transition spd="slow" p14:dur="1200">
+        <p14:prism/>
+      </p:transition>
+    </mc:Choice>
+    <mc:Fallback xmlns="">
+      <p:transition spd="slow">
+        <p:fade/>
+      </p:transition>
+    </mc:Fallback>
+  </mc:AlternateContent>
+</p:sld>
+</file>
+
+<file path=ppt/slides/slide12.xml><?xml version="1.0" encoding="utf-8"?>
+<p:sld xmlns:a="http://schemas.openxmlformats.org/drawingml/2006/main" xmlns:r="http://schemas.openxmlformats.org/officeDocument/2006/relationships" xmlns:p="http://schemas.openxmlformats.org/presentationml/2006/main">
+  <p:cSld>
+    <p:bg>
+      <p:bgPr>
+        <a:solidFill>
+          <a:schemeClr val="bg1"/>
+        </a:solidFill>
+        <a:effectLst/>
+      </p:bgPr>
+    </p:bg>
+    <p:spTree>
+      <p:nvGrpSpPr>
+        <p:cNvPr id="1" name=""/>
+        <p:cNvGrpSpPr/>
+        <p:nvPr/>
+      </p:nvGrpSpPr>
+      <p:grpSpPr>
+        <a:xfrm>
+          <a:off x="0" y="0"/>
+          <a:ext cx="0" cy="0"/>
+          <a:chOff x="0" y="0"/>
+          <a:chExt cx="0" cy="0"/>
+        </a:xfrm>
+      </p:grpSpPr>
+      <p:sp>
+        <p:nvSpPr>
+          <p:cNvPr id="20" name="Rectangle 19">
+            <a:extLst>
+              <a:ext uri="{FF2B5EF4-FFF2-40B4-BE49-F238E27FC236}">
+                <a16:creationId xmlns:a16="http://schemas.microsoft.com/office/drawing/2014/main" id="{71CFE9EA-50D8-4028-BE42-DC2D813BEA66}"/>
+              </a:ext>
+              <a:ext uri="{C183D7F6-B498-43B3-948B-1728B52AA6E4}">
+                <adec:decorative xmlns:adec="http://schemas.microsoft.com/office/drawing/2017/decorative" val="1"/>
+              </a:ext>
+            </a:extLst>
+          </p:cNvPr>
+          <p:cNvSpPr>
+            <a:spLocks noGrp="1" noRot="1" noChangeAspect="1" noMove="1" noResize="1" noEditPoints="1" noAdjustHandles="1" noChangeArrowheads="1" noChangeShapeType="1" noTextEdit="1"/>
+          </p:cNvSpPr>
+          <p:nvPr>
+            <p:extLst>
+              <p:ext uri="{386F3935-93C4-4BCD-93E2-E3B085C9AB24}">
+                <p16:designElem xmlns:p16="http://schemas.microsoft.com/office/powerpoint/2015/main" val="1"/>
+              </p:ext>
+            </p:extLst>
+          </p:nvPr>
+        </p:nvSpPr>
+        <p:spPr bwMode="ltGray">
+          <a:xfrm>
+            <a:off x="321564" y="251674"/>
+            <a:ext cx="11548872" cy="1645920"/>
+          </a:xfrm>
+          <a:prstGeom prst="rect">
+            <a:avLst/>
+          </a:prstGeom>
+          <a:solidFill>
+            <a:schemeClr val="tx1">
+              <a:lumMod val="75000"/>
+              <a:lumOff val="25000"/>
+            </a:schemeClr>
+          </a:solidFill>
+          <a:ln w="127000" cap="sq" cmpd="thinThick">
+            <a:noFill/>
+          </a:ln>
+        </p:spPr>
+        <p:style>
+          <a:lnRef idx="2">
+            <a:schemeClr val="accent1">
+              <a:shade val="50000"/>
+            </a:schemeClr>
+          </a:lnRef>
+          <a:fillRef idx="1">
+            <a:schemeClr val="accent1"/>
+          </a:fillRef>
+          <a:effectRef idx="0">
+            <a:schemeClr val="accent1"/>
+          </a:effectRef>
+          <a:fontRef idx="minor">
+            <a:schemeClr val="lt1"/>
+          </a:fontRef>
+        </p:style>
+        <p:txBody>
+          <a:bodyPr rtlCol="0" anchor="ctr"/>
+          <a:lstStyle/>
+          <a:p>
+            <a:pPr marL="0" marR="0" lvl="0" indent="0" algn="ctr" defTabSz="914400" rtl="0" eaLnBrk="1" fontAlgn="auto" latinLnBrk="0" hangingPunct="1">
+              <a:lnSpc>
+                <a:spcPct val="100000"/>
+              </a:lnSpc>
+              <a:spcBef>
+                <a:spcPts val="0"/>
+              </a:spcBef>
+              <a:spcAft>
+                <a:spcPts val="0"/>
+              </a:spcAft>
+              <a:buClrTx/>
+              <a:buSzTx/>
+              <a:buFontTx/>
+              <a:buNone/>
+              <a:tabLst/>
+              <a:defRPr/>
+            </a:pPr>
+            <a:endParaRPr kumimoji="0" lang="en-US" sz="1800" b="0" i="0" u="none" strike="noStrike" kern="1200" cap="none" spc="0" normalizeH="0" baseline="0" noProof="0">
+              <a:ln>
+                <a:noFill/>
+              </a:ln>
+              <a:solidFill>
+                <a:prstClr val="white"/>
+              </a:solidFill>
+              <a:effectLst/>
+              <a:uLnTx/>
+              <a:uFillTx/>
+              <a:latin typeface="Calibri" panose="020F0502020204030204"/>
+              <a:ea typeface="+mn-ea"/>
+              <a:cs typeface="+mn-cs"/>
+            </a:endParaRPr>
+          </a:p>
+        </p:txBody>
+      </p:sp>
+      <p:sp>
+        <p:nvSpPr>
+          <p:cNvPr id="2" name="Title 1">
+            <a:extLst>
+              <a:ext uri="{FF2B5EF4-FFF2-40B4-BE49-F238E27FC236}">
+                <a16:creationId xmlns:a16="http://schemas.microsoft.com/office/drawing/2014/main" id="{658234EF-6C2B-46F5-A990-EBF6A3B928A7}"/>
+              </a:ext>
+            </a:extLst>
+          </p:cNvPr>
+          <p:cNvSpPr>
+            <a:spLocks noGrp="1"/>
+          </p:cNvSpPr>
+          <p:nvPr>
+            <p:ph type="title"/>
+          </p:nvPr>
+        </p:nvSpPr>
+        <p:spPr>
+          <a:xfrm>
+            <a:off x="4379976" y="452842"/>
+            <a:ext cx="6976872" cy="1261872"/>
+          </a:xfrm>
+        </p:spPr>
+        <p:txBody>
+          <a:bodyPr vert="horz" lIns="91440" tIns="45720" rIns="91440" bIns="45720" rtlCol="0" anchor="ctr">
+            <a:normAutofit/>
+          </a:bodyPr>
+          <a:lstStyle/>
+          <a:p>
+            <a:r>
+              <a:rPr lang="en-US" sz="3700" kern="1200">
+                <a:solidFill>
+                  <a:schemeClr val="bg1"/>
+                </a:solidFill>
+                <a:latin typeface="+mj-lt"/>
+                <a:ea typeface="+mj-ea"/>
+                <a:cs typeface="+mj-cs"/>
+              </a:rPr>
+              <a:t>Generosity to Happiness</a:t>
+            </a:r>
+            <a:br>
+              <a:rPr lang="en-US" sz="3700" kern="1200">
+                <a:solidFill>
+                  <a:schemeClr val="bg1"/>
+                </a:solidFill>
+                <a:latin typeface="+mj-lt"/>
+                <a:ea typeface="+mj-ea"/>
+                <a:cs typeface="+mj-cs"/>
+              </a:rPr>
+            </a:br>
+            <a:r>
+              <a:rPr lang="en-US" sz="3700" kern="1200">
+                <a:solidFill>
+                  <a:schemeClr val="bg1"/>
+                </a:solidFill>
+                <a:latin typeface="+mj-lt"/>
+                <a:ea typeface="+mj-ea"/>
+                <a:cs typeface="+mj-cs"/>
+              </a:rPr>
+              <a:t>Scatter plot with regression line fit</a:t>
+            </a:r>
+          </a:p>
+        </p:txBody>
+      </p:sp>
+      <p:cxnSp>
+        <p:nvCxnSpPr>
+          <p:cNvPr id="22" name="Straight Connector 21">
+            <a:extLst>
+              <a:ext uri="{FF2B5EF4-FFF2-40B4-BE49-F238E27FC236}">
+                <a16:creationId xmlns:a16="http://schemas.microsoft.com/office/drawing/2014/main" id="{9A218DD6-0CC7-465B-B80F-747F97B4021F}"/>
+              </a:ext>
+              <a:ext uri="{C183D7F6-B498-43B3-948B-1728B52AA6E4}">
+                <adec:decorative xmlns:adec="http://schemas.microsoft.com/office/drawing/2017/decorative" val="1"/>
+              </a:ext>
+            </a:extLst>
+          </p:cNvPr>
+          <p:cNvCxnSpPr>
+            <a:cxnSpLocks noGrp="1" noRot="1" noChangeAspect="1" noMove="1" noResize="1" noEditPoints="1" noAdjustHandles="1" noChangeArrowheads="1" noChangeShapeType="1"/>
+          </p:cNvCxnSpPr>
+          <p:nvPr>
+            <p:extLst>
+              <p:ext uri="{386F3935-93C4-4BCD-93E2-E3B085C9AB24}">
+                <p16:designElem xmlns:p16="http://schemas.microsoft.com/office/powerpoint/2015/main" val="1"/>
+              </p:ext>
+            </p:extLst>
+          </p:nvPr>
+        </p:nvCxnSpPr>
+        <p:spPr>
+          <a:xfrm flipV="1">
+            <a:off x="4059936" y="623740"/>
+            <a:ext cx="0" cy="914400"/>
+          </a:xfrm>
+          <a:prstGeom prst="line">
+            <a:avLst/>
+          </a:prstGeom>
+          <a:ln w="19050">
+            <a:solidFill>
+              <a:schemeClr val="bg1">
+                <a:alpha val="80000"/>
+              </a:schemeClr>
+            </a:solidFill>
+          </a:ln>
+        </p:spPr>
+        <p:style>
+          <a:lnRef idx="1">
+            <a:schemeClr val="accent1"/>
+          </a:lnRef>
+          <a:fillRef idx="0">
+            <a:schemeClr val="accent1"/>
+          </a:fillRef>
+          <a:effectRef idx="0">
+            <a:schemeClr val="accent1"/>
+          </a:effectRef>
+          <a:fontRef idx="minor">
+            <a:schemeClr val="tx1"/>
+          </a:fontRef>
+        </p:style>
+      </p:cxnSp>
+      <p:pic>
+        <p:nvPicPr>
+          <p:cNvPr id="3" name="Picture 2">
+            <a:extLst>
+              <a:ext uri="{FF2B5EF4-FFF2-40B4-BE49-F238E27FC236}">
+                <a16:creationId xmlns:a16="http://schemas.microsoft.com/office/drawing/2014/main" id="{77F672AD-A944-4C3F-8A3C-AAB85E30AAF8}"/>
+              </a:ext>
+            </a:extLst>
+          </p:cNvPr>
+          <p:cNvPicPr>
+            <a:picLocks noChangeAspect="1"/>
+          </p:cNvPicPr>
+          <p:nvPr/>
+        </p:nvPicPr>
+        <p:blipFill rotWithShape="1">
+          <a:blip r:embed="rId2">
+            <a:extLst>
+              <a:ext uri="{28A0092B-C50C-407E-A947-70E740481C1C}">
+                <a14:useLocalDpi xmlns:a14="http://schemas.microsoft.com/office/drawing/2010/main" val="0"/>
+              </a:ext>
+            </a:extLst>
+          </a:blip>
+          <a:srcRect l="9004" r="7931"/>
+          <a:stretch/>
+        </p:blipFill>
+        <p:spPr>
+          <a:xfrm>
+            <a:off x="1104694" y="2150036"/>
+            <a:ext cx="9982611" cy="4206240"/>
+          </a:xfrm>
+          <a:prstGeom prst="rect">
+            <a:avLst/>
+          </a:prstGeom>
+        </p:spPr>
+      </p:pic>
+      <p:sp>
+        <p:nvSpPr>
+          <p:cNvPr id="4" name="Slide Number Placeholder 6">
+            <a:extLst>
+              <a:ext uri="{FF2B5EF4-FFF2-40B4-BE49-F238E27FC236}">
+                <a16:creationId xmlns:a16="http://schemas.microsoft.com/office/drawing/2014/main" id="{0DD4944E-1B81-464F-A4CC-C718004FCC5E}"/>
+              </a:ext>
+            </a:extLst>
+          </p:cNvPr>
+          <p:cNvSpPr txBox="1">
+            <a:spLocks/>
+          </p:cNvSpPr>
+          <p:nvPr/>
+        </p:nvSpPr>
+        <p:spPr>
+          <a:xfrm>
+            <a:off x="11146536" y="6035040"/>
+            <a:ext cx="548640" cy="548640"/>
+          </a:xfrm>
+          <a:prstGeom prst="ellipse">
+            <a:avLst/>
+          </a:prstGeom>
+          <a:solidFill>
+            <a:schemeClr val="tx1">
+              <a:alpha val="80000"/>
+            </a:schemeClr>
+          </a:solidFill>
+        </p:spPr>
+        <p:txBody>
+          <a:bodyPr vert="horz" lIns="91440" tIns="45720" rIns="91440" bIns="45720" rtlCol="0" anchor="ctr">
+            <a:normAutofit/>
+          </a:bodyPr>
+          <a:lstStyle>
+            <a:defPPr>
+              <a:defRPr lang="en-US"/>
+            </a:defPPr>
+            <a:lvl1pPr marL="0" algn="r" defTabSz="914400" rtl="0" eaLnBrk="1" latinLnBrk="0" hangingPunct="1">
+              <a:defRPr sz="1200" kern="1200">
+                <a:solidFill>
+                  <a:schemeClr val="tx1">
+                    <a:tint val="75000"/>
+                  </a:schemeClr>
+                </a:solidFill>
+                <a:latin typeface="+mn-lt"/>
+                <a:ea typeface="+mn-ea"/>
+                <a:cs typeface="+mn-cs"/>
+              </a:defRPr>
+            </a:lvl1pPr>
+            <a:lvl2pPr marL="457200" algn="l" defTabSz="914400" rtl="0" eaLnBrk="1" latinLnBrk="0" hangingPunct="1">
+              <a:defRPr sz="1800" kern="1200">
+                <a:solidFill>
+                  <a:schemeClr val="tx1"/>
+                </a:solidFill>
+                <a:latin typeface="+mn-lt"/>
+                <a:ea typeface="+mn-ea"/>
+                <a:cs typeface="+mn-cs"/>
+              </a:defRPr>
+            </a:lvl2pPr>
+            <a:lvl3pPr marL="914400" algn="l" defTabSz="914400" rtl="0" eaLnBrk="1" latinLnBrk="0" hangingPunct="1">
+              <a:defRPr sz="1800" kern="1200">
+                <a:solidFill>
+                  <a:schemeClr val="tx1"/>
+                </a:solidFill>
+                <a:latin typeface="+mn-lt"/>
+                <a:ea typeface="+mn-ea"/>
+                <a:cs typeface="+mn-cs"/>
+              </a:defRPr>
+            </a:lvl3pPr>
+            <a:lvl4pPr marL="1371600" algn="l" defTabSz="914400" rtl="0" eaLnBrk="1" latinLnBrk="0" hangingPunct="1">
+              <a:defRPr sz="1800" kern="1200">
+                <a:solidFill>
+                  <a:schemeClr val="tx1"/>
+                </a:solidFill>
+                <a:latin typeface="+mn-lt"/>
+                <a:ea typeface="+mn-ea"/>
+                <a:cs typeface="+mn-cs"/>
+              </a:defRPr>
+            </a:lvl4pPr>
+            <a:lvl5pPr marL="1828800" algn="l" defTabSz="914400" rtl="0" eaLnBrk="1" latinLnBrk="0" hangingPunct="1">
+              <a:defRPr sz="1800" kern="1200">
+                <a:solidFill>
+                  <a:schemeClr val="tx1"/>
+                </a:solidFill>
+                <a:latin typeface="+mn-lt"/>
+                <a:ea typeface="+mn-ea"/>
+                <a:cs typeface="+mn-cs"/>
+              </a:defRPr>
+            </a:lvl5pPr>
+            <a:lvl6pPr marL="2286000" algn="l" defTabSz="914400" rtl="0" eaLnBrk="1" latinLnBrk="0" hangingPunct="1">
+              <a:defRPr sz="1800" kern="1200">
+                <a:solidFill>
+                  <a:schemeClr val="tx1"/>
+                </a:solidFill>
+                <a:latin typeface="+mn-lt"/>
+                <a:ea typeface="+mn-ea"/>
+                <a:cs typeface="+mn-cs"/>
+              </a:defRPr>
+            </a:lvl6pPr>
+            <a:lvl7pPr marL="2743200" algn="l" defTabSz="914400" rtl="0" eaLnBrk="1" latinLnBrk="0" hangingPunct="1">
+              <a:defRPr sz="1800" kern="1200">
+                <a:solidFill>
+                  <a:schemeClr val="tx1"/>
+                </a:solidFill>
+                <a:latin typeface="+mn-lt"/>
+                <a:ea typeface="+mn-ea"/>
+                <a:cs typeface="+mn-cs"/>
+              </a:defRPr>
+            </a:lvl7pPr>
+            <a:lvl8pPr marL="3200400" algn="l" defTabSz="914400" rtl="0" eaLnBrk="1" latinLnBrk="0" hangingPunct="1">
+              <a:defRPr sz="1800" kern="1200">
+                <a:solidFill>
+                  <a:schemeClr val="tx1"/>
+                </a:solidFill>
+                <a:latin typeface="+mn-lt"/>
+                <a:ea typeface="+mn-ea"/>
+                <a:cs typeface="+mn-cs"/>
+              </a:defRPr>
+            </a:lvl8pPr>
+            <a:lvl9pPr marL="3657600" algn="l" defTabSz="914400" rtl="0" eaLnBrk="1" latinLnBrk="0" hangingPunct="1">
+              <a:defRPr sz="1800" kern="1200">
+                <a:solidFill>
+                  <a:schemeClr val="tx1"/>
+                </a:solidFill>
+                <a:latin typeface="+mn-lt"/>
+                <a:ea typeface="+mn-ea"/>
+                <a:cs typeface="+mn-cs"/>
+              </a:defRPr>
+            </a:lvl9pPr>
+          </a:lstStyle>
+          <a:p>
+            <a:pPr algn="ctr">
+              <a:spcAft>
+                <a:spcPts val="600"/>
+              </a:spcAft>
+            </a:pPr>
+            <a:fld id="{1BECCC40-D9B0-4504-ABD2-E9A3371E8387}" type="slidenum">
+              <a:rPr lang="en-US" smtClean="0">
+                <a:solidFill>
+                  <a:schemeClr val="bg1"/>
+                </a:solidFill>
+              </a:rPr>
+              <a:pPr algn="ctr">
+                <a:spcAft>
+                  <a:spcPts val="600"/>
+                </a:spcAft>
+              </a:pPr>
+              <a:t>12</a:t>
+            </a:fld>
+            <a:endParaRPr lang="en-US" dirty="0">
+              <a:solidFill>
+                <a:schemeClr val="bg1"/>
+              </a:solidFill>
+            </a:endParaRPr>
+          </a:p>
+        </p:txBody>
+      </p:sp>
+      <p:pic>
+        <p:nvPicPr>
+          <p:cNvPr id="12" name="Graphic 23" descr="Business Growth">
+            <a:extLst>
+              <a:ext uri="{FF2B5EF4-FFF2-40B4-BE49-F238E27FC236}">
+                <a16:creationId xmlns:a16="http://schemas.microsoft.com/office/drawing/2014/main" id="{CA38F7E7-4B99-4B80-B803-31A8E8B29094}"/>
+              </a:ext>
+            </a:extLst>
+          </p:cNvPr>
+          <p:cNvPicPr>
+            <a:picLocks noChangeAspect="1"/>
+          </p:cNvPicPr>
+          <p:nvPr/>
+        </p:nvPicPr>
+        <p:blipFill>
+          <a:blip r:embed="rId3">
+            <a:extLst>
+              <a:ext uri="{28A0092B-C50C-407E-A947-70E740481C1C}">
+                <a14:useLocalDpi xmlns:a14="http://schemas.microsoft.com/office/drawing/2010/main" val="0"/>
+              </a:ext>
+              <a:ext uri="{96DAC541-7B7A-43D3-8B79-37D633B846F1}">
+                <asvg:svgBlip xmlns:asvg="http://schemas.microsoft.com/office/drawing/2016/SVG/main" r:embed="rId4"/>
+              </a:ext>
+            </a:extLst>
+          </a:blip>
+          <a:stretch>
+            <a:fillRect/>
+          </a:stretch>
+        </p:blipFill>
+        <p:spPr>
+          <a:xfrm>
+            <a:off x="838200" y="570706"/>
+            <a:ext cx="914400" cy="914400"/>
+          </a:xfrm>
+          <a:prstGeom prst="rect">
+            <a:avLst/>
+          </a:prstGeom>
+        </p:spPr>
+      </p:pic>
+    </p:spTree>
+    <p:extLst>
+      <p:ext uri="{BB962C8B-B14F-4D97-AF65-F5344CB8AC3E}">
+        <p14:creationId xmlns:p14="http://schemas.microsoft.com/office/powerpoint/2010/main" val="2585639145"/>
+      </p:ext>
+    </p:extLst>
+  </p:cSld>
+  <p:clrMapOvr>
+    <a:masterClrMapping/>
+  </p:clrMapOvr>
+  <mc:AlternateContent xmlns:mc="http://schemas.openxmlformats.org/markup-compatibility/2006" xmlns:p14="http://schemas.microsoft.com/office/powerpoint/2010/main">
+    <mc:Choice Requires="p14">
+      <p:transition spd="slow" p14:dur="1200">
+        <p14:prism/>
+      </p:transition>
+    </mc:Choice>
+    <mc:Fallback xmlns="">
+      <p:transition spd="slow">
+        <p:fade/>
+      </p:transition>
+    </mc:Fallback>
+  </mc:AlternateContent>
+</p:sld>
+</file>
+
+<file path=ppt/slides/slide13.xml><?xml version="1.0" encoding="utf-8"?>
+<p:sld xmlns:a="http://schemas.openxmlformats.org/drawingml/2006/main" xmlns:r="http://schemas.openxmlformats.org/officeDocument/2006/relationships" xmlns:p="http://schemas.openxmlformats.org/presentationml/2006/main">
+  <p:cSld>
+    <p:bg>
+      <p:bgPr>
+        <a:solidFill>
+          <a:schemeClr val="bg1"/>
+        </a:solidFill>
+        <a:effectLst/>
+      </p:bgPr>
+    </p:bg>
+    <p:spTree>
+      <p:nvGrpSpPr>
+        <p:cNvPr id="1" name=""/>
+        <p:cNvGrpSpPr/>
+        <p:nvPr/>
+      </p:nvGrpSpPr>
+      <p:grpSpPr>
+        <a:xfrm>
+          <a:off x="0" y="0"/>
+          <a:ext cx="0" cy="0"/>
+          <a:chOff x="0" y="0"/>
+          <a:chExt cx="0" cy="0"/>
+        </a:xfrm>
+      </p:grpSpPr>
+      <p:pic>
+        <p:nvPicPr>
+          <p:cNvPr id="3" name="Picture 2" descr="A picture containing large, sitting, room, refrigerator&#10;&#10;Description automatically generated">
+            <a:extLst>
+              <a:ext uri="{FF2B5EF4-FFF2-40B4-BE49-F238E27FC236}">
+                <a16:creationId xmlns:a16="http://schemas.microsoft.com/office/drawing/2014/main" id="{873F9716-08C6-4190-BA85-1778D303FBB7}"/>
+              </a:ext>
+            </a:extLst>
+          </p:cNvPr>
+          <p:cNvPicPr>
+            <a:picLocks noChangeAspect="1"/>
+          </p:cNvPicPr>
+          <p:nvPr/>
+        </p:nvPicPr>
+        <p:blipFill rotWithShape="1">
+          <a:blip r:embed="rId2">
+            <a:extLst>
+              <a:ext uri="{28A0092B-C50C-407E-A947-70E740481C1C}">
+                <a14:useLocalDpi xmlns:a14="http://schemas.microsoft.com/office/drawing/2010/main" val="0"/>
+              </a:ext>
+            </a:extLst>
+          </a:blip>
+          <a:srcRect r="9111"/>
+          <a:stretch/>
+        </p:blipFill>
+        <p:spPr>
+          <a:xfrm>
+            <a:off x="301658" y="1697820"/>
+            <a:ext cx="11584105" cy="4024250"/>
+          </a:xfrm>
+          <a:prstGeom prst="rect">
+            <a:avLst/>
+          </a:prstGeom>
+        </p:spPr>
+      </p:pic>
+      <p:sp>
+        <p:nvSpPr>
+          <p:cNvPr id="4" name="Title 3">
+            <a:extLst>
+              <a:ext uri="{FF2B5EF4-FFF2-40B4-BE49-F238E27FC236}">
+                <a16:creationId xmlns:a16="http://schemas.microsoft.com/office/drawing/2014/main" id="{B43B5DAC-85E1-435E-9B91-060B3AB2B93F}"/>
+              </a:ext>
+            </a:extLst>
+          </p:cNvPr>
+          <p:cNvSpPr>
+            <a:spLocks noGrp="1"/>
+          </p:cNvSpPr>
+          <p:nvPr>
+            <p:ph type="title"/>
+          </p:nvPr>
+        </p:nvSpPr>
+        <p:spPr/>
+        <p:txBody>
+          <a:bodyPr/>
+          <a:lstStyle/>
+          <a:p>
+            <a:pPr algn="ctr"/>
+            <a:r>
+              <a:rPr lang="en-US"/>
+              <a:t>World Happiness Correlation Matrix</a:t>
+            </a:r>
+            <a:endParaRPr lang="en-US" dirty="0"/>
+          </a:p>
+        </p:txBody>
+      </p:sp>
+      <p:pic>
+        <p:nvPicPr>
+          <p:cNvPr id="9" name="Graphic 23" descr="Business Growth">
+            <a:extLst>
+              <a:ext uri="{FF2B5EF4-FFF2-40B4-BE49-F238E27FC236}">
+                <a16:creationId xmlns:a16="http://schemas.microsoft.com/office/drawing/2014/main" id="{98A7B74C-FFF2-4B4F-A7F3-019700139FA0}"/>
+              </a:ext>
+            </a:extLst>
+          </p:cNvPr>
+          <p:cNvPicPr>
+            <a:picLocks noChangeAspect="1"/>
+          </p:cNvPicPr>
+          <p:nvPr/>
+        </p:nvPicPr>
+        <p:blipFill>
+          <a:blip r:embed="rId3">
+            <a:extLst>
+              <a:ext uri="{28A0092B-C50C-407E-A947-70E740481C1C}">
+                <a14:useLocalDpi xmlns:a14="http://schemas.microsoft.com/office/drawing/2010/main" val="0"/>
+              </a:ext>
+              <a:ext uri="{96DAC541-7B7A-43D3-8B79-37D633B846F1}">
+                <asvg:svgBlip xmlns:asvg="http://schemas.microsoft.com/office/drawing/2016/SVG/main" r:embed="rId4"/>
+              </a:ext>
+            </a:extLst>
+          </a:blip>
+          <a:stretch>
+            <a:fillRect/>
+          </a:stretch>
+        </p:blipFill>
+        <p:spPr>
+          <a:xfrm>
+            <a:off x="838200" y="570706"/>
+            <a:ext cx="914400" cy="914400"/>
+          </a:xfrm>
+          <a:prstGeom prst="rect">
+            <a:avLst/>
+          </a:prstGeom>
+        </p:spPr>
+      </p:pic>
+      <p:sp>
+        <p:nvSpPr>
+          <p:cNvPr id="11" name="Slide Number Placeholder 6">
+            <a:extLst>
+              <a:ext uri="{FF2B5EF4-FFF2-40B4-BE49-F238E27FC236}">
+                <a16:creationId xmlns:a16="http://schemas.microsoft.com/office/drawing/2014/main" id="{D08048BF-20C8-46CC-9E00-89C086BDAEDA}"/>
+              </a:ext>
+            </a:extLst>
+          </p:cNvPr>
+          <p:cNvSpPr txBox="1">
+            <a:spLocks/>
+          </p:cNvSpPr>
+          <p:nvPr/>
+        </p:nvSpPr>
+        <p:spPr>
+          <a:xfrm>
+            <a:off x="11146536" y="6035040"/>
+            <a:ext cx="548640" cy="548640"/>
+          </a:xfrm>
+          <a:prstGeom prst="ellipse">
+            <a:avLst/>
+          </a:prstGeom>
+          <a:solidFill>
+            <a:schemeClr val="tx1">
+              <a:alpha val="80000"/>
+            </a:schemeClr>
+          </a:solidFill>
+        </p:spPr>
+        <p:txBody>
+          <a:bodyPr vert="horz" lIns="91440" tIns="45720" rIns="91440" bIns="45720" rtlCol="0" anchor="ctr">
+            <a:normAutofit/>
+          </a:bodyPr>
+          <a:lstStyle>
+            <a:defPPr>
+              <a:defRPr lang="en-US"/>
+            </a:defPPr>
+            <a:lvl1pPr marL="0" algn="r" defTabSz="914400" rtl="0" eaLnBrk="1" latinLnBrk="0" hangingPunct="1">
+              <a:defRPr sz="1200" kern="1200">
+                <a:solidFill>
+                  <a:schemeClr val="tx1">
+                    <a:tint val="75000"/>
+                  </a:schemeClr>
+                </a:solidFill>
+                <a:latin typeface="+mn-lt"/>
+                <a:ea typeface="+mn-ea"/>
+                <a:cs typeface="+mn-cs"/>
+              </a:defRPr>
+            </a:lvl1pPr>
+            <a:lvl2pPr marL="457200" algn="l" defTabSz="914400" rtl="0" eaLnBrk="1" latinLnBrk="0" hangingPunct="1">
+              <a:defRPr sz="1800" kern="1200">
+                <a:solidFill>
+                  <a:schemeClr val="tx1"/>
+                </a:solidFill>
+                <a:latin typeface="+mn-lt"/>
+                <a:ea typeface="+mn-ea"/>
+                <a:cs typeface="+mn-cs"/>
+              </a:defRPr>
+            </a:lvl2pPr>
+            <a:lvl3pPr marL="914400" algn="l" defTabSz="914400" rtl="0" eaLnBrk="1" latinLnBrk="0" hangingPunct="1">
+              <a:defRPr sz="1800" kern="1200">
+                <a:solidFill>
+                  <a:schemeClr val="tx1"/>
+                </a:solidFill>
+                <a:latin typeface="+mn-lt"/>
+                <a:ea typeface="+mn-ea"/>
+                <a:cs typeface="+mn-cs"/>
+              </a:defRPr>
+            </a:lvl3pPr>
+            <a:lvl4pPr marL="1371600" algn="l" defTabSz="914400" rtl="0" eaLnBrk="1" latinLnBrk="0" hangingPunct="1">
+              <a:defRPr sz="1800" kern="1200">
+                <a:solidFill>
+                  <a:schemeClr val="tx1"/>
+                </a:solidFill>
+                <a:latin typeface="+mn-lt"/>
+                <a:ea typeface="+mn-ea"/>
+                <a:cs typeface="+mn-cs"/>
+              </a:defRPr>
+            </a:lvl4pPr>
+            <a:lvl5pPr marL="1828800" algn="l" defTabSz="914400" rtl="0" eaLnBrk="1" latinLnBrk="0" hangingPunct="1">
+              <a:defRPr sz="1800" kern="1200">
+                <a:solidFill>
+                  <a:schemeClr val="tx1"/>
+                </a:solidFill>
+                <a:latin typeface="+mn-lt"/>
+                <a:ea typeface="+mn-ea"/>
+                <a:cs typeface="+mn-cs"/>
+              </a:defRPr>
+            </a:lvl5pPr>
+            <a:lvl6pPr marL="2286000" algn="l" defTabSz="914400" rtl="0" eaLnBrk="1" latinLnBrk="0" hangingPunct="1">
+              <a:defRPr sz="1800" kern="1200">
+                <a:solidFill>
+                  <a:schemeClr val="tx1"/>
+                </a:solidFill>
+                <a:latin typeface="+mn-lt"/>
+                <a:ea typeface="+mn-ea"/>
+                <a:cs typeface="+mn-cs"/>
+              </a:defRPr>
+            </a:lvl6pPr>
+            <a:lvl7pPr marL="2743200" algn="l" defTabSz="914400" rtl="0" eaLnBrk="1" latinLnBrk="0" hangingPunct="1">
+              <a:defRPr sz="1800" kern="1200">
+                <a:solidFill>
+                  <a:schemeClr val="tx1"/>
+                </a:solidFill>
+                <a:latin typeface="+mn-lt"/>
+                <a:ea typeface="+mn-ea"/>
+                <a:cs typeface="+mn-cs"/>
+              </a:defRPr>
+            </a:lvl7pPr>
+            <a:lvl8pPr marL="3200400" algn="l" defTabSz="914400" rtl="0" eaLnBrk="1" latinLnBrk="0" hangingPunct="1">
+              <a:defRPr sz="1800" kern="1200">
+                <a:solidFill>
+                  <a:schemeClr val="tx1"/>
+                </a:solidFill>
+                <a:latin typeface="+mn-lt"/>
+                <a:ea typeface="+mn-ea"/>
+                <a:cs typeface="+mn-cs"/>
+              </a:defRPr>
+            </a:lvl8pPr>
+            <a:lvl9pPr marL="3657600" algn="l" defTabSz="914400" rtl="0" eaLnBrk="1" latinLnBrk="0" hangingPunct="1">
+              <a:defRPr sz="1800" kern="1200">
+                <a:solidFill>
+                  <a:schemeClr val="tx1"/>
+                </a:solidFill>
+                <a:latin typeface="+mn-lt"/>
+                <a:ea typeface="+mn-ea"/>
+                <a:cs typeface="+mn-cs"/>
+              </a:defRPr>
+            </a:lvl9pPr>
+          </a:lstStyle>
+          <a:p>
+            <a:pPr algn="ctr">
+              <a:spcAft>
+                <a:spcPts val="600"/>
+              </a:spcAft>
+            </a:pPr>
+            <a:fld id="{1BECCC40-D9B0-4504-ABD2-E9A3371E8387}" type="slidenum">
+              <a:rPr lang="en-US" smtClean="0">
+                <a:solidFill>
+                  <a:schemeClr val="bg1"/>
+                </a:solidFill>
+              </a:rPr>
+              <a:pPr algn="ctr">
+                <a:spcAft>
+                  <a:spcPts val="600"/>
+                </a:spcAft>
+              </a:pPr>
+              <a:t>13</a:t>
+            </a:fld>
+            <a:endParaRPr lang="en-US" dirty="0">
+              <a:solidFill>
+                <a:schemeClr val="bg1"/>
+              </a:solidFill>
+            </a:endParaRPr>
+          </a:p>
+        </p:txBody>
+      </p:sp>
+    </p:spTree>
+    <p:extLst>
+      <p:ext uri="{BB962C8B-B14F-4D97-AF65-F5344CB8AC3E}">
+        <p14:creationId xmlns:p14="http://schemas.microsoft.com/office/powerpoint/2010/main" val="3235954156"/>
+      </p:ext>
+    </p:extLst>
+  </p:cSld>
+  <p:clrMapOvr>
+    <a:masterClrMapping/>
+  </p:clrMapOvr>
+  <mc:AlternateContent xmlns:mc="http://schemas.openxmlformats.org/markup-compatibility/2006" xmlns:p14="http://schemas.microsoft.com/office/powerpoint/2010/main">
+    <mc:Choice Requires="p14">
+      <p:transition spd="slow" p14:dur="1200">
+        <p14:prism/>
+      </p:transition>
+    </mc:Choice>
+    <mc:Fallback xmlns="">
+      <p:transition spd="slow">
+        <p:fade/>
+      </p:transition>
+    </mc:Fallback>
+  </mc:AlternateContent>
+</p:sld>
+</file>
+
+<file path=ppt/slides/slide14.xml><?xml version="1.0" encoding="utf-8"?>
+<p:sld xmlns:a="http://schemas.openxmlformats.org/drawingml/2006/main" xmlns:r="http://schemas.openxmlformats.org/officeDocument/2006/relationships" xmlns:p="http://schemas.openxmlformats.org/presentationml/2006/main">
+  <p:cSld>
+    <p:bg>
+      <p:bgPr>
+        <a:solidFill>
+          <a:schemeClr val="bg1"/>
+        </a:solidFill>
+        <a:effectLst/>
+      </p:bgPr>
+    </p:bg>
+    <p:spTree>
+      <p:nvGrpSpPr>
+        <p:cNvPr id="1" name=""/>
+        <p:cNvGrpSpPr/>
+        <p:nvPr/>
+      </p:nvGrpSpPr>
+      <p:grpSpPr>
+        <a:xfrm>
+          <a:off x="0" y="0"/>
+          <a:ext cx="0" cy="0"/>
+          <a:chOff x="0" y="0"/>
+          <a:chExt cx="0" cy="0"/>
+        </a:xfrm>
+      </p:grpSpPr>
+      <p:sp>
+        <p:nvSpPr>
+          <p:cNvPr id="8" name="Rectangle 7">
+            <a:extLst>
+              <a:ext uri="{FF2B5EF4-FFF2-40B4-BE49-F238E27FC236}">
+                <a16:creationId xmlns:a16="http://schemas.microsoft.com/office/drawing/2014/main" id="{23962611-DFD5-4092-AAFD-559E3DFCE2C9}"/>
+              </a:ext>
+              <a:ext uri="{C183D7F6-B498-43B3-948B-1728B52AA6E4}">
+                <adec:decorative xmlns:adec="http://schemas.microsoft.com/office/drawing/2017/decorative" val="1"/>
+              </a:ext>
+            </a:extLst>
+          </p:cNvPr>
+          <p:cNvSpPr>
+            <a:spLocks noGrp="1" noRot="1" noChangeAspect="1" noMove="1" noResize="1" noEditPoints="1" noAdjustHandles="1" noChangeArrowheads="1" noChangeShapeType="1" noTextEdit="1"/>
+          </p:cNvSpPr>
+          <p:nvPr>
+            <p:extLst>
+              <p:ext uri="{386F3935-93C4-4BCD-93E2-E3B085C9AB24}">
+                <p16:designElem xmlns:p16="http://schemas.microsoft.com/office/powerpoint/2015/main" val="1"/>
+              </p:ext>
+            </p:extLst>
+          </p:nvPr>
+        </p:nvSpPr>
+        <p:spPr>
+          <a:xfrm>
+            <a:off x="475488" y="0"/>
+            <a:ext cx="10910292" cy="6858000"/>
+          </a:xfrm>
+          <a:prstGeom prst="rect">
+            <a:avLst/>
+          </a:prstGeom>
+          <a:gradFill>
+            <a:gsLst>
+              <a:gs pos="0">
+                <a:schemeClr val="accent1">
+                  <a:lumMod val="90000"/>
+                </a:schemeClr>
+              </a:gs>
+              <a:gs pos="25000">
+                <a:schemeClr val="accent1">
+                  <a:lumMod val="90000"/>
+                </a:schemeClr>
+              </a:gs>
+              <a:gs pos="94000">
+                <a:schemeClr val="bg2">
+                  <a:lumMod val="25000"/>
+                </a:schemeClr>
+              </a:gs>
+              <a:gs pos="100000">
+                <a:schemeClr val="bg2">
+                  <a:lumMod val="25000"/>
+                </a:schemeClr>
+              </a:gs>
+            </a:gsLst>
+            <a:lin ang="4200000" scaled="0"/>
+          </a:gradFill>
+          <a:ln>
+            <a:noFill/>
+          </a:ln>
+        </p:spPr>
+        <p:style>
+          <a:lnRef idx="2">
+            <a:schemeClr val="accent1">
+              <a:shade val="50000"/>
+            </a:schemeClr>
+          </a:lnRef>
+          <a:fillRef idx="1">
+            <a:schemeClr val="accent1"/>
+          </a:fillRef>
+          <a:effectRef idx="0">
+            <a:schemeClr val="accent1"/>
+          </a:effectRef>
+          <a:fontRef idx="minor">
+            <a:schemeClr val="lt1"/>
+          </a:fontRef>
+        </p:style>
+        <p:txBody>
+          <a:bodyPr rtlCol="0" anchor="ctr"/>
+          <a:lstStyle/>
+          <a:p>
+            <a:pPr algn="ctr"/>
+            <a:endParaRPr lang="en-US"/>
+          </a:p>
+        </p:txBody>
+      </p:sp>
+      <p:pic>
+        <p:nvPicPr>
+          <p:cNvPr id="10" name="Picture 9">
+            <a:extLst>
+              <a:ext uri="{FF2B5EF4-FFF2-40B4-BE49-F238E27FC236}">
+                <a16:creationId xmlns:a16="http://schemas.microsoft.com/office/drawing/2014/main" id="{2270F1FA-0425-408F-9861-80BF5AFB276D}"/>
+              </a:ext>
+              <a:ext uri="{C183D7F6-B498-43B3-948B-1728B52AA6E4}">
+                <adec:decorative xmlns:adec="http://schemas.microsoft.com/office/drawing/2017/decorative" val="1"/>
+              </a:ext>
+            </a:extLst>
+          </p:cNvPr>
+          <p:cNvPicPr>
+            <a:picLocks noGrp="1" noRot="1" noChangeAspect="1" noMove="1" noResize="1" noEditPoints="1" noAdjustHandles="1" noChangeArrowheads="1" noChangeShapeType="1" noCrop="1"/>
+          </p:cNvPicPr>
+          <p:nvPr>
+            <p:extLst>
+              <p:ext uri="{386F3935-93C4-4BCD-93E2-E3B085C9AB24}">
+                <p16:designElem xmlns:p16="http://schemas.microsoft.com/office/powerpoint/2015/main" val="1"/>
+              </p:ext>
+            </p:extLst>
+          </p:nvPr>
+        </p:nvPicPr>
+        <p:blipFill>
+          <a:blip r:embed="rId2">
+            <a:extLst>
+              <a:ext uri="{28A0092B-C50C-407E-A947-70E740481C1C}">
+                <a14:useLocalDpi xmlns:a14="http://schemas.microsoft.com/office/drawing/2010/main" val="0"/>
+              </a:ext>
+            </a:extLst>
+          </a:blip>
+          <a:stretch>
+            <a:fillRect/>
+          </a:stretch>
+        </p:blipFill>
+        <p:spPr>
+          <a:xfrm>
+            <a:off x="0" y="0"/>
+            <a:ext cx="12192000" cy="6858000"/>
+          </a:xfrm>
+          <a:prstGeom prst="rect">
+            <a:avLst/>
+          </a:prstGeom>
+        </p:spPr>
+      </p:pic>
+      <p:sp>
+        <p:nvSpPr>
+          <p:cNvPr id="2" name="Title 1">
+            <a:extLst>
+              <a:ext uri="{FF2B5EF4-FFF2-40B4-BE49-F238E27FC236}">
+                <a16:creationId xmlns:a16="http://schemas.microsoft.com/office/drawing/2014/main" id="{42812820-38D8-4147-BE8E-38DEF5D431C9}"/>
+              </a:ext>
+            </a:extLst>
+          </p:cNvPr>
+          <p:cNvSpPr>
+            <a:spLocks noGrp="1"/>
+          </p:cNvSpPr>
+          <p:nvPr>
+            <p:ph type="title"/>
+          </p:nvPr>
+        </p:nvSpPr>
+        <p:spPr>
+          <a:xfrm>
+            <a:off x="3045368" y="2043663"/>
+            <a:ext cx="6105194" cy="2031055"/>
+          </a:xfrm>
+        </p:spPr>
+        <p:txBody>
+          <a:bodyPr vert="horz" lIns="91440" tIns="45720" rIns="91440" bIns="45720" rtlCol="0" anchor="b">
+            <a:normAutofit/>
+          </a:bodyPr>
+          <a:lstStyle/>
+          <a:p>
+            <a:pPr algn="ctr"/>
+            <a:r>
+              <a:rPr lang="en-US" kern="1200">
+                <a:solidFill>
+                  <a:srgbClr val="FFFFFF"/>
+                </a:solidFill>
+                <a:latin typeface="+mj-lt"/>
+                <a:ea typeface="+mj-ea"/>
+                <a:cs typeface="+mj-cs"/>
+              </a:rPr>
+              <a:t>For more information:</a:t>
+            </a:r>
+          </a:p>
+        </p:txBody>
+      </p:sp>
+      <p:sp>
+        <p:nvSpPr>
+          <p:cNvPr id="3" name="Text Placeholder 2">
+            <a:extLst>
+              <a:ext uri="{FF2B5EF4-FFF2-40B4-BE49-F238E27FC236}">
+                <a16:creationId xmlns:a16="http://schemas.microsoft.com/office/drawing/2014/main" id="{BC572A7E-A42C-42C9-A8A6-32E5EB153DB4}"/>
+              </a:ext>
+            </a:extLst>
+          </p:cNvPr>
+          <p:cNvSpPr>
+            <a:spLocks noGrp="1"/>
+          </p:cNvSpPr>
+          <p:nvPr>
+            <p:ph type="body" idx="1"/>
+          </p:nvPr>
+        </p:nvSpPr>
+        <p:spPr>
+          <a:xfrm>
+            <a:off x="3045368" y="4074718"/>
+            <a:ext cx="6105194" cy="682079"/>
+          </a:xfrm>
+        </p:spPr>
+        <p:txBody>
+          <a:bodyPr vert="horz" lIns="91440" tIns="45720" rIns="91440" bIns="45720" rtlCol="0">
+            <a:normAutofit/>
+          </a:bodyPr>
+          <a:lstStyle/>
+          <a:p>
+            <a:pPr algn="ctr"/>
+            <a:r>
+              <a:rPr lang="en-US" kern="1200">
+                <a:solidFill>
+                  <a:srgbClr val="FFFFFF"/>
+                </a:solidFill>
+                <a:latin typeface="+mn-lt"/>
+                <a:ea typeface="+mn-ea"/>
+                <a:cs typeface="+mn-cs"/>
+                <a:hlinkClick r:id="rId3"/>
+              </a:rPr>
+              <a:t>https://worldhappiness.report/</a:t>
+            </a:r>
+            <a:endParaRPr lang="en-US" kern="1200">
+              <a:solidFill>
+                <a:srgbClr val="FFFFFF"/>
+              </a:solidFill>
+              <a:latin typeface="+mn-lt"/>
+              <a:ea typeface="+mn-ea"/>
+              <a:cs typeface="+mn-cs"/>
+            </a:endParaRPr>
+          </a:p>
+          <a:p>
+            <a:pPr algn="ctr"/>
+            <a:endParaRPr lang="en-US" kern="1200" dirty="0">
+              <a:solidFill>
+                <a:srgbClr val="FFFFFF"/>
+              </a:solidFill>
+              <a:latin typeface="+mn-lt"/>
+              <a:ea typeface="+mn-ea"/>
+              <a:cs typeface="+mn-cs"/>
+            </a:endParaRPr>
+          </a:p>
+        </p:txBody>
+      </p:sp>
+    </p:spTree>
+    <p:extLst>
+      <p:ext uri="{BB962C8B-B14F-4D97-AF65-F5344CB8AC3E}">
+        <p14:creationId xmlns:p14="http://schemas.microsoft.com/office/powerpoint/2010/main" val="966336765"/>
+      </p:ext>
+    </p:extLst>
+  </p:cSld>
+  <p:clrMapOvr>
+    <a:masterClrMapping/>
+  </p:clrMapOvr>
+  <mc:AlternateContent xmlns:mc="http://schemas.openxmlformats.org/markup-compatibility/2006" xmlns:p14="http://schemas.microsoft.com/office/powerpoint/2010/main">
+    <mc:Choice Requires="p14">
+      <p:transition spd="slow" p14:dur="1200">
+        <p14:prism/>
+      </p:transition>
+    </mc:Choice>
+    <mc:Fallback xmlns="">
+      <p:transition spd="slow">
+        <p:fade/>
+      </p:transition>
+    </mc:Fallback>
+  </mc:AlternateContent>
 </p:sld>
 </file>
 
@@ -4148,10 +7953,7 @@
           </a:bodyPr>
           <a:lstStyle/>
           <a:p>
-            <a:pPr>
-              <a:lnSpc>
-                <a:spcPct val="90000"/>
-              </a:lnSpc>
+            <a:pPr algn="just">
               <a:spcBef>
                 <a:spcPts val="1000"/>
               </a:spcBef>
@@ -4162,7 +7964,7 @@
             </a:pPr>
             <a:r>
               <a:rPr lang="en-US" sz="2000" dirty="0"/>
-              <a:t>The World Happiness Report is a landmark survey of the state of global happiness. The reports review the state of happiness in the world today and show how the new science of happiness explains personal and national variations in happiness.  Ranks 155 countries by their happiness levels, was released at the United Nations at an event celebrating International Day of Happiness on March 20th. The report continues to gain global recognition and is used to describe how measurements of well-being can be used effectively to assess the progress of nations. </a:t>
+              <a:t>The World Happiness Report is a landmark survey of the state of global happiness. The reports review the state of happiness in the world today and show how the new science of happiness explains personal and national variations in happiness.  Ranks 155 countries by their happiness levels; released at the United Nations at an event celebrating International Day of Happiness on March 20th. The report continues to gain global recognition and is used to describe how measurements of well-being can be used effectively to assess the progress of nations. </a:t>
             </a:r>
           </a:p>
         </p:txBody>
@@ -5022,7 +8824,7 @@
               </a:spcAft>
             </a:pPr>
             <a:fld id="{1BECCC40-D9B0-4504-ABD2-E9A3371E8387}" type="slidenum">
-              <a:rPr lang="en-US">
+              <a:rPr lang="en-US" smtClean="0">
                 <a:solidFill>
                   <a:schemeClr val="bg1"/>
                 </a:solidFill>
@@ -5034,7 +8836,7 @@
               </a:pPr>
               <a:t>2</a:t>
             </a:fld>
-            <a:endParaRPr lang="en-US">
+            <a:endParaRPr lang="en-US" dirty="0">
               <a:solidFill>
                 <a:schemeClr val="bg1"/>
               </a:solidFill>
@@ -5052,6 +8854,18 @@
   <p:clrMapOvr>
     <a:masterClrMapping/>
   </p:clrMapOvr>
+  <mc:AlternateContent xmlns:mc="http://schemas.openxmlformats.org/markup-compatibility/2006" xmlns:p14="http://schemas.microsoft.com/office/powerpoint/2010/main">
+    <mc:Choice Requires="p14">
+      <p:transition spd="slow" p14:dur="1200">
+        <p14:prism/>
+      </p:transition>
+    </mc:Choice>
+    <mc:Fallback xmlns="">
+      <p:transition spd="slow">
+        <p:fade/>
+      </p:transition>
+    </mc:Fallback>
+  </mc:AlternateContent>
 </p:sld>
 </file>
 
@@ -5107,7 +8921,7 @@
           </a:bodyPr>
           <a:lstStyle/>
           <a:p>
-            <a:pPr>
+            <a:pPr algn="ctr">
               <a:lnSpc>
                 <a:spcPct val="90000"/>
               </a:lnSpc>
@@ -5119,7 +8933,7 @@
               </a:spcAft>
             </a:pPr>
             <a:r>
-              <a:rPr lang="en-US" sz="5400" kern="1200">
+              <a:rPr lang="en-US" sz="5400" kern="1200" dirty="0">
                 <a:solidFill>
                   <a:schemeClr val="tx1"/>
                 </a:solidFill>
@@ -5286,15 +9100,15 @@
               </a:spcAft>
             </a:pPr>
             <a:r>
-              <a:rPr lang="en-US" sz="1600" b="1" dirty="0"/>
+              <a:rPr lang="en-US" sz="2800" b="1" dirty="0"/>
               <a:t>The happiness score and ranking use data from Gallup World Poll. The scores are based off of The </a:t>
             </a:r>
             <a:r>
-              <a:rPr lang="en-US" sz="1600" b="1" dirty="0" err="1"/>
+              <a:rPr lang="en-US" sz="2800" b="1" dirty="0" err="1"/>
               <a:t>Cantril</a:t>
             </a:r>
             <a:r>
-              <a:rPr lang="en-US" sz="1600" b="1" dirty="0"/>
+              <a:rPr lang="en-US" sz="2800" b="1" dirty="0"/>
               <a:t> Self-Anchoring scale,  that consists of :</a:t>
             </a:r>
           </a:p>
@@ -5312,7 +9126,7 @@
           <a:p>
             <a:pPr marL="285750" indent="-228600">
               <a:lnSpc>
-                <a:spcPct val="90000"/>
+                <a:spcPct val="150000"/>
               </a:lnSpc>
               <a:spcAft>
                 <a:spcPts val="600"/>
@@ -5321,14 +9135,14 @@
               <a:buChar char="•"/>
             </a:pPr>
             <a:r>
-              <a:rPr lang="en-US" sz="1400" dirty="0"/>
+              <a:rPr lang="en-US" sz="2000" dirty="0"/>
               <a:t>Respondents imagining a ladder with steps numbered from zero at the bottom to 10 at the top.</a:t>
             </a:r>
           </a:p>
           <a:p>
             <a:pPr marL="285750" indent="-228600">
               <a:lnSpc>
-                <a:spcPct val="90000"/>
+                <a:spcPct val="150000"/>
               </a:lnSpc>
               <a:spcAft>
                 <a:spcPts val="600"/>
@@ -5337,14 +9151,14 @@
               <a:buChar char="•"/>
             </a:pPr>
             <a:r>
-              <a:rPr lang="en-US" sz="1400" dirty="0"/>
+              <a:rPr lang="en-US" sz="2000" dirty="0"/>
               <a:t>The top of the ladder represents the best possible life for you and the bottom of the ladder represents the worst possible life for you.</a:t>
             </a:r>
           </a:p>
           <a:p>
             <a:pPr marL="285750" indent="-228600">
               <a:lnSpc>
-                <a:spcPct val="90000"/>
+                <a:spcPct val="150000"/>
               </a:lnSpc>
               <a:spcAft>
                 <a:spcPts val="600"/>
@@ -5353,7 +9167,7 @@
               <a:buChar char="•"/>
             </a:pPr>
             <a:r>
-              <a:rPr lang="en-US" sz="1400" dirty="0"/>
+              <a:rPr lang="en-US" sz="2000" dirty="0"/>
               <a:t>On which step of the ladder would you say you personally feel you stand at this time?</a:t>
             </a:r>
           </a:p>
@@ -5369,127 +9183,6 @@
               <a:buChar char="•"/>
             </a:pPr>
             <a:endParaRPr lang="en-US" sz="1400" dirty="0"/>
-          </a:p>
-          <a:p>
-            <a:pPr>
-              <a:lnSpc>
-                <a:spcPct val="90000"/>
-              </a:lnSpc>
-              <a:spcAft>
-                <a:spcPts val="600"/>
-              </a:spcAft>
-            </a:pPr>
-            <a:r>
-              <a:rPr lang="en-US" sz="1600" b="1" dirty="0"/>
-              <a:t>Six factors were looked at to contribute to making life evaluation higher :</a:t>
-            </a:r>
-          </a:p>
-          <a:p>
-            <a:pPr>
-              <a:lnSpc>
-                <a:spcPct val="90000"/>
-              </a:lnSpc>
-              <a:spcAft>
-                <a:spcPts val="600"/>
-              </a:spcAft>
-            </a:pPr>
-            <a:endParaRPr lang="en-US" sz="1600" b="1" dirty="0"/>
-          </a:p>
-          <a:p>
-            <a:pPr marL="285750" indent="-228600">
-              <a:lnSpc>
-                <a:spcPct val="90000"/>
-              </a:lnSpc>
-              <a:spcAft>
-                <a:spcPts val="600"/>
-              </a:spcAft>
-              <a:buFont typeface="Arial" panose="020B0604020202020204" pitchFamily="34" charset="0"/>
-              <a:buChar char="•"/>
-            </a:pPr>
-            <a:r>
-              <a:rPr lang="en-US" sz="1400" dirty="0"/>
-              <a:t>Economic production</a:t>
-            </a:r>
-          </a:p>
-          <a:p>
-            <a:pPr marL="285750" indent="-228600">
-              <a:lnSpc>
-                <a:spcPct val="90000"/>
-              </a:lnSpc>
-              <a:spcAft>
-                <a:spcPts val="600"/>
-              </a:spcAft>
-              <a:buFont typeface="Arial" panose="020B0604020202020204" pitchFamily="34" charset="0"/>
-              <a:buChar char="•"/>
-            </a:pPr>
-            <a:r>
-              <a:rPr lang="en-US" sz="1400" dirty="0"/>
-              <a:t>Social support</a:t>
-            </a:r>
-          </a:p>
-          <a:p>
-            <a:pPr marL="285750" indent="-228600">
-              <a:lnSpc>
-                <a:spcPct val="90000"/>
-              </a:lnSpc>
-              <a:spcAft>
-                <a:spcPts val="600"/>
-              </a:spcAft>
-              <a:buFont typeface="Arial" panose="020B0604020202020204" pitchFamily="34" charset="0"/>
-              <a:buChar char="•"/>
-            </a:pPr>
-            <a:r>
-              <a:rPr lang="en-US" sz="1400" dirty="0"/>
-              <a:t>Life expectancy</a:t>
-            </a:r>
-          </a:p>
-          <a:p>
-            <a:pPr marL="285750" indent="-228600">
-              <a:lnSpc>
-                <a:spcPct val="90000"/>
-              </a:lnSpc>
-              <a:spcAft>
-                <a:spcPts val="600"/>
-              </a:spcAft>
-              <a:buFont typeface="Arial" panose="020B0604020202020204" pitchFamily="34" charset="0"/>
-              <a:buChar char="•"/>
-            </a:pPr>
-            <a:r>
-              <a:rPr lang="en-US" sz="1400" dirty="0"/>
-              <a:t>Freedom </a:t>
-            </a:r>
-          </a:p>
-          <a:p>
-            <a:pPr marL="285750" indent="-228600">
-              <a:lnSpc>
-                <a:spcPct val="90000"/>
-              </a:lnSpc>
-              <a:spcAft>
-                <a:spcPts val="600"/>
-              </a:spcAft>
-              <a:buFont typeface="Arial" panose="020B0604020202020204" pitchFamily="34" charset="0"/>
-              <a:buChar char="•"/>
-            </a:pPr>
-            <a:r>
-              <a:rPr lang="en-US" sz="1400" dirty="0"/>
-              <a:t>Absence of corruption</a:t>
-            </a:r>
-          </a:p>
-          <a:p>
-            <a:pPr marL="285750" indent="-228600">
-              <a:lnSpc>
-                <a:spcPct val="90000"/>
-              </a:lnSpc>
-              <a:spcAft>
-                <a:spcPts val="600"/>
-              </a:spcAft>
-              <a:buFont typeface="Arial" panose="020B0604020202020204" pitchFamily="34" charset="0"/>
-              <a:buChar char="•"/>
-            </a:pPr>
-            <a:r>
-              <a:rPr lang="en-US" sz="1400" dirty="0"/>
-              <a:t>Generosity</a:t>
-            </a:r>
           </a:p>
         </p:txBody>
       </p:sp>
@@ -5544,47 +9237,157 @@
       </p:sp>
       <p:sp>
         <p:nvSpPr>
-          <p:cNvPr id="20" name="Slide Number Placeholder 19">
+          <p:cNvPr id="8" name="Slide Number Placeholder 6">
             <a:extLst>
               <a:ext uri="{FF2B5EF4-FFF2-40B4-BE49-F238E27FC236}">
-                <a16:creationId xmlns:a16="http://schemas.microsoft.com/office/drawing/2014/main" id="{9935FB34-3717-4EC3-A99E-AE651098833F}"/>
+                <a16:creationId xmlns:a16="http://schemas.microsoft.com/office/drawing/2014/main" id="{ADEF9729-8018-497C-AF01-098777BDD85E}"/>
               </a:ext>
             </a:extLst>
           </p:cNvPr>
-          <p:cNvSpPr>
-            <a:spLocks noGrp="1"/>
+          <p:cNvSpPr txBox="1">
+            <a:spLocks/>
           </p:cNvSpPr>
-          <p:nvPr>
-            <p:ph type="sldNum" sz="quarter" idx="12"/>
-          </p:nvPr>
+          <p:nvPr/>
         </p:nvSpPr>
         <p:spPr>
           <a:xfrm>
-            <a:off x="8610600" y="6356350"/>
-            <a:ext cx="2743200" cy="365125"/>
+            <a:off x="11146536" y="6035040"/>
+            <a:ext cx="548640" cy="548640"/>
           </a:xfrm>
+          <a:prstGeom prst="ellipse">
+            <a:avLst/>
+          </a:prstGeom>
+          <a:solidFill>
+            <a:schemeClr val="tx1">
+              <a:alpha val="80000"/>
+            </a:schemeClr>
+          </a:solidFill>
         </p:spPr>
         <p:txBody>
           <a:bodyPr vert="horz" lIns="91440" tIns="45720" rIns="91440" bIns="45720" rtlCol="0" anchor="ctr">
             <a:normAutofit/>
           </a:bodyPr>
-          <a:lstStyle/>
-          <a:p>
-            <a:pPr>
+          <a:lstStyle>
+            <a:defPPr>
+              <a:defRPr lang="en-US"/>
+            </a:defPPr>
+            <a:lvl1pPr marL="0" algn="r" defTabSz="914400" rtl="0" eaLnBrk="1" latinLnBrk="0" hangingPunct="1">
+              <a:defRPr sz="1200" kern="1200">
+                <a:solidFill>
+                  <a:schemeClr val="tx1">
+                    <a:tint val="75000"/>
+                  </a:schemeClr>
+                </a:solidFill>
+                <a:latin typeface="+mn-lt"/>
+                <a:ea typeface="+mn-ea"/>
+                <a:cs typeface="+mn-cs"/>
+              </a:defRPr>
+            </a:lvl1pPr>
+            <a:lvl2pPr marL="457200" algn="l" defTabSz="914400" rtl="0" eaLnBrk="1" latinLnBrk="0" hangingPunct="1">
+              <a:defRPr sz="1800" kern="1200">
+                <a:solidFill>
+                  <a:schemeClr val="tx1"/>
+                </a:solidFill>
+                <a:latin typeface="+mn-lt"/>
+                <a:ea typeface="+mn-ea"/>
+                <a:cs typeface="+mn-cs"/>
+              </a:defRPr>
+            </a:lvl2pPr>
+            <a:lvl3pPr marL="914400" algn="l" defTabSz="914400" rtl="0" eaLnBrk="1" latinLnBrk="0" hangingPunct="1">
+              <a:defRPr sz="1800" kern="1200">
+                <a:solidFill>
+                  <a:schemeClr val="tx1"/>
+                </a:solidFill>
+                <a:latin typeface="+mn-lt"/>
+                <a:ea typeface="+mn-ea"/>
+                <a:cs typeface="+mn-cs"/>
+              </a:defRPr>
+            </a:lvl3pPr>
+            <a:lvl4pPr marL="1371600" algn="l" defTabSz="914400" rtl="0" eaLnBrk="1" latinLnBrk="0" hangingPunct="1">
+              <a:defRPr sz="1800" kern="1200">
+                <a:solidFill>
+                  <a:schemeClr val="tx1"/>
+                </a:solidFill>
+                <a:latin typeface="+mn-lt"/>
+                <a:ea typeface="+mn-ea"/>
+                <a:cs typeface="+mn-cs"/>
+              </a:defRPr>
+            </a:lvl4pPr>
+            <a:lvl5pPr marL="1828800" algn="l" defTabSz="914400" rtl="0" eaLnBrk="1" latinLnBrk="0" hangingPunct="1">
+              <a:defRPr sz="1800" kern="1200">
+                <a:solidFill>
+                  <a:schemeClr val="tx1"/>
+                </a:solidFill>
+                <a:latin typeface="+mn-lt"/>
+                <a:ea typeface="+mn-ea"/>
+                <a:cs typeface="+mn-cs"/>
+              </a:defRPr>
+            </a:lvl5pPr>
+            <a:lvl6pPr marL="2286000" algn="l" defTabSz="914400" rtl="0" eaLnBrk="1" latinLnBrk="0" hangingPunct="1">
+              <a:defRPr sz="1800" kern="1200">
+                <a:solidFill>
+                  <a:schemeClr val="tx1"/>
+                </a:solidFill>
+                <a:latin typeface="+mn-lt"/>
+                <a:ea typeface="+mn-ea"/>
+                <a:cs typeface="+mn-cs"/>
+              </a:defRPr>
+            </a:lvl6pPr>
+            <a:lvl7pPr marL="2743200" algn="l" defTabSz="914400" rtl="0" eaLnBrk="1" latinLnBrk="0" hangingPunct="1">
+              <a:defRPr sz="1800" kern="1200">
+                <a:solidFill>
+                  <a:schemeClr val="tx1"/>
+                </a:solidFill>
+                <a:latin typeface="+mn-lt"/>
+                <a:ea typeface="+mn-ea"/>
+                <a:cs typeface="+mn-cs"/>
+              </a:defRPr>
+            </a:lvl7pPr>
+            <a:lvl8pPr marL="3200400" algn="l" defTabSz="914400" rtl="0" eaLnBrk="1" latinLnBrk="0" hangingPunct="1">
+              <a:defRPr sz="1800" kern="1200">
+                <a:solidFill>
+                  <a:schemeClr val="tx1"/>
+                </a:solidFill>
+                <a:latin typeface="+mn-lt"/>
+                <a:ea typeface="+mn-ea"/>
+                <a:cs typeface="+mn-cs"/>
+              </a:defRPr>
+            </a:lvl8pPr>
+            <a:lvl9pPr marL="3657600" algn="l" defTabSz="914400" rtl="0" eaLnBrk="1" latinLnBrk="0" hangingPunct="1">
+              <a:defRPr sz="1800" kern="1200">
+                <a:solidFill>
+                  <a:schemeClr val="tx1"/>
+                </a:solidFill>
+                <a:latin typeface="+mn-lt"/>
+                <a:ea typeface="+mn-ea"/>
+                <a:cs typeface="+mn-cs"/>
+              </a:defRPr>
+            </a:lvl9pPr>
+          </a:lstStyle>
+          <a:p>
+            <a:pPr algn="ctr">
               <a:spcAft>
                 <a:spcPts val="600"/>
               </a:spcAft>
             </a:pPr>
             <a:fld id="{1BECCC40-D9B0-4504-ABD2-E9A3371E8387}" type="slidenum">
-              <a:rPr lang="en-US" smtClean="0"/>
-              <a:pPr>
+              <a:rPr lang="en-US" smtClean="0">
+                <a:solidFill>
+                  <a:schemeClr val="bg1"/>
+                </a:solidFill>
+              </a:rPr>
+              <a:pPr algn="ctr">
                 <a:spcAft>
                   <a:spcPts val="600"/>
                 </a:spcAft>
               </a:pPr>
               <a:t>3</a:t>
             </a:fld>
-            <a:endParaRPr lang="en-US"/>
+            <a:endParaRPr lang="en-US" dirty="0">
+              <a:solidFill>
+                <a:schemeClr val="bg1"/>
+              </a:solidFill>
+            </a:endParaRPr>
           </a:p>
         </p:txBody>
       </p:sp>
@@ -5598,6 +9401,18 @@
   <p:clrMapOvr>
     <a:masterClrMapping/>
   </p:clrMapOvr>
+  <mc:AlternateContent xmlns:mc="http://schemas.openxmlformats.org/markup-compatibility/2006" xmlns:p14="http://schemas.microsoft.com/office/powerpoint/2010/main">
+    <mc:Choice Requires="p14">
+      <p:transition spd="slow" p14:dur="1200">
+        <p14:prism/>
+      </p:transition>
+    </mc:Choice>
+    <mc:Fallback xmlns="">
+      <p:transition spd="slow">
+        <p:fade/>
+      </p:transition>
+    </mc:Fallback>
+  </mc:AlternateContent>
 </p:sld>
 </file>
 
@@ -5620,6 +9435,392 @@
       </p:grpSpPr>
       <p:sp>
         <p:nvSpPr>
+          <p:cNvPr id="2" name="Title 1">
+            <a:extLst>
+              <a:ext uri="{FF2B5EF4-FFF2-40B4-BE49-F238E27FC236}">
+                <a16:creationId xmlns:a16="http://schemas.microsoft.com/office/drawing/2014/main" id="{814A946F-7E25-4571-A53A-4E9B06D65541}"/>
+              </a:ext>
+            </a:extLst>
+          </p:cNvPr>
+          <p:cNvSpPr>
+            <a:spLocks noGrp="1"/>
+          </p:cNvSpPr>
+          <p:nvPr>
+            <p:ph type="title"/>
+          </p:nvPr>
+        </p:nvSpPr>
+        <p:spPr/>
+        <p:txBody>
+          <a:bodyPr>
+            <a:noAutofit/>
+          </a:bodyPr>
+          <a:lstStyle/>
+          <a:p>
+            <a:pPr algn="ctr"/>
+            <a:br>
+              <a:rPr lang="en-US" sz="5000" b="1" dirty="0"/>
+            </a:br>
+            <a:r>
+              <a:rPr lang="en-US" sz="5000"/>
+              <a:t>Six factors </a:t>
+            </a:r>
+            <a:r>
+              <a:rPr lang="en-US" sz="5000" dirty="0"/>
+              <a:t>for Life Evaluation:</a:t>
+            </a:r>
+            <a:br>
+              <a:rPr lang="en-US" sz="5000" b="1" dirty="0"/>
+            </a:br>
+            <a:endParaRPr lang="en-US" sz="5000" dirty="0"/>
+          </a:p>
+        </p:txBody>
+      </p:sp>
+      <p:sp>
+        <p:nvSpPr>
+          <p:cNvPr id="3" name="Content Placeholder 2">
+            <a:extLst>
+              <a:ext uri="{FF2B5EF4-FFF2-40B4-BE49-F238E27FC236}">
+                <a16:creationId xmlns:a16="http://schemas.microsoft.com/office/drawing/2014/main" id="{39D524F4-AD6C-40A9-8B5C-387AA27B0F56}"/>
+              </a:ext>
+            </a:extLst>
+          </p:cNvPr>
+          <p:cNvSpPr>
+            <a:spLocks noGrp="1"/>
+          </p:cNvSpPr>
+          <p:nvPr>
+            <p:ph idx="1"/>
+          </p:nvPr>
+        </p:nvSpPr>
+        <p:spPr>
+          <a:xfrm>
+            <a:off x="838200" y="1485106"/>
+            <a:ext cx="10515600" cy="4691857"/>
+          </a:xfrm>
+        </p:spPr>
+        <p:txBody>
+          <a:bodyPr>
+            <a:normAutofit fontScale="77500" lnSpcReduction="20000"/>
+          </a:bodyPr>
+          <a:lstStyle/>
+          <a:p>
+            <a:pPr marL="0" indent="0">
+              <a:spcAft>
+                <a:spcPts val="600"/>
+              </a:spcAft>
+              <a:buNone/>
+            </a:pPr>
+            <a:endParaRPr lang="en-US" sz="3200" b="1" dirty="0"/>
+          </a:p>
+          <a:p>
+            <a:pPr marL="285750" algn="just">
+              <a:spcAft>
+                <a:spcPts val="600"/>
+              </a:spcAft>
+            </a:pPr>
+            <a:r>
+              <a:rPr lang="en-US" dirty="0"/>
+              <a:t>Economic production - GDP per capita in purchasing power parity (PPP); adjustment factor of 1.17 between 2005 PPP to 2011 PPP to account for changes in implied prices</a:t>
+            </a:r>
+          </a:p>
+          <a:p>
+            <a:pPr marL="285750" algn="just">
+              <a:spcAft>
+                <a:spcPts val="600"/>
+              </a:spcAft>
+            </a:pPr>
+            <a:r>
+              <a:rPr lang="en-US" dirty="0"/>
+              <a:t>Social support - national averages of binary answers (0 or 1) in response to “Do you have someone to count on in times of trouble?”</a:t>
+            </a:r>
+          </a:p>
+          <a:p>
+            <a:pPr marL="285750" algn="just">
+              <a:spcAft>
+                <a:spcPts val="600"/>
+              </a:spcAft>
+            </a:pPr>
+            <a:r>
+              <a:rPr lang="en-US" dirty="0"/>
+              <a:t>Life expectancy - World Health Organization (WHO) data repository</a:t>
+            </a:r>
+          </a:p>
+          <a:p>
+            <a:pPr marL="285750" algn="just">
+              <a:spcAft>
+                <a:spcPts val="600"/>
+              </a:spcAft>
+            </a:pPr>
+            <a:r>
+              <a:rPr lang="en-US" dirty="0"/>
+              <a:t>Freedom – national average of responses to “Are you satisfied with your freedom to make life choices?”</a:t>
+            </a:r>
+          </a:p>
+          <a:p>
+            <a:pPr marL="285750" algn="just">
+              <a:spcAft>
+                <a:spcPts val="600"/>
+              </a:spcAft>
+            </a:pPr>
+            <a:r>
+              <a:rPr lang="en-US" dirty="0"/>
+              <a:t>Absence of corruption – average of 2 (0-1) responses regarding corruption</a:t>
+            </a:r>
+          </a:p>
+          <a:p>
+            <a:pPr marL="285750" algn="just">
+              <a:spcAft>
+                <a:spcPts val="600"/>
+              </a:spcAft>
+            </a:pPr>
+            <a:r>
+              <a:rPr lang="en-US" dirty="0"/>
+              <a:t>Generosity - residual of regressing national average of response to the GWP question “Have you donated money to a charity in the past month?” on GDP per capita</a:t>
+            </a:r>
+          </a:p>
+          <a:p>
+            <a:endParaRPr lang="en-US" dirty="0"/>
+          </a:p>
+        </p:txBody>
+      </p:sp>
+      <p:pic>
+        <p:nvPicPr>
+          <p:cNvPr id="4" name="Graphic 23" descr="Business Growth">
+            <a:extLst>
+              <a:ext uri="{FF2B5EF4-FFF2-40B4-BE49-F238E27FC236}">
+                <a16:creationId xmlns:a16="http://schemas.microsoft.com/office/drawing/2014/main" id="{4458A241-39E1-4CCE-921E-FACD550B936F}"/>
+              </a:ext>
+            </a:extLst>
+          </p:cNvPr>
+          <p:cNvPicPr>
+            <a:picLocks noChangeAspect="1"/>
+          </p:cNvPicPr>
+          <p:nvPr/>
+        </p:nvPicPr>
+        <p:blipFill>
+          <a:blip r:embed="rId2">
+            <a:extLst>
+              <a:ext uri="{28A0092B-C50C-407E-A947-70E740481C1C}">
+                <a14:useLocalDpi xmlns:a14="http://schemas.microsoft.com/office/drawing/2010/main" val="0"/>
+              </a:ext>
+              <a:ext uri="{96DAC541-7B7A-43D3-8B79-37D633B846F1}">
+                <asvg:svgBlip xmlns:asvg="http://schemas.microsoft.com/office/drawing/2016/SVG/main" r:embed="rId3"/>
+              </a:ext>
+            </a:extLst>
+          </a:blip>
+          <a:stretch>
+            <a:fillRect/>
+          </a:stretch>
+        </p:blipFill>
+        <p:spPr>
+          <a:xfrm>
+            <a:off x="838200" y="570706"/>
+            <a:ext cx="914400" cy="914400"/>
+          </a:xfrm>
+          <a:prstGeom prst="rect">
+            <a:avLst/>
+          </a:prstGeom>
+        </p:spPr>
+      </p:pic>
+      <p:sp>
+        <p:nvSpPr>
+          <p:cNvPr id="6" name="Slide Number Placeholder 6">
+            <a:extLst>
+              <a:ext uri="{FF2B5EF4-FFF2-40B4-BE49-F238E27FC236}">
+                <a16:creationId xmlns:a16="http://schemas.microsoft.com/office/drawing/2014/main" id="{801FB4D7-6CBA-41B4-A3A9-00A2A2D28904}"/>
+              </a:ext>
+            </a:extLst>
+          </p:cNvPr>
+          <p:cNvSpPr txBox="1">
+            <a:spLocks/>
+          </p:cNvSpPr>
+          <p:nvPr/>
+        </p:nvSpPr>
+        <p:spPr>
+          <a:xfrm>
+            <a:off x="11146536" y="6035040"/>
+            <a:ext cx="548640" cy="548640"/>
+          </a:xfrm>
+          <a:prstGeom prst="ellipse">
+            <a:avLst/>
+          </a:prstGeom>
+          <a:solidFill>
+            <a:schemeClr val="tx1">
+              <a:alpha val="80000"/>
+            </a:schemeClr>
+          </a:solidFill>
+        </p:spPr>
+        <p:txBody>
+          <a:bodyPr vert="horz" lIns="91440" tIns="45720" rIns="91440" bIns="45720" rtlCol="0" anchor="ctr">
+            <a:normAutofit/>
+          </a:bodyPr>
+          <a:lstStyle>
+            <a:defPPr>
+              <a:defRPr lang="en-US"/>
+            </a:defPPr>
+            <a:lvl1pPr marL="0" algn="r" defTabSz="914400" rtl="0" eaLnBrk="1" latinLnBrk="0" hangingPunct="1">
+              <a:defRPr sz="1200" kern="1200">
+                <a:solidFill>
+                  <a:schemeClr val="tx1">
+                    <a:tint val="75000"/>
+                  </a:schemeClr>
+                </a:solidFill>
+                <a:latin typeface="+mn-lt"/>
+                <a:ea typeface="+mn-ea"/>
+                <a:cs typeface="+mn-cs"/>
+              </a:defRPr>
+            </a:lvl1pPr>
+            <a:lvl2pPr marL="457200" algn="l" defTabSz="914400" rtl="0" eaLnBrk="1" latinLnBrk="0" hangingPunct="1">
+              <a:defRPr sz="1800" kern="1200">
+                <a:solidFill>
+                  <a:schemeClr val="tx1"/>
+                </a:solidFill>
+                <a:latin typeface="+mn-lt"/>
+                <a:ea typeface="+mn-ea"/>
+                <a:cs typeface="+mn-cs"/>
+              </a:defRPr>
+            </a:lvl2pPr>
+            <a:lvl3pPr marL="914400" algn="l" defTabSz="914400" rtl="0" eaLnBrk="1" latinLnBrk="0" hangingPunct="1">
+              <a:defRPr sz="1800" kern="1200">
+                <a:solidFill>
+                  <a:schemeClr val="tx1"/>
+                </a:solidFill>
+                <a:latin typeface="+mn-lt"/>
+                <a:ea typeface="+mn-ea"/>
+                <a:cs typeface="+mn-cs"/>
+              </a:defRPr>
+            </a:lvl3pPr>
+            <a:lvl4pPr marL="1371600" algn="l" defTabSz="914400" rtl="0" eaLnBrk="1" latinLnBrk="0" hangingPunct="1">
+              <a:defRPr sz="1800" kern="1200">
+                <a:solidFill>
+                  <a:schemeClr val="tx1"/>
+                </a:solidFill>
+                <a:latin typeface="+mn-lt"/>
+                <a:ea typeface="+mn-ea"/>
+                <a:cs typeface="+mn-cs"/>
+              </a:defRPr>
+            </a:lvl4pPr>
+            <a:lvl5pPr marL="1828800" algn="l" defTabSz="914400" rtl="0" eaLnBrk="1" latinLnBrk="0" hangingPunct="1">
+              <a:defRPr sz="1800" kern="1200">
+                <a:solidFill>
+                  <a:schemeClr val="tx1"/>
+                </a:solidFill>
+                <a:latin typeface="+mn-lt"/>
+                <a:ea typeface="+mn-ea"/>
+                <a:cs typeface="+mn-cs"/>
+              </a:defRPr>
+            </a:lvl5pPr>
+            <a:lvl6pPr marL="2286000" algn="l" defTabSz="914400" rtl="0" eaLnBrk="1" latinLnBrk="0" hangingPunct="1">
+              <a:defRPr sz="1800" kern="1200">
+                <a:solidFill>
+                  <a:schemeClr val="tx1"/>
+                </a:solidFill>
+                <a:latin typeface="+mn-lt"/>
+                <a:ea typeface="+mn-ea"/>
+                <a:cs typeface="+mn-cs"/>
+              </a:defRPr>
+            </a:lvl6pPr>
+            <a:lvl7pPr marL="2743200" algn="l" defTabSz="914400" rtl="0" eaLnBrk="1" latinLnBrk="0" hangingPunct="1">
+              <a:defRPr sz="1800" kern="1200">
+                <a:solidFill>
+                  <a:schemeClr val="tx1"/>
+                </a:solidFill>
+                <a:latin typeface="+mn-lt"/>
+                <a:ea typeface="+mn-ea"/>
+                <a:cs typeface="+mn-cs"/>
+              </a:defRPr>
+            </a:lvl7pPr>
+            <a:lvl8pPr marL="3200400" algn="l" defTabSz="914400" rtl="0" eaLnBrk="1" latinLnBrk="0" hangingPunct="1">
+              <a:defRPr sz="1800" kern="1200">
+                <a:solidFill>
+                  <a:schemeClr val="tx1"/>
+                </a:solidFill>
+                <a:latin typeface="+mn-lt"/>
+                <a:ea typeface="+mn-ea"/>
+                <a:cs typeface="+mn-cs"/>
+              </a:defRPr>
+            </a:lvl8pPr>
+            <a:lvl9pPr marL="3657600" algn="l" defTabSz="914400" rtl="0" eaLnBrk="1" latinLnBrk="0" hangingPunct="1">
+              <a:defRPr sz="1800" kern="1200">
+                <a:solidFill>
+                  <a:schemeClr val="tx1"/>
+                </a:solidFill>
+                <a:latin typeface="+mn-lt"/>
+                <a:ea typeface="+mn-ea"/>
+                <a:cs typeface="+mn-cs"/>
+              </a:defRPr>
+            </a:lvl9pPr>
+          </a:lstStyle>
+          <a:p>
+            <a:pPr algn="ctr">
+              <a:spcAft>
+                <a:spcPts val="600"/>
+              </a:spcAft>
+            </a:pPr>
+            <a:fld id="{1BECCC40-D9B0-4504-ABD2-E9A3371E8387}" type="slidenum">
+              <a:rPr lang="en-US" smtClean="0">
+                <a:solidFill>
+                  <a:schemeClr val="bg1"/>
+                </a:solidFill>
+              </a:rPr>
+              <a:pPr algn="ctr">
+                <a:spcAft>
+                  <a:spcPts val="600"/>
+                </a:spcAft>
+              </a:pPr>
+              <a:t>4</a:t>
+            </a:fld>
+            <a:endParaRPr lang="en-US" dirty="0">
+              <a:solidFill>
+                <a:schemeClr val="bg1"/>
+              </a:solidFill>
+            </a:endParaRPr>
+          </a:p>
+        </p:txBody>
+      </p:sp>
+    </p:spTree>
+    <p:extLst>
+      <p:ext uri="{BB962C8B-B14F-4D97-AF65-F5344CB8AC3E}">
+        <p14:creationId xmlns:p14="http://schemas.microsoft.com/office/powerpoint/2010/main" val="616315648"/>
+      </p:ext>
+    </p:extLst>
+  </p:cSld>
+  <p:clrMapOvr>
+    <a:masterClrMapping/>
+  </p:clrMapOvr>
+  <mc:AlternateContent xmlns:mc="http://schemas.openxmlformats.org/markup-compatibility/2006" xmlns:p14="http://schemas.microsoft.com/office/powerpoint/2010/main">
+    <mc:Choice Requires="p14">
+      <p:transition spd="slow" p14:dur="1200">
+        <p14:prism/>
+      </p:transition>
+    </mc:Choice>
+    <mc:Fallback xmlns="">
+      <p:transition spd="slow">
+        <p:fade/>
+      </p:transition>
+    </mc:Fallback>
+  </mc:AlternateContent>
+</p:sld>
+</file>
+
+<file path=ppt/slides/slide5.xml><?xml version="1.0" encoding="utf-8"?>
+<p:sld xmlns:a="http://schemas.openxmlformats.org/drawingml/2006/main" xmlns:r="http://schemas.openxmlformats.org/officeDocument/2006/relationships" xmlns:p="http://schemas.openxmlformats.org/presentationml/2006/main">
+  <p:cSld>
+    <p:spTree>
+      <p:nvGrpSpPr>
+        <p:cNvPr id="1" name=""/>
+        <p:cNvGrpSpPr/>
+        <p:nvPr/>
+      </p:nvGrpSpPr>
+      <p:grpSpPr>
+        <a:xfrm>
+          <a:off x="0" y="0"/>
+          <a:ext cx="0" cy="0"/>
+          <a:chOff x="0" y="0"/>
+          <a:chExt cx="0" cy="0"/>
+        </a:xfrm>
+      </p:grpSpPr>
+      <p:sp>
+        <p:nvSpPr>
           <p:cNvPr id="2" name="Rectangle 1">
             <a:extLst>
               <a:ext uri="{FF2B5EF4-FFF2-40B4-BE49-F238E27FC236}">
@@ -5680,8 +9881,8 @@
         </p:nvSpPr>
         <p:spPr>
           <a:xfrm>
-            <a:off x="708508" y="1582340"/>
-            <a:ext cx="7477620" cy="3693319"/>
+            <a:off x="708508" y="1582342"/>
+            <a:ext cx="6901234" cy="3693319"/>
           </a:xfrm>
           <a:prstGeom prst="rect">
             <a:avLst/>
@@ -5694,7 +9895,7 @@
           </a:bodyPr>
           <a:lstStyle/>
           <a:p>
-            <a:pPr marL="285750" indent="-285750">
+            <a:pPr marL="285750" indent="-285750" algn="just">
               <a:buFont typeface="Arial" panose="020B0604020202020204" pitchFamily="34" charset="0"/>
               <a:buChar char="•"/>
             </a:pPr>
@@ -5704,7 +9905,7 @@
             </a:r>
           </a:p>
           <a:p>
-            <a:pPr marL="285750" indent="-285750">
+            <a:pPr marL="285750" indent="-285750" algn="just">
               <a:buFont typeface="Arial" panose="020B0604020202020204" pitchFamily="34" charset="0"/>
               <a:buChar char="•"/>
             </a:pPr>
@@ -5714,7 +9915,7 @@
             </a:r>
           </a:p>
           <a:p>
-            <a:pPr marL="285750" indent="-285750">
+            <a:pPr marL="285750" indent="-285750" algn="just">
               <a:buFont typeface="Arial" panose="020B0604020202020204" pitchFamily="34" charset="0"/>
               <a:buChar char="•"/>
             </a:pPr>
@@ -5724,7 +9925,7 @@
             </a:r>
           </a:p>
           <a:p>
-            <a:pPr marL="285750" indent="-285750">
+            <a:pPr marL="285750" indent="-285750" algn="just">
               <a:buFont typeface="Arial" panose="020B0604020202020204" pitchFamily="34" charset="0"/>
               <a:buChar char="•"/>
             </a:pPr>
@@ -5734,7 +9935,7 @@
             </a:r>
           </a:p>
           <a:p>
-            <a:pPr marL="285750" indent="-285750">
+            <a:pPr marL="285750" indent="-285750" algn="just">
               <a:buFont typeface="Arial" panose="020B0604020202020204" pitchFamily="34" charset="0"/>
               <a:buChar char="•"/>
             </a:pPr>
@@ -5749,7 +9950,7 @@
             <a:endParaRPr lang="en-US" dirty="0"/>
           </a:p>
           <a:p>
-            <a:pPr marL="285750" indent="-285750">
+            <a:pPr marL="285750" indent="-285750" algn="just">
               <a:buFont typeface="Arial" panose="020B0604020202020204" pitchFamily="34" charset="0"/>
               <a:buChar char="•"/>
             </a:pPr>
@@ -5759,7 +9960,7 @@
             </a:r>
           </a:p>
           <a:p>
-            <a:pPr marL="285750" indent="-285750">
+            <a:pPr marL="285750" indent="-285750" algn="just">
               <a:buFont typeface="Arial" panose="020B0604020202020204" pitchFamily="34" charset="0"/>
               <a:buChar char="•"/>
             </a:pPr>
@@ -5806,13 +10007,13 @@
           <p:nvPr>
             <p:extLst>
               <p:ext uri="{D42A27DB-BD31-4B8C-83A1-F6EECF244321}">
-                <p14:modId xmlns:p14="http://schemas.microsoft.com/office/powerpoint/2010/main" val="1344402316"/>
+                <p14:modId xmlns:p14="http://schemas.microsoft.com/office/powerpoint/2010/main" val="2645381435"/>
               </p:ext>
             </p:extLst>
           </p:nvPr>
         </p:nvGraphicFramePr>
         <p:xfrm>
-          <a:off x="296595" y="4787757"/>
+          <a:off x="1602253" y="4466837"/>
           <a:ext cx="5580223" cy="1891665"/>
         </p:xfrm>
         <a:graphic>
@@ -6269,7 +10470,7 @@
                     <a:p>
                       <a:pPr algn="ctr" fontAlgn="b"/>
                       <a:r>
-                        <a:rPr lang="en-US" sz="1600" b="0" i="0" u="none" strike="noStrike">
+                        <a:rPr lang="en-US" sz="1600" b="0" i="0" u="none" strike="noStrike" dirty="0">
                           <a:solidFill>
                             <a:srgbClr val="000000"/>
                           </a:solidFill>
@@ -6586,13 +10787,13 @@
           <p:nvPr>
             <p:extLst>
               <p:ext uri="{D42A27DB-BD31-4B8C-83A1-F6EECF244321}">
-                <p14:modId xmlns:p14="http://schemas.microsoft.com/office/powerpoint/2010/main" val="3097456268"/>
+                <p14:modId xmlns:p14="http://schemas.microsoft.com/office/powerpoint/2010/main" val="2057097761"/>
               </p:ext>
             </p:extLst>
           </p:nvPr>
         </p:nvGraphicFramePr>
         <p:xfrm>
-          <a:off x="8186128" y="2038077"/>
+          <a:off x="7922148" y="1664403"/>
           <a:ext cx="3498708" cy="3237585"/>
         </p:xfrm>
         <a:graphic>
@@ -7906,6 +12107,68 @@
           </a:graphicData>
         </a:graphic>
       </p:graphicFrame>
+      <p:sp>
+        <p:nvSpPr>
+          <p:cNvPr id="7" name="Slide Number Placeholder 6">
+            <a:extLst>
+              <a:ext uri="{FF2B5EF4-FFF2-40B4-BE49-F238E27FC236}">
+                <a16:creationId xmlns:a16="http://schemas.microsoft.com/office/drawing/2014/main" id="{2F11889F-0857-4C1A-8A3C-4B6BE6744E22}"/>
+              </a:ext>
+            </a:extLst>
+          </p:cNvPr>
+          <p:cNvSpPr>
+            <a:spLocks noGrp="1"/>
+          </p:cNvSpPr>
+          <p:nvPr>
+            <p:ph type="sldNum" sz="quarter" idx="12"/>
+          </p:nvPr>
+        </p:nvSpPr>
+        <p:spPr>
+          <a:xfrm>
+            <a:off x="11146536" y="6035040"/>
+            <a:ext cx="548640" cy="548640"/>
+          </a:xfrm>
+          <a:prstGeom prst="ellipse">
+            <a:avLst/>
+          </a:prstGeom>
+          <a:solidFill>
+            <a:schemeClr val="tx1">
+              <a:alpha val="80000"/>
+            </a:schemeClr>
+          </a:solidFill>
+        </p:spPr>
+        <p:txBody>
+          <a:bodyPr vert="horz" lIns="91440" tIns="45720" rIns="91440" bIns="45720" rtlCol="0" anchor="ctr">
+            <a:normAutofit/>
+          </a:bodyPr>
+          <a:lstStyle/>
+          <a:p>
+            <a:pPr algn="ctr">
+              <a:spcAft>
+                <a:spcPts val="600"/>
+              </a:spcAft>
+            </a:pPr>
+            <a:fld id="{1BECCC40-D9B0-4504-ABD2-E9A3371E8387}" type="slidenum">
+              <a:rPr lang="en-US" smtClean="0">
+                <a:solidFill>
+                  <a:schemeClr val="bg1"/>
+                </a:solidFill>
+              </a:rPr>
+              <a:pPr algn="ctr">
+                <a:spcAft>
+                  <a:spcPts val="600"/>
+                </a:spcAft>
+              </a:pPr>
+              <a:t>5</a:t>
+            </a:fld>
+            <a:endParaRPr lang="en-US" dirty="0">
+              <a:solidFill>
+                <a:schemeClr val="bg1"/>
+              </a:solidFill>
+            </a:endParaRPr>
+          </a:p>
+        </p:txBody>
+      </p:sp>
     </p:spTree>
     <p:extLst>
       <p:ext uri="{BB962C8B-B14F-4D97-AF65-F5344CB8AC3E}">
@@ -7916,12 +12179,32 @@
   <p:clrMapOvr>
     <a:masterClrMapping/>
   </p:clrMapOvr>
+  <mc:AlternateContent xmlns:mc="http://schemas.openxmlformats.org/markup-compatibility/2006" xmlns:p14="http://schemas.microsoft.com/office/powerpoint/2010/main">
+    <mc:Choice Requires="p14">
+      <p:transition spd="slow" p14:dur="1200">
+        <p14:prism/>
+      </p:transition>
+    </mc:Choice>
+    <mc:Fallback xmlns="">
+      <p:transition spd="slow">
+        <p:fade/>
+      </p:transition>
+    </mc:Fallback>
+  </mc:AlternateContent>
 </p:sld>
 </file>
 
-<file path=ppt/slides/slide5.xml><?xml version="1.0" encoding="utf-8"?>
+<file path=ppt/slides/slide6.xml><?xml version="1.0" encoding="utf-8"?>
 <p:sld xmlns:a="http://schemas.openxmlformats.org/drawingml/2006/main" xmlns:r="http://schemas.openxmlformats.org/officeDocument/2006/relationships" xmlns:p="http://schemas.openxmlformats.org/presentationml/2006/main">
   <p:cSld>
+    <p:bg>
+      <p:bgPr>
+        <a:solidFill>
+          <a:schemeClr val="bg1"/>
+        </a:solidFill>
+        <a:effectLst/>
+      </p:bgPr>
+    </p:bg>
     <p:spTree>
       <p:nvGrpSpPr>
         <p:cNvPr id="1" name=""/>
@@ -7938,103 +12221,41 @@
       </p:grpSpPr>
       <p:sp>
         <p:nvSpPr>
-          <p:cNvPr id="2" name="TextBox 1">
+          <p:cNvPr id="21" name="Rectangle 17">
             <a:extLst>
               <a:ext uri="{FF2B5EF4-FFF2-40B4-BE49-F238E27FC236}">
-                <a16:creationId xmlns:a16="http://schemas.microsoft.com/office/drawing/2014/main" id="{3946EEAD-75AB-AF47-88AF-148DF7C8CC2F}"/>
+                <a16:creationId xmlns:a16="http://schemas.microsoft.com/office/drawing/2014/main" id="{6753252F-4873-4F63-801D-CC719279A7D5}"/>
+              </a:ext>
+              <a:ext uri="{C183D7F6-B498-43B3-948B-1728B52AA6E4}">
+                <adec:decorative xmlns:adec="http://schemas.microsoft.com/office/drawing/2017/decorative" val="1"/>
               </a:ext>
             </a:extLst>
           </p:cNvPr>
-          <p:cNvSpPr txBox="1"/>
-          <p:nvPr/>
+          <p:cNvSpPr>
+            <a:spLocks noGrp="1" noRot="1" noChangeAspect="1" noMove="1" noResize="1" noEditPoints="1" noAdjustHandles="1" noChangeArrowheads="1" noChangeShapeType="1" noTextEdit="1"/>
+          </p:cNvSpPr>
+          <p:nvPr>
+            <p:extLst>
+              <p:ext uri="{386F3935-93C4-4BCD-93E2-E3B085C9AB24}">
+                <p16:designElem xmlns:p16="http://schemas.microsoft.com/office/powerpoint/2015/main" val="1"/>
+              </p:ext>
+            </p:extLst>
+          </p:nvPr>
         </p:nvSpPr>
         <p:spPr>
           <a:xfrm>
-            <a:off x="1837592" y="3226777"/>
-            <a:ext cx="6374423" cy="369332"/>
+            <a:off x="0" y="0"/>
+            <a:ext cx="12192000" cy="6858000"/>
           </a:xfrm>
           <a:prstGeom prst="rect">
             <a:avLst/>
           </a:prstGeom>
-          <a:noFill/>
-        </p:spPr>
-        <p:txBody>
-          <a:bodyPr wrap="square" rtlCol="0">
-            <a:spAutoFit/>
-          </a:bodyPr>
-          <a:lstStyle/>
-          <a:p>
-            <a:endParaRPr lang="en-US" dirty="0"/>
-          </a:p>
-        </p:txBody>
-      </p:sp>
-      <p:pic>
-        <p:nvPicPr>
-          <p:cNvPr id="6" name="Picture 5">
-            <a:extLst>
-              <a:ext uri="{FF2B5EF4-FFF2-40B4-BE49-F238E27FC236}">
-                <a16:creationId xmlns:a16="http://schemas.microsoft.com/office/drawing/2014/main" id="{60902883-0EBE-C446-A2F8-FCB68127D770}"/>
-              </a:ext>
-            </a:extLst>
-          </p:cNvPr>
-          <p:cNvPicPr>
-            <a:picLocks noChangeAspect="1"/>
-          </p:cNvPicPr>
-          <p:nvPr/>
-        </p:nvPicPr>
-        <p:blipFill>
-          <a:blip r:embed="rId2">
-            <a:clrChange>
-              <a:clrFrom>
-                <a:srgbClr val="FFFFFF"/>
-              </a:clrFrom>
-              <a:clrTo>
-                <a:srgbClr val="FFFFFF">
-                  <a:alpha val="0"/>
-                </a:srgbClr>
-              </a:clrTo>
-            </a:clrChange>
-            <a:extLst>
-              <a:ext uri="{28A0092B-C50C-407E-A947-70E740481C1C}">
-                <a14:useLocalDpi xmlns:a14="http://schemas.microsoft.com/office/drawing/2010/main" val="0"/>
-              </a:ext>
-            </a:extLst>
-          </a:blip>
-          <a:stretch>
-            <a:fillRect/>
-          </a:stretch>
-        </p:blipFill>
-        <p:spPr>
-          <a:xfrm>
-            <a:off x="611252" y="545690"/>
-            <a:ext cx="10823944" cy="6207618"/>
-          </a:xfrm>
-          <a:prstGeom prst="rect">
-            <a:avLst/>
-          </a:prstGeom>
-        </p:spPr>
-      </p:pic>
-      <p:sp>
-        <p:nvSpPr>
-          <p:cNvPr id="3" name="Arrow: Right 2">
-            <a:hlinkClick r:id="rId3" action="ppaction://hlinkfile"/>
-            <a:extLst>
-              <a:ext uri="{FF2B5EF4-FFF2-40B4-BE49-F238E27FC236}">
-                <a16:creationId xmlns:a16="http://schemas.microsoft.com/office/drawing/2014/main" id="{26013135-6859-48E6-8DA3-C22C56DD63F4}"/>
-              </a:ext>
-            </a:extLst>
-          </p:cNvPr>
-          <p:cNvSpPr/>
-          <p:nvPr/>
-        </p:nvSpPr>
-        <p:spPr>
-          <a:xfrm>
-            <a:off x="11702562" y="6550269"/>
-            <a:ext cx="404446" cy="268982"/>
-          </a:xfrm>
-          <a:prstGeom prst="rightArrow">
-            <a:avLst/>
-          </a:prstGeom>
+          <a:solidFill>
+            <a:srgbClr val="FFFFFF"/>
+          </a:solidFill>
+          <a:ln>
+            <a:noFill/>
+          </a:ln>
         </p:spPr>
         <p:style>
           <a:lnRef idx="2">
@@ -8061,6 +12282,348 @@
           </a:p>
         </p:txBody>
       </p:sp>
+      <p:sp>
+        <p:nvSpPr>
+          <p:cNvPr id="20" name="Rectangle 19">
+            <a:extLst>
+              <a:ext uri="{FF2B5EF4-FFF2-40B4-BE49-F238E27FC236}">
+                <a16:creationId xmlns:a16="http://schemas.microsoft.com/office/drawing/2014/main" id="{047C8CCB-F95D-4249-92DD-651249D3535A}"/>
+              </a:ext>
+              <a:ext uri="{C183D7F6-B498-43B3-948B-1728B52AA6E4}">
+                <adec:decorative xmlns:adec="http://schemas.microsoft.com/office/drawing/2017/decorative" val="1"/>
+              </a:ext>
+            </a:extLst>
+          </p:cNvPr>
+          <p:cNvSpPr>
+            <a:spLocks noGrp="1" noRot="1" noChangeAspect="1" noMove="1" noResize="1" noEditPoints="1" noAdjustHandles="1" noChangeArrowheads="1" noChangeShapeType="1" noTextEdit="1"/>
+          </p:cNvSpPr>
+          <p:nvPr>
+            <p:extLst>
+              <p:ext uri="{386F3935-93C4-4BCD-93E2-E3B085C9AB24}">
+                <p16:designElem xmlns:p16="http://schemas.microsoft.com/office/powerpoint/2015/main" val="1"/>
+              </p:ext>
+            </p:extLst>
+          </p:nvPr>
+        </p:nvSpPr>
+        <p:spPr>
+          <a:xfrm>
+            <a:off x="0" y="0"/>
+            <a:ext cx="2013557" cy="6858000"/>
+          </a:xfrm>
+          <a:prstGeom prst="rect">
+            <a:avLst/>
+          </a:prstGeom>
+          <a:solidFill>
+            <a:srgbClr val="3C4266"/>
+          </a:solidFill>
+          <a:ln>
+            <a:noFill/>
+          </a:ln>
+        </p:spPr>
+        <p:style>
+          <a:lnRef idx="2">
+            <a:schemeClr val="accent1">
+              <a:shade val="50000"/>
+            </a:schemeClr>
+          </a:lnRef>
+          <a:fillRef idx="1">
+            <a:schemeClr val="accent1"/>
+          </a:fillRef>
+          <a:effectRef idx="0">
+            <a:schemeClr val="accent1"/>
+          </a:effectRef>
+          <a:fontRef idx="minor">
+            <a:schemeClr val="lt1"/>
+          </a:fontRef>
+        </p:style>
+        <p:txBody>
+          <a:bodyPr rtlCol="0" anchor="ctr"/>
+          <a:lstStyle/>
+          <a:p>
+            <a:pPr algn="ctr"/>
+            <a:endParaRPr lang="en-US"/>
+          </a:p>
+        </p:txBody>
+      </p:sp>
+      <p:sp>
+        <p:nvSpPr>
+          <p:cNvPr id="4" name="Title 3">
+            <a:extLst>
+              <a:ext uri="{FF2B5EF4-FFF2-40B4-BE49-F238E27FC236}">
+                <a16:creationId xmlns:a16="http://schemas.microsoft.com/office/drawing/2014/main" id="{2B29FE76-FA31-4A15-BCC7-19EE3BDA92B3}"/>
+              </a:ext>
+            </a:extLst>
+          </p:cNvPr>
+          <p:cNvSpPr>
+            <a:spLocks noGrp="1"/>
+          </p:cNvSpPr>
+          <p:nvPr>
+            <p:ph type="title"/>
+          </p:nvPr>
+        </p:nvSpPr>
+        <p:spPr>
+          <a:xfrm>
+            <a:off x="640080" y="2074363"/>
+            <a:ext cx="2752354" cy="2709275"/>
+          </a:xfrm>
+          <a:prstGeom prst="ellipse">
+            <a:avLst/>
+          </a:prstGeom>
+          <a:solidFill>
+            <a:srgbClr val="262626"/>
+          </a:solidFill>
+          <a:ln w="174625" cmpd="thinThick">
+            <a:solidFill>
+              <a:srgbClr val="262626"/>
+            </a:solidFill>
+          </a:ln>
+        </p:spPr>
+        <p:txBody>
+          <a:bodyPr anchor="ctr">
+            <a:normAutofit/>
+          </a:bodyPr>
+          <a:lstStyle/>
+          <a:p>
+            <a:pPr algn="ctr"/>
+            <a:r>
+              <a:rPr lang="en-US" sz="2600">
+                <a:solidFill>
+                  <a:srgbClr val="FFFFFF"/>
+                </a:solidFill>
+              </a:rPr>
+              <a:t>Average Happiness Score</a:t>
+            </a:r>
+            <a:endParaRPr lang="en-US" sz="2600" dirty="0">
+              <a:solidFill>
+                <a:srgbClr val="FFFFFF"/>
+              </a:solidFill>
+            </a:endParaRPr>
+          </a:p>
+        </p:txBody>
+      </p:sp>
+      <p:pic>
+        <p:nvPicPr>
+          <p:cNvPr id="6" name="Picture 5">
+            <a:extLst>
+              <a:ext uri="{FF2B5EF4-FFF2-40B4-BE49-F238E27FC236}">
+                <a16:creationId xmlns:a16="http://schemas.microsoft.com/office/drawing/2014/main" id="{60902883-0EBE-C446-A2F8-FCB68127D770}"/>
+              </a:ext>
+            </a:extLst>
+          </p:cNvPr>
+          <p:cNvPicPr>
+            <a:picLocks noChangeAspect="1"/>
+          </p:cNvPicPr>
+          <p:nvPr/>
+        </p:nvPicPr>
+        <p:blipFill rotWithShape="1">
+          <a:blip r:embed="rId2">
+            <a:extLst>
+              <a:ext uri="{28A0092B-C50C-407E-A947-70E740481C1C}">
+                <a14:useLocalDpi xmlns:a14="http://schemas.microsoft.com/office/drawing/2010/main" val="0"/>
+              </a:ext>
+            </a:extLst>
+          </a:blip>
+          <a:srcRect l="9700" t="15797"/>
+          <a:stretch/>
+        </p:blipFill>
+        <p:spPr>
+          <a:xfrm>
+            <a:off x="3758711" y="848145"/>
+            <a:ext cx="8159261" cy="4888369"/>
+          </a:xfrm>
+          <a:prstGeom prst="rect">
+            <a:avLst/>
+          </a:prstGeom>
+        </p:spPr>
+      </p:pic>
+      <p:sp>
+        <p:nvSpPr>
+          <p:cNvPr id="2" name="TextBox 1">
+            <a:extLst>
+              <a:ext uri="{FF2B5EF4-FFF2-40B4-BE49-F238E27FC236}">
+                <a16:creationId xmlns:a16="http://schemas.microsoft.com/office/drawing/2014/main" id="{3946EEAD-75AB-AF47-88AF-148DF7C8CC2F}"/>
+              </a:ext>
+            </a:extLst>
+          </p:cNvPr>
+          <p:cNvSpPr txBox="1"/>
+          <p:nvPr/>
+        </p:nvSpPr>
+        <p:spPr>
+          <a:xfrm>
+            <a:off x="1837592" y="3226777"/>
+            <a:ext cx="6374423" cy="369332"/>
+          </a:xfrm>
+          <a:prstGeom prst="rect">
+            <a:avLst/>
+          </a:prstGeom>
+          <a:noFill/>
+        </p:spPr>
+        <p:txBody>
+          <a:bodyPr wrap="square" rtlCol="0">
+            <a:spAutoFit/>
+          </a:bodyPr>
+          <a:lstStyle/>
+          <a:p>
+            <a:endParaRPr lang="en-US" dirty="0"/>
+          </a:p>
+        </p:txBody>
+      </p:sp>
+      <p:sp>
+        <p:nvSpPr>
+          <p:cNvPr id="5" name="Slide Number Placeholder 6">
+            <a:extLst>
+              <a:ext uri="{FF2B5EF4-FFF2-40B4-BE49-F238E27FC236}">
+                <a16:creationId xmlns:a16="http://schemas.microsoft.com/office/drawing/2014/main" id="{87E23BDD-DA38-4A45-BB95-4F26139CD48C}"/>
+              </a:ext>
+            </a:extLst>
+          </p:cNvPr>
+          <p:cNvSpPr txBox="1">
+            <a:spLocks/>
+          </p:cNvSpPr>
+          <p:nvPr/>
+        </p:nvSpPr>
+        <p:spPr>
+          <a:xfrm>
+            <a:off x="11146536" y="6035040"/>
+            <a:ext cx="548640" cy="548640"/>
+          </a:xfrm>
+          <a:prstGeom prst="ellipse">
+            <a:avLst/>
+          </a:prstGeom>
+          <a:solidFill>
+            <a:schemeClr val="tx1">
+              <a:alpha val="80000"/>
+            </a:schemeClr>
+          </a:solidFill>
+        </p:spPr>
+        <p:txBody>
+          <a:bodyPr vert="horz" lIns="91440" tIns="45720" rIns="91440" bIns="45720" rtlCol="0" anchor="ctr">
+            <a:normAutofit/>
+          </a:bodyPr>
+          <a:lstStyle>
+            <a:defPPr>
+              <a:defRPr lang="en-US"/>
+            </a:defPPr>
+            <a:lvl1pPr marL="0" algn="r" defTabSz="914400" rtl="0" eaLnBrk="1" latinLnBrk="0" hangingPunct="1">
+              <a:defRPr sz="1200" kern="1200">
+                <a:solidFill>
+                  <a:schemeClr val="tx1">
+                    <a:tint val="75000"/>
+                  </a:schemeClr>
+                </a:solidFill>
+                <a:latin typeface="+mn-lt"/>
+                <a:ea typeface="+mn-ea"/>
+                <a:cs typeface="+mn-cs"/>
+              </a:defRPr>
+            </a:lvl1pPr>
+            <a:lvl2pPr marL="457200" algn="l" defTabSz="914400" rtl="0" eaLnBrk="1" latinLnBrk="0" hangingPunct="1">
+              <a:defRPr sz="1800" kern="1200">
+                <a:solidFill>
+                  <a:schemeClr val="tx1"/>
+                </a:solidFill>
+                <a:latin typeface="+mn-lt"/>
+                <a:ea typeface="+mn-ea"/>
+                <a:cs typeface="+mn-cs"/>
+              </a:defRPr>
+            </a:lvl2pPr>
+            <a:lvl3pPr marL="914400" algn="l" defTabSz="914400" rtl="0" eaLnBrk="1" latinLnBrk="0" hangingPunct="1">
+              <a:defRPr sz="1800" kern="1200">
+                <a:solidFill>
+                  <a:schemeClr val="tx1"/>
+                </a:solidFill>
+                <a:latin typeface="+mn-lt"/>
+                <a:ea typeface="+mn-ea"/>
+                <a:cs typeface="+mn-cs"/>
+              </a:defRPr>
+            </a:lvl3pPr>
+            <a:lvl4pPr marL="1371600" algn="l" defTabSz="914400" rtl="0" eaLnBrk="1" latinLnBrk="0" hangingPunct="1">
+              <a:defRPr sz="1800" kern="1200">
+                <a:solidFill>
+                  <a:schemeClr val="tx1"/>
+                </a:solidFill>
+                <a:latin typeface="+mn-lt"/>
+                <a:ea typeface="+mn-ea"/>
+                <a:cs typeface="+mn-cs"/>
+              </a:defRPr>
+            </a:lvl4pPr>
+            <a:lvl5pPr marL="1828800" algn="l" defTabSz="914400" rtl="0" eaLnBrk="1" latinLnBrk="0" hangingPunct="1">
+              <a:defRPr sz="1800" kern="1200">
+                <a:solidFill>
+                  <a:schemeClr val="tx1"/>
+                </a:solidFill>
+                <a:latin typeface="+mn-lt"/>
+                <a:ea typeface="+mn-ea"/>
+                <a:cs typeface="+mn-cs"/>
+              </a:defRPr>
+            </a:lvl5pPr>
+            <a:lvl6pPr marL="2286000" algn="l" defTabSz="914400" rtl="0" eaLnBrk="1" latinLnBrk="0" hangingPunct="1">
+              <a:defRPr sz="1800" kern="1200">
+                <a:solidFill>
+                  <a:schemeClr val="tx1"/>
+                </a:solidFill>
+                <a:latin typeface="+mn-lt"/>
+                <a:ea typeface="+mn-ea"/>
+                <a:cs typeface="+mn-cs"/>
+              </a:defRPr>
+            </a:lvl6pPr>
+            <a:lvl7pPr marL="2743200" algn="l" defTabSz="914400" rtl="0" eaLnBrk="1" latinLnBrk="0" hangingPunct="1">
+              <a:defRPr sz="1800" kern="1200">
+                <a:solidFill>
+                  <a:schemeClr val="tx1"/>
+                </a:solidFill>
+                <a:latin typeface="+mn-lt"/>
+                <a:ea typeface="+mn-ea"/>
+                <a:cs typeface="+mn-cs"/>
+              </a:defRPr>
+            </a:lvl7pPr>
+            <a:lvl8pPr marL="3200400" algn="l" defTabSz="914400" rtl="0" eaLnBrk="1" latinLnBrk="0" hangingPunct="1">
+              <a:defRPr sz="1800" kern="1200">
+                <a:solidFill>
+                  <a:schemeClr val="tx1"/>
+                </a:solidFill>
+                <a:latin typeface="+mn-lt"/>
+                <a:ea typeface="+mn-ea"/>
+                <a:cs typeface="+mn-cs"/>
+              </a:defRPr>
+            </a:lvl8pPr>
+            <a:lvl9pPr marL="3657600" algn="l" defTabSz="914400" rtl="0" eaLnBrk="1" latinLnBrk="0" hangingPunct="1">
+              <a:defRPr sz="1800" kern="1200">
+                <a:solidFill>
+                  <a:schemeClr val="tx1"/>
+                </a:solidFill>
+                <a:latin typeface="+mn-lt"/>
+                <a:ea typeface="+mn-ea"/>
+                <a:cs typeface="+mn-cs"/>
+              </a:defRPr>
+            </a:lvl9pPr>
+          </a:lstStyle>
+          <a:p>
+            <a:pPr algn="ctr">
+              <a:spcAft>
+                <a:spcPts val="600"/>
+              </a:spcAft>
+            </a:pPr>
+            <a:fld id="{1BECCC40-D9B0-4504-ABD2-E9A3371E8387}" type="slidenum">
+              <a:rPr lang="en-US" smtClean="0">
+                <a:solidFill>
+                  <a:schemeClr val="bg1"/>
+                </a:solidFill>
+              </a:rPr>
+              <a:pPr algn="ctr">
+                <a:spcAft>
+                  <a:spcPts val="600"/>
+                </a:spcAft>
+              </a:pPr>
+              <a:t>6</a:t>
+            </a:fld>
+            <a:endParaRPr lang="en-US" dirty="0">
+              <a:solidFill>
+                <a:schemeClr val="bg1"/>
+              </a:solidFill>
+            </a:endParaRPr>
+          </a:p>
+        </p:txBody>
+      </p:sp>
     </p:spTree>
     <p:extLst>
       <p:ext uri="{BB962C8B-B14F-4D97-AF65-F5344CB8AC3E}">
@@ -8071,12 +12634,32 @@
   <p:clrMapOvr>
     <a:masterClrMapping/>
   </p:clrMapOvr>
+  <mc:AlternateContent xmlns:mc="http://schemas.openxmlformats.org/markup-compatibility/2006" xmlns:p14="http://schemas.microsoft.com/office/powerpoint/2010/main">
+    <mc:Choice Requires="p14">
+      <p:transition spd="slow" p14:dur="1200">
+        <p14:prism/>
+      </p:transition>
+    </mc:Choice>
+    <mc:Fallback xmlns="">
+      <p:transition spd="slow">
+        <p:fade/>
+      </p:transition>
+    </mc:Fallback>
+  </mc:AlternateContent>
 </p:sld>
 </file>
 
-<file path=ppt/slides/slide6.xml><?xml version="1.0" encoding="utf-8"?>
+<file path=ppt/slides/slide7.xml><?xml version="1.0" encoding="utf-8"?>
 <p:sld xmlns:a="http://schemas.openxmlformats.org/drawingml/2006/main" xmlns:r="http://schemas.openxmlformats.org/officeDocument/2006/relationships" xmlns:p="http://schemas.openxmlformats.org/presentationml/2006/main">
   <p:cSld>
+    <p:bg>
+      <p:bgPr>
+        <a:solidFill>
+          <a:schemeClr val="bg1"/>
+        </a:solidFill>
+        <a:effectLst/>
+      </p:bgPr>
+    </p:bg>
     <p:spTree>
       <p:nvGrpSpPr>
         <p:cNvPr id="1" name=""/>
@@ -8091,12 +12674,224 @@
           <a:chExt cx="0" cy="0"/>
         </a:xfrm>
       </p:grpSpPr>
+      <p:sp>
+        <p:nvSpPr>
+          <p:cNvPr id="21" name="Rectangle 20">
+            <a:extLst>
+              <a:ext uri="{FF2B5EF4-FFF2-40B4-BE49-F238E27FC236}">
+                <a16:creationId xmlns:a16="http://schemas.microsoft.com/office/drawing/2014/main" id="{71CFE9EA-50D8-4028-BE42-DC2D813BEA66}"/>
+              </a:ext>
+              <a:ext uri="{C183D7F6-B498-43B3-948B-1728B52AA6E4}">
+                <adec:decorative xmlns:adec="http://schemas.microsoft.com/office/drawing/2017/decorative" val="1"/>
+              </a:ext>
+            </a:extLst>
+          </p:cNvPr>
+          <p:cNvSpPr>
+            <a:spLocks noGrp="1" noRot="1" noChangeAspect="1" noMove="1" noResize="1" noEditPoints="1" noAdjustHandles="1" noChangeArrowheads="1" noChangeShapeType="1" noTextEdit="1"/>
+          </p:cNvSpPr>
+          <p:nvPr>
+            <p:extLst>
+              <p:ext uri="{386F3935-93C4-4BCD-93E2-E3B085C9AB24}">
+                <p16:designElem xmlns:p16="http://schemas.microsoft.com/office/powerpoint/2015/main" val="1"/>
+              </p:ext>
+            </p:extLst>
+          </p:nvPr>
+        </p:nvSpPr>
+        <p:spPr bwMode="ltGray">
+          <a:xfrm>
+            <a:off x="321564" y="251674"/>
+            <a:ext cx="11548872" cy="1645920"/>
+          </a:xfrm>
+          <a:prstGeom prst="rect">
+            <a:avLst/>
+          </a:prstGeom>
+          <a:solidFill>
+            <a:schemeClr val="tx1">
+              <a:lumMod val="75000"/>
+              <a:lumOff val="25000"/>
+            </a:schemeClr>
+          </a:solidFill>
+          <a:ln w="127000" cap="sq" cmpd="thinThick">
+            <a:noFill/>
+          </a:ln>
+        </p:spPr>
+        <p:style>
+          <a:lnRef idx="2">
+            <a:schemeClr val="accent1">
+              <a:shade val="50000"/>
+            </a:schemeClr>
+          </a:lnRef>
+          <a:fillRef idx="1">
+            <a:schemeClr val="accent1"/>
+          </a:fillRef>
+          <a:effectRef idx="0">
+            <a:schemeClr val="accent1"/>
+          </a:effectRef>
+          <a:fontRef idx="minor">
+            <a:schemeClr val="lt1"/>
+          </a:fontRef>
+        </p:style>
+        <p:txBody>
+          <a:bodyPr rtlCol="0" anchor="ctr"/>
+          <a:lstStyle/>
+          <a:p>
+            <a:pPr marL="0" marR="0" lvl="0" indent="0" algn="ctr" defTabSz="914400" rtl="0" eaLnBrk="1" fontAlgn="auto" latinLnBrk="0" hangingPunct="1">
+              <a:lnSpc>
+                <a:spcPct val="100000"/>
+              </a:lnSpc>
+              <a:spcBef>
+                <a:spcPts val="0"/>
+              </a:spcBef>
+              <a:spcAft>
+                <a:spcPts val="0"/>
+              </a:spcAft>
+              <a:buClrTx/>
+              <a:buSzTx/>
+              <a:buFontTx/>
+              <a:buNone/>
+              <a:tabLst/>
+              <a:defRPr/>
+            </a:pPr>
+            <a:endParaRPr kumimoji="0" lang="en-US" sz="1800" b="0" i="0" u="none" strike="noStrike" kern="1200" cap="none" spc="0" normalizeH="0" baseline="0" noProof="0">
+              <a:ln>
+                <a:noFill/>
+              </a:ln>
+              <a:solidFill>
+                <a:prstClr val="white"/>
+              </a:solidFill>
+              <a:effectLst/>
+              <a:uLnTx/>
+              <a:uFillTx/>
+              <a:latin typeface="Calibri" panose="020F0502020204030204"/>
+              <a:ea typeface="+mn-ea"/>
+              <a:cs typeface="+mn-cs"/>
+            </a:endParaRPr>
+          </a:p>
+        </p:txBody>
+      </p:sp>
+      <p:sp>
+        <p:nvSpPr>
+          <p:cNvPr id="3" name="Title 2">
+            <a:extLst>
+              <a:ext uri="{FF2B5EF4-FFF2-40B4-BE49-F238E27FC236}">
+                <a16:creationId xmlns:a16="http://schemas.microsoft.com/office/drawing/2014/main" id="{AC7368F0-6631-4782-B402-EB4955A6D5F3}"/>
+              </a:ext>
+            </a:extLst>
+          </p:cNvPr>
+          <p:cNvSpPr>
+            <a:spLocks noGrp="1"/>
+          </p:cNvSpPr>
+          <p:nvPr>
+            <p:ph type="title"/>
+          </p:nvPr>
+        </p:nvSpPr>
+        <p:spPr>
+          <a:xfrm>
+            <a:off x="4379976" y="452842"/>
+            <a:ext cx="6976872" cy="1261872"/>
+          </a:xfrm>
+        </p:spPr>
+        <p:txBody>
+          <a:bodyPr vert="horz" lIns="91440" tIns="45720" rIns="91440" bIns="45720" rtlCol="0" anchor="ctr">
+            <a:normAutofit/>
+          </a:bodyPr>
+          <a:lstStyle/>
+          <a:p>
+            <a:r>
+              <a:rPr lang="en-US" sz="3700" kern="1200">
+                <a:solidFill>
+                  <a:schemeClr val="bg1"/>
+                </a:solidFill>
+                <a:latin typeface="+mj-lt"/>
+                <a:ea typeface="+mj-ea"/>
+                <a:cs typeface="+mj-cs"/>
+              </a:rPr>
+              <a:t>Economy to Happiness</a:t>
+            </a:r>
+            <a:br>
+              <a:rPr lang="en-US" sz="3700" kern="1200">
+                <a:solidFill>
+                  <a:schemeClr val="bg1"/>
+                </a:solidFill>
+                <a:latin typeface="+mj-lt"/>
+                <a:ea typeface="+mj-ea"/>
+                <a:cs typeface="+mj-cs"/>
+              </a:rPr>
+            </a:br>
+            <a:r>
+              <a:rPr lang="en-US" sz="3700" kern="1200">
+                <a:solidFill>
+                  <a:schemeClr val="bg1"/>
+                </a:solidFill>
+                <a:latin typeface="+mj-lt"/>
+                <a:ea typeface="+mj-ea"/>
+                <a:cs typeface="+mj-cs"/>
+              </a:rPr>
+              <a:t>Scatter plot with regression line fit</a:t>
+            </a:r>
+          </a:p>
+        </p:txBody>
+      </p:sp>
+      <p:cxnSp>
+        <p:nvCxnSpPr>
+          <p:cNvPr id="23" name="Straight Connector 22">
+            <a:extLst>
+              <a:ext uri="{FF2B5EF4-FFF2-40B4-BE49-F238E27FC236}">
+                <a16:creationId xmlns:a16="http://schemas.microsoft.com/office/drawing/2014/main" id="{9A218DD6-0CC7-465B-B80F-747F97B4021F}"/>
+              </a:ext>
+              <a:ext uri="{C183D7F6-B498-43B3-948B-1728B52AA6E4}">
+                <adec:decorative xmlns:adec="http://schemas.microsoft.com/office/drawing/2017/decorative" val="1"/>
+              </a:ext>
+            </a:extLst>
+          </p:cNvPr>
+          <p:cNvCxnSpPr>
+            <a:cxnSpLocks noGrp="1" noRot="1" noChangeAspect="1" noMove="1" noResize="1" noEditPoints="1" noAdjustHandles="1" noChangeArrowheads="1" noChangeShapeType="1"/>
+          </p:cNvCxnSpPr>
+          <p:nvPr>
+            <p:extLst>
+              <p:ext uri="{386F3935-93C4-4BCD-93E2-E3B085C9AB24}">
+                <p16:designElem xmlns:p16="http://schemas.microsoft.com/office/powerpoint/2015/main" val="1"/>
+              </p:ext>
+            </p:extLst>
+          </p:nvPr>
+        </p:nvCxnSpPr>
+        <p:spPr>
+          <a:xfrm flipV="1">
+            <a:off x="4059936" y="623740"/>
+            <a:ext cx="0" cy="914400"/>
+          </a:xfrm>
+          <a:prstGeom prst="line">
+            <a:avLst/>
+          </a:prstGeom>
+          <a:ln w="19050">
+            <a:solidFill>
+              <a:schemeClr val="bg1">
+                <a:alpha val="80000"/>
+              </a:schemeClr>
+            </a:solidFill>
+          </a:ln>
+        </p:spPr>
+        <p:style>
+          <a:lnRef idx="1">
+            <a:schemeClr val="accent1"/>
+          </a:lnRef>
+          <a:fillRef idx="0">
+            <a:schemeClr val="accent1"/>
+          </a:fillRef>
+          <a:effectRef idx="0">
+            <a:schemeClr val="accent1"/>
+          </a:effectRef>
+          <a:fontRef idx="minor">
+            <a:schemeClr val="tx1"/>
+          </a:fontRef>
+        </p:style>
+      </p:cxnSp>
       <p:pic>
         <p:nvPicPr>
-          <p:cNvPr id="5" name="Picture 4">
+          <p:cNvPr id="2" name="Picture 1">
             <a:extLst>
               <a:ext uri="{FF2B5EF4-FFF2-40B4-BE49-F238E27FC236}">
-                <a16:creationId xmlns:a16="http://schemas.microsoft.com/office/drawing/2014/main" id="{7E6DDA8B-6DE7-BC4D-8C56-D99CD1C88366}"/>
+                <a16:creationId xmlns:a16="http://schemas.microsoft.com/office/drawing/2014/main" id="{E2A28A09-C732-8342-8DDC-54B6686AF8F9}"/>
               </a:ext>
             </a:extLst>
           </p:cNvPr>
@@ -8105,7 +12900,7 @@
           </p:cNvPicPr>
           <p:nvPr/>
         </p:nvPicPr>
-        <p:blipFill>
+        <p:blipFill rotWithShape="1">
           <a:blip r:embed="rId2">
             <a:extLst>
               <a:ext uri="{28A0092B-C50C-407E-A947-70E740481C1C}">
@@ -8113,92 +12908,181 @@
               </a:ext>
             </a:extLst>
           </a:blip>
-          <a:stretch>
-            <a:fillRect/>
-          </a:stretch>
+          <a:srcRect l="7312" r="7686"/>
+          <a:stretch/>
         </p:blipFill>
         <p:spPr>
           <a:xfrm>
-            <a:off x="123290" y="1532545"/>
-            <a:ext cx="11410188" cy="4498386"/>
+            <a:off x="988302" y="2150036"/>
+            <a:ext cx="10215396" cy="4206240"/>
           </a:xfrm>
           <a:prstGeom prst="rect">
             <a:avLst/>
           </a:prstGeom>
         </p:spPr>
       </p:pic>
-    </p:spTree>
-    <p:extLst>
-      <p:ext uri="{BB962C8B-B14F-4D97-AF65-F5344CB8AC3E}">
-        <p14:creationId xmlns:p14="http://schemas.microsoft.com/office/powerpoint/2010/main" val="3235954156"/>
-      </p:ext>
-    </p:extLst>
-  </p:cSld>
-  <p:clrMapOvr>
-    <a:masterClrMapping/>
-  </p:clrMapOvr>
-</p:sld>
-</file>
-
-<file path=ppt/slides/slide7.xml><?xml version="1.0" encoding="utf-8"?>
-<p:sld xmlns:a="http://schemas.openxmlformats.org/drawingml/2006/main" xmlns:r="http://schemas.openxmlformats.org/officeDocument/2006/relationships" xmlns:p="http://schemas.openxmlformats.org/presentationml/2006/main">
-  <p:cSld>
-    <p:spTree>
-      <p:nvGrpSpPr>
-        <p:cNvPr id="1" name=""/>
-        <p:cNvGrpSpPr/>
-        <p:nvPr/>
-      </p:nvGrpSpPr>
-      <p:grpSpPr>
-        <a:xfrm>
-          <a:off x="0" y="0"/>
-          <a:ext cx="0" cy="0"/>
-          <a:chOff x="0" y="0"/>
-          <a:chExt cx="0" cy="0"/>
-        </a:xfrm>
-      </p:grpSpPr>
+      <p:sp>
+        <p:nvSpPr>
+          <p:cNvPr id="5" name="Slide Number Placeholder 6">
+            <a:extLst>
+              <a:ext uri="{FF2B5EF4-FFF2-40B4-BE49-F238E27FC236}">
+                <a16:creationId xmlns:a16="http://schemas.microsoft.com/office/drawing/2014/main" id="{A934AF11-28F5-4B7E-B81C-98BE1BA085F9}"/>
+              </a:ext>
+            </a:extLst>
+          </p:cNvPr>
+          <p:cNvSpPr txBox="1">
+            <a:spLocks/>
+          </p:cNvSpPr>
+          <p:nvPr/>
+        </p:nvSpPr>
+        <p:spPr>
+          <a:xfrm>
+            <a:off x="11146536" y="6035040"/>
+            <a:ext cx="548640" cy="548640"/>
+          </a:xfrm>
+          <a:prstGeom prst="ellipse">
+            <a:avLst/>
+          </a:prstGeom>
+          <a:solidFill>
+            <a:schemeClr val="tx1">
+              <a:alpha val="80000"/>
+            </a:schemeClr>
+          </a:solidFill>
+        </p:spPr>
+        <p:txBody>
+          <a:bodyPr vert="horz" lIns="91440" tIns="45720" rIns="91440" bIns="45720" rtlCol="0" anchor="ctr">
+            <a:normAutofit/>
+          </a:bodyPr>
+          <a:lstStyle>
+            <a:defPPr>
+              <a:defRPr lang="en-US"/>
+            </a:defPPr>
+            <a:lvl1pPr marL="0" algn="r" defTabSz="914400" rtl="0" eaLnBrk="1" latinLnBrk="0" hangingPunct="1">
+              <a:defRPr sz="1200" kern="1200">
+                <a:solidFill>
+                  <a:schemeClr val="tx1">
+                    <a:tint val="75000"/>
+                  </a:schemeClr>
+                </a:solidFill>
+                <a:latin typeface="+mn-lt"/>
+                <a:ea typeface="+mn-ea"/>
+                <a:cs typeface="+mn-cs"/>
+              </a:defRPr>
+            </a:lvl1pPr>
+            <a:lvl2pPr marL="457200" algn="l" defTabSz="914400" rtl="0" eaLnBrk="1" latinLnBrk="0" hangingPunct="1">
+              <a:defRPr sz="1800" kern="1200">
+                <a:solidFill>
+                  <a:schemeClr val="tx1"/>
+                </a:solidFill>
+                <a:latin typeface="+mn-lt"/>
+                <a:ea typeface="+mn-ea"/>
+                <a:cs typeface="+mn-cs"/>
+              </a:defRPr>
+            </a:lvl2pPr>
+            <a:lvl3pPr marL="914400" algn="l" defTabSz="914400" rtl="0" eaLnBrk="1" latinLnBrk="0" hangingPunct="1">
+              <a:defRPr sz="1800" kern="1200">
+                <a:solidFill>
+                  <a:schemeClr val="tx1"/>
+                </a:solidFill>
+                <a:latin typeface="+mn-lt"/>
+                <a:ea typeface="+mn-ea"/>
+                <a:cs typeface="+mn-cs"/>
+              </a:defRPr>
+            </a:lvl3pPr>
+            <a:lvl4pPr marL="1371600" algn="l" defTabSz="914400" rtl="0" eaLnBrk="1" latinLnBrk="0" hangingPunct="1">
+              <a:defRPr sz="1800" kern="1200">
+                <a:solidFill>
+                  <a:schemeClr val="tx1"/>
+                </a:solidFill>
+                <a:latin typeface="+mn-lt"/>
+                <a:ea typeface="+mn-ea"/>
+                <a:cs typeface="+mn-cs"/>
+              </a:defRPr>
+            </a:lvl4pPr>
+            <a:lvl5pPr marL="1828800" algn="l" defTabSz="914400" rtl="0" eaLnBrk="1" latinLnBrk="0" hangingPunct="1">
+              <a:defRPr sz="1800" kern="1200">
+                <a:solidFill>
+                  <a:schemeClr val="tx1"/>
+                </a:solidFill>
+                <a:latin typeface="+mn-lt"/>
+                <a:ea typeface="+mn-ea"/>
+                <a:cs typeface="+mn-cs"/>
+              </a:defRPr>
+            </a:lvl5pPr>
+            <a:lvl6pPr marL="2286000" algn="l" defTabSz="914400" rtl="0" eaLnBrk="1" latinLnBrk="0" hangingPunct="1">
+              <a:defRPr sz="1800" kern="1200">
+                <a:solidFill>
+                  <a:schemeClr val="tx1"/>
+                </a:solidFill>
+                <a:latin typeface="+mn-lt"/>
+                <a:ea typeface="+mn-ea"/>
+                <a:cs typeface="+mn-cs"/>
+              </a:defRPr>
+            </a:lvl6pPr>
+            <a:lvl7pPr marL="2743200" algn="l" defTabSz="914400" rtl="0" eaLnBrk="1" latinLnBrk="0" hangingPunct="1">
+              <a:defRPr sz="1800" kern="1200">
+                <a:solidFill>
+                  <a:schemeClr val="tx1"/>
+                </a:solidFill>
+                <a:latin typeface="+mn-lt"/>
+                <a:ea typeface="+mn-ea"/>
+                <a:cs typeface="+mn-cs"/>
+              </a:defRPr>
+            </a:lvl7pPr>
+            <a:lvl8pPr marL="3200400" algn="l" defTabSz="914400" rtl="0" eaLnBrk="1" latinLnBrk="0" hangingPunct="1">
+              <a:defRPr sz="1800" kern="1200">
+                <a:solidFill>
+                  <a:schemeClr val="tx1"/>
+                </a:solidFill>
+                <a:latin typeface="+mn-lt"/>
+                <a:ea typeface="+mn-ea"/>
+                <a:cs typeface="+mn-cs"/>
+              </a:defRPr>
+            </a:lvl8pPr>
+            <a:lvl9pPr marL="3657600" algn="l" defTabSz="914400" rtl="0" eaLnBrk="1" latinLnBrk="0" hangingPunct="1">
+              <a:defRPr sz="1800" kern="1200">
+                <a:solidFill>
+                  <a:schemeClr val="tx1"/>
+                </a:solidFill>
+                <a:latin typeface="+mn-lt"/>
+                <a:ea typeface="+mn-ea"/>
+                <a:cs typeface="+mn-cs"/>
+              </a:defRPr>
+            </a:lvl9pPr>
+          </a:lstStyle>
+          <a:p>
+            <a:pPr algn="ctr">
+              <a:spcAft>
+                <a:spcPts val="600"/>
+              </a:spcAft>
+            </a:pPr>
+            <a:fld id="{1BECCC40-D9B0-4504-ABD2-E9A3371E8387}" type="slidenum">
+              <a:rPr lang="en-US" smtClean="0">
+                <a:solidFill>
+                  <a:schemeClr val="bg1"/>
+                </a:solidFill>
+              </a:rPr>
+              <a:pPr algn="ctr">
+                <a:spcAft>
+                  <a:spcPts val="600"/>
+                </a:spcAft>
+              </a:pPr>
+              <a:t>7</a:t>
+            </a:fld>
+            <a:endParaRPr lang="en-US" dirty="0">
+              <a:solidFill>
+                <a:schemeClr val="bg1"/>
+              </a:solidFill>
+            </a:endParaRPr>
+          </a:p>
+        </p:txBody>
+      </p:sp>
       <p:pic>
         <p:nvPicPr>
-          <p:cNvPr id="2" name="Picture 1">
+          <p:cNvPr id="13" name="Graphic 23" descr="Business Growth">
             <a:extLst>
               <a:ext uri="{FF2B5EF4-FFF2-40B4-BE49-F238E27FC236}">
-                <a16:creationId xmlns:a16="http://schemas.microsoft.com/office/drawing/2014/main" id="{E2A28A09-C732-8342-8DDC-54B6686AF8F9}"/>
-              </a:ext>
-            </a:extLst>
-          </p:cNvPr>
-          <p:cNvPicPr>
-            <a:picLocks noChangeAspect="1"/>
-          </p:cNvPicPr>
-          <p:nvPr/>
-        </p:nvPicPr>
-        <p:blipFill>
-          <a:blip r:embed="rId2">
-            <a:extLst>
-              <a:ext uri="{28A0092B-C50C-407E-A947-70E740481C1C}">
-                <a14:useLocalDpi xmlns:a14="http://schemas.microsoft.com/office/drawing/2010/main" val="0"/>
-              </a:ext>
-            </a:extLst>
-          </a:blip>
-          <a:stretch>
-            <a:fillRect/>
-          </a:stretch>
-        </p:blipFill>
-        <p:spPr>
-          <a:xfrm>
-            <a:off x="758575" y="336479"/>
-            <a:ext cx="10674849" cy="3208106"/>
-          </a:xfrm>
-          <a:prstGeom prst="rect">
-            <a:avLst/>
-          </a:prstGeom>
-        </p:spPr>
-      </p:pic>
-      <p:pic>
-        <p:nvPicPr>
-          <p:cNvPr id="4" name="Picture 3">
-            <a:extLst>
-              <a:ext uri="{FF2B5EF4-FFF2-40B4-BE49-F238E27FC236}">
-                <a16:creationId xmlns:a16="http://schemas.microsoft.com/office/drawing/2014/main" id="{E4D038A7-B10F-5E47-8B95-066BE2D7CC6E}"/>
+                <a16:creationId xmlns:a16="http://schemas.microsoft.com/office/drawing/2014/main" id="{7E4E256B-46CF-43D1-8706-2870F7E75275}"/>
               </a:ext>
             </a:extLst>
           </p:cNvPr>
@@ -8213,6 +13097,9 @@
               <a:ext uri="{28A0092B-C50C-407E-A947-70E740481C1C}">
                 <a14:useLocalDpi xmlns:a14="http://schemas.microsoft.com/office/drawing/2010/main" val="0"/>
               </a:ext>
+              <a:ext uri="{96DAC541-7B7A-43D3-8B79-37D633B846F1}">
+                <asvg:svgBlip xmlns:asvg="http://schemas.microsoft.com/office/drawing/2016/SVG/main" r:embed="rId4"/>
+              </a:ext>
             </a:extLst>
           </a:blip>
           <a:stretch>
@@ -8221,8 +13108,8 @@
         </p:blipFill>
         <p:spPr>
           <a:xfrm>
-            <a:off x="758575" y="3429000"/>
-            <a:ext cx="10674849" cy="3313415"/>
+            <a:off x="838200" y="570706"/>
+            <a:ext cx="914400" cy="914400"/>
           </a:xfrm>
           <a:prstGeom prst="rect">
             <a:avLst/>
@@ -8239,12 +13126,32 @@
   <p:clrMapOvr>
     <a:masterClrMapping/>
   </p:clrMapOvr>
+  <mc:AlternateContent xmlns:mc="http://schemas.openxmlformats.org/markup-compatibility/2006" xmlns:p14="http://schemas.microsoft.com/office/powerpoint/2010/main">
+    <mc:Choice Requires="p14">
+      <p:transition spd="slow" p14:dur="1200">
+        <p14:prism/>
+      </p:transition>
+    </mc:Choice>
+    <mc:Fallback xmlns="">
+      <p:transition spd="slow">
+        <p:fade/>
+      </p:transition>
+    </mc:Fallback>
+  </mc:AlternateContent>
 </p:sld>
 </file>
 
 <file path=ppt/slides/slide8.xml><?xml version="1.0" encoding="utf-8"?>
 <p:sld xmlns:a="http://schemas.openxmlformats.org/drawingml/2006/main" xmlns:r="http://schemas.openxmlformats.org/officeDocument/2006/relationships" xmlns:p="http://schemas.openxmlformats.org/presentationml/2006/main">
   <p:cSld>
+    <p:bg>
+      <p:bgPr>
+        <a:solidFill>
+          <a:schemeClr val="bg1"/>
+        </a:solidFill>
+        <a:effectLst/>
+      </p:bgPr>
+    </p:bg>
     <p:spTree>
       <p:nvGrpSpPr>
         <p:cNvPr id="1" name=""/>
@@ -8259,12 +13166,224 @@
           <a:chExt cx="0" cy="0"/>
         </a:xfrm>
       </p:grpSpPr>
+      <p:sp>
+        <p:nvSpPr>
+          <p:cNvPr id="25" name="Rectangle 24">
+            <a:extLst>
+              <a:ext uri="{FF2B5EF4-FFF2-40B4-BE49-F238E27FC236}">
+                <a16:creationId xmlns:a16="http://schemas.microsoft.com/office/drawing/2014/main" id="{71CFE9EA-50D8-4028-BE42-DC2D813BEA66}"/>
+              </a:ext>
+              <a:ext uri="{C183D7F6-B498-43B3-948B-1728B52AA6E4}">
+                <adec:decorative xmlns:adec="http://schemas.microsoft.com/office/drawing/2017/decorative" val="1"/>
+              </a:ext>
+            </a:extLst>
+          </p:cNvPr>
+          <p:cNvSpPr>
+            <a:spLocks noGrp="1" noRot="1" noChangeAspect="1" noMove="1" noResize="1" noEditPoints="1" noAdjustHandles="1" noChangeArrowheads="1" noChangeShapeType="1" noTextEdit="1"/>
+          </p:cNvSpPr>
+          <p:nvPr>
+            <p:extLst>
+              <p:ext uri="{386F3935-93C4-4BCD-93E2-E3B085C9AB24}">
+                <p16:designElem xmlns:p16="http://schemas.microsoft.com/office/powerpoint/2015/main" val="1"/>
+              </p:ext>
+            </p:extLst>
+          </p:nvPr>
+        </p:nvSpPr>
+        <p:spPr bwMode="ltGray">
+          <a:xfrm>
+            <a:off x="321564" y="251674"/>
+            <a:ext cx="11548872" cy="1645920"/>
+          </a:xfrm>
+          <a:prstGeom prst="rect">
+            <a:avLst/>
+          </a:prstGeom>
+          <a:solidFill>
+            <a:schemeClr val="tx1">
+              <a:lumMod val="75000"/>
+              <a:lumOff val="25000"/>
+            </a:schemeClr>
+          </a:solidFill>
+          <a:ln w="127000" cap="sq" cmpd="thinThick">
+            <a:noFill/>
+          </a:ln>
+        </p:spPr>
+        <p:style>
+          <a:lnRef idx="2">
+            <a:schemeClr val="accent1">
+              <a:shade val="50000"/>
+            </a:schemeClr>
+          </a:lnRef>
+          <a:fillRef idx="1">
+            <a:schemeClr val="accent1"/>
+          </a:fillRef>
+          <a:effectRef idx="0">
+            <a:schemeClr val="accent1"/>
+          </a:effectRef>
+          <a:fontRef idx="minor">
+            <a:schemeClr val="lt1"/>
+          </a:fontRef>
+        </p:style>
+        <p:txBody>
+          <a:bodyPr rtlCol="0" anchor="ctr"/>
+          <a:lstStyle/>
+          <a:p>
+            <a:pPr marL="0" marR="0" lvl="0" indent="0" algn="ctr" defTabSz="914400" rtl="0" eaLnBrk="1" fontAlgn="auto" latinLnBrk="0" hangingPunct="1">
+              <a:lnSpc>
+                <a:spcPct val="100000"/>
+              </a:lnSpc>
+              <a:spcBef>
+                <a:spcPts val="0"/>
+              </a:spcBef>
+              <a:spcAft>
+                <a:spcPts val="0"/>
+              </a:spcAft>
+              <a:buClrTx/>
+              <a:buSzTx/>
+              <a:buFontTx/>
+              <a:buNone/>
+              <a:tabLst/>
+              <a:defRPr/>
+            </a:pPr>
+            <a:endParaRPr kumimoji="0" lang="en-US" sz="1800" b="0" i="0" u="none" strike="noStrike" kern="1200" cap="none" spc="0" normalizeH="0" baseline="0" noProof="0">
+              <a:ln>
+                <a:noFill/>
+              </a:ln>
+              <a:solidFill>
+                <a:prstClr val="white"/>
+              </a:solidFill>
+              <a:effectLst/>
+              <a:uLnTx/>
+              <a:uFillTx/>
+              <a:latin typeface="Calibri" panose="020F0502020204030204"/>
+              <a:ea typeface="+mn-ea"/>
+              <a:cs typeface="+mn-cs"/>
+            </a:endParaRPr>
+          </a:p>
+        </p:txBody>
+      </p:sp>
+      <p:sp>
+        <p:nvSpPr>
+          <p:cNvPr id="2" name="Title 1">
+            <a:extLst>
+              <a:ext uri="{FF2B5EF4-FFF2-40B4-BE49-F238E27FC236}">
+                <a16:creationId xmlns:a16="http://schemas.microsoft.com/office/drawing/2014/main" id="{8EB3C80B-6938-4C75-ABAF-769CB541AB44}"/>
+              </a:ext>
+            </a:extLst>
+          </p:cNvPr>
+          <p:cNvSpPr>
+            <a:spLocks noGrp="1"/>
+          </p:cNvSpPr>
+          <p:nvPr>
+            <p:ph type="title"/>
+          </p:nvPr>
+        </p:nvSpPr>
+        <p:spPr>
+          <a:xfrm>
+            <a:off x="4379976" y="452842"/>
+            <a:ext cx="6976872" cy="1261872"/>
+          </a:xfrm>
+        </p:spPr>
+        <p:txBody>
+          <a:bodyPr vert="horz" lIns="91440" tIns="45720" rIns="91440" bIns="45720" rtlCol="0" anchor="ctr">
+            <a:normAutofit/>
+          </a:bodyPr>
+          <a:lstStyle/>
+          <a:p>
+            <a:r>
+              <a:rPr lang="en-US" sz="3700" kern="1200">
+                <a:solidFill>
+                  <a:schemeClr val="bg1"/>
+                </a:solidFill>
+                <a:latin typeface="+mj-lt"/>
+                <a:ea typeface="+mj-ea"/>
+                <a:cs typeface="+mj-cs"/>
+              </a:rPr>
+              <a:t>Social Support to Happiness</a:t>
+            </a:r>
+            <a:br>
+              <a:rPr lang="en-US" sz="3700" kern="1200">
+                <a:solidFill>
+                  <a:schemeClr val="bg1"/>
+                </a:solidFill>
+                <a:latin typeface="+mj-lt"/>
+                <a:ea typeface="+mj-ea"/>
+                <a:cs typeface="+mj-cs"/>
+              </a:rPr>
+            </a:br>
+            <a:r>
+              <a:rPr lang="en-US" sz="3700" kern="1200">
+                <a:solidFill>
+                  <a:schemeClr val="bg1"/>
+                </a:solidFill>
+                <a:latin typeface="+mj-lt"/>
+                <a:ea typeface="+mj-ea"/>
+                <a:cs typeface="+mj-cs"/>
+              </a:rPr>
+              <a:t>Scatter plot with regression line fit</a:t>
+            </a:r>
+          </a:p>
+        </p:txBody>
+      </p:sp>
+      <p:cxnSp>
+        <p:nvCxnSpPr>
+          <p:cNvPr id="27" name="Straight Connector 26">
+            <a:extLst>
+              <a:ext uri="{FF2B5EF4-FFF2-40B4-BE49-F238E27FC236}">
+                <a16:creationId xmlns:a16="http://schemas.microsoft.com/office/drawing/2014/main" id="{9A218DD6-0CC7-465B-B80F-747F97B4021F}"/>
+              </a:ext>
+              <a:ext uri="{C183D7F6-B498-43B3-948B-1728B52AA6E4}">
+                <adec:decorative xmlns:adec="http://schemas.microsoft.com/office/drawing/2017/decorative" val="1"/>
+              </a:ext>
+            </a:extLst>
+          </p:cNvPr>
+          <p:cNvCxnSpPr>
+            <a:cxnSpLocks noGrp="1" noRot="1" noChangeAspect="1" noMove="1" noResize="1" noEditPoints="1" noAdjustHandles="1" noChangeArrowheads="1" noChangeShapeType="1"/>
+          </p:cNvCxnSpPr>
+          <p:nvPr>
+            <p:extLst>
+              <p:ext uri="{386F3935-93C4-4BCD-93E2-E3B085C9AB24}">
+                <p16:designElem xmlns:p16="http://schemas.microsoft.com/office/powerpoint/2015/main" val="1"/>
+              </p:ext>
+            </p:extLst>
+          </p:nvPr>
+        </p:nvCxnSpPr>
+        <p:spPr>
+          <a:xfrm flipV="1">
+            <a:off x="4059936" y="623740"/>
+            <a:ext cx="0" cy="914400"/>
+          </a:xfrm>
+          <a:prstGeom prst="line">
+            <a:avLst/>
+          </a:prstGeom>
+          <a:ln w="19050">
+            <a:solidFill>
+              <a:schemeClr val="bg1">
+                <a:alpha val="80000"/>
+              </a:schemeClr>
+            </a:solidFill>
+          </a:ln>
+        </p:spPr>
+        <p:style>
+          <a:lnRef idx="1">
+            <a:schemeClr val="accent1"/>
+          </a:lnRef>
+          <a:fillRef idx="0">
+            <a:schemeClr val="accent1"/>
+          </a:fillRef>
+          <a:effectRef idx="0">
+            <a:schemeClr val="accent1"/>
+          </a:effectRef>
+          <a:fontRef idx="minor">
+            <a:schemeClr val="tx1"/>
+          </a:fontRef>
+        </p:style>
+      </p:cxnSp>
       <p:pic>
         <p:nvPicPr>
           <p:cNvPr id="3" name="Picture 2">
             <a:extLst>
               <a:ext uri="{FF2B5EF4-FFF2-40B4-BE49-F238E27FC236}">
-                <a16:creationId xmlns:a16="http://schemas.microsoft.com/office/drawing/2014/main" id="{809D0EED-F4B4-4645-B6CE-A99B4E88D06B}"/>
+                <a16:creationId xmlns:a16="http://schemas.microsoft.com/office/drawing/2014/main" id="{742F68D5-9255-4B55-AB12-25FC1C074065}"/>
               </a:ext>
             </a:extLst>
           </p:cNvPr>
@@ -8273,7 +13392,7 @@
           </p:cNvPicPr>
           <p:nvPr/>
         </p:nvPicPr>
-        <p:blipFill>
+        <p:blipFill rotWithShape="1">
           <a:blip r:embed="rId2">
             <a:extLst>
               <a:ext uri="{28A0092B-C50C-407E-A947-70E740481C1C}">
@@ -8281,26 +13400,181 @@
               </a:ext>
             </a:extLst>
           </a:blip>
-          <a:stretch>
-            <a:fillRect/>
-          </a:stretch>
+          <a:srcRect l="7716" r="7160"/>
+          <a:stretch/>
         </p:blipFill>
         <p:spPr>
           <a:xfrm>
-            <a:off x="988032" y="98118"/>
-            <a:ext cx="10705673" cy="3318553"/>
+            <a:off x="980971" y="2150036"/>
+            <a:ext cx="10230058" cy="4206240"/>
           </a:xfrm>
           <a:prstGeom prst="rect">
             <a:avLst/>
           </a:prstGeom>
         </p:spPr>
       </p:pic>
+      <p:sp>
+        <p:nvSpPr>
+          <p:cNvPr id="4" name="Slide Number Placeholder 6">
+            <a:extLst>
+              <a:ext uri="{FF2B5EF4-FFF2-40B4-BE49-F238E27FC236}">
+                <a16:creationId xmlns:a16="http://schemas.microsoft.com/office/drawing/2014/main" id="{FD33D771-5EF7-4D58-B9B9-9BAFBA14391C}"/>
+              </a:ext>
+            </a:extLst>
+          </p:cNvPr>
+          <p:cNvSpPr txBox="1">
+            <a:spLocks/>
+          </p:cNvSpPr>
+          <p:nvPr/>
+        </p:nvSpPr>
+        <p:spPr>
+          <a:xfrm>
+            <a:off x="11146536" y="6035040"/>
+            <a:ext cx="548640" cy="548640"/>
+          </a:xfrm>
+          <a:prstGeom prst="ellipse">
+            <a:avLst/>
+          </a:prstGeom>
+          <a:solidFill>
+            <a:schemeClr val="tx1">
+              <a:alpha val="80000"/>
+            </a:schemeClr>
+          </a:solidFill>
+        </p:spPr>
+        <p:txBody>
+          <a:bodyPr vert="horz" lIns="91440" tIns="45720" rIns="91440" bIns="45720" rtlCol="0" anchor="ctr">
+            <a:normAutofit/>
+          </a:bodyPr>
+          <a:lstStyle>
+            <a:defPPr>
+              <a:defRPr lang="en-US"/>
+            </a:defPPr>
+            <a:lvl1pPr marL="0" algn="r" defTabSz="914400" rtl="0" eaLnBrk="1" latinLnBrk="0" hangingPunct="1">
+              <a:defRPr sz="1200" kern="1200">
+                <a:solidFill>
+                  <a:schemeClr val="tx1">
+                    <a:tint val="75000"/>
+                  </a:schemeClr>
+                </a:solidFill>
+                <a:latin typeface="+mn-lt"/>
+                <a:ea typeface="+mn-ea"/>
+                <a:cs typeface="+mn-cs"/>
+              </a:defRPr>
+            </a:lvl1pPr>
+            <a:lvl2pPr marL="457200" algn="l" defTabSz="914400" rtl="0" eaLnBrk="1" latinLnBrk="0" hangingPunct="1">
+              <a:defRPr sz="1800" kern="1200">
+                <a:solidFill>
+                  <a:schemeClr val="tx1"/>
+                </a:solidFill>
+                <a:latin typeface="+mn-lt"/>
+                <a:ea typeface="+mn-ea"/>
+                <a:cs typeface="+mn-cs"/>
+              </a:defRPr>
+            </a:lvl2pPr>
+            <a:lvl3pPr marL="914400" algn="l" defTabSz="914400" rtl="0" eaLnBrk="1" latinLnBrk="0" hangingPunct="1">
+              <a:defRPr sz="1800" kern="1200">
+                <a:solidFill>
+                  <a:schemeClr val="tx1"/>
+                </a:solidFill>
+                <a:latin typeface="+mn-lt"/>
+                <a:ea typeface="+mn-ea"/>
+                <a:cs typeface="+mn-cs"/>
+              </a:defRPr>
+            </a:lvl3pPr>
+            <a:lvl4pPr marL="1371600" algn="l" defTabSz="914400" rtl="0" eaLnBrk="1" latinLnBrk="0" hangingPunct="1">
+              <a:defRPr sz="1800" kern="1200">
+                <a:solidFill>
+                  <a:schemeClr val="tx1"/>
+                </a:solidFill>
+                <a:latin typeface="+mn-lt"/>
+                <a:ea typeface="+mn-ea"/>
+                <a:cs typeface="+mn-cs"/>
+              </a:defRPr>
+            </a:lvl4pPr>
+            <a:lvl5pPr marL="1828800" algn="l" defTabSz="914400" rtl="0" eaLnBrk="1" latinLnBrk="0" hangingPunct="1">
+              <a:defRPr sz="1800" kern="1200">
+                <a:solidFill>
+                  <a:schemeClr val="tx1"/>
+                </a:solidFill>
+                <a:latin typeface="+mn-lt"/>
+                <a:ea typeface="+mn-ea"/>
+                <a:cs typeface="+mn-cs"/>
+              </a:defRPr>
+            </a:lvl5pPr>
+            <a:lvl6pPr marL="2286000" algn="l" defTabSz="914400" rtl="0" eaLnBrk="1" latinLnBrk="0" hangingPunct="1">
+              <a:defRPr sz="1800" kern="1200">
+                <a:solidFill>
+                  <a:schemeClr val="tx1"/>
+                </a:solidFill>
+                <a:latin typeface="+mn-lt"/>
+                <a:ea typeface="+mn-ea"/>
+                <a:cs typeface="+mn-cs"/>
+              </a:defRPr>
+            </a:lvl6pPr>
+            <a:lvl7pPr marL="2743200" algn="l" defTabSz="914400" rtl="0" eaLnBrk="1" latinLnBrk="0" hangingPunct="1">
+              <a:defRPr sz="1800" kern="1200">
+                <a:solidFill>
+                  <a:schemeClr val="tx1"/>
+                </a:solidFill>
+                <a:latin typeface="+mn-lt"/>
+                <a:ea typeface="+mn-ea"/>
+                <a:cs typeface="+mn-cs"/>
+              </a:defRPr>
+            </a:lvl7pPr>
+            <a:lvl8pPr marL="3200400" algn="l" defTabSz="914400" rtl="0" eaLnBrk="1" latinLnBrk="0" hangingPunct="1">
+              <a:defRPr sz="1800" kern="1200">
+                <a:solidFill>
+                  <a:schemeClr val="tx1"/>
+                </a:solidFill>
+                <a:latin typeface="+mn-lt"/>
+                <a:ea typeface="+mn-ea"/>
+                <a:cs typeface="+mn-cs"/>
+              </a:defRPr>
+            </a:lvl8pPr>
+            <a:lvl9pPr marL="3657600" algn="l" defTabSz="914400" rtl="0" eaLnBrk="1" latinLnBrk="0" hangingPunct="1">
+              <a:defRPr sz="1800" kern="1200">
+                <a:solidFill>
+                  <a:schemeClr val="tx1"/>
+                </a:solidFill>
+                <a:latin typeface="+mn-lt"/>
+                <a:ea typeface="+mn-ea"/>
+                <a:cs typeface="+mn-cs"/>
+              </a:defRPr>
+            </a:lvl9pPr>
+          </a:lstStyle>
+          <a:p>
+            <a:pPr algn="ctr">
+              <a:spcAft>
+                <a:spcPts val="600"/>
+              </a:spcAft>
+            </a:pPr>
+            <a:fld id="{1BECCC40-D9B0-4504-ABD2-E9A3371E8387}" type="slidenum">
+              <a:rPr lang="en-US" smtClean="0">
+                <a:solidFill>
+                  <a:schemeClr val="bg1"/>
+                </a:solidFill>
+              </a:rPr>
+              <a:pPr algn="ctr">
+                <a:spcAft>
+                  <a:spcPts val="600"/>
+                </a:spcAft>
+              </a:pPr>
+              <a:t>8</a:t>
+            </a:fld>
+            <a:endParaRPr lang="en-US" dirty="0">
+              <a:solidFill>
+                <a:schemeClr val="bg1"/>
+              </a:solidFill>
+            </a:endParaRPr>
+          </a:p>
+        </p:txBody>
+      </p:sp>
       <p:pic>
         <p:nvPicPr>
-          <p:cNvPr id="24" name="Picture 23">
+          <p:cNvPr id="12" name="Graphic 23" descr="Business Growth">
             <a:extLst>
               <a:ext uri="{FF2B5EF4-FFF2-40B4-BE49-F238E27FC236}">
-                <a16:creationId xmlns:a16="http://schemas.microsoft.com/office/drawing/2014/main" id="{0D442FAE-EB81-E64B-B056-341130EF3687}"/>
+                <a16:creationId xmlns:a16="http://schemas.microsoft.com/office/drawing/2014/main" id="{5AD460B3-0430-4590-9584-D8C89B5F22B7}"/>
               </a:ext>
             </a:extLst>
           </p:cNvPr>
@@ -8315,6 +13589,9 @@
               <a:ext uri="{28A0092B-C50C-407E-A947-70E740481C1C}">
                 <a14:useLocalDpi xmlns:a14="http://schemas.microsoft.com/office/drawing/2010/main" val="0"/>
               </a:ext>
+              <a:ext uri="{96DAC541-7B7A-43D3-8B79-37D633B846F1}">
+                <asvg:svgBlip xmlns:asvg="http://schemas.microsoft.com/office/drawing/2016/SVG/main" r:embed="rId4"/>
+              </a:ext>
             </a:extLst>
           </a:blip>
           <a:stretch>
@@ -8323,8 +13600,500 @@
         </p:blipFill>
         <p:spPr>
           <a:xfrm>
-            <a:off x="988032" y="3318553"/>
-            <a:ext cx="10705672" cy="3441329"/>
+            <a:off x="838200" y="570706"/>
+            <a:ext cx="914400" cy="914400"/>
+          </a:xfrm>
+          <a:prstGeom prst="rect">
+            <a:avLst/>
+          </a:prstGeom>
+        </p:spPr>
+      </p:pic>
+    </p:spTree>
+    <p:extLst>
+      <p:ext uri="{BB962C8B-B14F-4D97-AF65-F5344CB8AC3E}">
+        <p14:creationId xmlns:p14="http://schemas.microsoft.com/office/powerpoint/2010/main" val="2113530116"/>
+      </p:ext>
+    </p:extLst>
+  </p:cSld>
+  <p:clrMapOvr>
+    <a:masterClrMapping/>
+  </p:clrMapOvr>
+  <mc:AlternateContent xmlns:mc="http://schemas.openxmlformats.org/markup-compatibility/2006" xmlns:p14="http://schemas.microsoft.com/office/powerpoint/2010/main">
+    <mc:Choice Requires="p14">
+      <p:transition spd="slow" p14:dur="1200">
+        <p14:prism/>
+      </p:transition>
+    </mc:Choice>
+    <mc:Fallback xmlns="">
+      <p:transition spd="slow">
+        <p:fade/>
+      </p:transition>
+    </mc:Fallback>
+  </mc:AlternateContent>
+</p:sld>
+</file>
+
+<file path=ppt/slides/slide9.xml><?xml version="1.0" encoding="utf-8"?>
+<p:sld xmlns:a="http://schemas.openxmlformats.org/drawingml/2006/main" xmlns:r="http://schemas.openxmlformats.org/officeDocument/2006/relationships" xmlns:p="http://schemas.openxmlformats.org/presentationml/2006/main">
+  <p:cSld>
+    <p:bg>
+      <p:bgPr>
+        <a:solidFill>
+          <a:schemeClr val="bg1"/>
+        </a:solidFill>
+        <a:effectLst/>
+      </p:bgPr>
+    </p:bg>
+    <p:spTree>
+      <p:nvGrpSpPr>
+        <p:cNvPr id="1" name=""/>
+        <p:cNvGrpSpPr/>
+        <p:nvPr/>
+      </p:nvGrpSpPr>
+      <p:grpSpPr>
+        <a:xfrm>
+          <a:off x="0" y="0"/>
+          <a:ext cx="0" cy="0"/>
+          <a:chOff x="0" y="0"/>
+          <a:chExt cx="0" cy="0"/>
+        </a:xfrm>
+      </p:grpSpPr>
+      <p:sp>
+        <p:nvSpPr>
+          <p:cNvPr id="48" name="Rectangle 47">
+            <a:extLst>
+              <a:ext uri="{FF2B5EF4-FFF2-40B4-BE49-F238E27FC236}">
+                <a16:creationId xmlns:a16="http://schemas.microsoft.com/office/drawing/2014/main" id="{71CFE9EA-50D8-4028-BE42-DC2D813BEA66}"/>
+              </a:ext>
+              <a:ext uri="{C183D7F6-B498-43B3-948B-1728B52AA6E4}">
+                <adec:decorative xmlns:adec="http://schemas.microsoft.com/office/drawing/2017/decorative" val="1"/>
+              </a:ext>
+            </a:extLst>
+          </p:cNvPr>
+          <p:cNvSpPr>
+            <a:spLocks noGrp="1" noRot="1" noChangeAspect="1" noMove="1" noResize="1" noEditPoints="1" noAdjustHandles="1" noChangeArrowheads="1" noChangeShapeType="1" noTextEdit="1"/>
+          </p:cNvSpPr>
+          <p:nvPr>
+            <p:extLst>
+              <p:ext uri="{386F3935-93C4-4BCD-93E2-E3B085C9AB24}">
+                <p16:designElem xmlns:p16="http://schemas.microsoft.com/office/powerpoint/2015/main" val="1"/>
+              </p:ext>
+            </p:extLst>
+          </p:nvPr>
+        </p:nvSpPr>
+        <p:spPr bwMode="ltGray">
+          <a:xfrm>
+            <a:off x="321564" y="251674"/>
+            <a:ext cx="11548872" cy="1645920"/>
+          </a:xfrm>
+          <a:prstGeom prst="rect">
+            <a:avLst/>
+          </a:prstGeom>
+          <a:solidFill>
+            <a:schemeClr val="tx1">
+              <a:lumMod val="75000"/>
+              <a:lumOff val="25000"/>
+            </a:schemeClr>
+          </a:solidFill>
+          <a:ln w="127000" cap="sq" cmpd="thinThick">
+            <a:noFill/>
+          </a:ln>
+        </p:spPr>
+        <p:style>
+          <a:lnRef idx="2">
+            <a:schemeClr val="accent1">
+              <a:shade val="50000"/>
+            </a:schemeClr>
+          </a:lnRef>
+          <a:fillRef idx="1">
+            <a:schemeClr val="accent1"/>
+          </a:fillRef>
+          <a:effectRef idx="0">
+            <a:schemeClr val="accent1"/>
+          </a:effectRef>
+          <a:fontRef idx="minor">
+            <a:schemeClr val="lt1"/>
+          </a:fontRef>
+        </p:style>
+        <p:txBody>
+          <a:bodyPr rtlCol="0" anchor="ctr"/>
+          <a:lstStyle/>
+          <a:p>
+            <a:pPr marL="0" marR="0" lvl="0" indent="0" algn="ctr" defTabSz="914400" rtl="0" eaLnBrk="1" fontAlgn="auto" latinLnBrk="0" hangingPunct="1">
+              <a:lnSpc>
+                <a:spcPct val="100000"/>
+              </a:lnSpc>
+              <a:spcBef>
+                <a:spcPts val="0"/>
+              </a:spcBef>
+              <a:spcAft>
+                <a:spcPts val="0"/>
+              </a:spcAft>
+              <a:buClrTx/>
+              <a:buSzTx/>
+              <a:buFontTx/>
+              <a:buNone/>
+              <a:tabLst/>
+              <a:defRPr/>
+            </a:pPr>
+            <a:endParaRPr kumimoji="0" lang="en-US" sz="1800" b="0" i="0" u="none" strike="noStrike" kern="1200" cap="none" spc="0" normalizeH="0" baseline="0" noProof="0">
+              <a:ln>
+                <a:noFill/>
+              </a:ln>
+              <a:solidFill>
+                <a:prstClr val="white"/>
+              </a:solidFill>
+              <a:effectLst/>
+              <a:uLnTx/>
+              <a:uFillTx/>
+              <a:latin typeface="Calibri" panose="020F0502020204030204"/>
+              <a:ea typeface="+mn-ea"/>
+              <a:cs typeface="+mn-cs"/>
+            </a:endParaRPr>
+          </a:p>
+        </p:txBody>
+      </p:sp>
+      <p:sp>
+        <p:nvSpPr>
+          <p:cNvPr id="2" name="Title 1">
+            <a:extLst>
+              <a:ext uri="{FF2B5EF4-FFF2-40B4-BE49-F238E27FC236}">
+                <a16:creationId xmlns:a16="http://schemas.microsoft.com/office/drawing/2014/main" id="{A6F1EF52-EEFB-4835-A6E7-3CD1E71720BB}"/>
+              </a:ext>
+            </a:extLst>
+          </p:cNvPr>
+          <p:cNvSpPr>
+            <a:spLocks noGrp="1"/>
+          </p:cNvSpPr>
+          <p:nvPr>
+            <p:ph type="title"/>
+          </p:nvPr>
+        </p:nvSpPr>
+        <p:spPr>
+          <a:xfrm>
+            <a:off x="4379976" y="452842"/>
+            <a:ext cx="6976872" cy="1261872"/>
+          </a:xfrm>
+        </p:spPr>
+        <p:txBody>
+          <a:bodyPr vert="horz" lIns="91440" tIns="45720" rIns="91440" bIns="45720" rtlCol="0" anchor="ctr">
+            <a:normAutofit/>
+          </a:bodyPr>
+          <a:lstStyle/>
+          <a:p>
+            <a:r>
+              <a:rPr lang="en-US" sz="3700" kern="1200">
+                <a:solidFill>
+                  <a:schemeClr val="bg1"/>
+                </a:solidFill>
+                <a:latin typeface="+mj-lt"/>
+                <a:ea typeface="+mj-ea"/>
+                <a:cs typeface="+mj-cs"/>
+              </a:rPr>
+              <a:t>Life Expectancy to Happiness</a:t>
+            </a:r>
+            <a:br>
+              <a:rPr lang="en-US" sz="3700" kern="1200">
+                <a:solidFill>
+                  <a:schemeClr val="bg1"/>
+                </a:solidFill>
+                <a:latin typeface="+mj-lt"/>
+                <a:ea typeface="+mj-ea"/>
+                <a:cs typeface="+mj-cs"/>
+              </a:rPr>
+            </a:br>
+            <a:r>
+              <a:rPr lang="en-US" sz="3700" kern="1200">
+                <a:solidFill>
+                  <a:schemeClr val="bg1"/>
+                </a:solidFill>
+                <a:latin typeface="+mj-lt"/>
+                <a:ea typeface="+mj-ea"/>
+                <a:cs typeface="+mj-cs"/>
+              </a:rPr>
+              <a:t>Scatter plot with regression line fit</a:t>
+            </a:r>
+          </a:p>
+        </p:txBody>
+      </p:sp>
+      <p:cxnSp>
+        <p:nvCxnSpPr>
+          <p:cNvPr id="50" name="Straight Connector 49">
+            <a:extLst>
+              <a:ext uri="{FF2B5EF4-FFF2-40B4-BE49-F238E27FC236}">
+                <a16:creationId xmlns:a16="http://schemas.microsoft.com/office/drawing/2014/main" id="{9A218DD6-0CC7-465B-B80F-747F97B4021F}"/>
+              </a:ext>
+              <a:ext uri="{C183D7F6-B498-43B3-948B-1728B52AA6E4}">
+                <adec:decorative xmlns:adec="http://schemas.microsoft.com/office/drawing/2017/decorative" val="1"/>
+              </a:ext>
+            </a:extLst>
+          </p:cNvPr>
+          <p:cNvCxnSpPr>
+            <a:cxnSpLocks noGrp="1" noRot="1" noChangeAspect="1" noMove="1" noResize="1" noEditPoints="1" noAdjustHandles="1" noChangeArrowheads="1" noChangeShapeType="1"/>
+          </p:cNvCxnSpPr>
+          <p:nvPr>
+            <p:extLst>
+              <p:ext uri="{386F3935-93C4-4BCD-93E2-E3B085C9AB24}">
+                <p16:designElem xmlns:p16="http://schemas.microsoft.com/office/powerpoint/2015/main" val="1"/>
+              </p:ext>
+            </p:extLst>
+          </p:nvPr>
+        </p:nvCxnSpPr>
+        <p:spPr>
+          <a:xfrm flipV="1">
+            <a:off x="4059936" y="623740"/>
+            <a:ext cx="0" cy="914400"/>
+          </a:xfrm>
+          <a:prstGeom prst="line">
+            <a:avLst/>
+          </a:prstGeom>
+          <a:ln w="19050">
+            <a:solidFill>
+              <a:schemeClr val="bg1">
+                <a:alpha val="80000"/>
+              </a:schemeClr>
+            </a:solidFill>
+          </a:ln>
+        </p:spPr>
+        <p:style>
+          <a:lnRef idx="1">
+            <a:schemeClr val="accent1"/>
+          </a:lnRef>
+          <a:fillRef idx="0">
+            <a:schemeClr val="accent1"/>
+          </a:fillRef>
+          <a:effectRef idx="0">
+            <a:schemeClr val="accent1"/>
+          </a:effectRef>
+          <a:fontRef idx="minor">
+            <a:schemeClr val="tx1"/>
+          </a:fontRef>
+        </p:style>
+      </p:cxnSp>
+      <p:pic>
+        <p:nvPicPr>
+          <p:cNvPr id="3" name="Picture 2">
+            <a:extLst>
+              <a:ext uri="{FF2B5EF4-FFF2-40B4-BE49-F238E27FC236}">
+                <a16:creationId xmlns:a16="http://schemas.microsoft.com/office/drawing/2014/main" id="{809D0EED-F4B4-4645-B6CE-A99B4E88D06B}"/>
+              </a:ext>
+            </a:extLst>
+          </p:cNvPr>
+          <p:cNvPicPr>
+            <a:picLocks noChangeAspect="1"/>
+          </p:cNvPicPr>
+          <p:nvPr/>
+        </p:nvPicPr>
+        <p:blipFill rotWithShape="1">
+          <a:blip r:embed="rId2">
+            <a:extLst>
+              <a:ext uri="{28A0092B-C50C-407E-A947-70E740481C1C}">
+                <a14:useLocalDpi xmlns:a14="http://schemas.microsoft.com/office/drawing/2010/main" val="0"/>
+              </a:ext>
+            </a:extLst>
+          </a:blip>
+          <a:srcRect l="8666" r="8056"/>
+          <a:stretch/>
+        </p:blipFill>
+        <p:spPr>
+          <a:xfrm>
+            <a:off x="1091896" y="2150036"/>
+            <a:ext cx="10008207" cy="4206240"/>
+          </a:xfrm>
+          <a:prstGeom prst="rect">
+            <a:avLst/>
+          </a:prstGeom>
+        </p:spPr>
+      </p:pic>
+      <p:sp>
+        <p:nvSpPr>
+          <p:cNvPr id="5" name="Slide Number Placeholder 6">
+            <a:extLst>
+              <a:ext uri="{FF2B5EF4-FFF2-40B4-BE49-F238E27FC236}">
+                <a16:creationId xmlns:a16="http://schemas.microsoft.com/office/drawing/2014/main" id="{356A3947-8D2D-49D3-986F-EB7B336E6258}"/>
+              </a:ext>
+            </a:extLst>
+          </p:cNvPr>
+          <p:cNvSpPr txBox="1">
+            <a:spLocks/>
+          </p:cNvSpPr>
+          <p:nvPr/>
+        </p:nvSpPr>
+        <p:spPr>
+          <a:xfrm>
+            <a:off x="11146536" y="6035040"/>
+            <a:ext cx="548640" cy="548640"/>
+          </a:xfrm>
+          <a:prstGeom prst="ellipse">
+            <a:avLst/>
+          </a:prstGeom>
+          <a:solidFill>
+            <a:schemeClr val="tx1">
+              <a:alpha val="80000"/>
+            </a:schemeClr>
+          </a:solidFill>
+        </p:spPr>
+        <p:txBody>
+          <a:bodyPr vert="horz" lIns="91440" tIns="45720" rIns="91440" bIns="45720" rtlCol="0" anchor="ctr">
+            <a:normAutofit/>
+          </a:bodyPr>
+          <a:lstStyle>
+            <a:defPPr>
+              <a:defRPr lang="en-US"/>
+            </a:defPPr>
+            <a:lvl1pPr marL="0" algn="r" defTabSz="914400" rtl="0" eaLnBrk="1" latinLnBrk="0" hangingPunct="1">
+              <a:defRPr sz="1200" kern="1200">
+                <a:solidFill>
+                  <a:schemeClr val="tx1">
+                    <a:tint val="75000"/>
+                  </a:schemeClr>
+                </a:solidFill>
+                <a:latin typeface="+mn-lt"/>
+                <a:ea typeface="+mn-ea"/>
+                <a:cs typeface="+mn-cs"/>
+              </a:defRPr>
+            </a:lvl1pPr>
+            <a:lvl2pPr marL="457200" algn="l" defTabSz="914400" rtl="0" eaLnBrk="1" latinLnBrk="0" hangingPunct="1">
+              <a:defRPr sz="1800" kern="1200">
+                <a:solidFill>
+                  <a:schemeClr val="tx1"/>
+                </a:solidFill>
+                <a:latin typeface="+mn-lt"/>
+                <a:ea typeface="+mn-ea"/>
+                <a:cs typeface="+mn-cs"/>
+              </a:defRPr>
+            </a:lvl2pPr>
+            <a:lvl3pPr marL="914400" algn="l" defTabSz="914400" rtl="0" eaLnBrk="1" latinLnBrk="0" hangingPunct="1">
+              <a:defRPr sz="1800" kern="1200">
+                <a:solidFill>
+                  <a:schemeClr val="tx1"/>
+                </a:solidFill>
+                <a:latin typeface="+mn-lt"/>
+                <a:ea typeface="+mn-ea"/>
+                <a:cs typeface="+mn-cs"/>
+              </a:defRPr>
+            </a:lvl3pPr>
+            <a:lvl4pPr marL="1371600" algn="l" defTabSz="914400" rtl="0" eaLnBrk="1" latinLnBrk="0" hangingPunct="1">
+              <a:defRPr sz="1800" kern="1200">
+                <a:solidFill>
+                  <a:schemeClr val="tx1"/>
+                </a:solidFill>
+                <a:latin typeface="+mn-lt"/>
+                <a:ea typeface="+mn-ea"/>
+                <a:cs typeface="+mn-cs"/>
+              </a:defRPr>
+            </a:lvl4pPr>
+            <a:lvl5pPr marL="1828800" algn="l" defTabSz="914400" rtl="0" eaLnBrk="1" latinLnBrk="0" hangingPunct="1">
+              <a:defRPr sz="1800" kern="1200">
+                <a:solidFill>
+                  <a:schemeClr val="tx1"/>
+                </a:solidFill>
+                <a:latin typeface="+mn-lt"/>
+                <a:ea typeface="+mn-ea"/>
+                <a:cs typeface="+mn-cs"/>
+              </a:defRPr>
+            </a:lvl5pPr>
+            <a:lvl6pPr marL="2286000" algn="l" defTabSz="914400" rtl="0" eaLnBrk="1" latinLnBrk="0" hangingPunct="1">
+              <a:defRPr sz="1800" kern="1200">
+                <a:solidFill>
+                  <a:schemeClr val="tx1"/>
+                </a:solidFill>
+                <a:latin typeface="+mn-lt"/>
+                <a:ea typeface="+mn-ea"/>
+                <a:cs typeface="+mn-cs"/>
+              </a:defRPr>
+            </a:lvl6pPr>
+            <a:lvl7pPr marL="2743200" algn="l" defTabSz="914400" rtl="0" eaLnBrk="1" latinLnBrk="0" hangingPunct="1">
+              <a:defRPr sz="1800" kern="1200">
+                <a:solidFill>
+                  <a:schemeClr val="tx1"/>
+                </a:solidFill>
+                <a:latin typeface="+mn-lt"/>
+                <a:ea typeface="+mn-ea"/>
+                <a:cs typeface="+mn-cs"/>
+              </a:defRPr>
+            </a:lvl7pPr>
+            <a:lvl8pPr marL="3200400" algn="l" defTabSz="914400" rtl="0" eaLnBrk="1" latinLnBrk="0" hangingPunct="1">
+              <a:defRPr sz="1800" kern="1200">
+                <a:solidFill>
+                  <a:schemeClr val="tx1"/>
+                </a:solidFill>
+                <a:latin typeface="+mn-lt"/>
+                <a:ea typeface="+mn-ea"/>
+                <a:cs typeface="+mn-cs"/>
+              </a:defRPr>
+            </a:lvl8pPr>
+            <a:lvl9pPr marL="3657600" algn="l" defTabSz="914400" rtl="0" eaLnBrk="1" latinLnBrk="0" hangingPunct="1">
+              <a:defRPr sz="1800" kern="1200">
+                <a:solidFill>
+                  <a:schemeClr val="tx1"/>
+                </a:solidFill>
+                <a:latin typeface="+mn-lt"/>
+                <a:ea typeface="+mn-ea"/>
+                <a:cs typeface="+mn-cs"/>
+              </a:defRPr>
+            </a:lvl9pPr>
+          </a:lstStyle>
+          <a:p>
+            <a:pPr algn="ctr">
+              <a:spcAft>
+                <a:spcPts val="600"/>
+              </a:spcAft>
+            </a:pPr>
+            <a:fld id="{1BECCC40-D9B0-4504-ABD2-E9A3371E8387}" type="slidenum">
+              <a:rPr lang="en-US" smtClean="0">
+                <a:solidFill>
+                  <a:schemeClr val="bg1"/>
+                </a:solidFill>
+              </a:rPr>
+              <a:pPr algn="ctr">
+                <a:spcAft>
+                  <a:spcPts val="600"/>
+                </a:spcAft>
+              </a:pPr>
+              <a:t>9</a:t>
+            </a:fld>
+            <a:endParaRPr lang="en-US" dirty="0">
+              <a:solidFill>
+                <a:schemeClr val="bg1"/>
+              </a:solidFill>
+            </a:endParaRPr>
+          </a:p>
+        </p:txBody>
+      </p:sp>
+      <p:pic>
+        <p:nvPicPr>
+          <p:cNvPr id="29" name="Graphic 23" descr="Business Growth">
+            <a:extLst>
+              <a:ext uri="{FF2B5EF4-FFF2-40B4-BE49-F238E27FC236}">
+                <a16:creationId xmlns:a16="http://schemas.microsoft.com/office/drawing/2014/main" id="{9E463175-C4E8-470E-863D-B3400DD6D72F}"/>
+              </a:ext>
+            </a:extLst>
+          </p:cNvPr>
+          <p:cNvPicPr>
+            <a:picLocks noChangeAspect="1"/>
+          </p:cNvPicPr>
+          <p:nvPr/>
+        </p:nvPicPr>
+        <p:blipFill>
+          <a:blip r:embed="rId3">
+            <a:extLst>
+              <a:ext uri="{28A0092B-C50C-407E-A947-70E740481C1C}">
+                <a14:useLocalDpi xmlns:a14="http://schemas.microsoft.com/office/drawing/2010/main" val="0"/>
+              </a:ext>
+              <a:ext uri="{96DAC541-7B7A-43D3-8B79-37D633B846F1}">
+                <asvg:svgBlip xmlns:asvg="http://schemas.microsoft.com/office/drawing/2016/SVG/main" r:embed="rId4"/>
+              </a:ext>
+            </a:extLst>
+          </a:blip>
+          <a:stretch>
+            <a:fillRect/>
+          </a:stretch>
+        </p:blipFill>
+        <p:spPr>
+          <a:xfrm>
+            <a:off x="838200" y="570706"/>
+            <a:ext cx="914400" cy="914400"/>
           </a:xfrm>
           <a:prstGeom prst="rect">
             <a:avLst/>
@@ -8341,108 +14110,18 @@
   <p:clrMapOvr>
     <a:masterClrMapping/>
   </p:clrMapOvr>
-</p:sld>
-</file>
-
-<file path=ppt/slides/slide9.xml><?xml version="1.0" encoding="utf-8"?>
-<p:sld xmlns:a="http://schemas.openxmlformats.org/drawingml/2006/main" xmlns:r="http://schemas.openxmlformats.org/officeDocument/2006/relationships" xmlns:p="http://schemas.openxmlformats.org/presentationml/2006/main">
-  <p:cSld>
-    <p:spTree>
-      <p:nvGrpSpPr>
-        <p:cNvPr id="1" name=""/>
-        <p:cNvGrpSpPr/>
-        <p:nvPr/>
-      </p:nvGrpSpPr>
-      <p:grpSpPr>
-        <a:xfrm>
-          <a:off x="0" y="0"/>
-          <a:ext cx="0" cy="0"/>
-          <a:chOff x="0" y="0"/>
-          <a:chExt cx="0" cy="0"/>
-        </a:xfrm>
-      </p:grpSpPr>
-      <p:pic>
-        <p:nvPicPr>
-          <p:cNvPr id="4" name="Picture 3">
-            <a:extLst>
-              <a:ext uri="{FF2B5EF4-FFF2-40B4-BE49-F238E27FC236}">
-                <a16:creationId xmlns:a16="http://schemas.microsoft.com/office/drawing/2014/main" id="{91890948-AA8B-7E40-8564-7987F1695D98}"/>
-              </a:ext>
-            </a:extLst>
-          </p:cNvPr>
-          <p:cNvPicPr>
-            <a:picLocks noChangeAspect="1"/>
-          </p:cNvPicPr>
-          <p:nvPr/>
-        </p:nvPicPr>
-        <p:blipFill>
-          <a:blip r:embed="rId2">
-            <a:extLst>
-              <a:ext uri="{28A0092B-C50C-407E-A947-70E740481C1C}">
-                <a14:useLocalDpi xmlns:a14="http://schemas.microsoft.com/office/drawing/2010/main" val="0"/>
-              </a:ext>
-            </a:extLst>
-          </a:blip>
-          <a:stretch>
-            <a:fillRect/>
-          </a:stretch>
-        </p:blipFill>
-        <p:spPr>
-          <a:xfrm>
-            <a:off x="1171254" y="0"/>
-            <a:ext cx="10181691" cy="3325403"/>
-          </a:xfrm>
-          <a:prstGeom prst="rect">
-            <a:avLst/>
-          </a:prstGeom>
-        </p:spPr>
-      </p:pic>
-      <p:pic>
-        <p:nvPicPr>
-          <p:cNvPr id="6" name="Picture 5">
-            <a:extLst>
-              <a:ext uri="{FF2B5EF4-FFF2-40B4-BE49-F238E27FC236}">
-                <a16:creationId xmlns:a16="http://schemas.microsoft.com/office/drawing/2014/main" id="{4CA4880C-A8D4-C94B-B9BA-2887F8DFC648}"/>
-              </a:ext>
-            </a:extLst>
-          </p:cNvPr>
-          <p:cNvPicPr>
-            <a:picLocks noChangeAspect="1"/>
-          </p:cNvPicPr>
-          <p:nvPr/>
-        </p:nvPicPr>
-        <p:blipFill>
-          <a:blip r:embed="rId3">
-            <a:extLst>
-              <a:ext uri="{28A0092B-C50C-407E-A947-70E740481C1C}">
-                <a14:useLocalDpi xmlns:a14="http://schemas.microsoft.com/office/drawing/2010/main" val="0"/>
-              </a:ext>
-            </a:extLst>
-          </a:blip>
-          <a:stretch>
-            <a:fillRect/>
-          </a:stretch>
-        </p:blipFill>
-        <p:spPr>
-          <a:xfrm>
-            <a:off x="1171254" y="3429000"/>
-            <a:ext cx="10181691" cy="3325402"/>
-          </a:xfrm>
-          <a:prstGeom prst="rect">
-            <a:avLst/>
-          </a:prstGeom>
-        </p:spPr>
-      </p:pic>
-    </p:spTree>
-    <p:extLst>
-      <p:ext uri="{BB962C8B-B14F-4D97-AF65-F5344CB8AC3E}">
-        <p14:creationId xmlns:p14="http://schemas.microsoft.com/office/powerpoint/2010/main" val="2569872014"/>
-      </p:ext>
-    </p:extLst>
-  </p:cSld>
-  <p:clrMapOvr>
-    <a:masterClrMapping/>
-  </p:clrMapOvr>
+  <mc:AlternateContent xmlns:mc="http://schemas.openxmlformats.org/markup-compatibility/2006" xmlns:p14="http://schemas.microsoft.com/office/powerpoint/2010/main">
+    <mc:Choice Requires="p14">
+      <p:transition spd="slow" p14:dur="1200">
+        <p14:prism/>
+      </p:transition>
+    </mc:Choice>
+    <mc:Fallback xmlns="">
+      <p:transition spd="slow">
+        <p:fade/>
+      </p:transition>
+    </mc:Fallback>
+  </mc:AlternateContent>
 </p:sld>
 </file>
 
@@ -9037,12 +14716,6 @@
 </file>
 
 <file path=customXml/item1.xml><?xml version="1.0" encoding="utf-8"?>
-<p:properties xmlns:p="http://schemas.microsoft.com/office/2006/metadata/properties" xmlns:xsi="http://www.w3.org/2001/XMLSchema-instance" xmlns:pc="http://schemas.microsoft.com/office/infopath/2007/PartnerControls">
-  <documentManagement/>
-</p:properties>
-</file>
-
-<file path=customXml/item2.xml><?xml version="1.0" encoding="utf-8"?>
 <ct:contentTypeSchema xmlns:ct="http://schemas.microsoft.com/office/2006/metadata/contentType" xmlns:ma="http://schemas.microsoft.com/office/2006/metadata/properties/metaAttributes" ct:_="" ma:_="" ma:contentTypeName="Document" ma:contentTypeID="0x010100983CA93ED2DB2040AF5A2A0F83506B32" ma:contentTypeVersion="12" ma:contentTypeDescription="Create a new document." ma:contentTypeScope="" ma:versionID="be5f21d80922c8da74e689402e405dc1">
   <xsd:schema xmlns:xsd="http://www.w3.org/2001/XMLSchema" xmlns:xs="http://www.w3.org/2001/XMLSchema" xmlns:p="http://schemas.microsoft.com/office/2006/metadata/properties" xmlns:ns3="7d2d537f-5e9f-44ab-b00e-058bd7b53465" xmlns:ns4="d9272087-702b-4136-93eb-f3b40bcf76b0" targetNamespace="http://schemas.microsoft.com/office/2006/metadata/properties" ma:root="true" ma:fieldsID="632606914a44a18272f5af04fd3ad126" ns3:_="" ns4:_="">
     <xsd:import namespace="7d2d537f-5e9f-44ab-b00e-058bd7b53465"/>
@@ -9259,7 +14932,7 @@
 </ct:contentTypeSchema>
 </file>
 
-<file path=customXml/item3.xml><?xml version="1.0" encoding="utf-8"?>
+<file path=customXml/item2.xml><?xml version="1.0" encoding="utf-8"?>
 <?mso-contentType ?>
 <FormTemplates xmlns="http://schemas.microsoft.com/sharepoint/v3/contenttype/forms">
   <Display>DocumentLibraryForm</Display>
@@ -9268,24 +14941,13 @@
 </FormTemplates>
 </file>
 
-<file path=customXml/itemProps1.xml><?xml version="1.0" encoding="utf-8"?>
-<ds:datastoreItem xmlns:ds="http://schemas.openxmlformats.org/officeDocument/2006/customXml" ds:itemID="{53CE5FDF-8CDE-4B10-B85C-FC05BEEA5EB1}">
-  <ds:schemaRefs>
-    <ds:schemaRef ds:uri="7d2d537f-5e9f-44ab-b00e-058bd7b53465"/>
-    <ds:schemaRef ds:uri="http://purl.org/dc/terms/"/>
-    <ds:schemaRef ds:uri="d9272087-702b-4136-93eb-f3b40bcf76b0"/>
-    <ds:schemaRef ds:uri="http://schemas.microsoft.com/office/2006/documentManagement/types"/>
-    <ds:schemaRef ds:uri="http://schemas.microsoft.com/office/infopath/2007/PartnerControls"/>
-    <ds:schemaRef ds:uri="http://purl.org/dc/elements/1.1/"/>
-    <ds:schemaRef ds:uri="http://schemas.microsoft.com/office/2006/metadata/properties"/>
-    <ds:schemaRef ds:uri="http://schemas.openxmlformats.org/package/2006/metadata/core-properties"/>
-    <ds:schemaRef ds:uri="http://www.w3.org/XML/1998/namespace"/>
-    <ds:schemaRef ds:uri="http://purl.org/dc/dcmitype/"/>
-  </ds:schemaRefs>
-</ds:datastoreItem>
+<file path=customXml/item3.xml><?xml version="1.0" encoding="utf-8"?>
+<p:properties xmlns:p="http://schemas.microsoft.com/office/2006/metadata/properties" xmlns:xsi="http://www.w3.org/2001/XMLSchema-instance" xmlns:pc="http://schemas.microsoft.com/office/infopath/2007/PartnerControls">
+  <documentManagement/>
+</p:properties>
 </file>
 
-<file path=customXml/itemProps2.xml><?xml version="1.0" encoding="utf-8"?>
+<file path=customXml/itemProps1.xml><?xml version="1.0" encoding="utf-8"?>
 <ds:datastoreItem xmlns:ds="http://schemas.openxmlformats.org/officeDocument/2006/customXml" ds:itemID="{E80734D4-360B-4946-8FC4-5CDA3C5686A8}">
   <ds:schemaRefs>
     <ds:schemaRef ds:uri="http://schemas.microsoft.com/office/2006/metadata/contentType"/>
@@ -9304,10 +14966,19 @@
 </ds:datastoreItem>
 </file>
 
-<file path=customXml/itemProps3.xml><?xml version="1.0" encoding="utf-8"?>
+<file path=customXml/itemProps2.xml><?xml version="1.0" encoding="utf-8"?>
 <ds:datastoreItem xmlns:ds="http://schemas.openxmlformats.org/officeDocument/2006/customXml" ds:itemID="{55A3EB87-F564-47E7-AFEA-A629475E6AB3}">
   <ds:schemaRefs>
     <ds:schemaRef ds:uri="http://schemas.microsoft.com/sharepoint/v3/contenttype/forms"/>
   </ds:schemaRefs>
 </ds:datastoreItem>
+</file>
+
+<file path=customXml/itemProps3.xml><?xml version="1.0" encoding="utf-8"?>
+<ds:datastoreItem xmlns:ds="http://schemas.openxmlformats.org/officeDocument/2006/customXml" ds:itemID="{53CE5FDF-8CDE-4B10-B85C-FC05BEEA5EB1}">
+  <ds:schemaRefs>
+    <ds:schemaRef ds:uri="http://schemas.microsoft.com/office/2006/metadata/properties"/>
+    <ds:schemaRef ds:uri="http://schemas.microsoft.com/office/infopath/2007/PartnerControls"/>
+  </ds:schemaRefs>
+</ds:datastoreItem>
 </file>